--- a/lab_worklflows/workflow_genotyping.pptx
+++ b/lab_worklflows/workflow_genotyping.pptx
@@ -7,9 +7,11 @@
   <p:sldIdLst>
     <p:sldId id="256" r:id="rId2"/>
     <p:sldId id="257" r:id="rId3"/>
-    <p:sldId id="258" r:id="rId4"/>
-    <p:sldId id="259" r:id="rId5"/>
-    <p:sldId id="260" r:id="rId6"/>
+    <p:sldId id="261" r:id="rId4"/>
+    <p:sldId id="258" r:id="rId5"/>
+    <p:sldId id="262" r:id="rId6"/>
+    <p:sldId id="259" r:id="rId7"/>
+    <p:sldId id="260" r:id="rId8"/>
   </p:sldIdLst>
   <p:sldSz cx="9906000" cy="6858000" type="A4"/>
   <p:notesSz cx="9144000" cy="6858000"/>
@@ -292,7 +294,7 @@
           <a:p>
             <a:fld id="{8D9818B1-73A9-614D-9720-773711B0B15A}" type="datetimeFigureOut">
               <a:rPr lang="en-US" smtClean="0"/>
-              <a:t>15/08/2013</a:t>
+              <a:t>05/09/2013</a:t>
             </a:fld>
             <a:endParaRPr lang="en-US"/>
           </a:p>
@@ -462,7 +464,7 @@
           <a:p>
             <a:fld id="{8D9818B1-73A9-614D-9720-773711B0B15A}" type="datetimeFigureOut">
               <a:rPr lang="en-US" smtClean="0"/>
-              <a:t>15/08/2013</a:t>
+              <a:t>05/09/2013</a:t>
             </a:fld>
             <a:endParaRPr lang="en-US"/>
           </a:p>
@@ -642,7 +644,7 @@
           <a:p>
             <a:fld id="{8D9818B1-73A9-614D-9720-773711B0B15A}" type="datetimeFigureOut">
               <a:rPr lang="en-US" smtClean="0"/>
-              <a:t>15/08/2013</a:t>
+              <a:t>05/09/2013</a:t>
             </a:fld>
             <a:endParaRPr lang="en-US"/>
           </a:p>
@@ -812,7 +814,7 @@
           <a:p>
             <a:fld id="{8D9818B1-73A9-614D-9720-773711B0B15A}" type="datetimeFigureOut">
               <a:rPr lang="en-US" smtClean="0"/>
-              <a:t>15/08/2013</a:t>
+              <a:t>05/09/2013</a:t>
             </a:fld>
             <a:endParaRPr lang="en-US"/>
           </a:p>
@@ -1058,7 +1060,7 @@
           <a:p>
             <a:fld id="{8D9818B1-73A9-614D-9720-773711B0B15A}" type="datetimeFigureOut">
               <a:rPr lang="en-US" smtClean="0"/>
-              <a:t>15/08/2013</a:t>
+              <a:t>05/09/2013</a:t>
             </a:fld>
             <a:endParaRPr lang="en-US"/>
           </a:p>
@@ -1346,7 +1348,7 @@
           <a:p>
             <a:fld id="{8D9818B1-73A9-614D-9720-773711B0B15A}" type="datetimeFigureOut">
               <a:rPr lang="en-US" smtClean="0"/>
-              <a:t>15/08/2013</a:t>
+              <a:t>05/09/2013</a:t>
             </a:fld>
             <a:endParaRPr lang="en-US"/>
           </a:p>
@@ -1773,7 +1775,7 @@
           <a:p>
             <a:fld id="{8D9818B1-73A9-614D-9720-773711B0B15A}" type="datetimeFigureOut">
               <a:rPr lang="en-US" smtClean="0"/>
-              <a:t>15/08/2013</a:t>
+              <a:t>05/09/2013</a:t>
             </a:fld>
             <a:endParaRPr lang="en-US"/>
           </a:p>
@@ -1891,7 +1893,7 @@
           <a:p>
             <a:fld id="{8D9818B1-73A9-614D-9720-773711B0B15A}" type="datetimeFigureOut">
               <a:rPr lang="en-US" smtClean="0"/>
-              <a:t>15/08/2013</a:t>
+              <a:t>05/09/2013</a:t>
             </a:fld>
             <a:endParaRPr lang="en-US"/>
           </a:p>
@@ -1986,7 +1988,7 @@
           <a:p>
             <a:fld id="{8D9818B1-73A9-614D-9720-773711B0B15A}" type="datetimeFigureOut">
               <a:rPr lang="en-US" smtClean="0"/>
-              <a:t>15/08/2013</a:t>
+              <a:t>05/09/2013</a:t>
             </a:fld>
             <a:endParaRPr lang="en-US"/>
           </a:p>
@@ -2263,7 +2265,7 @@
           <a:p>
             <a:fld id="{8D9818B1-73A9-614D-9720-773711B0B15A}" type="datetimeFigureOut">
               <a:rPr lang="en-US" smtClean="0"/>
-              <a:t>15/08/2013</a:t>
+              <a:t>05/09/2013</a:t>
             </a:fld>
             <a:endParaRPr lang="en-US"/>
           </a:p>
@@ -2516,7 +2518,7 @@
           <a:p>
             <a:fld id="{8D9818B1-73A9-614D-9720-773711B0B15A}" type="datetimeFigureOut">
               <a:rPr lang="en-US" smtClean="0"/>
-              <a:t>15/08/2013</a:t>
+              <a:t>05/09/2013</a:t>
             </a:fld>
             <a:endParaRPr lang="en-US"/>
           </a:p>
@@ -2729,7 +2731,7 @@
           <a:p>
             <a:fld id="{8D9818B1-73A9-614D-9720-773711B0B15A}" type="datetimeFigureOut">
               <a:rPr lang="en-US" smtClean="0"/>
-              <a:t>15/08/2013</a:t>
+              <a:t>05/09/2013</a:t>
             </a:fld>
             <a:endParaRPr lang="en-US"/>
           </a:p>
@@ -3757,15 +3759,7 @@
           <a:p>
             <a:r>
               <a:rPr lang="en-US" dirty="0" smtClean="0"/>
-              <a:t>tm1f = </a:t>
-            </a:r>
-            <a:r>
-              <a:rPr lang="en-US" dirty="0" smtClean="0"/>
-              <a:t>-Neo </a:t>
-            </a:r>
-            <a:r>
-              <a:rPr lang="en-US" dirty="0" smtClean="0"/>
-              <a:t>–</a:t>
+              <a:t>tm1f = -Neo –</a:t>
             </a:r>
             <a:r>
               <a:rPr lang="en-US" dirty="0" err="1" smtClean="0"/>
@@ -25906,17 +25900,7 @@
                   </a:schemeClr>
                 </a:solidFill>
               </a:rPr>
-              <a:t>version 1.0 Aug 16</a:t>
-            </a:r>
-            <a:r>
-              <a:rPr lang="en-US" sz="1400" baseline="30000" dirty="0" smtClean="0">
-                <a:solidFill>
-                  <a:schemeClr val="bg1">
-                    <a:lumMod val="75000"/>
-                  </a:schemeClr>
-                </a:solidFill>
-              </a:rPr>
-              <a:t>th</a:t>
+              <a:t>version </a:t>
             </a:r>
             <a:r>
               <a:rPr lang="en-US" sz="1400" dirty="0" smtClean="0">
@@ -25926,7 +25910,7 @@
                   </a:schemeClr>
                 </a:solidFill>
               </a:rPr>
-              <a:t> 2013</a:t>
+              <a:t>1.1 Sept 5th 2013</a:t>
             </a:r>
             <a:endParaRPr lang="en-US" sz="1400" dirty="0">
               <a:solidFill>
@@ -25977,14 +25961,14 @@
           <p:nvPr>
             <p:extLst>
               <p:ext uri="{D42A27DB-BD31-4B8C-83A1-F6EECF244321}">
-                <p14:modId xmlns:p14="http://schemas.microsoft.com/office/powerpoint/2010/main" val="2212218397"/>
+                <p14:modId xmlns:p14="http://schemas.microsoft.com/office/powerpoint/2010/main" val="2341508187"/>
               </p:ext>
             </p:extLst>
           </p:nvPr>
         </p:nvGraphicFramePr>
         <p:xfrm>
           <a:off x="615043" y="1541472"/>
-          <a:ext cx="3059490" cy="2099196"/>
+          <a:ext cx="3059490" cy="2449062"/>
         </p:xfrm>
         <a:graphic>
           <a:graphicData uri="http://schemas.openxmlformats.org/drawingml/2006/table">
@@ -25993,10 +25977,10 @@
                 <a:tableStyleId>{D7AC3CCA-C797-4891-BE02-D94E43425B78}</a:tableStyleId>
               </a:tblPr>
               <a:tblGrid>
-                <a:gridCol w="917411"/>
-                <a:gridCol w="558800"/>
-                <a:gridCol w="787400"/>
-                <a:gridCol w="795879"/>
+                <a:gridCol w="864133"/>
+                <a:gridCol w="537883"/>
+                <a:gridCol w="806823"/>
+                <a:gridCol w="850651"/>
               </a:tblGrid>
               <a:tr h="349866">
                 <a:tc>
@@ -26215,59 +26199,13 @@
                     <a:bodyPr/>
                     <a:lstStyle/>
                     <a:p>
-                      <a:endParaRPr lang="en-US" sz="1000"/>
-                    </a:p>
-                  </a:txBody>
-                  <a:tcPr marL="111453" marR="111453" marT="55727" marB="55727">
-                    <a:noFill/>
-                  </a:tcPr>
-                </a:tc>
-                <a:tc>
-                  <a:txBody>
-                    <a:bodyPr/>
-                    <a:lstStyle/>
-                    <a:p>
-                      <a:endParaRPr lang="en-US" sz="1000" dirty="0"/>
-                    </a:p>
-                  </a:txBody>
-                  <a:tcPr marL="111453" marR="111453" marT="55727" marB="55727">
-                    <a:noFill/>
-                  </a:tcPr>
-                </a:tc>
-                <a:tc>
-                  <a:txBody>
-                    <a:bodyPr/>
-                    <a:lstStyle/>
-                    <a:p>
-                      <a:endParaRPr lang="en-US" sz="1000" dirty="0"/>
-                    </a:p>
-                  </a:txBody>
-                  <a:tcPr marL="111453" marR="111453" marT="55727" marB="55727">
-                    <a:noFill/>
-                  </a:tcPr>
-                </a:tc>
-                <a:tc>
-                  <a:txBody>
-                    <a:bodyPr/>
-                    <a:lstStyle/>
-                    <a:p>
-                      <a:endParaRPr lang="en-US" sz="1000" dirty="0"/>
-                    </a:p>
-                  </a:txBody>
-                  <a:tcPr marL="111453" marR="111453" marT="55727" marB="55727">
-                    <a:noFill/>
-                  </a:tcPr>
-                </a:tc>
-              </a:tr>
-              <a:tr h="349866">
-                <a:tc>
-                  <a:txBody>
-                    <a:bodyPr/>
-                    <a:lstStyle/>
-                    <a:p>
                       <a:r>
                         <a:rPr lang="en-US" sz="1000" b="1" dirty="0" smtClean="0"/>
-                        <a:t>LOA DEL</a:t>
+                        <a:t>LOA TAM</a:t>
+                      </a:r>
+                      <a:r>
+                        <a:rPr lang="en-US" sz="1000" b="1" baseline="0" dirty="0" smtClean="0"/>
+                        <a:t> *</a:t>
                       </a:r>
                       <a:endParaRPr lang="en-US" sz="1000" b="1" dirty="0"/>
                     </a:p>
@@ -26283,7 +26221,7 @@
                     <a:p>
                       <a:r>
                         <a:rPr lang="en-US" sz="1000" dirty="0" smtClean="0"/>
-                        <a:t>- OHT</a:t>
+                        <a:t>+ OHT</a:t>
                       </a:r>
                       <a:endParaRPr lang="en-US" sz="1000" dirty="0"/>
                     </a:p>
@@ -26331,7 +26269,85 @@
                     <a:bodyPr/>
                     <a:lstStyle/>
                     <a:p>
+                      <a:r>
+                        <a:rPr lang="en-US" sz="1000" b="1" dirty="0" smtClean="0"/>
+                        <a:t>LOA </a:t>
+                      </a:r>
+                      <a:r>
+                        <a:rPr lang="en-US" sz="1000" b="1" dirty="0" smtClean="0"/>
+                        <a:t>DEL</a:t>
+                      </a:r>
+                      <a:endParaRPr lang="en-US" sz="1000" b="1" dirty="0"/>
+                    </a:p>
+                  </a:txBody>
+                  <a:tcPr marL="111453" marR="111453" marT="55727" marB="55727">
+                    <a:noFill/>
+                  </a:tcPr>
+                </a:tc>
+                <a:tc>
+                  <a:txBody>
+                    <a:bodyPr/>
+                    <a:lstStyle/>
+                    <a:p>
+                      <a:r>
+                        <a:rPr lang="en-US" sz="1000" dirty="0" smtClean="0"/>
+                        <a:t>- </a:t>
+                      </a:r>
+                      <a:r>
+                        <a:rPr lang="en-US" sz="1000" dirty="0" smtClean="0"/>
+                        <a:t>OHT</a:t>
+                      </a:r>
                       <a:endParaRPr lang="en-US" sz="1000" dirty="0"/>
+                    </a:p>
+                  </a:txBody>
+                  <a:tcPr marL="111453" marR="111453" marT="55727" marB="55727">
+                    <a:noFill/>
+                  </a:tcPr>
+                </a:tc>
+                <a:tc>
+                  <a:txBody>
+                    <a:bodyPr/>
+                    <a:lstStyle/>
+                    <a:p>
+                      <a:r>
+                        <a:rPr lang="en-US" sz="1000" dirty="0" smtClean="0"/>
+                        <a:t>2</a:t>
+                      </a:r>
+                      <a:endParaRPr lang="en-US" sz="1000" dirty="0"/>
+                    </a:p>
+                  </a:txBody>
+                  <a:tcPr marL="111453" marR="111453" marT="55727" marB="55727">
+                    <a:noFill/>
+                  </a:tcPr>
+                </a:tc>
+                <a:tc>
+                  <a:txBody>
+                    <a:bodyPr/>
+                    <a:lstStyle/>
+                    <a:p>
+                      <a:r>
+                        <a:rPr lang="en-US" sz="1000" dirty="0" smtClean="0"/>
+                        <a:t>1</a:t>
+                      </a:r>
+                      <a:endParaRPr lang="en-US" sz="1000" dirty="0"/>
+                    </a:p>
+                  </a:txBody>
+                  <a:tcPr marL="111453" marR="111453" marT="55727" marB="55727">
+                    <a:noFill/>
+                  </a:tcPr>
+                </a:tc>
+              </a:tr>
+              <a:tr h="349866">
+                <a:tc>
+                  <a:txBody>
+                    <a:bodyPr/>
+                    <a:lstStyle/>
+                    <a:p>
+                      <a:r>
+                        <a:rPr lang="en-US" sz="1000" b="1" dirty="0" smtClean="0"/>
+                        <a:t>NEO **</a:t>
+                      </a:r>
+                      <a:endParaRPr lang="en-US" sz="1000" b="1" dirty="0"/>
                     </a:p>
                   </a:txBody>
                   <a:tcPr marL="111453" marR="111453" marT="55727" marB="55727">
@@ -26355,6 +26371,10 @@
                     <a:bodyPr/>
                     <a:lstStyle/>
                     <a:p>
+                      <a:r>
+                        <a:rPr lang="en-US" sz="1000" dirty="0" smtClean="0"/>
+                        <a:t>0</a:t>
+                      </a:r>
                       <a:endParaRPr lang="en-US" sz="1000" dirty="0"/>
                     </a:p>
                   </a:txBody>
@@ -26367,6 +26387,72 @@
                     <a:bodyPr/>
                     <a:lstStyle/>
                     <a:p>
+                      <a:r>
+                        <a:rPr lang="en-US" sz="1000" dirty="0" smtClean="0"/>
+                        <a:t>0</a:t>
+                      </a:r>
+                      <a:endParaRPr lang="en-US" sz="1000" dirty="0"/>
+                    </a:p>
+                  </a:txBody>
+                  <a:tcPr marL="111453" marR="111453" marT="55727" marB="55727">
+                    <a:noFill/>
+                  </a:tcPr>
+                </a:tc>
+              </a:tr>
+              <a:tr h="349866">
+                <a:tc>
+                  <a:txBody>
+                    <a:bodyPr/>
+                    <a:lstStyle/>
+                    <a:p>
+                      <a:r>
+                        <a:rPr lang="en-US" sz="1000" b="1" dirty="0" smtClean="0"/>
+                        <a:t>BSD</a:t>
+                      </a:r>
+                      <a:endParaRPr lang="en-US" sz="1000" b="1" dirty="0"/>
+                    </a:p>
+                  </a:txBody>
+                  <a:tcPr marL="111453" marR="111453" marT="55727" marB="55727">
+                    <a:noFill/>
+                  </a:tcPr>
+                </a:tc>
+                <a:tc>
+                  <a:txBody>
+                    <a:bodyPr/>
+                    <a:lstStyle/>
+                    <a:p>
+                      <a:endParaRPr lang="en-US" sz="1000" dirty="0"/>
+                    </a:p>
+                  </a:txBody>
+                  <a:tcPr marL="111453" marR="111453" marT="55727" marB="55727">
+                    <a:noFill/>
+                  </a:tcPr>
+                </a:tc>
+                <a:tc>
+                  <a:txBody>
+                    <a:bodyPr/>
+                    <a:lstStyle/>
+                    <a:p>
+                      <a:r>
+                        <a:rPr lang="en-US" sz="1000" dirty="0" smtClean="0"/>
+                        <a:t>0</a:t>
+                      </a:r>
+                      <a:endParaRPr lang="en-US" sz="1000" dirty="0"/>
+                    </a:p>
+                  </a:txBody>
+                  <a:tcPr marL="111453" marR="111453" marT="55727" marB="55727">
+                    <a:noFill/>
+                  </a:tcPr>
+                </a:tc>
+                <a:tc>
+                  <a:txBody>
+                    <a:bodyPr/>
+                    <a:lstStyle/>
+                    <a:p>
+                      <a:r>
+                        <a:rPr lang="en-US" sz="1000" dirty="0" smtClean="0"/>
+                        <a:t>1</a:t>
+                      </a:r>
                       <a:endParaRPr lang="en-US" sz="1000" dirty="0"/>
                     </a:p>
                   </a:txBody>
@@ -26426,6 +26512,1034 @@
           </a:p>
         </p:txBody>
       </p:sp>
+      <p:sp>
+        <p:nvSpPr>
+          <p:cNvPr id="8" name="Rectangle 7"/>
+          <p:cNvSpPr/>
+          <p:nvPr/>
+        </p:nvSpPr>
+        <p:spPr>
+          <a:xfrm>
+            <a:off x="651914" y="1179734"/>
+            <a:ext cx="2207956" cy="369332"/>
+          </a:xfrm>
+          <a:prstGeom prst="rect">
+            <a:avLst/>
+          </a:prstGeom>
+        </p:spPr>
+        <p:txBody>
+          <a:bodyPr wrap="none">
+            <a:spAutoFit/>
+          </a:bodyPr>
+          <a:lstStyle/>
+          <a:p>
+            <a:r>
+              <a:rPr lang="en-US" i="1" dirty="0" smtClean="0"/>
+              <a:t>First Electroporation:</a:t>
+            </a:r>
+            <a:endParaRPr lang="en-US" i="1" dirty="0"/>
+          </a:p>
+        </p:txBody>
+      </p:sp>
+      <p:sp>
+        <p:nvSpPr>
+          <p:cNvPr id="11" name="TextBox 10"/>
+          <p:cNvSpPr txBox="1"/>
+          <p:nvPr/>
+        </p:nvSpPr>
+        <p:spPr>
+          <a:xfrm>
+            <a:off x="3805843" y="1549066"/>
+            <a:ext cx="3005668" cy="1754327"/>
+          </a:xfrm>
+          <a:prstGeom prst="rect">
+            <a:avLst/>
+          </a:prstGeom>
+          <a:noFill/>
+        </p:spPr>
+        <p:txBody>
+          <a:bodyPr wrap="square" rtlCol="0">
+            <a:spAutoFit/>
+          </a:bodyPr>
+          <a:lstStyle/>
+          <a:p>
+            <a:r>
+              <a:rPr lang="en-US" sz="1200" dirty="0" smtClean="0"/>
+              <a:t>tm1/</a:t>
+            </a:r>
+            <a:r>
+              <a:rPr lang="en-US" sz="1200" dirty="0" err="1" smtClean="0"/>
+              <a:t>wt</a:t>
+            </a:r>
+            <a:r>
+              <a:rPr lang="en-US" sz="1200" dirty="0" smtClean="0"/>
+              <a:t> is what you want</a:t>
+            </a:r>
+          </a:p>
+          <a:p>
+            <a:endParaRPr lang="en-US" sz="1200" dirty="0"/>
+          </a:p>
+          <a:p>
+            <a:r>
+              <a:rPr lang="en-US" sz="1200" dirty="0" err="1" smtClean="0"/>
+              <a:t>wt</a:t>
+            </a:r>
+            <a:r>
+              <a:rPr lang="en-US" sz="1200" dirty="0" smtClean="0"/>
+              <a:t>/</a:t>
+            </a:r>
+            <a:r>
+              <a:rPr lang="en-US" sz="1200" dirty="0" err="1" smtClean="0"/>
+              <a:t>wt</a:t>
+            </a:r>
+            <a:r>
+              <a:rPr lang="en-US" sz="1200" dirty="0" smtClean="0"/>
+              <a:t> is total failure of electroporation</a:t>
+            </a:r>
+          </a:p>
+          <a:p>
+            <a:endParaRPr lang="en-US" sz="1200" dirty="0"/>
+          </a:p>
+          <a:p>
+            <a:r>
+              <a:rPr lang="en-US" sz="1200" dirty="0" smtClean="0"/>
+              <a:t>* No </a:t>
+            </a:r>
+            <a:r>
+              <a:rPr lang="en-US" sz="1200" dirty="0" smtClean="0"/>
+              <a:t>final </a:t>
+            </a:r>
+            <a:r>
+              <a:rPr lang="en-US" sz="1200" dirty="0" err="1" smtClean="0"/>
+              <a:t>loxp</a:t>
+            </a:r>
+            <a:r>
+              <a:rPr lang="en-US" sz="1200" dirty="0" smtClean="0"/>
+              <a:t> site with </a:t>
+            </a:r>
+            <a:r>
+              <a:rPr lang="en-US" sz="1200" dirty="0" err="1" smtClean="0"/>
+              <a:t>Bsd</a:t>
+            </a:r>
+            <a:r>
+              <a:rPr lang="en-US" sz="1200" dirty="0" smtClean="0"/>
+              <a:t> vector so no </a:t>
+            </a:r>
+            <a:r>
+              <a:rPr lang="en-US" sz="1200" dirty="0" smtClean="0"/>
+              <a:t>benefit in doing </a:t>
+            </a:r>
+            <a:r>
+              <a:rPr lang="en-US" sz="1200" dirty="0" smtClean="0"/>
+              <a:t>+ OHT </a:t>
+            </a:r>
+            <a:r>
+              <a:rPr lang="en-US" sz="1200" dirty="0" smtClean="0"/>
+              <a:t>assay</a:t>
+            </a:r>
+          </a:p>
+          <a:p>
+            <a:endParaRPr lang="en-US" sz="1200" dirty="0" smtClean="0"/>
+          </a:p>
+          <a:p>
+            <a:r>
+              <a:rPr lang="en-US" sz="1200" dirty="0" smtClean="0"/>
+              <a:t>** No Neo resistance in cassette so no benefit in doing Neo assay</a:t>
+            </a:r>
+            <a:endParaRPr lang="en-US" sz="1200" dirty="0"/>
+          </a:p>
+        </p:txBody>
+      </p:sp>
+      <p:grpSp>
+        <p:nvGrpSpPr>
+          <p:cNvPr id="14" name="Group 13"/>
+          <p:cNvGrpSpPr/>
+          <p:nvPr/>
+        </p:nvGrpSpPr>
+        <p:grpSpPr>
+          <a:xfrm>
+            <a:off x="2071155" y="1591939"/>
+            <a:ext cx="700253" cy="251299"/>
+            <a:chOff x="277647" y="1751515"/>
+            <a:chExt cx="700253" cy="251299"/>
+          </a:xfrm>
+        </p:grpSpPr>
+        <p:sp>
+          <p:nvSpPr>
+            <p:cNvPr id="15" name="AutoShape 148"/>
+            <p:cNvSpPr>
+              <a:spLocks noChangeArrowheads="1"/>
+            </p:cNvSpPr>
+            <p:nvPr/>
+          </p:nvSpPr>
+          <p:spPr bwMode="auto">
+            <a:xfrm>
+              <a:off x="277647" y="1751515"/>
+              <a:ext cx="700253" cy="251299"/>
+            </a:xfrm>
+            <a:prstGeom prst="roundRect">
+              <a:avLst>
+                <a:gd name="adj" fmla="val 16667"/>
+              </a:avLst>
+            </a:prstGeom>
+            <a:noFill/>
+            <a:ln w="6350" cmpd="sng">
+              <a:solidFill>
+                <a:schemeClr val="tx1"/>
+              </a:solidFill>
+              <a:round/>
+              <a:headEnd/>
+              <a:tailEnd/>
+            </a:ln>
+            <a:extLst>
+              <a:ext uri="{909E8E84-426E-40dd-AFC4-6F175D3DCCD1}">
+                <a14:hiddenFill xmlns:a14="http://schemas.microsoft.com/office/drawing/2010/main">
+                  <a:solidFill>
+                    <a:srgbClr val="FFFFFF"/>
+                  </a:solidFill>
+                </a14:hiddenFill>
+              </a:ext>
+            </a:extLst>
+          </p:spPr>
+          <p:txBody>
+            <a:bodyPr wrap="none" anchor="ctr"/>
+            <a:lstStyle/>
+            <a:p>
+              <a:endParaRPr lang="en-US">
+                <a:latin typeface="Calibri" charset="0"/>
+              </a:endParaRPr>
+            </a:p>
+          </p:txBody>
+        </p:sp>
+        <p:sp>
+          <p:nvSpPr>
+            <p:cNvPr id="16" name="Line 151"/>
+            <p:cNvSpPr>
+              <a:spLocks noChangeShapeType="1"/>
+            </p:cNvSpPr>
+            <p:nvPr/>
+          </p:nvSpPr>
+          <p:spPr bwMode="auto">
+            <a:xfrm>
+              <a:off x="379946" y="1819139"/>
+              <a:ext cx="536262" cy="0"/>
+            </a:xfrm>
+            <a:prstGeom prst="line">
+              <a:avLst/>
+            </a:prstGeom>
+            <a:noFill/>
+            <a:ln w="6350" cmpd="sng">
+              <a:solidFill>
+                <a:schemeClr val="tx1"/>
+              </a:solidFill>
+              <a:round/>
+              <a:headEnd/>
+              <a:tailEnd/>
+            </a:ln>
+            <a:extLst>
+              <a:ext uri="{909E8E84-426E-40dd-AFC4-6F175D3DCCD1}">
+                <a14:hiddenFill xmlns:a14="http://schemas.microsoft.com/office/drawing/2010/main">
+                  <a:noFill/>
+                </a14:hiddenFill>
+              </a:ext>
+            </a:extLst>
+          </p:spPr>
+          <p:txBody>
+            <a:bodyPr/>
+            <a:lstStyle/>
+            <a:p>
+              <a:endParaRPr lang="en-US"/>
+            </a:p>
+          </p:txBody>
+        </p:sp>
+        <p:sp>
+          <p:nvSpPr>
+            <p:cNvPr id="17" name="Oval 152"/>
+            <p:cNvSpPr>
+              <a:spLocks noChangeArrowheads="1"/>
+            </p:cNvSpPr>
+            <p:nvPr/>
+          </p:nvSpPr>
+          <p:spPr bwMode="auto">
+            <a:xfrm>
+              <a:off x="343462" y="1800310"/>
+              <a:ext cx="36889" cy="36837"/>
+            </a:xfrm>
+            <a:prstGeom prst="ellipse">
+              <a:avLst/>
+            </a:prstGeom>
+            <a:solidFill>
+              <a:schemeClr val="bg2"/>
+            </a:solidFill>
+            <a:ln w="6350" cmpd="sng">
+              <a:solidFill>
+                <a:schemeClr val="tx1"/>
+              </a:solidFill>
+              <a:round/>
+              <a:headEnd/>
+              <a:tailEnd/>
+            </a:ln>
+          </p:spPr>
+          <p:txBody>
+            <a:bodyPr wrap="none" anchor="ctr"/>
+            <a:lstStyle/>
+            <a:p>
+              <a:endParaRPr lang="en-US">
+                <a:latin typeface="Calibri" charset="0"/>
+              </a:endParaRPr>
+            </a:p>
+          </p:txBody>
+        </p:sp>
+        <p:sp>
+          <p:nvSpPr>
+            <p:cNvPr id="18" name="Line 154"/>
+            <p:cNvSpPr>
+              <a:spLocks noChangeShapeType="1"/>
+            </p:cNvSpPr>
+            <p:nvPr/>
+          </p:nvSpPr>
+          <p:spPr bwMode="auto">
+            <a:xfrm>
+              <a:off x="380299" y="1930996"/>
+              <a:ext cx="535909" cy="0"/>
+            </a:xfrm>
+            <a:prstGeom prst="line">
+              <a:avLst/>
+            </a:prstGeom>
+            <a:noFill/>
+            <a:ln w="6350" cmpd="sng">
+              <a:solidFill>
+                <a:srgbClr val="000000"/>
+              </a:solidFill>
+              <a:round/>
+              <a:headEnd/>
+              <a:tailEnd/>
+            </a:ln>
+            <a:extLst>
+              <a:ext uri="{909E8E84-426E-40dd-AFC4-6F175D3DCCD1}">
+                <a14:hiddenFill xmlns:a14="http://schemas.microsoft.com/office/drawing/2010/main">
+                  <a:noFill/>
+                </a14:hiddenFill>
+              </a:ext>
+            </a:extLst>
+          </p:spPr>
+          <p:txBody>
+            <a:bodyPr/>
+            <a:lstStyle/>
+            <a:p>
+              <a:endParaRPr lang="en-US"/>
+            </a:p>
+          </p:txBody>
+        </p:sp>
+        <p:sp>
+          <p:nvSpPr>
+            <p:cNvPr id="19" name="Oval 158"/>
+            <p:cNvSpPr>
+              <a:spLocks noChangeArrowheads="1"/>
+            </p:cNvSpPr>
+            <p:nvPr/>
+          </p:nvSpPr>
+          <p:spPr bwMode="auto">
+            <a:xfrm>
+              <a:off x="341498" y="1913314"/>
+              <a:ext cx="36837" cy="36837"/>
+            </a:xfrm>
+            <a:prstGeom prst="ellipse">
+              <a:avLst/>
+            </a:prstGeom>
+            <a:solidFill>
+              <a:schemeClr val="bg2"/>
+            </a:solidFill>
+            <a:ln w="6350" cmpd="sng">
+              <a:solidFill>
+                <a:schemeClr val="tx1"/>
+              </a:solidFill>
+              <a:round/>
+              <a:headEnd/>
+              <a:tailEnd/>
+            </a:ln>
+          </p:spPr>
+          <p:txBody>
+            <a:bodyPr wrap="none" anchor="ctr"/>
+            <a:lstStyle/>
+            <a:p>
+              <a:endParaRPr lang="en-US">
+                <a:latin typeface="Calibri" charset="0"/>
+              </a:endParaRPr>
+            </a:p>
+          </p:txBody>
+        </p:sp>
+        <p:sp>
+          <p:nvSpPr>
+            <p:cNvPr id="20" name="Rectangle 167"/>
+            <p:cNvSpPr>
+              <a:spLocks noChangeArrowheads="1"/>
+            </p:cNvSpPr>
+            <p:nvPr/>
+          </p:nvSpPr>
+          <p:spPr bwMode="auto">
+            <a:xfrm>
+              <a:off x="761725" y="1783791"/>
+              <a:ext cx="25213" cy="70694"/>
+            </a:xfrm>
+            <a:prstGeom prst="rect">
+              <a:avLst/>
+            </a:prstGeom>
+            <a:solidFill>
+              <a:srgbClr val="FFFF00"/>
+            </a:solidFill>
+            <a:ln w="6350" cmpd="sng">
+              <a:solidFill>
+                <a:srgbClr val="000000"/>
+              </a:solidFill>
+              <a:miter lim="800000"/>
+              <a:headEnd/>
+              <a:tailEnd/>
+            </a:ln>
+          </p:spPr>
+          <p:txBody>
+            <a:bodyPr wrap="none" lIns="91429" tIns="45715" rIns="91429" bIns="45715" anchor="ctr"/>
+            <a:lstStyle/>
+            <a:p>
+              <a:pPr algn="ctr"/>
+              <a:endParaRPr lang="en-US" altLang="zh-CN" sz="1600" i="1">
+                <a:solidFill>
+                  <a:srgbClr val="F5F5F5"/>
+                </a:solidFill>
+                <a:latin typeface="Calibri" charset="0"/>
+                <a:ea typeface="SimSun" charset="0"/>
+                <a:cs typeface="SimSun" charset="0"/>
+              </a:endParaRPr>
+            </a:p>
+          </p:txBody>
+        </p:sp>
+        <p:sp>
+          <p:nvSpPr>
+            <p:cNvPr id="21" name="Rectangle 167"/>
+            <p:cNvSpPr>
+              <a:spLocks noChangeArrowheads="1"/>
+            </p:cNvSpPr>
+            <p:nvPr/>
+          </p:nvSpPr>
+          <p:spPr bwMode="auto">
+            <a:xfrm>
+              <a:off x="761725" y="1895649"/>
+              <a:ext cx="25213" cy="70694"/>
+            </a:xfrm>
+            <a:prstGeom prst="rect">
+              <a:avLst/>
+            </a:prstGeom>
+            <a:solidFill>
+              <a:srgbClr val="FFFF00"/>
+            </a:solidFill>
+            <a:ln w="6350" cmpd="sng">
+              <a:solidFill>
+                <a:srgbClr val="000000"/>
+              </a:solidFill>
+              <a:miter lim="800000"/>
+              <a:headEnd/>
+              <a:tailEnd/>
+            </a:ln>
+          </p:spPr>
+          <p:txBody>
+            <a:bodyPr wrap="none" lIns="91429" tIns="45715" rIns="91429" bIns="45715" anchor="ctr"/>
+            <a:lstStyle/>
+            <a:p>
+              <a:pPr algn="ctr"/>
+              <a:endParaRPr lang="en-US" altLang="zh-CN" sz="1600" i="1">
+                <a:solidFill>
+                  <a:srgbClr val="F5F5F5"/>
+                </a:solidFill>
+                <a:latin typeface="Calibri" charset="0"/>
+                <a:ea typeface="SimSun" charset="0"/>
+                <a:cs typeface="SimSun" charset="0"/>
+              </a:endParaRPr>
+            </a:p>
+          </p:txBody>
+        </p:sp>
+      </p:grpSp>
+      <p:grpSp>
+        <p:nvGrpSpPr>
+          <p:cNvPr id="30" name="Group 29"/>
+          <p:cNvGrpSpPr/>
+          <p:nvPr/>
+        </p:nvGrpSpPr>
+        <p:grpSpPr>
+          <a:xfrm>
+            <a:off x="2900344" y="1541472"/>
+            <a:ext cx="700253" cy="298841"/>
+            <a:chOff x="281157" y="710678"/>
+            <a:chExt cx="700253" cy="298841"/>
+          </a:xfrm>
+        </p:grpSpPr>
+        <p:sp>
+          <p:nvSpPr>
+            <p:cNvPr id="31" name="AutoShape 148"/>
+            <p:cNvSpPr>
+              <a:spLocks noChangeArrowheads="1"/>
+            </p:cNvSpPr>
+            <p:nvPr/>
+          </p:nvSpPr>
+          <p:spPr bwMode="auto">
+            <a:xfrm>
+              <a:off x="281157" y="758220"/>
+              <a:ext cx="700253" cy="251299"/>
+            </a:xfrm>
+            <a:prstGeom prst="roundRect">
+              <a:avLst>
+                <a:gd name="adj" fmla="val 16667"/>
+              </a:avLst>
+            </a:prstGeom>
+            <a:noFill/>
+            <a:ln w="6350" cmpd="sng">
+              <a:solidFill>
+                <a:schemeClr val="tx1"/>
+              </a:solidFill>
+              <a:round/>
+              <a:headEnd/>
+              <a:tailEnd/>
+            </a:ln>
+            <a:extLst>
+              <a:ext uri="{909E8E84-426E-40dd-AFC4-6F175D3DCCD1}">
+                <a14:hiddenFill xmlns:a14="http://schemas.microsoft.com/office/drawing/2010/main">
+                  <a:solidFill>
+                    <a:srgbClr val="FFFFFF"/>
+                  </a:solidFill>
+                </a14:hiddenFill>
+              </a:ext>
+            </a:extLst>
+          </p:spPr>
+          <p:txBody>
+            <a:bodyPr wrap="none" anchor="ctr"/>
+            <a:lstStyle/>
+            <a:p>
+              <a:endParaRPr lang="en-US">
+                <a:latin typeface="Calibri" charset="0"/>
+              </a:endParaRPr>
+            </a:p>
+          </p:txBody>
+        </p:sp>
+        <p:sp>
+          <p:nvSpPr>
+            <p:cNvPr id="32" name="Line 154"/>
+            <p:cNvSpPr>
+              <a:spLocks noChangeShapeType="1"/>
+            </p:cNvSpPr>
+            <p:nvPr/>
+          </p:nvSpPr>
+          <p:spPr bwMode="auto">
+            <a:xfrm>
+              <a:off x="383809" y="937701"/>
+              <a:ext cx="535909" cy="0"/>
+            </a:xfrm>
+            <a:prstGeom prst="line">
+              <a:avLst/>
+            </a:prstGeom>
+            <a:noFill/>
+            <a:ln w="6350" cmpd="sng">
+              <a:solidFill>
+                <a:srgbClr val="000000"/>
+              </a:solidFill>
+              <a:round/>
+              <a:headEnd/>
+              <a:tailEnd/>
+            </a:ln>
+            <a:extLst>
+              <a:ext uri="{909E8E84-426E-40dd-AFC4-6F175D3DCCD1}">
+                <a14:hiddenFill xmlns:a14="http://schemas.microsoft.com/office/drawing/2010/main">
+                  <a:noFill/>
+                </a14:hiddenFill>
+              </a:ext>
+            </a:extLst>
+          </p:spPr>
+          <p:txBody>
+            <a:bodyPr/>
+            <a:lstStyle/>
+            <a:p>
+              <a:endParaRPr lang="en-US"/>
+            </a:p>
+          </p:txBody>
+        </p:sp>
+        <p:sp>
+          <p:nvSpPr>
+            <p:cNvPr id="33" name="Oval 158"/>
+            <p:cNvSpPr>
+              <a:spLocks noChangeArrowheads="1"/>
+            </p:cNvSpPr>
+            <p:nvPr/>
+          </p:nvSpPr>
+          <p:spPr bwMode="auto">
+            <a:xfrm>
+              <a:off x="345008" y="920019"/>
+              <a:ext cx="36837" cy="36837"/>
+            </a:xfrm>
+            <a:prstGeom prst="ellipse">
+              <a:avLst/>
+            </a:prstGeom>
+            <a:solidFill>
+              <a:schemeClr val="bg2"/>
+            </a:solidFill>
+            <a:ln w="6350" cmpd="sng">
+              <a:solidFill>
+                <a:schemeClr val="tx1"/>
+              </a:solidFill>
+              <a:round/>
+              <a:headEnd/>
+              <a:tailEnd/>
+            </a:ln>
+          </p:spPr>
+          <p:txBody>
+            <a:bodyPr wrap="none" anchor="ctr"/>
+            <a:lstStyle/>
+            <a:p>
+              <a:endParaRPr lang="en-US">
+                <a:latin typeface="Calibri" charset="0"/>
+              </a:endParaRPr>
+            </a:p>
+          </p:txBody>
+        </p:sp>
+        <p:sp>
+          <p:nvSpPr>
+            <p:cNvPr id="34" name="Rectangle 167"/>
+            <p:cNvSpPr>
+              <a:spLocks noChangeArrowheads="1"/>
+            </p:cNvSpPr>
+            <p:nvPr/>
+          </p:nvSpPr>
+          <p:spPr bwMode="auto">
+            <a:xfrm>
+              <a:off x="765235" y="902354"/>
+              <a:ext cx="25213" cy="70694"/>
+            </a:xfrm>
+            <a:prstGeom prst="rect">
+              <a:avLst/>
+            </a:prstGeom>
+            <a:solidFill>
+              <a:srgbClr val="FFFF00"/>
+            </a:solidFill>
+            <a:ln w="6350" cmpd="sng">
+              <a:solidFill>
+                <a:srgbClr val="000000"/>
+              </a:solidFill>
+              <a:miter lim="800000"/>
+              <a:headEnd/>
+              <a:tailEnd/>
+            </a:ln>
+          </p:spPr>
+          <p:txBody>
+            <a:bodyPr wrap="none" lIns="91429" tIns="45715" rIns="91429" bIns="45715" anchor="ctr"/>
+            <a:lstStyle/>
+            <a:p>
+              <a:pPr algn="ctr"/>
+              <a:endParaRPr lang="en-US" altLang="zh-CN" sz="1600" i="1">
+                <a:solidFill>
+                  <a:srgbClr val="F5F5F5"/>
+                </a:solidFill>
+                <a:latin typeface="Calibri" charset="0"/>
+                <a:ea typeface="SimSun" charset="0"/>
+                <a:cs typeface="SimSun" charset="0"/>
+              </a:endParaRPr>
+            </a:p>
+          </p:txBody>
+        </p:sp>
+        <p:grpSp>
+          <p:nvGrpSpPr>
+            <p:cNvPr id="35" name="Group 34"/>
+            <p:cNvGrpSpPr/>
+            <p:nvPr/>
+          </p:nvGrpSpPr>
+          <p:grpSpPr>
+            <a:xfrm>
+              <a:off x="345008" y="710678"/>
+              <a:ext cx="572746" cy="215444"/>
+              <a:chOff x="7970663" y="764033"/>
+              <a:chExt cx="572746" cy="215444"/>
+            </a:xfrm>
+          </p:grpSpPr>
+          <p:sp>
+            <p:nvSpPr>
+              <p:cNvPr id="36" name="Line 151"/>
+              <p:cNvSpPr>
+                <a:spLocks noChangeShapeType="1"/>
+              </p:cNvSpPr>
+              <p:nvPr/>
+            </p:nvSpPr>
+            <p:spPr bwMode="auto">
+              <a:xfrm>
+                <a:off x="8007147" y="881280"/>
+                <a:ext cx="536262" cy="0"/>
+              </a:xfrm>
+              <a:prstGeom prst="line">
+                <a:avLst/>
+              </a:prstGeom>
+              <a:noFill/>
+              <a:ln w="6350" cmpd="sng">
+                <a:solidFill>
+                  <a:schemeClr val="tx1"/>
+                </a:solidFill>
+                <a:round/>
+                <a:headEnd/>
+                <a:tailEnd/>
+              </a:ln>
+              <a:extLst>
+                <a:ext uri="{909E8E84-426E-40dd-AFC4-6F175D3DCCD1}">
+                  <a14:hiddenFill xmlns:a14="http://schemas.microsoft.com/office/drawing/2010/main">
+                    <a:noFill/>
+                  </a14:hiddenFill>
+                </a:ext>
+              </a:extLst>
+            </p:spPr>
+            <p:txBody>
+              <a:bodyPr/>
+              <a:lstStyle/>
+              <a:p>
+                <a:endParaRPr lang="en-US"/>
+              </a:p>
+            </p:txBody>
+          </p:sp>
+          <p:sp>
+            <p:nvSpPr>
+              <p:cNvPr id="37" name="Oval 152"/>
+              <p:cNvSpPr>
+                <a:spLocks noChangeArrowheads="1"/>
+              </p:cNvSpPr>
+              <p:nvPr/>
+            </p:nvSpPr>
+            <p:spPr bwMode="auto">
+              <a:xfrm>
+                <a:off x="7970663" y="862451"/>
+                <a:ext cx="36889" cy="36837"/>
+              </a:xfrm>
+              <a:prstGeom prst="ellipse">
+                <a:avLst/>
+              </a:prstGeom>
+              <a:solidFill>
+                <a:schemeClr val="bg2"/>
+              </a:solidFill>
+              <a:ln w="6350" cmpd="sng">
+                <a:solidFill>
+                  <a:schemeClr val="tx1"/>
+                </a:solidFill>
+                <a:round/>
+                <a:headEnd/>
+                <a:tailEnd/>
+              </a:ln>
+            </p:spPr>
+            <p:txBody>
+              <a:bodyPr wrap="none" anchor="ctr"/>
+              <a:lstStyle/>
+              <a:p>
+                <a:endParaRPr lang="en-US">
+                  <a:latin typeface="Calibri" charset="0"/>
+                </a:endParaRPr>
+              </a:p>
+            </p:txBody>
+          </p:sp>
+          <p:sp>
+            <p:nvSpPr>
+              <p:cNvPr id="38" name="Oval 37"/>
+              <p:cNvSpPr/>
+              <p:nvPr/>
+            </p:nvSpPr>
+            <p:spPr bwMode="auto">
+              <a:xfrm>
+                <a:off x="8408010" y="833194"/>
+                <a:ext cx="45719" cy="89237"/>
+              </a:xfrm>
+              <a:prstGeom prst="ellipse">
+                <a:avLst/>
+              </a:prstGeom>
+              <a:solidFill>
+                <a:srgbClr val="2EC728"/>
+              </a:solidFill>
+            </p:spPr>
+            <p:style>
+              <a:lnRef idx="1">
+                <a:schemeClr val="accent1"/>
+              </a:lnRef>
+              <a:fillRef idx="3">
+                <a:schemeClr val="accent1"/>
+              </a:fillRef>
+              <a:effectRef idx="2">
+                <a:schemeClr val="accent1"/>
+              </a:effectRef>
+              <a:fontRef idx="minor">
+                <a:schemeClr val="lt1"/>
+              </a:fontRef>
+            </p:style>
+            <p:txBody>
+              <a:bodyPr anchor="ctr"/>
+              <a:lstStyle/>
+              <a:p>
+                <a:pPr algn="ctr">
+                  <a:defRPr/>
+                </a:pPr>
+                <a:endParaRPr lang="en-US"/>
+              </a:p>
+            </p:txBody>
+          </p:sp>
+          <p:grpSp>
+            <p:nvGrpSpPr>
+              <p:cNvPr id="39" name="Group 38"/>
+              <p:cNvGrpSpPr/>
+              <p:nvPr/>
+            </p:nvGrpSpPr>
+            <p:grpSpPr>
+              <a:xfrm>
+                <a:off x="8126119" y="764033"/>
+                <a:ext cx="332185" cy="215444"/>
+                <a:chOff x="7210425" y="184987"/>
+                <a:chExt cx="332185" cy="215444"/>
+              </a:xfrm>
+            </p:grpSpPr>
+            <p:sp>
+              <p:nvSpPr>
+                <p:cNvPr id="41" name="Rectangle 40"/>
+                <p:cNvSpPr/>
+                <p:nvPr/>
+              </p:nvSpPr>
+              <p:spPr bwMode="auto">
+                <a:xfrm>
+                  <a:off x="7277996" y="253666"/>
+                  <a:ext cx="198900" cy="93410"/>
+                </a:xfrm>
+                <a:prstGeom prst="rect">
+                  <a:avLst/>
+                </a:prstGeom>
+                <a:solidFill>
+                  <a:srgbClr val="FFFFFF"/>
+                </a:solidFill>
+              </p:spPr>
+              <p:style>
+                <a:lnRef idx="1">
+                  <a:schemeClr val="accent1"/>
+                </a:lnRef>
+                <a:fillRef idx="3">
+                  <a:schemeClr val="accent1"/>
+                </a:fillRef>
+                <a:effectRef idx="2">
+                  <a:schemeClr val="accent1"/>
+                </a:effectRef>
+                <a:fontRef idx="minor">
+                  <a:schemeClr val="lt1"/>
+                </a:fontRef>
+              </p:style>
+              <p:txBody>
+                <a:bodyPr anchor="ctr"/>
+                <a:lstStyle/>
+                <a:p>
+                  <a:pPr algn="ctr">
+                    <a:defRPr/>
+                  </a:pPr>
+                  <a:endParaRPr lang="en-US" sz="800" dirty="0"/>
+                </a:p>
+              </p:txBody>
+            </p:sp>
+            <p:sp>
+              <p:nvSpPr>
+                <p:cNvPr id="42" name="TextBox 41"/>
+                <p:cNvSpPr txBox="1"/>
+                <p:nvPr/>
+              </p:nvSpPr>
+              <p:spPr>
+                <a:xfrm>
+                  <a:off x="7210425" y="184987"/>
+                  <a:ext cx="332185" cy="215444"/>
+                </a:xfrm>
+                <a:prstGeom prst="rect">
+                  <a:avLst/>
+                </a:prstGeom>
+                <a:noFill/>
+              </p:spPr>
+              <p:txBody>
+                <a:bodyPr wrap="square" rtlCol="0">
+                  <a:spAutoFit/>
+                </a:bodyPr>
+                <a:lstStyle/>
+                <a:p>
+                  <a:r>
+                    <a:rPr lang="en-US" sz="800" dirty="0" err="1" smtClean="0"/>
+                    <a:t>Bsd</a:t>
+                  </a:r>
+                  <a:endParaRPr lang="en-US" sz="800" dirty="0"/>
+                </a:p>
+              </p:txBody>
+            </p:sp>
+          </p:grpSp>
+          <p:sp>
+            <p:nvSpPr>
+              <p:cNvPr id="40" name="Oval 39"/>
+              <p:cNvSpPr/>
+              <p:nvPr/>
+            </p:nvSpPr>
+            <p:spPr bwMode="auto">
+              <a:xfrm>
+                <a:off x="8132562" y="836369"/>
+                <a:ext cx="45719" cy="89237"/>
+              </a:xfrm>
+              <a:prstGeom prst="ellipse">
+                <a:avLst/>
+              </a:prstGeom>
+              <a:solidFill>
+                <a:srgbClr val="2EC728"/>
+              </a:solidFill>
+            </p:spPr>
+            <p:style>
+              <a:lnRef idx="1">
+                <a:schemeClr val="accent1"/>
+              </a:lnRef>
+              <a:fillRef idx="3">
+                <a:schemeClr val="accent1"/>
+              </a:fillRef>
+              <a:effectRef idx="2">
+                <a:schemeClr val="accent1"/>
+              </a:effectRef>
+              <a:fontRef idx="minor">
+                <a:schemeClr val="lt1"/>
+              </a:fontRef>
+            </p:style>
+            <p:txBody>
+              <a:bodyPr anchor="ctr"/>
+              <a:lstStyle/>
+              <a:p>
+                <a:pPr algn="ctr">
+                  <a:defRPr/>
+                </a:pPr>
+                <a:endParaRPr lang="en-US"/>
+              </a:p>
+            </p:txBody>
+          </p:sp>
+        </p:grpSp>
+      </p:grpSp>
+      <p:sp>
+        <p:nvSpPr>
+          <p:cNvPr id="147" name="TextBox 146"/>
+          <p:cNvSpPr txBox="1"/>
+          <p:nvPr/>
+        </p:nvSpPr>
+        <p:spPr>
+          <a:xfrm>
+            <a:off x="7759700" y="83220"/>
+            <a:ext cx="2146300" cy="307777"/>
+          </a:xfrm>
+          <a:prstGeom prst="rect">
+            <a:avLst/>
+          </a:prstGeom>
+          <a:noFill/>
+        </p:spPr>
+        <p:txBody>
+          <a:bodyPr wrap="square" rtlCol="0">
+            <a:spAutoFit/>
+          </a:bodyPr>
+          <a:lstStyle/>
+          <a:p>
+            <a:r>
+              <a:rPr lang="en-US" sz="1400" dirty="0" smtClean="0">
+                <a:solidFill>
+                  <a:schemeClr val="bg1">
+                    <a:lumMod val="75000"/>
+                  </a:schemeClr>
+                </a:solidFill>
+              </a:rPr>
+              <a:t>version </a:t>
+            </a:r>
+            <a:r>
+              <a:rPr lang="en-US" sz="1400" dirty="0" smtClean="0">
+                <a:solidFill>
+                  <a:schemeClr val="bg1">
+                    <a:lumMod val="75000"/>
+                  </a:schemeClr>
+                </a:solidFill>
+              </a:rPr>
+              <a:t>1.1 Sept 5th 2013</a:t>
+            </a:r>
+            <a:endParaRPr lang="en-US" sz="1400" dirty="0">
+              <a:solidFill>
+                <a:schemeClr val="bg1">
+                  <a:lumMod val="75000"/>
+                </a:schemeClr>
+              </a:solidFill>
+            </a:endParaRPr>
+          </a:p>
+        </p:txBody>
+      </p:sp>
+    </p:spTree>
+    <p:extLst>
+      <p:ext uri="{BB962C8B-B14F-4D97-AF65-F5344CB8AC3E}">
+        <p14:creationId xmlns:p14="http://schemas.microsoft.com/office/powerpoint/2010/main" val="3133096474"/>
+      </p:ext>
+    </p:extLst>
+  </p:cSld>
+  <p:clrMapOvr>
+    <a:masterClrMapping/>
+  </p:clrMapOvr>
+</p:sld>
+</file>
+
+<file path=ppt/slides/slide3.xml><?xml version="1.0" encoding="utf-8"?>
+<p:sld xmlns:a="http://schemas.openxmlformats.org/drawingml/2006/main" xmlns:r="http://schemas.openxmlformats.org/officeDocument/2006/relationships" xmlns:p="http://schemas.openxmlformats.org/presentationml/2006/main">
+  <p:cSld>
+    <p:spTree>
+      <p:nvGrpSpPr>
+        <p:cNvPr id="1" name=""/>
+        <p:cNvGrpSpPr/>
+        <p:nvPr/>
+      </p:nvGrpSpPr>
+      <p:grpSpPr>
+        <a:xfrm>
+          <a:off x="0" y="0"/>
+          <a:ext cx="0" cy="0"/>
+          <a:chOff x="0" y="0"/>
+          <a:chExt cx="0" cy="0"/>
+        </a:xfrm>
+      </p:grpSpPr>
+      <p:sp>
+        <p:nvSpPr>
+          <p:cNvPr id="6" name="TextBox 5"/>
+          <p:cNvSpPr txBox="1"/>
+          <p:nvPr/>
+        </p:nvSpPr>
+        <p:spPr>
+          <a:xfrm>
+            <a:off x="615043" y="448733"/>
+            <a:ext cx="4792523" cy="615553"/>
+          </a:xfrm>
+          <a:prstGeom prst="rect">
+            <a:avLst/>
+          </a:prstGeom>
+          <a:noFill/>
+        </p:spPr>
+        <p:txBody>
+          <a:bodyPr wrap="none" rtlCol="0">
+            <a:spAutoFit/>
+          </a:bodyPr>
+          <a:lstStyle/>
+          <a:p>
+            <a:r>
+              <a:rPr lang="en-US" u="sng" dirty="0" smtClean="0"/>
+              <a:t>Standard Workflow – Non-Essential genes [ </a:t>
+            </a:r>
+            <a:r>
+              <a:rPr lang="en-US" b="1" u="sng" dirty="0" smtClean="0"/>
+              <a:t>NE1</a:t>
+            </a:r>
+            <a:r>
+              <a:rPr lang="en-US" u="sng" dirty="0" smtClean="0"/>
+              <a:t> ]</a:t>
+            </a:r>
+          </a:p>
+          <a:p>
+            <a:r>
+              <a:rPr lang="en-US" sz="1600" b="1" dirty="0" err="1" smtClean="0"/>
+              <a:t>Bsd</a:t>
+            </a:r>
+            <a:r>
+              <a:rPr lang="en-US" sz="1600" dirty="0" smtClean="0"/>
+              <a:t> first		    tm1 -&gt; tm1a -&gt; tm1/tm1a</a:t>
+            </a:r>
+          </a:p>
+        </p:txBody>
+      </p:sp>
       <p:graphicFrame>
         <p:nvGraphicFramePr>
           <p:cNvPr id="7" name="Table 6"/>
@@ -26435,14 +27549,14 @@
           <p:nvPr>
             <p:extLst>
               <p:ext uri="{D42A27DB-BD31-4B8C-83A1-F6EECF244321}">
-                <p14:modId xmlns:p14="http://schemas.microsoft.com/office/powerpoint/2010/main" val="1795620930"/>
+                <p14:modId xmlns:p14="http://schemas.microsoft.com/office/powerpoint/2010/main" val="327998214"/>
               </p:ext>
             </p:extLst>
           </p:nvPr>
         </p:nvGraphicFramePr>
         <p:xfrm>
-          <a:off x="615043" y="4250801"/>
-          <a:ext cx="5912757" cy="2099196"/>
+          <a:off x="615043" y="1571851"/>
+          <a:ext cx="5912757" cy="2449062"/>
         </p:xfrm>
         <a:graphic>
           <a:graphicData uri="http://schemas.openxmlformats.org/drawingml/2006/table">
@@ -26861,7 +27975,11 @@
                     <a:bodyPr/>
                     <a:lstStyle/>
                     <a:p>
-                      <a:endParaRPr lang="en-US" sz="1000"/>
+                      <a:r>
+                        <a:rPr lang="en-US" sz="1000" b="1" dirty="0" smtClean="0"/>
+                        <a:t>LOA TAM</a:t>
+                      </a:r>
+                      <a:endParaRPr lang="en-US" sz="1000" b="1" dirty="0"/>
                     </a:p>
                   </a:txBody>
                   <a:tcPr marL="111453" marR="111453" marT="55727" marB="55727">
@@ -27117,6 +28235,22 @@
                     <a:bodyPr/>
                     <a:lstStyle/>
                     <a:p>
+                      <a:r>
+                        <a:rPr lang="en-US" sz="1000" b="1" dirty="0" smtClean="0"/>
+                        <a:t>NEO</a:t>
+                      </a:r>
+                      <a:endParaRPr lang="en-US" sz="1000" b="1" dirty="0"/>
+                    </a:p>
+                  </a:txBody>
+                  <a:tcPr marL="111453" marR="111453" marT="55727" marB="55727">
+                    <a:noFill/>
+                  </a:tcPr>
+                </a:tc>
+                <a:tc>
+                  <a:txBody>
+                    <a:bodyPr/>
+                    <a:lstStyle/>
+                    <a:p>
                       <a:endParaRPr lang="en-US" sz="1000" dirty="0"/>
                     </a:p>
                   </a:txBody>
@@ -27131,7 +28265,7 @@
                     <a:p>
                       <a:r>
                         <a:rPr lang="en-US" sz="1000" dirty="0" smtClean="0"/>
-                        <a:t>+ OHT</a:t>
+                        <a:t>0</a:t>
                       </a:r>
                       <a:endParaRPr lang="en-US" sz="1000" dirty="0"/>
                     </a:p>
@@ -27147,7 +28281,133 @@
                     <a:p>
                       <a:r>
                         <a:rPr lang="en-US" sz="1000" dirty="0" smtClean="0"/>
-                        <a:t>2</a:t>
+                        <a:t>0</a:t>
+                      </a:r>
+                      <a:endParaRPr lang="en-US" sz="1000" dirty="0"/>
+                    </a:p>
+                  </a:txBody>
+                  <a:tcPr marL="111453" marR="111453" marT="55727" marB="55727">
+                    <a:noFill/>
+                  </a:tcPr>
+                </a:tc>
+                <a:tc>
+                  <a:txBody>
+                    <a:bodyPr/>
+                    <a:lstStyle/>
+                    <a:p>
+                      <a:r>
+                        <a:rPr lang="en-US" sz="1000" dirty="0" smtClean="0"/>
+                        <a:t>1</a:t>
+                      </a:r>
+                      <a:endParaRPr lang="en-US" sz="1000" dirty="0"/>
+                    </a:p>
+                  </a:txBody>
+                  <a:tcPr marL="111453" marR="111453" marT="55727" marB="55727">
+                    <a:noFill/>
+                  </a:tcPr>
+                </a:tc>
+                <a:tc>
+                  <a:txBody>
+                    <a:bodyPr/>
+                    <a:lstStyle/>
+                    <a:p>
+                      <a:r>
+                        <a:rPr lang="en-US" sz="1000" dirty="0" smtClean="0"/>
+                        <a:t>1</a:t>
+                      </a:r>
+                      <a:endParaRPr lang="en-US" sz="1000" dirty="0"/>
+                    </a:p>
+                  </a:txBody>
+                  <a:tcPr marL="111453" marR="111453" marT="55727" marB="55727">
+                    <a:noFill/>
+                  </a:tcPr>
+                </a:tc>
+                <a:tc>
+                  <a:txBody>
+                    <a:bodyPr/>
+                    <a:lstStyle/>
+                    <a:p>
+                      <a:r>
+                        <a:rPr lang="en-US" sz="1000" dirty="0" smtClean="0"/>
+                        <a:t>1</a:t>
+                      </a:r>
+                      <a:endParaRPr lang="en-US" sz="1000" dirty="0"/>
+                    </a:p>
+                  </a:txBody>
+                  <a:tcPr marL="111453" marR="111453" marT="55727" marB="55727">
+                    <a:noFill/>
+                  </a:tcPr>
+                </a:tc>
+                <a:tc>
+                  <a:txBody>
+                    <a:bodyPr/>
+                    <a:lstStyle/>
+                    <a:p>
+                      <a:r>
+                        <a:rPr lang="en-US" sz="1000" dirty="0" smtClean="0"/>
+                        <a:t>1</a:t>
+                      </a:r>
+                      <a:endParaRPr lang="en-US" sz="1000" dirty="0"/>
+                    </a:p>
+                  </a:txBody>
+                  <a:tcPr marL="111453" marR="111453" marT="55727" marB="55727">
+                    <a:noFill/>
+                  </a:tcPr>
+                </a:tc>
+              </a:tr>
+              <a:tr h="349866">
+                <a:tc>
+                  <a:txBody>
+                    <a:bodyPr/>
+                    <a:lstStyle/>
+                    <a:p>
+                      <a:r>
+                        <a:rPr lang="en-US" sz="1000" b="1" dirty="0" smtClean="0"/>
+                        <a:t>BSD</a:t>
+                      </a:r>
+                      <a:endParaRPr lang="en-US" sz="1000" b="1" dirty="0"/>
+                    </a:p>
+                  </a:txBody>
+                  <a:tcPr marL="111453" marR="111453" marT="55727" marB="55727">
+                    <a:noFill/>
+                  </a:tcPr>
+                </a:tc>
+                <a:tc>
+                  <a:txBody>
+                    <a:bodyPr/>
+                    <a:lstStyle/>
+                    <a:p>
+                      <a:endParaRPr lang="en-US" sz="1000" dirty="0"/>
+                    </a:p>
+                  </a:txBody>
+                  <a:tcPr marL="111453" marR="111453" marT="55727" marB="55727">
+                    <a:noFill/>
+                  </a:tcPr>
+                </a:tc>
+                <a:tc>
+                  <a:txBody>
+                    <a:bodyPr/>
+                    <a:lstStyle/>
+                    <a:p>
+                      <a:r>
+                        <a:rPr lang="en-US" sz="1000" dirty="0" smtClean="0"/>
+                        <a:t>0</a:t>
+                      </a:r>
+                      <a:endParaRPr lang="en-US" sz="1000" dirty="0"/>
+                    </a:p>
+                  </a:txBody>
+                  <a:tcPr marL="111453" marR="111453" marT="55727" marB="55727">
+                    <a:noFill/>
+                  </a:tcPr>
+                </a:tc>
+                <a:tc>
+                  <a:txBody>
+                    <a:bodyPr/>
+                    <a:lstStyle/>
+                    <a:p>
+                      <a:r>
+                        <a:rPr lang="en-US" sz="1000" dirty="0" smtClean="0"/>
+                        <a:t>1</a:t>
                       </a:r>
                       <a:endParaRPr lang="en-US" sz="1000" dirty="0"/>
                     </a:p>
@@ -27220,56 +28480,11 @@
                     <a:noFill/>
                   </a:tcPr>
                 </a:tc>
-                <a:tc>
-                  <a:txBody>
-                    <a:bodyPr/>
-                    <a:lstStyle/>
-                    <a:p>
-                      <a:r>
-                        <a:rPr lang="en-US" sz="1000" dirty="0" smtClean="0"/>
-                        <a:t>1</a:t>
-                      </a:r>
-                      <a:endParaRPr lang="en-US" sz="1000" dirty="0"/>
-                    </a:p>
-                  </a:txBody>
-                  <a:tcPr marL="111453" marR="111453" marT="55727" marB="55727">
-                    <a:noFill/>
-                  </a:tcPr>
-                </a:tc>
               </a:tr>
             </a:tbl>
           </a:graphicData>
         </a:graphic>
       </p:graphicFrame>
-      <p:sp>
-        <p:nvSpPr>
-          <p:cNvPr id="8" name="Rectangle 7"/>
-          <p:cNvSpPr/>
-          <p:nvPr/>
-        </p:nvSpPr>
-        <p:spPr>
-          <a:xfrm>
-            <a:off x="651914" y="1179734"/>
-            <a:ext cx="2207956" cy="369332"/>
-          </a:xfrm>
-          <a:prstGeom prst="rect">
-            <a:avLst/>
-          </a:prstGeom>
-        </p:spPr>
-        <p:txBody>
-          <a:bodyPr wrap="none">
-            <a:spAutoFit/>
-          </a:bodyPr>
-          <a:lstStyle/>
-          <a:p>
-            <a:r>
-              <a:rPr lang="en-US" i="1" dirty="0" smtClean="0"/>
-              <a:t>First Electroporation:</a:t>
-            </a:r>
-            <a:endParaRPr lang="en-US" i="1" dirty="0"/>
-          </a:p>
-        </p:txBody>
-      </p:sp>
       <p:sp>
         <p:nvSpPr>
           <p:cNvPr id="9" name="Rectangle 8"/>
@@ -27278,7 +28493,7 @@
         </p:nvSpPr>
         <p:spPr>
           <a:xfrm>
-            <a:off x="651914" y="3870867"/>
+            <a:off x="651914" y="1191917"/>
             <a:ext cx="2469108" cy="369332"/>
           </a:xfrm>
           <a:prstGeom prst="rect">
@@ -27301,104 +28516,14 @@
       </p:sp>
       <p:sp>
         <p:nvSpPr>
-          <p:cNvPr id="11" name="TextBox 10"/>
-          <p:cNvSpPr txBox="1"/>
-          <p:nvPr/>
-        </p:nvSpPr>
-        <p:spPr>
-          <a:xfrm>
-            <a:off x="3805843" y="1549066"/>
-            <a:ext cx="3005668" cy="1200329"/>
-          </a:xfrm>
-          <a:prstGeom prst="rect">
-            <a:avLst/>
-          </a:prstGeom>
-          <a:noFill/>
-        </p:spPr>
-        <p:txBody>
-          <a:bodyPr wrap="square" rtlCol="0">
-            <a:spAutoFit/>
-          </a:bodyPr>
-          <a:lstStyle/>
-          <a:p>
-            <a:r>
-              <a:rPr lang="en-US" sz="1200" dirty="0" smtClean="0"/>
-              <a:t>tm1/</a:t>
-            </a:r>
-            <a:r>
-              <a:rPr lang="en-US" sz="1200" dirty="0" err="1" smtClean="0"/>
-              <a:t>wt</a:t>
-            </a:r>
-            <a:r>
-              <a:rPr lang="en-US" sz="1200" dirty="0" smtClean="0"/>
-              <a:t> is what you want</a:t>
-            </a:r>
-          </a:p>
-          <a:p>
-            <a:endParaRPr lang="en-US" sz="1200" dirty="0"/>
-          </a:p>
-          <a:p>
-            <a:r>
-              <a:rPr lang="en-US" sz="1200" dirty="0" err="1" smtClean="0"/>
-              <a:t>wt</a:t>
-            </a:r>
-            <a:r>
-              <a:rPr lang="en-US" sz="1200" dirty="0" smtClean="0"/>
-              <a:t>/</a:t>
-            </a:r>
-            <a:r>
-              <a:rPr lang="en-US" sz="1200" dirty="0" err="1" smtClean="0"/>
-              <a:t>wt</a:t>
-            </a:r>
-            <a:r>
-              <a:rPr lang="en-US" sz="1200" dirty="0" smtClean="0"/>
-              <a:t> is total failure of electroporation</a:t>
-            </a:r>
-          </a:p>
-          <a:p>
-            <a:endParaRPr lang="en-US" sz="1200" dirty="0"/>
-          </a:p>
-          <a:p>
-            <a:r>
-              <a:rPr lang="en-US" sz="1200" dirty="0" smtClean="0"/>
-              <a:t>No final </a:t>
-            </a:r>
-            <a:r>
-              <a:rPr lang="en-US" sz="1200" dirty="0" err="1" smtClean="0"/>
-              <a:t>loxp</a:t>
-            </a:r>
-            <a:r>
-              <a:rPr lang="en-US" sz="1200" dirty="0" smtClean="0"/>
-              <a:t> site with </a:t>
-            </a:r>
-            <a:r>
-              <a:rPr lang="en-US" sz="1200" dirty="0" err="1" smtClean="0"/>
-              <a:t>Bsd</a:t>
-            </a:r>
-            <a:r>
-              <a:rPr lang="en-US" sz="1200" dirty="0" smtClean="0"/>
-              <a:t> vector so no point</a:t>
-            </a:r>
-          </a:p>
-          <a:p>
-            <a:r>
-              <a:rPr lang="en-US" sz="1200" dirty="0" smtClean="0"/>
-              <a:t>doing + OHT assays</a:t>
-            </a:r>
-            <a:endParaRPr lang="en-US" sz="1200" dirty="0"/>
-          </a:p>
-        </p:txBody>
-      </p:sp>
-      <p:sp>
-        <p:nvSpPr>
           <p:cNvPr id="13" name="TextBox 12"/>
           <p:cNvSpPr txBox="1"/>
           <p:nvPr/>
         </p:nvSpPr>
         <p:spPr>
           <a:xfrm>
-            <a:off x="6697133" y="4240199"/>
-            <a:ext cx="3073400" cy="2123658"/>
+            <a:off x="6697133" y="1561249"/>
+            <a:ext cx="3073400" cy="1569660"/>
           </a:xfrm>
           <a:prstGeom prst="rect">
             <a:avLst/>
@@ -27472,329 +28597,16 @@
             </a:r>
             <a:r>
               <a:rPr lang="en-US" sz="1200" dirty="0" smtClean="0"/>
-              <a:t> but still a useful control</a:t>
+              <a:t> but still a useful </a:t>
             </a:r>
-          </a:p>
-          <a:p>
-            <a:endParaRPr lang="en-US" sz="1200" dirty="0"/>
-          </a:p>
-          <a:p>
             <a:r>
               <a:rPr lang="en-US" sz="1200" dirty="0" smtClean="0"/>
-              <a:t>N.B. the pattern of results here is identical to that for NE1a</a:t>
+              <a:t>control</a:t>
             </a:r>
-            <a:endParaRPr lang="en-US" sz="1200" dirty="0"/>
+            <a:endParaRPr lang="en-US" sz="1200" dirty="0" smtClean="0"/>
           </a:p>
         </p:txBody>
       </p:sp>
-      <p:grpSp>
-        <p:nvGrpSpPr>
-          <p:cNvPr id="14" name="Group 13"/>
-          <p:cNvGrpSpPr/>
-          <p:nvPr/>
-        </p:nvGrpSpPr>
-        <p:grpSpPr>
-          <a:xfrm>
-            <a:off x="2138394" y="1591939"/>
-            <a:ext cx="700253" cy="251299"/>
-            <a:chOff x="277647" y="1751515"/>
-            <a:chExt cx="700253" cy="251299"/>
-          </a:xfrm>
-        </p:grpSpPr>
-        <p:sp>
-          <p:nvSpPr>
-            <p:cNvPr id="15" name="AutoShape 148"/>
-            <p:cNvSpPr>
-              <a:spLocks noChangeArrowheads="1"/>
-            </p:cNvSpPr>
-            <p:nvPr/>
-          </p:nvSpPr>
-          <p:spPr bwMode="auto">
-            <a:xfrm>
-              <a:off x="277647" y="1751515"/>
-              <a:ext cx="700253" cy="251299"/>
-            </a:xfrm>
-            <a:prstGeom prst="roundRect">
-              <a:avLst>
-                <a:gd name="adj" fmla="val 16667"/>
-              </a:avLst>
-            </a:prstGeom>
-            <a:noFill/>
-            <a:ln w="6350" cmpd="sng">
-              <a:solidFill>
-                <a:schemeClr val="tx1"/>
-              </a:solidFill>
-              <a:round/>
-              <a:headEnd/>
-              <a:tailEnd/>
-            </a:ln>
-            <a:extLst>
-              <a:ext uri="{909E8E84-426E-40dd-AFC4-6F175D3DCCD1}">
-                <a14:hiddenFill xmlns:a14="http://schemas.microsoft.com/office/drawing/2010/main">
-                  <a:solidFill>
-                    <a:srgbClr val="FFFFFF"/>
-                  </a:solidFill>
-                </a14:hiddenFill>
-              </a:ext>
-            </a:extLst>
-          </p:spPr>
-          <p:txBody>
-            <a:bodyPr wrap="none" anchor="ctr"/>
-            <a:lstStyle/>
-            <a:p>
-              <a:endParaRPr lang="en-US">
-                <a:latin typeface="Calibri" charset="0"/>
-              </a:endParaRPr>
-            </a:p>
-          </p:txBody>
-        </p:sp>
-        <p:sp>
-          <p:nvSpPr>
-            <p:cNvPr id="16" name="Line 151"/>
-            <p:cNvSpPr>
-              <a:spLocks noChangeShapeType="1"/>
-            </p:cNvSpPr>
-            <p:nvPr/>
-          </p:nvSpPr>
-          <p:spPr bwMode="auto">
-            <a:xfrm>
-              <a:off x="379946" y="1819139"/>
-              <a:ext cx="536262" cy="0"/>
-            </a:xfrm>
-            <a:prstGeom prst="line">
-              <a:avLst/>
-            </a:prstGeom>
-            <a:noFill/>
-            <a:ln w="6350" cmpd="sng">
-              <a:solidFill>
-                <a:schemeClr val="tx1"/>
-              </a:solidFill>
-              <a:round/>
-              <a:headEnd/>
-              <a:tailEnd/>
-            </a:ln>
-            <a:extLst>
-              <a:ext uri="{909E8E84-426E-40dd-AFC4-6F175D3DCCD1}">
-                <a14:hiddenFill xmlns:a14="http://schemas.microsoft.com/office/drawing/2010/main">
-                  <a:noFill/>
-                </a14:hiddenFill>
-              </a:ext>
-            </a:extLst>
-          </p:spPr>
-          <p:txBody>
-            <a:bodyPr/>
-            <a:lstStyle/>
-            <a:p>
-              <a:endParaRPr lang="en-US"/>
-            </a:p>
-          </p:txBody>
-        </p:sp>
-        <p:sp>
-          <p:nvSpPr>
-            <p:cNvPr id="17" name="Oval 152"/>
-            <p:cNvSpPr>
-              <a:spLocks noChangeArrowheads="1"/>
-            </p:cNvSpPr>
-            <p:nvPr/>
-          </p:nvSpPr>
-          <p:spPr bwMode="auto">
-            <a:xfrm>
-              <a:off x="343462" y="1800310"/>
-              <a:ext cx="36889" cy="36837"/>
-            </a:xfrm>
-            <a:prstGeom prst="ellipse">
-              <a:avLst/>
-            </a:prstGeom>
-            <a:solidFill>
-              <a:schemeClr val="bg2"/>
-            </a:solidFill>
-            <a:ln w="6350" cmpd="sng">
-              <a:solidFill>
-                <a:schemeClr val="tx1"/>
-              </a:solidFill>
-              <a:round/>
-              <a:headEnd/>
-              <a:tailEnd/>
-            </a:ln>
-          </p:spPr>
-          <p:txBody>
-            <a:bodyPr wrap="none" anchor="ctr"/>
-            <a:lstStyle/>
-            <a:p>
-              <a:endParaRPr lang="en-US">
-                <a:latin typeface="Calibri" charset="0"/>
-              </a:endParaRPr>
-            </a:p>
-          </p:txBody>
-        </p:sp>
-        <p:sp>
-          <p:nvSpPr>
-            <p:cNvPr id="18" name="Line 154"/>
-            <p:cNvSpPr>
-              <a:spLocks noChangeShapeType="1"/>
-            </p:cNvSpPr>
-            <p:nvPr/>
-          </p:nvSpPr>
-          <p:spPr bwMode="auto">
-            <a:xfrm>
-              <a:off x="380299" y="1930996"/>
-              <a:ext cx="535909" cy="0"/>
-            </a:xfrm>
-            <a:prstGeom prst="line">
-              <a:avLst/>
-            </a:prstGeom>
-            <a:noFill/>
-            <a:ln w="6350" cmpd="sng">
-              <a:solidFill>
-                <a:srgbClr val="000000"/>
-              </a:solidFill>
-              <a:round/>
-              <a:headEnd/>
-              <a:tailEnd/>
-            </a:ln>
-            <a:extLst>
-              <a:ext uri="{909E8E84-426E-40dd-AFC4-6F175D3DCCD1}">
-                <a14:hiddenFill xmlns:a14="http://schemas.microsoft.com/office/drawing/2010/main">
-                  <a:noFill/>
-                </a14:hiddenFill>
-              </a:ext>
-            </a:extLst>
-          </p:spPr>
-          <p:txBody>
-            <a:bodyPr/>
-            <a:lstStyle/>
-            <a:p>
-              <a:endParaRPr lang="en-US"/>
-            </a:p>
-          </p:txBody>
-        </p:sp>
-        <p:sp>
-          <p:nvSpPr>
-            <p:cNvPr id="19" name="Oval 158"/>
-            <p:cNvSpPr>
-              <a:spLocks noChangeArrowheads="1"/>
-            </p:cNvSpPr>
-            <p:nvPr/>
-          </p:nvSpPr>
-          <p:spPr bwMode="auto">
-            <a:xfrm>
-              <a:off x="341498" y="1913314"/>
-              <a:ext cx="36837" cy="36837"/>
-            </a:xfrm>
-            <a:prstGeom prst="ellipse">
-              <a:avLst/>
-            </a:prstGeom>
-            <a:solidFill>
-              <a:schemeClr val="bg2"/>
-            </a:solidFill>
-            <a:ln w="6350" cmpd="sng">
-              <a:solidFill>
-                <a:schemeClr val="tx1"/>
-              </a:solidFill>
-              <a:round/>
-              <a:headEnd/>
-              <a:tailEnd/>
-            </a:ln>
-          </p:spPr>
-          <p:txBody>
-            <a:bodyPr wrap="none" anchor="ctr"/>
-            <a:lstStyle/>
-            <a:p>
-              <a:endParaRPr lang="en-US">
-                <a:latin typeface="Calibri" charset="0"/>
-              </a:endParaRPr>
-            </a:p>
-          </p:txBody>
-        </p:sp>
-        <p:sp>
-          <p:nvSpPr>
-            <p:cNvPr id="20" name="Rectangle 167"/>
-            <p:cNvSpPr>
-              <a:spLocks noChangeArrowheads="1"/>
-            </p:cNvSpPr>
-            <p:nvPr/>
-          </p:nvSpPr>
-          <p:spPr bwMode="auto">
-            <a:xfrm>
-              <a:off x="761725" y="1783791"/>
-              <a:ext cx="25213" cy="70694"/>
-            </a:xfrm>
-            <a:prstGeom prst="rect">
-              <a:avLst/>
-            </a:prstGeom>
-            <a:solidFill>
-              <a:srgbClr val="FFFF00"/>
-            </a:solidFill>
-            <a:ln w="6350" cmpd="sng">
-              <a:solidFill>
-                <a:srgbClr val="000000"/>
-              </a:solidFill>
-              <a:miter lim="800000"/>
-              <a:headEnd/>
-              <a:tailEnd/>
-            </a:ln>
-          </p:spPr>
-          <p:txBody>
-            <a:bodyPr wrap="none" lIns="91429" tIns="45715" rIns="91429" bIns="45715" anchor="ctr"/>
-            <a:lstStyle/>
-            <a:p>
-              <a:pPr algn="ctr"/>
-              <a:endParaRPr lang="en-US" altLang="zh-CN" sz="1600" i="1">
-                <a:solidFill>
-                  <a:srgbClr val="F5F5F5"/>
-                </a:solidFill>
-                <a:latin typeface="Calibri" charset="0"/>
-                <a:ea typeface="SimSun" charset="0"/>
-                <a:cs typeface="SimSun" charset="0"/>
-              </a:endParaRPr>
-            </a:p>
-          </p:txBody>
-        </p:sp>
-        <p:sp>
-          <p:nvSpPr>
-            <p:cNvPr id="21" name="Rectangle 167"/>
-            <p:cNvSpPr>
-              <a:spLocks noChangeArrowheads="1"/>
-            </p:cNvSpPr>
-            <p:nvPr/>
-          </p:nvSpPr>
-          <p:spPr bwMode="auto">
-            <a:xfrm>
-              <a:off x="761725" y="1895649"/>
-              <a:ext cx="25213" cy="70694"/>
-            </a:xfrm>
-            <a:prstGeom prst="rect">
-              <a:avLst/>
-            </a:prstGeom>
-            <a:solidFill>
-              <a:srgbClr val="FFFF00"/>
-            </a:solidFill>
-            <a:ln w="6350" cmpd="sng">
-              <a:solidFill>
-                <a:srgbClr val="000000"/>
-              </a:solidFill>
-              <a:miter lim="800000"/>
-              <a:headEnd/>
-              <a:tailEnd/>
-            </a:ln>
-          </p:spPr>
-          <p:txBody>
-            <a:bodyPr wrap="none" lIns="91429" tIns="45715" rIns="91429" bIns="45715" anchor="ctr"/>
-            <a:lstStyle/>
-            <a:p>
-              <a:pPr algn="ctr"/>
-              <a:endParaRPr lang="en-US" altLang="zh-CN" sz="1600" i="1">
-                <a:solidFill>
-                  <a:srgbClr val="F5F5F5"/>
-                </a:solidFill>
-                <a:latin typeface="Calibri" charset="0"/>
-                <a:ea typeface="SimSun" charset="0"/>
-                <a:cs typeface="SimSun" charset="0"/>
-              </a:endParaRPr>
-            </a:p>
-          </p:txBody>
-        </p:sp>
-      </p:grpSp>
       <p:grpSp>
         <p:nvGrpSpPr>
           <p:cNvPr id="22" name="Group 21"/>
@@ -27803,7 +28615,7 @@
         </p:nvGrpSpPr>
         <p:grpSpPr>
           <a:xfrm>
-            <a:off x="1964841" y="4292807"/>
+            <a:off x="1964841" y="1613857"/>
             <a:ext cx="700253" cy="251299"/>
             <a:chOff x="277647" y="1751515"/>
             <a:chExt cx="700253" cy="251299"/>
@@ -28105,466 +28917,13 @@
       </p:grpSp>
       <p:grpSp>
         <p:nvGrpSpPr>
-          <p:cNvPr id="30" name="Group 29"/>
-          <p:cNvGrpSpPr/>
-          <p:nvPr/>
-        </p:nvGrpSpPr>
-        <p:grpSpPr>
-          <a:xfrm>
-            <a:off x="2922757" y="1541472"/>
-            <a:ext cx="700253" cy="298841"/>
-            <a:chOff x="281157" y="710678"/>
-            <a:chExt cx="700253" cy="298841"/>
-          </a:xfrm>
-        </p:grpSpPr>
-        <p:sp>
-          <p:nvSpPr>
-            <p:cNvPr id="31" name="AutoShape 148"/>
-            <p:cNvSpPr>
-              <a:spLocks noChangeArrowheads="1"/>
-            </p:cNvSpPr>
-            <p:nvPr/>
-          </p:nvSpPr>
-          <p:spPr bwMode="auto">
-            <a:xfrm>
-              <a:off x="281157" y="758220"/>
-              <a:ext cx="700253" cy="251299"/>
-            </a:xfrm>
-            <a:prstGeom prst="roundRect">
-              <a:avLst>
-                <a:gd name="adj" fmla="val 16667"/>
-              </a:avLst>
-            </a:prstGeom>
-            <a:noFill/>
-            <a:ln w="6350" cmpd="sng">
-              <a:solidFill>
-                <a:schemeClr val="tx1"/>
-              </a:solidFill>
-              <a:round/>
-              <a:headEnd/>
-              <a:tailEnd/>
-            </a:ln>
-            <a:extLst>
-              <a:ext uri="{909E8E84-426E-40dd-AFC4-6F175D3DCCD1}">
-                <a14:hiddenFill xmlns:a14="http://schemas.microsoft.com/office/drawing/2010/main">
-                  <a:solidFill>
-                    <a:srgbClr val="FFFFFF"/>
-                  </a:solidFill>
-                </a14:hiddenFill>
-              </a:ext>
-            </a:extLst>
-          </p:spPr>
-          <p:txBody>
-            <a:bodyPr wrap="none" anchor="ctr"/>
-            <a:lstStyle/>
-            <a:p>
-              <a:endParaRPr lang="en-US">
-                <a:latin typeface="Calibri" charset="0"/>
-              </a:endParaRPr>
-            </a:p>
-          </p:txBody>
-        </p:sp>
-        <p:sp>
-          <p:nvSpPr>
-            <p:cNvPr id="32" name="Line 154"/>
-            <p:cNvSpPr>
-              <a:spLocks noChangeShapeType="1"/>
-            </p:cNvSpPr>
-            <p:nvPr/>
-          </p:nvSpPr>
-          <p:spPr bwMode="auto">
-            <a:xfrm>
-              <a:off x="383809" y="937701"/>
-              <a:ext cx="535909" cy="0"/>
-            </a:xfrm>
-            <a:prstGeom prst="line">
-              <a:avLst/>
-            </a:prstGeom>
-            <a:noFill/>
-            <a:ln w="6350" cmpd="sng">
-              <a:solidFill>
-                <a:srgbClr val="000000"/>
-              </a:solidFill>
-              <a:round/>
-              <a:headEnd/>
-              <a:tailEnd/>
-            </a:ln>
-            <a:extLst>
-              <a:ext uri="{909E8E84-426E-40dd-AFC4-6F175D3DCCD1}">
-                <a14:hiddenFill xmlns:a14="http://schemas.microsoft.com/office/drawing/2010/main">
-                  <a:noFill/>
-                </a14:hiddenFill>
-              </a:ext>
-            </a:extLst>
-          </p:spPr>
-          <p:txBody>
-            <a:bodyPr/>
-            <a:lstStyle/>
-            <a:p>
-              <a:endParaRPr lang="en-US"/>
-            </a:p>
-          </p:txBody>
-        </p:sp>
-        <p:sp>
-          <p:nvSpPr>
-            <p:cNvPr id="33" name="Oval 158"/>
-            <p:cNvSpPr>
-              <a:spLocks noChangeArrowheads="1"/>
-            </p:cNvSpPr>
-            <p:nvPr/>
-          </p:nvSpPr>
-          <p:spPr bwMode="auto">
-            <a:xfrm>
-              <a:off x="345008" y="920019"/>
-              <a:ext cx="36837" cy="36837"/>
-            </a:xfrm>
-            <a:prstGeom prst="ellipse">
-              <a:avLst/>
-            </a:prstGeom>
-            <a:solidFill>
-              <a:schemeClr val="bg2"/>
-            </a:solidFill>
-            <a:ln w="6350" cmpd="sng">
-              <a:solidFill>
-                <a:schemeClr val="tx1"/>
-              </a:solidFill>
-              <a:round/>
-              <a:headEnd/>
-              <a:tailEnd/>
-            </a:ln>
-          </p:spPr>
-          <p:txBody>
-            <a:bodyPr wrap="none" anchor="ctr"/>
-            <a:lstStyle/>
-            <a:p>
-              <a:endParaRPr lang="en-US">
-                <a:latin typeface="Calibri" charset="0"/>
-              </a:endParaRPr>
-            </a:p>
-          </p:txBody>
-        </p:sp>
-        <p:sp>
-          <p:nvSpPr>
-            <p:cNvPr id="34" name="Rectangle 167"/>
-            <p:cNvSpPr>
-              <a:spLocks noChangeArrowheads="1"/>
-            </p:cNvSpPr>
-            <p:nvPr/>
-          </p:nvSpPr>
-          <p:spPr bwMode="auto">
-            <a:xfrm>
-              <a:off x="765235" y="902354"/>
-              <a:ext cx="25213" cy="70694"/>
-            </a:xfrm>
-            <a:prstGeom prst="rect">
-              <a:avLst/>
-            </a:prstGeom>
-            <a:solidFill>
-              <a:srgbClr val="FFFF00"/>
-            </a:solidFill>
-            <a:ln w="6350" cmpd="sng">
-              <a:solidFill>
-                <a:srgbClr val="000000"/>
-              </a:solidFill>
-              <a:miter lim="800000"/>
-              <a:headEnd/>
-              <a:tailEnd/>
-            </a:ln>
-          </p:spPr>
-          <p:txBody>
-            <a:bodyPr wrap="none" lIns="91429" tIns="45715" rIns="91429" bIns="45715" anchor="ctr"/>
-            <a:lstStyle/>
-            <a:p>
-              <a:pPr algn="ctr"/>
-              <a:endParaRPr lang="en-US" altLang="zh-CN" sz="1600" i="1">
-                <a:solidFill>
-                  <a:srgbClr val="F5F5F5"/>
-                </a:solidFill>
-                <a:latin typeface="Calibri" charset="0"/>
-                <a:ea typeface="SimSun" charset="0"/>
-                <a:cs typeface="SimSun" charset="0"/>
-              </a:endParaRPr>
-            </a:p>
-          </p:txBody>
-        </p:sp>
-        <p:grpSp>
-          <p:nvGrpSpPr>
-            <p:cNvPr id="35" name="Group 34"/>
-            <p:cNvGrpSpPr/>
-            <p:nvPr/>
-          </p:nvGrpSpPr>
-          <p:grpSpPr>
-            <a:xfrm>
-              <a:off x="345008" y="710678"/>
-              <a:ext cx="572746" cy="215444"/>
-              <a:chOff x="7970663" y="764033"/>
-              <a:chExt cx="572746" cy="215444"/>
-            </a:xfrm>
-          </p:grpSpPr>
-          <p:sp>
-            <p:nvSpPr>
-              <p:cNvPr id="36" name="Line 151"/>
-              <p:cNvSpPr>
-                <a:spLocks noChangeShapeType="1"/>
-              </p:cNvSpPr>
-              <p:nvPr/>
-            </p:nvSpPr>
-            <p:spPr bwMode="auto">
-              <a:xfrm>
-                <a:off x="8007147" y="881280"/>
-                <a:ext cx="536262" cy="0"/>
-              </a:xfrm>
-              <a:prstGeom prst="line">
-                <a:avLst/>
-              </a:prstGeom>
-              <a:noFill/>
-              <a:ln w="6350" cmpd="sng">
-                <a:solidFill>
-                  <a:schemeClr val="tx1"/>
-                </a:solidFill>
-                <a:round/>
-                <a:headEnd/>
-                <a:tailEnd/>
-              </a:ln>
-              <a:extLst>
-                <a:ext uri="{909E8E84-426E-40dd-AFC4-6F175D3DCCD1}">
-                  <a14:hiddenFill xmlns:a14="http://schemas.microsoft.com/office/drawing/2010/main">
-                    <a:noFill/>
-                  </a14:hiddenFill>
-                </a:ext>
-              </a:extLst>
-            </p:spPr>
-            <p:txBody>
-              <a:bodyPr/>
-              <a:lstStyle/>
-              <a:p>
-                <a:endParaRPr lang="en-US"/>
-              </a:p>
-            </p:txBody>
-          </p:sp>
-          <p:sp>
-            <p:nvSpPr>
-              <p:cNvPr id="37" name="Oval 152"/>
-              <p:cNvSpPr>
-                <a:spLocks noChangeArrowheads="1"/>
-              </p:cNvSpPr>
-              <p:nvPr/>
-            </p:nvSpPr>
-            <p:spPr bwMode="auto">
-              <a:xfrm>
-                <a:off x="7970663" y="862451"/>
-                <a:ext cx="36889" cy="36837"/>
-              </a:xfrm>
-              <a:prstGeom prst="ellipse">
-                <a:avLst/>
-              </a:prstGeom>
-              <a:solidFill>
-                <a:schemeClr val="bg2"/>
-              </a:solidFill>
-              <a:ln w="6350" cmpd="sng">
-                <a:solidFill>
-                  <a:schemeClr val="tx1"/>
-                </a:solidFill>
-                <a:round/>
-                <a:headEnd/>
-                <a:tailEnd/>
-              </a:ln>
-            </p:spPr>
-            <p:txBody>
-              <a:bodyPr wrap="none" anchor="ctr"/>
-              <a:lstStyle/>
-              <a:p>
-                <a:endParaRPr lang="en-US">
-                  <a:latin typeface="Calibri" charset="0"/>
-                </a:endParaRPr>
-              </a:p>
-            </p:txBody>
-          </p:sp>
-          <p:sp>
-            <p:nvSpPr>
-              <p:cNvPr id="38" name="Oval 37"/>
-              <p:cNvSpPr/>
-              <p:nvPr/>
-            </p:nvSpPr>
-            <p:spPr bwMode="auto">
-              <a:xfrm>
-                <a:off x="8408010" y="833194"/>
-                <a:ext cx="45719" cy="89237"/>
-              </a:xfrm>
-              <a:prstGeom prst="ellipse">
-                <a:avLst/>
-              </a:prstGeom>
-              <a:solidFill>
-                <a:srgbClr val="2EC728"/>
-              </a:solidFill>
-            </p:spPr>
-            <p:style>
-              <a:lnRef idx="1">
-                <a:schemeClr val="accent1"/>
-              </a:lnRef>
-              <a:fillRef idx="3">
-                <a:schemeClr val="accent1"/>
-              </a:fillRef>
-              <a:effectRef idx="2">
-                <a:schemeClr val="accent1"/>
-              </a:effectRef>
-              <a:fontRef idx="minor">
-                <a:schemeClr val="lt1"/>
-              </a:fontRef>
-            </p:style>
-            <p:txBody>
-              <a:bodyPr anchor="ctr"/>
-              <a:lstStyle/>
-              <a:p>
-                <a:pPr algn="ctr">
-                  <a:defRPr/>
-                </a:pPr>
-                <a:endParaRPr lang="en-US"/>
-              </a:p>
-            </p:txBody>
-          </p:sp>
-          <p:grpSp>
-            <p:nvGrpSpPr>
-              <p:cNvPr id="39" name="Group 38"/>
-              <p:cNvGrpSpPr/>
-              <p:nvPr/>
-            </p:nvGrpSpPr>
-            <p:grpSpPr>
-              <a:xfrm>
-                <a:off x="8126119" y="764033"/>
-                <a:ext cx="332185" cy="215444"/>
-                <a:chOff x="7210425" y="184987"/>
-                <a:chExt cx="332185" cy="215444"/>
-              </a:xfrm>
-            </p:grpSpPr>
-            <p:sp>
-              <p:nvSpPr>
-                <p:cNvPr id="41" name="Rectangle 40"/>
-                <p:cNvSpPr/>
-                <p:nvPr/>
-              </p:nvSpPr>
-              <p:spPr bwMode="auto">
-                <a:xfrm>
-                  <a:off x="7277996" y="253666"/>
-                  <a:ext cx="198900" cy="93410"/>
-                </a:xfrm>
-                <a:prstGeom prst="rect">
-                  <a:avLst/>
-                </a:prstGeom>
-                <a:solidFill>
-                  <a:srgbClr val="FFFFFF"/>
-                </a:solidFill>
-              </p:spPr>
-              <p:style>
-                <a:lnRef idx="1">
-                  <a:schemeClr val="accent1"/>
-                </a:lnRef>
-                <a:fillRef idx="3">
-                  <a:schemeClr val="accent1"/>
-                </a:fillRef>
-                <a:effectRef idx="2">
-                  <a:schemeClr val="accent1"/>
-                </a:effectRef>
-                <a:fontRef idx="minor">
-                  <a:schemeClr val="lt1"/>
-                </a:fontRef>
-              </p:style>
-              <p:txBody>
-                <a:bodyPr anchor="ctr"/>
-                <a:lstStyle/>
-                <a:p>
-                  <a:pPr algn="ctr">
-                    <a:defRPr/>
-                  </a:pPr>
-                  <a:endParaRPr lang="en-US" sz="800" dirty="0"/>
-                </a:p>
-              </p:txBody>
-            </p:sp>
-            <p:sp>
-              <p:nvSpPr>
-                <p:cNvPr id="42" name="TextBox 41"/>
-                <p:cNvSpPr txBox="1"/>
-                <p:nvPr/>
-              </p:nvSpPr>
-              <p:spPr>
-                <a:xfrm>
-                  <a:off x="7210425" y="184987"/>
-                  <a:ext cx="332185" cy="215444"/>
-                </a:xfrm>
-                <a:prstGeom prst="rect">
-                  <a:avLst/>
-                </a:prstGeom>
-                <a:noFill/>
-              </p:spPr>
-              <p:txBody>
-                <a:bodyPr wrap="square" rtlCol="0">
-                  <a:spAutoFit/>
-                </a:bodyPr>
-                <a:lstStyle/>
-                <a:p>
-                  <a:r>
-                    <a:rPr lang="en-US" sz="800" dirty="0" err="1" smtClean="0"/>
-                    <a:t>Bsd</a:t>
-                  </a:r>
-                  <a:endParaRPr lang="en-US" sz="800" dirty="0"/>
-                </a:p>
-              </p:txBody>
-            </p:sp>
-          </p:grpSp>
-          <p:sp>
-            <p:nvSpPr>
-              <p:cNvPr id="40" name="Oval 39"/>
-              <p:cNvSpPr/>
-              <p:nvPr/>
-            </p:nvSpPr>
-            <p:spPr bwMode="auto">
-              <a:xfrm>
-                <a:off x="8132562" y="836369"/>
-                <a:ext cx="45719" cy="89237"/>
-              </a:xfrm>
-              <a:prstGeom prst="ellipse">
-                <a:avLst/>
-              </a:prstGeom>
-              <a:solidFill>
-                <a:srgbClr val="2EC728"/>
-              </a:solidFill>
-            </p:spPr>
-            <p:style>
-              <a:lnRef idx="1">
-                <a:schemeClr val="accent1"/>
-              </a:lnRef>
-              <a:fillRef idx="3">
-                <a:schemeClr val="accent1"/>
-              </a:fillRef>
-              <a:effectRef idx="2">
-                <a:schemeClr val="accent1"/>
-              </a:effectRef>
-              <a:fontRef idx="minor">
-                <a:schemeClr val="lt1"/>
-              </a:fontRef>
-            </p:style>
-            <p:txBody>
-              <a:bodyPr anchor="ctr"/>
-              <a:lstStyle/>
-              <a:p>
-                <a:pPr algn="ctr">
-                  <a:defRPr/>
-                </a:pPr>
-                <a:endParaRPr lang="en-US"/>
-              </a:p>
-            </p:txBody>
-          </p:sp>
-        </p:grpSp>
-      </p:grpSp>
-      <p:grpSp>
-        <p:nvGrpSpPr>
           <p:cNvPr id="43" name="Group 42"/>
           <p:cNvGrpSpPr/>
           <p:nvPr/>
         </p:nvGrpSpPr>
         <p:grpSpPr>
           <a:xfrm>
-            <a:off x="2732798" y="4246568"/>
+            <a:off x="2732798" y="1567618"/>
             <a:ext cx="700253" cy="298841"/>
             <a:chOff x="281157" y="710678"/>
             <a:chExt cx="700253" cy="298841"/>
@@ -29017,7 +29376,7 @@
         </p:nvGrpSpPr>
         <p:grpSpPr>
           <a:xfrm>
-            <a:off x="3495857" y="4244333"/>
+            <a:off x="3495857" y="1565383"/>
             <a:ext cx="700253" cy="337511"/>
             <a:chOff x="292283" y="1192663"/>
             <a:chExt cx="700253" cy="337511"/>
@@ -29739,7 +30098,7 @@
         </p:nvGrpSpPr>
         <p:grpSpPr>
           <a:xfrm>
-            <a:off x="4254689" y="4301438"/>
+            <a:off x="4254689" y="1622488"/>
             <a:ext cx="700253" cy="280634"/>
             <a:chOff x="292283" y="1795651"/>
             <a:chExt cx="700253" cy="280634"/>
@@ -30316,7 +30675,7 @@
         </p:nvGrpSpPr>
         <p:grpSpPr>
           <a:xfrm>
-            <a:off x="5020222" y="4250801"/>
+            <a:off x="5020222" y="1571851"/>
             <a:ext cx="700253" cy="329758"/>
             <a:chOff x="376254" y="1909078"/>
             <a:chExt cx="700253" cy="329758"/>
@@ -30998,7 +31357,7 @@
         </p:nvGrpSpPr>
         <p:grpSpPr>
           <a:xfrm>
-            <a:off x="5796156" y="4301438"/>
+            <a:off x="5796156" y="1622488"/>
             <a:ext cx="700253" cy="271536"/>
             <a:chOff x="4043556" y="4064702"/>
             <a:chExt cx="700253" cy="271536"/>
@@ -31544,7 +31903,7 @@
       </p:grpSp>
       <p:sp>
         <p:nvSpPr>
-          <p:cNvPr id="146" name="TextBox 145"/>
+          <p:cNvPr id="145" name="TextBox 144"/>
           <p:cNvSpPr txBox="1"/>
           <p:nvPr/>
         </p:nvSpPr>
@@ -31572,17 +31931,7 @@
                   </a:schemeClr>
                 </a:solidFill>
               </a:rPr>
-              <a:t>version 1.0 Aug 16</a:t>
-            </a:r>
-            <a:r>
-              <a:rPr lang="en-US" sz="1400" baseline="30000" dirty="0" smtClean="0">
-                <a:solidFill>
-                  <a:schemeClr val="bg1">
-                    <a:lumMod val="75000"/>
-                  </a:schemeClr>
-                </a:solidFill>
-              </a:rPr>
-              <a:t>th</a:t>
+              <a:t>version </a:t>
             </a:r>
             <a:r>
               <a:rPr lang="en-US" sz="1400" dirty="0" smtClean="0">
@@ -31592,7 +31941,7 @@
                   </a:schemeClr>
                 </a:solidFill>
               </a:rPr>
-              <a:t> 2013</a:t>
+              <a:t>1.1 Sept 5th 2013</a:t>
             </a:r>
             <a:endParaRPr lang="en-US" sz="1400" dirty="0">
               <a:solidFill>
@@ -31607,7 +31956,7 @@
     </p:spTree>
     <p:extLst>
       <p:ext uri="{BB962C8B-B14F-4D97-AF65-F5344CB8AC3E}">
-        <p14:creationId xmlns:p14="http://schemas.microsoft.com/office/powerpoint/2010/main" val="3133096474"/>
+        <p14:creationId xmlns:p14="http://schemas.microsoft.com/office/powerpoint/2010/main" val="2757953280"/>
       </p:ext>
     </p:extLst>
   </p:cSld>
@@ -31617,7 +31966,7 @@
 </p:sld>
 </file>
 
-<file path=ppt/slides/slide3.xml><?xml version="1.0" encoding="utf-8"?>
+<file path=ppt/slides/slide4.xml><?xml version="1.0" encoding="utf-8"?>
 <p:sld xmlns:a="http://schemas.openxmlformats.org/drawingml/2006/main" xmlns:r="http://schemas.openxmlformats.org/officeDocument/2006/relationships" xmlns:p="http://schemas.openxmlformats.org/presentationml/2006/main">
   <p:cSld>
     <p:spTree>
@@ -31643,14 +31992,14 @@
           <p:nvPr>
             <p:extLst>
               <p:ext uri="{D42A27DB-BD31-4B8C-83A1-F6EECF244321}">
-                <p14:modId xmlns:p14="http://schemas.microsoft.com/office/powerpoint/2010/main" val="666251998"/>
+                <p14:modId xmlns:p14="http://schemas.microsoft.com/office/powerpoint/2010/main" val="4050343304"/>
               </p:ext>
             </p:extLst>
           </p:nvPr>
         </p:nvGraphicFramePr>
         <p:xfrm>
           <a:off x="615043" y="1541472"/>
-          <a:ext cx="3842657" cy="2099196"/>
+          <a:ext cx="3842657" cy="2449062"/>
         </p:xfrm>
         <a:graphic>
           <a:graphicData uri="http://schemas.openxmlformats.org/drawingml/2006/table">
@@ -31699,7 +32048,7 @@
                     <a:bodyPr/>
                     <a:lstStyle/>
                     <a:p>
-                      <a:endParaRPr lang="en-US" sz="1000"/>
+                      <a:endParaRPr lang="en-US" sz="1000" dirty="0"/>
                     </a:p>
                   </a:txBody>
                   <a:tcPr marL="111453" marR="111453" marT="55727" marB="55727">
@@ -31745,6 +32094,15 @@
                     </a:p>
                   </a:txBody>
                   <a:tcPr marL="111453" marR="111453" marT="55727" marB="55727">
+                    <a:lnB w="12700" cap="flat" cmpd="sng" algn="ctr">
+                      <a:solidFill>
+                        <a:scrgbClr r="0" g="0" b="0"/>
+                      </a:solidFill>
+                      <a:prstDash val="solid"/>
+                      <a:round/>
+                      <a:headEnd type="none" w="med" len="med"/>
+                      <a:tailEnd type="none" w="med" len="med"/>
+                    </a:lnB>
                     <a:noFill/>
                   </a:tcPr>
                 </a:tc>
@@ -31757,6 +32115,15 @@
                     </a:p>
                   </a:txBody>
                   <a:tcPr marL="111453" marR="111453" marT="55727" marB="55727">
+                    <a:lnB w="12700" cap="flat" cmpd="sng" algn="ctr">
+                      <a:solidFill>
+                        <a:scrgbClr r="0" g="0" b="0"/>
+                      </a:solidFill>
+                      <a:prstDash val="solid"/>
+                      <a:round/>
+                      <a:headEnd type="none" w="med" len="med"/>
+                      <a:tailEnd type="none" w="med" len="med"/>
+                    </a:lnB>
                     <a:noFill/>
                   </a:tcPr>
                 </a:tc>
@@ -31798,6 +32165,15 @@
                     </a:p>
                   </a:txBody>
                   <a:tcPr marL="111453" marR="111453" marT="55727" marB="55727">
+                    <a:lnB w="12700" cap="flat" cmpd="sng" algn="ctr">
+                      <a:solidFill>
+                        <a:scrgbClr r="0" g="0" b="0"/>
+                      </a:solidFill>
+                      <a:prstDash val="solid"/>
+                      <a:round/>
+                      <a:headEnd type="none" w="med" len="med"/>
+                      <a:tailEnd type="none" w="med" len="med"/>
+                    </a:lnB>
                     <a:noFill/>
                   </a:tcPr>
                 </a:tc>
@@ -31818,6 +32194,15 @@
                     </a:p>
                   </a:txBody>
                   <a:tcPr marL="111453" marR="111453" marT="55727" marB="55727">
+                    <a:lnB w="12700" cap="flat" cmpd="sng" algn="ctr">
+                      <a:solidFill>
+                        <a:scrgbClr r="0" g="0" b="0"/>
+                      </a:solidFill>
+                      <a:prstDash val="solid"/>
+                      <a:round/>
+                      <a:headEnd type="none" w="med" len="med"/>
+                      <a:tailEnd type="none" w="med" len="med"/>
+                    </a:lnB>
                     <a:noFill/>
                   </a:tcPr>
                 </a:tc>
@@ -31838,6 +32223,15 @@
                     </a:p>
                   </a:txBody>
                   <a:tcPr marL="111453" marR="111453" marT="55727" marB="55727">
+                    <a:lnB w="12700" cap="flat" cmpd="sng" algn="ctr">
+                      <a:solidFill>
+                        <a:scrgbClr r="0" g="0" b="0"/>
+                      </a:solidFill>
+                      <a:prstDash val="solid"/>
+                      <a:round/>
+                      <a:headEnd type="none" w="med" len="med"/>
+                      <a:tailEnd type="none" w="med" len="med"/>
+                    </a:lnB>
                     <a:noFill/>
                   </a:tcPr>
                 </a:tc>
@@ -31856,6 +32250,42 @@
                     </a:p>
                   </a:txBody>
                   <a:tcPr marL="111453" marR="111453" marT="55727" marB="55727">
+                    <a:lnL w="12700" cap="flat" cmpd="sng" algn="ctr">
+                      <a:solidFill>
+                        <a:scrgbClr r="0" g="0" b="0"/>
+                      </a:solidFill>
+                      <a:prstDash val="solid"/>
+                      <a:round/>
+                      <a:headEnd type="none" w="med" len="med"/>
+                      <a:tailEnd type="none" w="med" len="med"/>
+                    </a:lnL>
+                    <a:lnR w="12700" cap="flat" cmpd="sng" algn="ctr">
+                      <a:solidFill>
+                        <a:scrgbClr r="0" g="0" b="0"/>
+                      </a:solidFill>
+                      <a:prstDash val="solid"/>
+                      <a:round/>
+                      <a:headEnd type="none" w="med" len="med"/>
+                      <a:tailEnd type="none" w="med" len="med"/>
+                    </a:lnR>
+                    <a:lnT w="12700" cap="flat" cmpd="sng" algn="ctr">
+                      <a:solidFill>
+                        <a:scrgbClr r="0" g="0" b="0"/>
+                      </a:solidFill>
+                      <a:prstDash val="solid"/>
+                      <a:round/>
+                      <a:headEnd type="none" w="med" len="med"/>
+                      <a:tailEnd type="none" w="med" len="med"/>
+                    </a:lnT>
+                    <a:lnB w="12700" cap="flat" cmpd="sng" algn="ctr">
+                      <a:solidFill>
+                        <a:scrgbClr r="0" g="0" b="0"/>
+                      </a:solidFill>
+                      <a:prstDash val="solid"/>
+                      <a:round/>
+                      <a:headEnd type="none" w="med" len="med"/>
+                      <a:tailEnd type="none" w="med" len="med"/>
+                    </a:lnB>
                     <a:noFill/>
                   </a:tcPr>
                 </a:tc>
@@ -31872,6 +32302,42 @@
                     </a:p>
                   </a:txBody>
                   <a:tcPr marL="111453" marR="111453" marT="55727" marB="55727">
+                    <a:lnL w="12700" cap="flat" cmpd="sng" algn="ctr">
+                      <a:solidFill>
+                        <a:scrgbClr r="0" g="0" b="0"/>
+                      </a:solidFill>
+                      <a:prstDash val="solid"/>
+                      <a:round/>
+                      <a:headEnd type="none" w="med" len="med"/>
+                      <a:tailEnd type="none" w="med" len="med"/>
+                    </a:lnL>
+                    <a:lnR w="12700" cap="flat" cmpd="sng" algn="ctr">
+                      <a:solidFill>
+                        <a:scrgbClr r="0" g="0" b="0"/>
+                      </a:solidFill>
+                      <a:prstDash val="solid"/>
+                      <a:round/>
+                      <a:headEnd type="none" w="med" len="med"/>
+                      <a:tailEnd type="none" w="med" len="med"/>
+                    </a:lnR>
+                    <a:lnT w="12700" cap="flat" cmpd="sng" algn="ctr">
+                      <a:solidFill>
+                        <a:scrgbClr r="0" g="0" b="0"/>
+                      </a:solidFill>
+                      <a:prstDash val="solid"/>
+                      <a:round/>
+                      <a:headEnd type="none" w="med" len="med"/>
+                      <a:tailEnd type="none" w="med" len="med"/>
+                    </a:lnT>
+                    <a:lnB w="12700" cap="flat" cmpd="sng" algn="ctr">
+                      <a:solidFill>
+                        <a:scrgbClr r="0" g="0" b="0"/>
+                      </a:solidFill>
+                      <a:prstDash val="solid"/>
+                      <a:round/>
+                      <a:headEnd type="none" w="med" len="med"/>
+                      <a:tailEnd type="none" w="med" len="med"/>
+                    </a:lnB>
                     <a:noFill/>
                   </a:tcPr>
                 </a:tc>
@@ -31888,6 +32354,42 @@
                     </a:p>
                   </a:txBody>
                   <a:tcPr marL="111453" marR="111453" marT="55727" marB="55727">
+                    <a:lnL w="12700" cap="flat" cmpd="sng" algn="ctr">
+                      <a:solidFill>
+                        <a:scrgbClr r="0" g="0" b="0"/>
+                      </a:solidFill>
+                      <a:prstDash val="solid"/>
+                      <a:round/>
+                      <a:headEnd type="none" w="med" len="med"/>
+                      <a:tailEnd type="none" w="med" len="med"/>
+                    </a:lnL>
+                    <a:lnR w="12700" cap="flat" cmpd="sng" algn="ctr">
+                      <a:solidFill>
+                        <a:scrgbClr r="0" g="0" b="0"/>
+                      </a:solidFill>
+                      <a:prstDash val="solid"/>
+                      <a:round/>
+                      <a:headEnd type="none" w="med" len="med"/>
+                      <a:tailEnd type="none" w="med" len="med"/>
+                    </a:lnR>
+                    <a:lnT w="12700" cap="flat" cmpd="sng" algn="ctr">
+                      <a:solidFill>
+                        <a:scrgbClr r="0" g="0" b="0"/>
+                      </a:solidFill>
+                      <a:prstDash val="solid"/>
+                      <a:round/>
+                      <a:headEnd type="none" w="med" len="med"/>
+                      <a:tailEnd type="none" w="med" len="med"/>
+                    </a:lnT>
+                    <a:lnB w="12700" cap="flat" cmpd="sng" algn="ctr">
+                      <a:solidFill>
+                        <a:scrgbClr r="0" g="0" b="0"/>
+                      </a:solidFill>
+                      <a:prstDash val="solid"/>
+                      <a:round/>
+                      <a:headEnd type="none" w="med" len="med"/>
+                      <a:tailEnd type="none" w="med" len="med"/>
+                    </a:lnB>
                     <a:noFill/>
                   </a:tcPr>
                 </a:tc>
@@ -31904,6 +32406,42 @@
                     </a:p>
                   </a:txBody>
                   <a:tcPr marL="111453" marR="111453" marT="55727" marB="55727">
+                    <a:lnL w="12700" cap="flat" cmpd="sng" algn="ctr">
+                      <a:solidFill>
+                        <a:scrgbClr r="0" g="0" b="0"/>
+                      </a:solidFill>
+                      <a:prstDash val="solid"/>
+                      <a:round/>
+                      <a:headEnd type="none" w="med" len="med"/>
+                      <a:tailEnd type="none" w="med" len="med"/>
+                    </a:lnL>
+                    <a:lnR w="12700" cap="flat" cmpd="sng" algn="ctr">
+                      <a:solidFill>
+                        <a:scrgbClr r="0" g="0" b="0"/>
+                      </a:solidFill>
+                      <a:prstDash val="solid"/>
+                      <a:round/>
+                      <a:headEnd type="none" w="med" len="med"/>
+                      <a:tailEnd type="none" w="med" len="med"/>
+                    </a:lnR>
+                    <a:lnT w="12700" cap="flat" cmpd="sng" algn="ctr">
+                      <a:solidFill>
+                        <a:scrgbClr r="0" g="0" b="0"/>
+                      </a:solidFill>
+                      <a:prstDash val="solid"/>
+                      <a:round/>
+                      <a:headEnd type="none" w="med" len="med"/>
+                      <a:tailEnd type="none" w="med" len="med"/>
+                    </a:lnT>
+                    <a:lnB w="12700" cap="flat" cmpd="sng" algn="ctr">
+                      <a:solidFill>
+                        <a:scrgbClr r="0" g="0" b="0"/>
+                      </a:solidFill>
+                      <a:prstDash val="solid"/>
+                      <a:round/>
+                      <a:headEnd type="none" w="med" len="med"/>
+                      <a:tailEnd type="none" w="med" len="med"/>
+                    </a:lnB>
                     <a:noFill/>
                   </a:tcPr>
                 </a:tc>
@@ -31920,6 +32458,42 @@
                     </a:p>
                   </a:txBody>
                   <a:tcPr marL="111453" marR="111453" marT="55727" marB="55727">
+                    <a:lnL w="12700" cap="flat" cmpd="sng" algn="ctr">
+                      <a:solidFill>
+                        <a:scrgbClr r="0" g="0" b="0"/>
+                      </a:solidFill>
+                      <a:prstDash val="solid"/>
+                      <a:round/>
+                      <a:headEnd type="none" w="med" len="med"/>
+                      <a:tailEnd type="none" w="med" len="med"/>
+                    </a:lnL>
+                    <a:lnR w="12700" cap="flat" cmpd="sng" algn="ctr">
+                      <a:solidFill>
+                        <a:scrgbClr r="0" g="0" b="0"/>
+                      </a:solidFill>
+                      <a:prstDash val="solid"/>
+                      <a:round/>
+                      <a:headEnd type="none" w="med" len="med"/>
+                      <a:tailEnd type="none" w="med" len="med"/>
+                    </a:lnR>
+                    <a:lnT w="12700" cap="flat" cmpd="sng" algn="ctr">
+                      <a:solidFill>
+                        <a:scrgbClr r="0" g="0" b="0"/>
+                      </a:solidFill>
+                      <a:prstDash val="solid"/>
+                      <a:round/>
+                      <a:headEnd type="none" w="med" len="med"/>
+                      <a:tailEnd type="none" w="med" len="med"/>
+                    </a:lnT>
+                    <a:lnB w="12700" cap="flat" cmpd="sng" algn="ctr">
+                      <a:solidFill>
+                        <a:scrgbClr r="0" g="0" b="0"/>
+                      </a:solidFill>
+                      <a:prstDash val="solid"/>
+                      <a:round/>
+                      <a:headEnd type="none" w="med" len="med"/>
+                      <a:tailEnd type="none" w="med" len="med"/>
+                    </a:lnB>
                     <a:noFill/>
                   </a:tcPr>
                 </a:tc>
@@ -31930,10 +32504,50 @@
                     <a:bodyPr/>
                     <a:lstStyle/>
                     <a:p>
-                      <a:endParaRPr lang="en-US" sz="1000"/>
+                      <a:r>
+                        <a:rPr lang="en-US" sz="1000" b="1" dirty="0" smtClean="0"/>
+                        <a:t>LOA TAM</a:t>
+                      </a:r>
+                      <a:endParaRPr lang="en-US" sz="1000" b="1" dirty="0"/>
                     </a:p>
                   </a:txBody>
                   <a:tcPr marL="111453" marR="111453" marT="55727" marB="55727">
+                    <a:lnL w="12700" cap="flat" cmpd="sng" algn="ctr">
+                      <a:solidFill>
+                        <a:scrgbClr r="0" g="0" b="0"/>
+                      </a:solidFill>
+                      <a:prstDash val="solid"/>
+                      <a:round/>
+                      <a:headEnd type="none" w="med" len="med"/>
+                      <a:tailEnd type="none" w="med" len="med"/>
+                    </a:lnL>
+                    <a:lnR w="12700" cap="flat" cmpd="sng" algn="ctr">
+                      <a:solidFill>
+                        <a:scrgbClr r="0" g="0" b="0"/>
+                      </a:solidFill>
+                      <a:prstDash val="solid"/>
+                      <a:round/>
+                      <a:headEnd type="none" w="med" len="med"/>
+                      <a:tailEnd type="none" w="med" len="med"/>
+                    </a:lnR>
+                    <a:lnT w="12700" cap="flat" cmpd="sng" algn="ctr">
+                      <a:solidFill>
+                        <a:scrgbClr r="0" g="0" b="0"/>
+                      </a:solidFill>
+                      <a:prstDash val="solid"/>
+                      <a:round/>
+                      <a:headEnd type="none" w="med" len="med"/>
+                      <a:tailEnd type="none" w="med" len="med"/>
+                    </a:lnT>
+                    <a:lnB w="12700" cap="flat" cmpd="sng" algn="ctr">
+                      <a:solidFill>
+                        <a:scrgbClr r="0" g="0" b="0"/>
+                      </a:solidFill>
+                      <a:prstDash val="solid"/>
+                      <a:round/>
+                      <a:headEnd type="none" w="med" len="med"/>
+                      <a:tailEnd type="none" w="med" len="med"/>
+                    </a:lnB>
                     <a:noFill/>
                   </a:tcPr>
                 </a:tc>
@@ -31950,6 +32564,42 @@
                     </a:p>
                   </a:txBody>
                   <a:tcPr marL="111453" marR="111453" marT="55727" marB="55727">
+                    <a:lnL w="12700" cap="flat" cmpd="sng" algn="ctr">
+                      <a:solidFill>
+                        <a:scrgbClr r="0" g="0" b="0"/>
+                      </a:solidFill>
+                      <a:prstDash val="solid"/>
+                      <a:round/>
+                      <a:headEnd type="none" w="med" len="med"/>
+                      <a:tailEnd type="none" w="med" len="med"/>
+                    </a:lnL>
+                    <a:lnR w="12700" cap="flat" cmpd="sng" algn="ctr">
+                      <a:solidFill>
+                        <a:scrgbClr r="0" g="0" b="0"/>
+                      </a:solidFill>
+                      <a:prstDash val="solid"/>
+                      <a:round/>
+                      <a:headEnd type="none" w="med" len="med"/>
+                      <a:tailEnd type="none" w="med" len="med"/>
+                    </a:lnR>
+                    <a:lnT w="12700" cap="flat" cmpd="sng" algn="ctr">
+                      <a:solidFill>
+                        <a:scrgbClr r="0" g="0" b="0"/>
+                      </a:solidFill>
+                      <a:prstDash val="solid"/>
+                      <a:round/>
+                      <a:headEnd type="none" w="med" len="med"/>
+                      <a:tailEnd type="none" w="med" len="med"/>
+                    </a:lnT>
+                    <a:lnB w="12700" cap="flat" cmpd="sng" algn="ctr">
+                      <a:solidFill>
+                        <a:scrgbClr r="0" g="0" b="0"/>
+                      </a:solidFill>
+                      <a:prstDash val="solid"/>
+                      <a:round/>
+                      <a:headEnd type="none" w="med" len="med"/>
+                      <a:tailEnd type="none" w="med" len="med"/>
+                    </a:lnB>
                     <a:noFill/>
                   </a:tcPr>
                 </a:tc>
@@ -31966,6 +32616,42 @@
                     </a:p>
                   </a:txBody>
                   <a:tcPr marL="111453" marR="111453" marT="55727" marB="55727">
+                    <a:lnL w="12700" cap="flat" cmpd="sng" algn="ctr">
+                      <a:solidFill>
+                        <a:scrgbClr r="0" g="0" b="0"/>
+                      </a:solidFill>
+                      <a:prstDash val="solid"/>
+                      <a:round/>
+                      <a:headEnd type="none" w="med" len="med"/>
+                      <a:tailEnd type="none" w="med" len="med"/>
+                    </a:lnL>
+                    <a:lnR w="12700" cap="flat" cmpd="sng" algn="ctr">
+                      <a:solidFill>
+                        <a:scrgbClr r="0" g="0" b="0"/>
+                      </a:solidFill>
+                      <a:prstDash val="solid"/>
+                      <a:round/>
+                      <a:headEnd type="none" w="med" len="med"/>
+                      <a:tailEnd type="none" w="med" len="med"/>
+                    </a:lnR>
+                    <a:lnT w="12700" cap="flat" cmpd="sng" algn="ctr">
+                      <a:solidFill>
+                        <a:scrgbClr r="0" g="0" b="0"/>
+                      </a:solidFill>
+                      <a:prstDash val="solid"/>
+                      <a:round/>
+                      <a:headEnd type="none" w="med" len="med"/>
+                      <a:tailEnd type="none" w="med" len="med"/>
+                    </a:lnT>
+                    <a:lnB w="12700" cap="flat" cmpd="sng" algn="ctr">
+                      <a:solidFill>
+                        <a:scrgbClr r="0" g="0" b="0"/>
+                      </a:solidFill>
+                      <a:prstDash val="solid"/>
+                      <a:round/>
+                      <a:headEnd type="none" w="med" len="med"/>
+                      <a:tailEnd type="none" w="med" len="med"/>
+                    </a:lnB>
                     <a:noFill/>
                   </a:tcPr>
                 </a:tc>
@@ -31982,6 +32668,42 @@
                     </a:p>
                   </a:txBody>
                   <a:tcPr marL="111453" marR="111453" marT="55727" marB="55727">
+                    <a:lnL w="12700" cap="flat" cmpd="sng" algn="ctr">
+                      <a:solidFill>
+                        <a:scrgbClr r="0" g="0" b="0"/>
+                      </a:solidFill>
+                      <a:prstDash val="solid"/>
+                      <a:round/>
+                      <a:headEnd type="none" w="med" len="med"/>
+                      <a:tailEnd type="none" w="med" len="med"/>
+                    </a:lnL>
+                    <a:lnR w="12700" cap="flat" cmpd="sng" algn="ctr">
+                      <a:solidFill>
+                        <a:scrgbClr r="0" g="0" b="0"/>
+                      </a:solidFill>
+                      <a:prstDash val="solid"/>
+                      <a:round/>
+                      <a:headEnd type="none" w="med" len="med"/>
+                      <a:tailEnd type="none" w="med" len="med"/>
+                    </a:lnR>
+                    <a:lnT w="12700" cap="flat" cmpd="sng" algn="ctr">
+                      <a:solidFill>
+                        <a:scrgbClr r="0" g="0" b="0"/>
+                      </a:solidFill>
+                      <a:prstDash val="solid"/>
+                      <a:round/>
+                      <a:headEnd type="none" w="med" len="med"/>
+                      <a:tailEnd type="none" w="med" len="med"/>
+                    </a:lnT>
+                    <a:lnB w="12700" cap="flat" cmpd="sng" algn="ctr">
+                      <a:solidFill>
+                        <a:scrgbClr r="0" g="0" b="0"/>
+                      </a:solidFill>
+                      <a:prstDash val="solid"/>
+                      <a:round/>
+                      <a:headEnd type="none" w="med" len="med"/>
+                      <a:tailEnd type="none" w="med" len="med"/>
+                    </a:lnB>
                     <a:noFill/>
                   </a:tcPr>
                 </a:tc>
@@ -31998,6 +32720,42 @@
                     </a:p>
                   </a:txBody>
                   <a:tcPr marL="111453" marR="111453" marT="55727" marB="55727">
+                    <a:lnL w="12700" cap="flat" cmpd="sng" algn="ctr">
+                      <a:solidFill>
+                        <a:scrgbClr r="0" g="0" b="0"/>
+                      </a:solidFill>
+                      <a:prstDash val="solid"/>
+                      <a:round/>
+                      <a:headEnd type="none" w="med" len="med"/>
+                      <a:tailEnd type="none" w="med" len="med"/>
+                    </a:lnL>
+                    <a:lnR w="12700" cap="flat" cmpd="sng" algn="ctr">
+                      <a:solidFill>
+                        <a:scrgbClr r="0" g="0" b="0"/>
+                      </a:solidFill>
+                      <a:prstDash val="solid"/>
+                      <a:round/>
+                      <a:headEnd type="none" w="med" len="med"/>
+                      <a:tailEnd type="none" w="med" len="med"/>
+                    </a:lnR>
+                    <a:lnT w="12700" cap="flat" cmpd="sng" algn="ctr">
+                      <a:solidFill>
+                        <a:scrgbClr r="0" g="0" b="0"/>
+                      </a:solidFill>
+                      <a:prstDash val="solid"/>
+                      <a:round/>
+                      <a:headEnd type="none" w="med" len="med"/>
+                      <a:tailEnd type="none" w="med" len="med"/>
+                    </a:lnT>
+                    <a:lnB w="12700" cap="flat" cmpd="sng" algn="ctr">
+                      <a:solidFill>
+                        <a:scrgbClr r="0" g="0" b="0"/>
+                      </a:solidFill>
+                      <a:prstDash val="solid"/>
+                      <a:round/>
+                      <a:headEnd type="none" w="med" len="med"/>
+                      <a:tailEnd type="none" w="med" len="med"/>
+                    </a:lnB>
                     <a:noFill/>
                   </a:tcPr>
                 </a:tc>
@@ -32016,6 +32774,42 @@
                     </a:p>
                   </a:txBody>
                   <a:tcPr marL="111453" marR="111453" marT="55727" marB="55727">
+                    <a:lnL w="12700" cap="flat" cmpd="sng" algn="ctr">
+                      <a:solidFill>
+                        <a:scrgbClr r="0" g="0" b="0"/>
+                      </a:solidFill>
+                      <a:prstDash val="solid"/>
+                      <a:round/>
+                      <a:headEnd type="none" w="med" len="med"/>
+                      <a:tailEnd type="none" w="med" len="med"/>
+                    </a:lnL>
+                    <a:lnR w="12700" cap="flat" cmpd="sng" algn="ctr">
+                      <a:solidFill>
+                        <a:scrgbClr r="0" g="0" b="0"/>
+                      </a:solidFill>
+                      <a:prstDash val="solid"/>
+                      <a:round/>
+                      <a:headEnd type="none" w="med" len="med"/>
+                      <a:tailEnd type="none" w="med" len="med"/>
+                    </a:lnR>
+                    <a:lnT w="12700" cap="flat" cmpd="sng" algn="ctr">
+                      <a:solidFill>
+                        <a:scrgbClr r="0" g="0" b="0"/>
+                      </a:solidFill>
+                      <a:prstDash val="solid"/>
+                      <a:round/>
+                      <a:headEnd type="none" w="med" len="med"/>
+                      <a:tailEnd type="none" w="med" len="med"/>
+                    </a:lnT>
+                    <a:lnB w="12700" cap="flat" cmpd="sng" algn="ctr">
+                      <a:solidFill>
+                        <a:scrgbClr r="0" g="0" b="0"/>
+                      </a:solidFill>
+                      <a:prstDash val="solid"/>
+                      <a:round/>
+                      <a:headEnd type="none" w="med" len="med"/>
+                      <a:tailEnd type="none" w="med" len="med"/>
+                    </a:lnB>
                     <a:noFill/>
                   </a:tcPr>
                 </a:tc>
@@ -32032,6 +32826,42 @@
                     </a:p>
                   </a:txBody>
                   <a:tcPr marL="111453" marR="111453" marT="55727" marB="55727">
+                    <a:lnL w="12700" cap="flat" cmpd="sng" algn="ctr">
+                      <a:solidFill>
+                        <a:scrgbClr r="0" g="0" b="0"/>
+                      </a:solidFill>
+                      <a:prstDash val="solid"/>
+                      <a:round/>
+                      <a:headEnd type="none" w="med" len="med"/>
+                      <a:tailEnd type="none" w="med" len="med"/>
+                    </a:lnL>
+                    <a:lnR w="12700" cap="flat" cmpd="sng" algn="ctr">
+                      <a:solidFill>
+                        <a:scrgbClr r="0" g="0" b="0"/>
+                      </a:solidFill>
+                      <a:prstDash val="solid"/>
+                      <a:round/>
+                      <a:headEnd type="none" w="med" len="med"/>
+                      <a:tailEnd type="none" w="med" len="med"/>
+                    </a:lnR>
+                    <a:lnT w="12700" cap="flat" cmpd="sng" algn="ctr">
+                      <a:solidFill>
+                        <a:scrgbClr r="0" g="0" b="0"/>
+                      </a:solidFill>
+                      <a:prstDash val="solid"/>
+                      <a:round/>
+                      <a:headEnd type="none" w="med" len="med"/>
+                      <a:tailEnd type="none" w="med" len="med"/>
+                    </a:lnT>
+                    <a:lnB w="12700" cap="flat" cmpd="sng" algn="ctr">
+                      <a:solidFill>
+                        <a:scrgbClr r="0" g="0" b="0"/>
+                      </a:solidFill>
+                      <a:prstDash val="solid"/>
+                      <a:round/>
+                      <a:headEnd type="none" w="med" len="med"/>
+                      <a:tailEnd type="none" w="med" len="med"/>
+                    </a:lnB>
                     <a:noFill/>
                   </a:tcPr>
                 </a:tc>
@@ -32048,6 +32878,42 @@
                     </a:p>
                   </a:txBody>
                   <a:tcPr marL="111453" marR="111453" marT="55727" marB="55727">
+                    <a:lnL w="12700" cap="flat" cmpd="sng" algn="ctr">
+                      <a:solidFill>
+                        <a:scrgbClr r="0" g="0" b="0"/>
+                      </a:solidFill>
+                      <a:prstDash val="solid"/>
+                      <a:round/>
+                      <a:headEnd type="none" w="med" len="med"/>
+                      <a:tailEnd type="none" w="med" len="med"/>
+                    </a:lnL>
+                    <a:lnR w="12700" cap="flat" cmpd="sng" algn="ctr">
+                      <a:solidFill>
+                        <a:scrgbClr r="0" g="0" b="0"/>
+                      </a:solidFill>
+                      <a:prstDash val="solid"/>
+                      <a:round/>
+                      <a:headEnd type="none" w="med" len="med"/>
+                      <a:tailEnd type="none" w="med" len="med"/>
+                    </a:lnR>
+                    <a:lnT w="12700" cap="flat" cmpd="sng" algn="ctr">
+                      <a:solidFill>
+                        <a:scrgbClr r="0" g="0" b="0"/>
+                      </a:solidFill>
+                      <a:prstDash val="solid"/>
+                      <a:round/>
+                      <a:headEnd type="none" w="med" len="med"/>
+                      <a:tailEnd type="none" w="med" len="med"/>
+                    </a:lnT>
+                    <a:lnB w="12700" cap="flat" cmpd="sng" algn="ctr">
+                      <a:solidFill>
+                        <a:scrgbClr r="0" g="0" b="0"/>
+                      </a:solidFill>
+                      <a:prstDash val="solid"/>
+                      <a:round/>
+                      <a:headEnd type="none" w="med" len="med"/>
+                      <a:tailEnd type="none" w="med" len="med"/>
+                    </a:lnB>
                     <a:noFill/>
                   </a:tcPr>
                 </a:tc>
@@ -32064,6 +32930,247 @@
                     </a:p>
                   </a:txBody>
                   <a:tcPr marL="111453" marR="111453" marT="55727" marB="55727">
+                    <a:lnL w="12700" cap="flat" cmpd="sng" algn="ctr">
+                      <a:solidFill>
+                        <a:scrgbClr r="0" g="0" b="0"/>
+                      </a:solidFill>
+                      <a:prstDash val="solid"/>
+                      <a:round/>
+                      <a:headEnd type="none" w="med" len="med"/>
+                      <a:tailEnd type="none" w="med" len="med"/>
+                    </a:lnL>
+                    <a:lnR w="12700" cap="flat" cmpd="sng" algn="ctr">
+                      <a:solidFill>
+                        <a:scrgbClr r="0" g="0" b="0"/>
+                      </a:solidFill>
+                      <a:prstDash val="solid"/>
+                      <a:round/>
+                      <a:headEnd type="none" w="med" len="med"/>
+                      <a:tailEnd type="none" w="med" len="med"/>
+                    </a:lnR>
+                    <a:lnT w="12700" cap="flat" cmpd="sng" algn="ctr">
+                      <a:solidFill>
+                        <a:scrgbClr r="0" g="0" b="0"/>
+                      </a:solidFill>
+                      <a:prstDash val="solid"/>
+                      <a:round/>
+                      <a:headEnd type="none" w="med" len="med"/>
+                      <a:tailEnd type="none" w="med" len="med"/>
+                    </a:lnT>
+                    <a:lnB w="12700" cap="flat" cmpd="sng" algn="ctr">
+                      <a:solidFill>
+                        <a:scrgbClr r="0" g="0" b="0"/>
+                      </a:solidFill>
+                      <a:prstDash val="solid"/>
+                      <a:round/>
+                      <a:headEnd type="none" w="med" len="med"/>
+                      <a:tailEnd type="none" w="med" len="med"/>
+                    </a:lnB>
+                    <a:noFill/>
+                  </a:tcPr>
+                </a:tc>
+                <a:tc>
+                  <a:txBody>
+                    <a:bodyPr/>
+                    <a:lstStyle/>
+                    <a:p>
+                      <a:r>
+                        <a:rPr lang="en-US" sz="1000" dirty="0" smtClean="0"/>
+                        <a:t>1</a:t>
+                      </a:r>
+                    </a:p>
+                  </a:txBody>
+                  <a:tcPr marL="111453" marR="111453" marT="55727" marB="55727">
+                    <a:lnL w="12700" cap="flat" cmpd="sng" algn="ctr">
+                      <a:solidFill>
+                        <a:scrgbClr r="0" g="0" b="0"/>
+                      </a:solidFill>
+                      <a:prstDash val="solid"/>
+                      <a:round/>
+                      <a:headEnd type="none" w="med" len="med"/>
+                      <a:tailEnd type="none" w="med" len="med"/>
+                    </a:lnL>
+                    <a:lnR w="12700" cap="flat" cmpd="sng" algn="ctr">
+                      <a:solidFill>
+                        <a:scrgbClr r="0" g="0" b="0"/>
+                      </a:solidFill>
+                      <a:prstDash val="solid"/>
+                      <a:round/>
+                      <a:headEnd type="none" w="med" len="med"/>
+                      <a:tailEnd type="none" w="med" len="med"/>
+                    </a:lnR>
+                    <a:lnT w="12700" cap="flat" cmpd="sng" algn="ctr">
+                      <a:solidFill>
+                        <a:scrgbClr r="0" g="0" b="0"/>
+                      </a:solidFill>
+                      <a:prstDash val="solid"/>
+                      <a:round/>
+                      <a:headEnd type="none" w="med" len="med"/>
+                      <a:tailEnd type="none" w="med" len="med"/>
+                    </a:lnT>
+                    <a:lnB w="12700" cap="flat" cmpd="sng" algn="ctr">
+                      <a:solidFill>
+                        <a:scrgbClr r="0" g="0" b="0"/>
+                      </a:solidFill>
+                      <a:prstDash val="solid"/>
+                      <a:round/>
+                      <a:headEnd type="none" w="med" len="med"/>
+                      <a:tailEnd type="none" w="med" len="med"/>
+                    </a:lnB>
+                    <a:noFill/>
+                  </a:tcPr>
+                </a:tc>
+              </a:tr>
+              <a:tr h="349866">
+                <a:tc>
+                  <a:txBody>
+                    <a:bodyPr/>
+                    <a:lstStyle/>
+                    <a:p>
+                      <a:r>
+                        <a:rPr lang="en-US" sz="1000" b="1" dirty="0" smtClean="0"/>
+                        <a:t>NEO</a:t>
+                      </a:r>
+                      <a:endParaRPr lang="en-US" sz="1000" b="1" dirty="0"/>
+                    </a:p>
+                  </a:txBody>
+                  <a:tcPr marL="111453" marR="111453" marT="55727" marB="55727">
+                    <a:lnL w="12700" cap="flat" cmpd="sng" algn="ctr">
+                      <a:solidFill>
+                        <a:scrgbClr r="0" g="0" b="0"/>
+                      </a:solidFill>
+                      <a:prstDash val="solid"/>
+                      <a:round/>
+                      <a:headEnd type="none" w="med" len="med"/>
+                      <a:tailEnd type="none" w="med" len="med"/>
+                    </a:lnL>
+                    <a:lnR w="12700" cap="flat" cmpd="sng" algn="ctr">
+                      <a:solidFill>
+                        <a:scrgbClr r="0" g="0" b="0"/>
+                      </a:solidFill>
+                      <a:prstDash val="solid"/>
+                      <a:round/>
+                      <a:headEnd type="none" w="med" len="med"/>
+                      <a:tailEnd type="none" w="med" len="med"/>
+                    </a:lnR>
+                    <a:lnT w="12700" cap="flat" cmpd="sng" algn="ctr">
+                      <a:solidFill>
+                        <a:scrgbClr r="0" g="0" b="0"/>
+                      </a:solidFill>
+                      <a:prstDash val="solid"/>
+                      <a:round/>
+                      <a:headEnd type="none" w="med" len="med"/>
+                      <a:tailEnd type="none" w="med" len="med"/>
+                    </a:lnT>
+                    <a:lnB w="12700" cap="flat" cmpd="sng" algn="ctr">
+                      <a:solidFill>
+                        <a:scrgbClr r="0" g="0" b="0"/>
+                      </a:solidFill>
+                      <a:prstDash val="solid"/>
+                      <a:round/>
+                      <a:headEnd type="none" w="med" len="med"/>
+                      <a:tailEnd type="none" w="med" len="med"/>
+                    </a:lnB>
+                    <a:noFill/>
+                  </a:tcPr>
+                </a:tc>
+                <a:tc>
+                  <a:txBody>
+                    <a:bodyPr/>
+                    <a:lstStyle/>
+                    <a:p>
+                      <a:endParaRPr lang="en-US" sz="1000" dirty="0"/>
+                    </a:p>
+                  </a:txBody>
+                  <a:tcPr marL="111453" marR="111453" marT="55727" marB="55727">
+                    <a:lnL w="12700" cap="flat" cmpd="sng" algn="ctr">
+                      <a:solidFill>
+                        <a:scrgbClr r="0" g="0" b="0"/>
+                      </a:solidFill>
+                      <a:prstDash val="solid"/>
+                      <a:round/>
+                      <a:headEnd type="none" w="med" len="med"/>
+                      <a:tailEnd type="none" w="med" len="med"/>
+                    </a:lnL>
+                    <a:lnR w="12700" cap="flat" cmpd="sng" algn="ctr">
+                      <a:solidFill>
+                        <a:scrgbClr r="0" g="0" b="0"/>
+                      </a:solidFill>
+                      <a:prstDash val="solid"/>
+                      <a:round/>
+                      <a:headEnd type="none" w="med" len="med"/>
+                      <a:tailEnd type="none" w="med" len="med"/>
+                    </a:lnR>
+                    <a:lnT w="12700" cap="flat" cmpd="sng" algn="ctr">
+                      <a:solidFill>
+                        <a:scrgbClr r="0" g="0" b="0"/>
+                      </a:solidFill>
+                      <a:prstDash val="solid"/>
+                      <a:round/>
+                      <a:headEnd type="none" w="med" len="med"/>
+                      <a:tailEnd type="none" w="med" len="med"/>
+                    </a:lnT>
+                    <a:lnB w="12700" cap="flat" cmpd="sng" algn="ctr">
+                      <a:solidFill>
+                        <a:scrgbClr r="0" g="0" b="0"/>
+                      </a:solidFill>
+                      <a:prstDash val="solid"/>
+                      <a:round/>
+                      <a:headEnd type="none" w="med" len="med"/>
+                      <a:tailEnd type="none" w="med" len="med"/>
+                    </a:lnB>
+                    <a:noFill/>
+                  </a:tcPr>
+                </a:tc>
+                <a:tc>
+                  <a:txBody>
+                    <a:bodyPr/>
+                    <a:lstStyle/>
+                    <a:p>
+                      <a:r>
+                        <a:rPr lang="en-US" sz="1000" dirty="0" smtClean="0"/>
+                        <a:t>0</a:t>
+                      </a:r>
+                      <a:endParaRPr lang="en-US" sz="1000" dirty="0"/>
+                    </a:p>
+                  </a:txBody>
+                  <a:tcPr marL="111453" marR="111453" marT="55727" marB="55727">
+                    <a:lnL w="12700" cap="flat" cmpd="sng" algn="ctr">
+                      <a:solidFill>
+                        <a:scrgbClr r="0" g="0" b="0"/>
+                      </a:solidFill>
+                      <a:prstDash val="solid"/>
+                      <a:round/>
+                      <a:headEnd type="none" w="med" len="med"/>
+                      <a:tailEnd type="none" w="med" len="med"/>
+                    </a:lnL>
+                    <a:lnR w="12700" cap="flat" cmpd="sng" algn="ctr">
+                      <a:solidFill>
+                        <a:scrgbClr r="0" g="0" b="0"/>
+                      </a:solidFill>
+                      <a:prstDash val="solid"/>
+                      <a:round/>
+                      <a:headEnd type="none" w="med" len="med"/>
+                      <a:tailEnd type="none" w="med" len="med"/>
+                    </a:lnR>
+                    <a:lnT w="12700" cap="flat" cmpd="sng" algn="ctr">
+                      <a:solidFill>
+                        <a:scrgbClr r="0" g="0" b="0"/>
+                      </a:solidFill>
+                      <a:prstDash val="solid"/>
+                      <a:round/>
+                      <a:headEnd type="none" w="med" len="med"/>
+                      <a:tailEnd type="none" w="med" len="med"/>
+                    </a:lnT>
+                    <a:lnB w="12700" cap="flat" cmpd="sng" algn="ctr">
+                      <a:solidFill>
+                        <a:scrgbClr r="0" g="0" b="0"/>
+                      </a:solidFill>
+                      <a:prstDash val="solid"/>
+                      <a:round/>
+                      <a:headEnd type="none" w="med" len="med"/>
+                      <a:tailEnd type="none" w="med" len="med"/>
+                    </a:lnB>
                     <a:noFill/>
                   </a:tcPr>
                 </a:tc>
@@ -32080,52 +33187,42 @@
                     </a:p>
                   </a:txBody>
                   <a:tcPr marL="111453" marR="111453" marT="55727" marB="55727">
-                    <a:noFill/>
-                  </a:tcPr>
-                </a:tc>
-              </a:tr>
-              <a:tr h="349866">
-                <a:tc>
-                  <a:txBody>
-                    <a:bodyPr/>
-                    <a:lstStyle/>
-                    <a:p>
-                      <a:endParaRPr lang="en-US" sz="1000" dirty="0"/>
-                    </a:p>
-                  </a:txBody>
-                  <a:tcPr marL="111453" marR="111453" marT="55727" marB="55727">
-                    <a:noFill/>
-                  </a:tcPr>
-                </a:tc>
-                <a:tc>
-                  <a:txBody>
-                    <a:bodyPr/>
-                    <a:lstStyle/>
-                    <a:p>
-                      <a:r>
-                        <a:rPr lang="en-US" sz="1000" dirty="0" smtClean="0"/>
-                        <a:t>+ OHT</a:t>
-                      </a:r>
-                      <a:endParaRPr lang="en-US" sz="1000" dirty="0"/>
-                    </a:p>
-                  </a:txBody>
-                  <a:tcPr marL="111453" marR="111453" marT="55727" marB="55727">
-                    <a:noFill/>
-                  </a:tcPr>
-                </a:tc>
-                <a:tc>
-                  <a:txBody>
-                    <a:bodyPr/>
-                    <a:lstStyle/>
-                    <a:p>
-                      <a:r>
-                        <a:rPr lang="en-US" sz="1000" dirty="0" smtClean="0"/>
-                        <a:t>2</a:t>
-                      </a:r>
-                      <a:endParaRPr lang="en-US" sz="1000" dirty="0"/>
-                    </a:p>
-                  </a:txBody>
-                  <a:tcPr marL="111453" marR="111453" marT="55727" marB="55727">
+                    <a:lnL w="12700" cap="flat" cmpd="sng" algn="ctr">
+                      <a:solidFill>
+                        <a:scrgbClr r="0" g="0" b="0"/>
+                      </a:solidFill>
+                      <a:prstDash val="solid"/>
+                      <a:round/>
+                      <a:headEnd type="none" w="med" len="med"/>
+                      <a:tailEnd type="none" w="med" len="med"/>
+                    </a:lnL>
+                    <a:lnR w="12700" cap="flat" cmpd="sng" algn="ctr">
+                      <a:solidFill>
+                        <a:scrgbClr r="0" g="0" b="0"/>
+                      </a:solidFill>
+                      <a:prstDash val="solid"/>
+                      <a:round/>
+                      <a:headEnd type="none" w="med" len="med"/>
+                      <a:tailEnd type="none" w="med" len="med"/>
+                    </a:lnR>
+                    <a:lnT w="12700" cap="flat" cmpd="sng" algn="ctr">
+                      <a:solidFill>
+                        <a:scrgbClr r="0" g="0" b="0"/>
+                      </a:solidFill>
+                      <a:prstDash val="solid"/>
+                      <a:round/>
+                      <a:headEnd type="none" w="med" len="med"/>
+                      <a:tailEnd type="none" w="med" len="med"/>
+                    </a:lnT>
+                    <a:lnB w="12700" cap="flat" cmpd="sng" algn="ctr">
+                      <a:solidFill>
+                        <a:scrgbClr r="0" g="0" b="0"/>
+                      </a:solidFill>
+                      <a:prstDash val="solid"/>
+                      <a:round/>
+                      <a:headEnd type="none" w="med" len="med"/>
+                      <a:tailEnd type="none" w="med" len="med"/>
+                    </a:lnB>
                     <a:noFill/>
                   </a:tcPr>
                 </a:tc>
@@ -32138,10 +33235,147 @@
                         <a:rPr lang="en-US" sz="1000" dirty="0" smtClean="0"/>
                         <a:t>1</a:t>
                       </a:r>
+                    </a:p>
+                  </a:txBody>
+                  <a:tcPr marL="111453" marR="111453" marT="55727" marB="55727">
+                    <a:lnL w="12700" cap="flat" cmpd="sng" algn="ctr">
+                      <a:solidFill>
+                        <a:scrgbClr r="0" g="0" b="0"/>
+                      </a:solidFill>
+                      <a:prstDash val="solid"/>
+                      <a:round/>
+                      <a:headEnd type="none" w="med" len="med"/>
+                      <a:tailEnd type="none" w="med" len="med"/>
+                    </a:lnL>
+                    <a:lnR w="12700" cap="flat" cmpd="sng" algn="ctr">
+                      <a:solidFill>
+                        <a:scrgbClr r="0" g="0" b="0"/>
+                      </a:solidFill>
+                      <a:prstDash val="solid"/>
+                      <a:round/>
+                      <a:headEnd type="none" w="med" len="med"/>
+                      <a:tailEnd type="none" w="med" len="med"/>
+                    </a:lnR>
+                    <a:lnT w="12700" cap="flat" cmpd="sng" algn="ctr">
+                      <a:solidFill>
+                        <a:scrgbClr r="0" g="0" b="0"/>
+                      </a:solidFill>
+                      <a:prstDash val="solid"/>
+                      <a:round/>
+                      <a:headEnd type="none" w="med" len="med"/>
+                      <a:tailEnd type="none" w="med" len="med"/>
+                    </a:lnT>
+                    <a:lnB w="12700" cap="flat" cmpd="sng" algn="ctr">
+                      <a:solidFill>
+                        <a:scrgbClr r="0" g="0" b="0"/>
+                      </a:solidFill>
+                      <a:prstDash val="solid"/>
+                      <a:round/>
+                      <a:headEnd type="none" w="med" len="med"/>
+                      <a:tailEnd type="none" w="med" len="med"/>
+                    </a:lnB>
+                    <a:noFill/>
+                  </a:tcPr>
+                </a:tc>
+              </a:tr>
+              <a:tr h="349866">
+                <a:tc>
+                  <a:txBody>
+                    <a:bodyPr/>
+                    <a:lstStyle/>
+                    <a:p>
+                      <a:r>
+                        <a:rPr lang="en-US" sz="1000" b="1" dirty="0" smtClean="0"/>
+                        <a:t>BSD **</a:t>
+                      </a:r>
+                      <a:endParaRPr lang="en-US" sz="1000" b="1" dirty="0"/>
+                    </a:p>
+                  </a:txBody>
+                  <a:tcPr marL="111453" marR="111453" marT="55727" marB="55727">
+                    <a:lnL w="12700" cap="flat" cmpd="sng" algn="ctr">
+                      <a:solidFill>
+                        <a:scrgbClr r="0" g="0" b="0"/>
+                      </a:solidFill>
+                      <a:prstDash val="solid"/>
+                      <a:round/>
+                      <a:headEnd type="none" w="med" len="med"/>
+                      <a:tailEnd type="none" w="med" len="med"/>
+                    </a:lnL>
+                    <a:lnR w="12700" cap="flat" cmpd="sng" algn="ctr">
+                      <a:solidFill>
+                        <a:scrgbClr r="0" g="0" b="0"/>
+                      </a:solidFill>
+                      <a:prstDash val="solid"/>
+                      <a:round/>
+                      <a:headEnd type="none" w="med" len="med"/>
+                      <a:tailEnd type="none" w="med" len="med"/>
+                    </a:lnR>
+                    <a:lnT w="12700" cap="flat" cmpd="sng" algn="ctr">
+                      <a:solidFill>
+                        <a:scrgbClr r="0" g="0" b="0"/>
+                      </a:solidFill>
+                      <a:prstDash val="solid"/>
+                      <a:round/>
+                      <a:headEnd type="none" w="med" len="med"/>
+                      <a:tailEnd type="none" w="med" len="med"/>
+                    </a:lnT>
+                    <a:lnB w="12700" cap="flat" cmpd="sng" algn="ctr">
+                      <a:solidFill>
+                        <a:scrgbClr r="0" g="0" b="0"/>
+                      </a:solidFill>
+                      <a:prstDash val="solid"/>
+                      <a:round/>
+                      <a:headEnd type="none" w="med" len="med"/>
+                      <a:tailEnd type="none" w="med" len="med"/>
+                    </a:lnB>
+                    <a:noFill/>
+                  </a:tcPr>
+                </a:tc>
+                <a:tc>
+                  <a:txBody>
+                    <a:bodyPr/>
+                    <a:lstStyle/>
+                    <a:p>
                       <a:endParaRPr lang="en-US" sz="1000" dirty="0"/>
                     </a:p>
                   </a:txBody>
                   <a:tcPr marL="111453" marR="111453" marT="55727" marB="55727">
+                    <a:lnL w="12700" cap="flat" cmpd="sng" algn="ctr">
+                      <a:solidFill>
+                        <a:scrgbClr r="0" g="0" b="0"/>
+                      </a:solidFill>
+                      <a:prstDash val="solid"/>
+                      <a:round/>
+                      <a:headEnd type="none" w="med" len="med"/>
+                      <a:tailEnd type="none" w="med" len="med"/>
+                    </a:lnL>
+                    <a:lnR w="12700" cap="flat" cmpd="sng" algn="ctr">
+                      <a:solidFill>
+                        <a:scrgbClr r="0" g="0" b="0"/>
+                      </a:solidFill>
+                      <a:prstDash val="solid"/>
+                      <a:round/>
+                      <a:headEnd type="none" w="med" len="med"/>
+                      <a:tailEnd type="none" w="med" len="med"/>
+                    </a:lnR>
+                    <a:lnT w="12700" cap="flat" cmpd="sng" algn="ctr">
+                      <a:solidFill>
+                        <a:scrgbClr r="0" g="0" b="0"/>
+                      </a:solidFill>
+                      <a:prstDash val="solid"/>
+                      <a:round/>
+                      <a:headEnd type="none" w="med" len="med"/>
+                      <a:tailEnd type="none" w="med" len="med"/>
+                    </a:lnT>
+                    <a:lnB w="12700" cap="flat" cmpd="sng" algn="ctr">
+                      <a:solidFill>
+                        <a:scrgbClr r="0" g="0" b="0"/>
+                      </a:solidFill>
+                      <a:prstDash val="solid"/>
+                      <a:round/>
+                      <a:headEnd type="none" w="med" len="med"/>
+                      <a:tailEnd type="none" w="med" len="med"/>
+                    </a:lnB>
                     <a:noFill/>
                   </a:tcPr>
                 </a:tc>
@@ -32152,12 +33386,151 @@
                     <a:p>
                       <a:r>
                         <a:rPr lang="en-US" sz="1000" dirty="0" smtClean="0"/>
-                        <a:t>1</a:t>
+                        <a:t>0</a:t>
                       </a:r>
                       <a:endParaRPr lang="en-US" sz="1000" dirty="0"/>
                     </a:p>
                   </a:txBody>
                   <a:tcPr marL="111453" marR="111453" marT="55727" marB="55727">
+                    <a:lnL w="12700" cap="flat" cmpd="sng" algn="ctr">
+                      <a:solidFill>
+                        <a:scrgbClr r="0" g="0" b="0"/>
+                      </a:solidFill>
+                      <a:prstDash val="solid"/>
+                      <a:round/>
+                      <a:headEnd type="none" w="med" len="med"/>
+                      <a:tailEnd type="none" w="med" len="med"/>
+                    </a:lnL>
+                    <a:lnR w="12700" cap="flat" cmpd="sng" algn="ctr">
+                      <a:solidFill>
+                        <a:scrgbClr r="0" g="0" b="0"/>
+                      </a:solidFill>
+                      <a:prstDash val="solid"/>
+                      <a:round/>
+                      <a:headEnd type="none" w="med" len="med"/>
+                      <a:tailEnd type="none" w="med" len="med"/>
+                    </a:lnR>
+                    <a:lnT w="12700" cap="flat" cmpd="sng" algn="ctr">
+                      <a:solidFill>
+                        <a:scrgbClr r="0" g="0" b="0"/>
+                      </a:solidFill>
+                      <a:prstDash val="solid"/>
+                      <a:round/>
+                      <a:headEnd type="none" w="med" len="med"/>
+                      <a:tailEnd type="none" w="med" len="med"/>
+                    </a:lnT>
+                    <a:lnB w="12700" cap="flat" cmpd="sng" algn="ctr">
+                      <a:solidFill>
+                        <a:scrgbClr r="0" g="0" b="0"/>
+                      </a:solidFill>
+                      <a:prstDash val="solid"/>
+                      <a:round/>
+                      <a:headEnd type="none" w="med" len="med"/>
+                      <a:tailEnd type="none" w="med" len="med"/>
+                    </a:lnB>
+                    <a:noFill/>
+                  </a:tcPr>
+                </a:tc>
+                <a:tc>
+                  <a:txBody>
+                    <a:bodyPr/>
+                    <a:lstStyle/>
+                    <a:p>
+                      <a:r>
+                        <a:rPr lang="en-US" sz="1000" dirty="0" smtClean="0"/>
+                        <a:t>0</a:t>
+                      </a:r>
+                      <a:endParaRPr lang="en-US" sz="1000" dirty="0"/>
+                    </a:p>
+                  </a:txBody>
+                  <a:tcPr marL="111453" marR="111453" marT="55727" marB="55727">
+                    <a:lnL w="12700" cap="flat" cmpd="sng" algn="ctr">
+                      <a:solidFill>
+                        <a:scrgbClr r="0" g="0" b="0"/>
+                      </a:solidFill>
+                      <a:prstDash val="solid"/>
+                      <a:round/>
+                      <a:headEnd type="none" w="med" len="med"/>
+                      <a:tailEnd type="none" w="med" len="med"/>
+                    </a:lnL>
+                    <a:lnR w="12700" cap="flat" cmpd="sng" algn="ctr">
+                      <a:solidFill>
+                        <a:scrgbClr r="0" g="0" b="0"/>
+                      </a:solidFill>
+                      <a:prstDash val="solid"/>
+                      <a:round/>
+                      <a:headEnd type="none" w="med" len="med"/>
+                      <a:tailEnd type="none" w="med" len="med"/>
+                    </a:lnR>
+                    <a:lnT w="12700" cap="flat" cmpd="sng" algn="ctr">
+                      <a:solidFill>
+                        <a:scrgbClr r="0" g="0" b="0"/>
+                      </a:solidFill>
+                      <a:prstDash val="solid"/>
+                      <a:round/>
+                      <a:headEnd type="none" w="med" len="med"/>
+                      <a:tailEnd type="none" w="med" len="med"/>
+                    </a:lnT>
+                    <a:lnB w="12700" cap="flat" cmpd="sng" algn="ctr">
+                      <a:solidFill>
+                        <a:scrgbClr r="0" g="0" b="0"/>
+                      </a:solidFill>
+                      <a:prstDash val="solid"/>
+                      <a:round/>
+                      <a:headEnd type="none" w="med" len="med"/>
+                      <a:tailEnd type="none" w="med" len="med"/>
+                    </a:lnB>
+                    <a:noFill/>
+                  </a:tcPr>
+                </a:tc>
+                <a:tc>
+                  <a:txBody>
+                    <a:bodyPr/>
+                    <a:lstStyle/>
+                    <a:p>
+                      <a:r>
+                        <a:rPr lang="en-US" sz="1000" dirty="0" smtClean="0"/>
+                        <a:t>0</a:t>
+                      </a:r>
+                    </a:p>
+                  </a:txBody>
+                  <a:tcPr marL="111453" marR="111453" marT="55727" marB="55727">
+                    <a:lnL w="12700" cap="flat" cmpd="sng" algn="ctr">
+                      <a:solidFill>
+                        <a:scrgbClr r="0" g="0" b="0"/>
+                      </a:solidFill>
+                      <a:prstDash val="solid"/>
+                      <a:round/>
+                      <a:headEnd type="none" w="med" len="med"/>
+                      <a:tailEnd type="none" w="med" len="med"/>
+                    </a:lnL>
+                    <a:lnR w="12700" cap="flat" cmpd="sng" algn="ctr">
+                      <a:solidFill>
+                        <a:scrgbClr r="0" g="0" b="0"/>
+                      </a:solidFill>
+                      <a:prstDash val="solid"/>
+                      <a:round/>
+                      <a:headEnd type="none" w="med" len="med"/>
+                      <a:tailEnd type="none" w="med" len="med"/>
+                    </a:lnR>
+                    <a:lnT w="12700" cap="flat" cmpd="sng" algn="ctr">
+                      <a:solidFill>
+                        <a:scrgbClr r="0" g="0" b="0"/>
+                      </a:solidFill>
+                      <a:prstDash val="solid"/>
+                      <a:round/>
+                      <a:headEnd type="none" w="med" len="med"/>
+                      <a:tailEnd type="none" w="med" len="med"/>
+                    </a:lnT>
+                    <a:lnB w="12700" cap="flat" cmpd="sng" algn="ctr">
+                      <a:solidFill>
+                        <a:scrgbClr r="0" g="0" b="0"/>
+                      </a:solidFill>
+                      <a:prstDash val="solid"/>
+                      <a:round/>
+                      <a:headEnd type="none" w="med" len="med"/>
+                      <a:tailEnd type="none" w="med" len="med"/>
+                    </a:lnB>
                     <a:noFill/>
                   </a:tcPr>
                 </a:tc>
@@ -32166,6 +33539,1718 @@
           </a:graphicData>
         </a:graphic>
       </p:graphicFrame>
+      <p:sp>
+        <p:nvSpPr>
+          <p:cNvPr id="6" name="TextBox 5"/>
+          <p:cNvSpPr txBox="1"/>
+          <p:nvPr/>
+        </p:nvSpPr>
+        <p:spPr>
+          <a:xfrm>
+            <a:off x="615043" y="448733"/>
+            <a:ext cx="4906474" cy="615553"/>
+          </a:xfrm>
+          <a:prstGeom prst="rect">
+            <a:avLst/>
+          </a:prstGeom>
+          <a:noFill/>
+        </p:spPr>
+        <p:txBody>
+          <a:bodyPr wrap="none" rtlCol="0">
+            <a:spAutoFit/>
+          </a:bodyPr>
+          <a:lstStyle/>
+          <a:p>
+            <a:r>
+              <a:rPr lang="en-US" u="sng" dirty="0" smtClean="0"/>
+              <a:t>Standard Workflow – Non-Essential genes [ </a:t>
+            </a:r>
+            <a:r>
+              <a:rPr lang="en-US" b="1" u="sng" dirty="0" smtClean="0"/>
+              <a:t>NE1a</a:t>
+            </a:r>
+            <a:r>
+              <a:rPr lang="en-US" u="sng" dirty="0" smtClean="0"/>
+              <a:t> ]</a:t>
+            </a:r>
+          </a:p>
+          <a:p>
+            <a:r>
+              <a:rPr lang="en-US" sz="1600" b="1" dirty="0" smtClean="0"/>
+              <a:t>Neo</a:t>
+            </a:r>
+            <a:r>
+              <a:rPr lang="en-US" sz="1600" dirty="0" smtClean="0"/>
+              <a:t> first		    tm1a -&gt; tm1 -&gt; tm1a/tm1</a:t>
+            </a:r>
+          </a:p>
+        </p:txBody>
+      </p:sp>
+      <p:sp>
+        <p:nvSpPr>
+          <p:cNvPr id="8" name="Rectangle 7"/>
+          <p:cNvSpPr/>
+          <p:nvPr/>
+        </p:nvSpPr>
+        <p:spPr>
+          <a:xfrm>
+            <a:off x="651914" y="1179734"/>
+            <a:ext cx="2207956" cy="369332"/>
+          </a:xfrm>
+          <a:prstGeom prst="rect">
+            <a:avLst/>
+          </a:prstGeom>
+        </p:spPr>
+        <p:txBody>
+          <a:bodyPr wrap="none">
+            <a:spAutoFit/>
+          </a:bodyPr>
+          <a:lstStyle/>
+          <a:p>
+            <a:r>
+              <a:rPr lang="en-US" i="1" dirty="0" smtClean="0"/>
+              <a:t>First Electroporation:</a:t>
+            </a:r>
+            <a:endParaRPr lang="en-US" i="1" dirty="0"/>
+          </a:p>
+        </p:txBody>
+      </p:sp>
+      <p:sp>
+        <p:nvSpPr>
+          <p:cNvPr id="11" name="TextBox 10"/>
+          <p:cNvSpPr txBox="1"/>
+          <p:nvPr/>
+        </p:nvSpPr>
+        <p:spPr>
+          <a:xfrm>
+            <a:off x="4743736" y="1549066"/>
+            <a:ext cx="3005668" cy="1754327"/>
+          </a:xfrm>
+          <a:prstGeom prst="rect">
+            <a:avLst/>
+          </a:prstGeom>
+          <a:noFill/>
+        </p:spPr>
+        <p:txBody>
+          <a:bodyPr wrap="square" rtlCol="0">
+            <a:spAutoFit/>
+          </a:bodyPr>
+          <a:lstStyle/>
+          <a:p>
+            <a:r>
+              <a:rPr lang="en-US" sz="1200" dirty="0" smtClean="0"/>
+              <a:t>tm1a/</a:t>
+            </a:r>
+            <a:r>
+              <a:rPr lang="en-US" sz="1200" dirty="0" err="1" smtClean="0"/>
+              <a:t>wt</a:t>
+            </a:r>
+            <a:r>
+              <a:rPr lang="en-US" sz="1200" dirty="0" smtClean="0"/>
+              <a:t> is what you want</a:t>
+            </a:r>
+          </a:p>
+          <a:p>
+            <a:endParaRPr lang="en-US" sz="1200" dirty="0"/>
+          </a:p>
+          <a:p>
+            <a:r>
+              <a:rPr lang="en-US" sz="1200" dirty="0" smtClean="0"/>
+              <a:t>tm1e/</a:t>
+            </a:r>
+            <a:r>
+              <a:rPr lang="en-US" sz="1200" dirty="0" err="1" smtClean="0"/>
+              <a:t>wt</a:t>
+            </a:r>
+            <a:r>
+              <a:rPr lang="en-US" sz="1200" dirty="0" smtClean="0"/>
+              <a:t> is where most of the cassette goes in but the final </a:t>
+            </a:r>
+            <a:r>
+              <a:rPr lang="en-US" sz="1200" dirty="0" err="1" smtClean="0"/>
+              <a:t>loxp</a:t>
+            </a:r>
+            <a:r>
+              <a:rPr lang="en-US" sz="1200" dirty="0" smtClean="0"/>
+              <a:t> does not</a:t>
+            </a:r>
+          </a:p>
+          <a:p>
+            <a:endParaRPr lang="en-US" sz="1200" dirty="0"/>
+          </a:p>
+          <a:p>
+            <a:r>
+              <a:rPr lang="en-US" sz="1200" dirty="0" err="1" smtClean="0"/>
+              <a:t>wt</a:t>
+            </a:r>
+            <a:r>
+              <a:rPr lang="en-US" sz="1200" dirty="0" smtClean="0"/>
+              <a:t>/</a:t>
+            </a:r>
+            <a:r>
+              <a:rPr lang="en-US" sz="1200" dirty="0" err="1" smtClean="0"/>
+              <a:t>wt</a:t>
+            </a:r>
+            <a:r>
+              <a:rPr lang="en-US" sz="1200" dirty="0" smtClean="0"/>
+              <a:t> is total failure of </a:t>
+            </a:r>
+            <a:r>
+              <a:rPr lang="en-US" sz="1200" dirty="0" smtClean="0"/>
+              <a:t>electroporation</a:t>
+            </a:r>
+          </a:p>
+          <a:p>
+            <a:endParaRPr lang="en-US" sz="1200" dirty="0"/>
+          </a:p>
+          <a:p>
+            <a:r>
+              <a:rPr lang="en-US" sz="1200" dirty="0" smtClean="0"/>
+              <a:t>** No </a:t>
+            </a:r>
+            <a:r>
+              <a:rPr lang="en-US" sz="1200" dirty="0" err="1" smtClean="0"/>
+              <a:t>Bsd</a:t>
+            </a:r>
+            <a:r>
+              <a:rPr lang="en-US" sz="1200" dirty="0" smtClean="0"/>
+              <a:t> resistance in cassette so no benefit to performin</a:t>
+            </a:r>
+            <a:r>
+              <a:rPr lang="en-US" sz="1200" dirty="0" smtClean="0"/>
+              <a:t>g the </a:t>
+            </a:r>
+            <a:r>
+              <a:rPr lang="en-US" sz="1200" dirty="0" err="1" smtClean="0"/>
+              <a:t>Bsd</a:t>
+            </a:r>
+            <a:r>
+              <a:rPr lang="en-US" sz="1200" dirty="0" smtClean="0"/>
+              <a:t> assay</a:t>
+            </a:r>
+            <a:endParaRPr lang="en-US" sz="1200" dirty="0"/>
+          </a:p>
+        </p:txBody>
+      </p:sp>
+      <p:grpSp>
+        <p:nvGrpSpPr>
+          <p:cNvPr id="10" name="Group 9"/>
+          <p:cNvGrpSpPr/>
+          <p:nvPr/>
+        </p:nvGrpSpPr>
+        <p:grpSpPr>
+          <a:xfrm>
+            <a:off x="2134161" y="1591939"/>
+            <a:ext cx="700253" cy="251299"/>
+            <a:chOff x="277647" y="1751515"/>
+            <a:chExt cx="700253" cy="251299"/>
+          </a:xfrm>
+        </p:grpSpPr>
+        <p:sp>
+          <p:nvSpPr>
+            <p:cNvPr id="12" name="AutoShape 148"/>
+            <p:cNvSpPr>
+              <a:spLocks noChangeArrowheads="1"/>
+            </p:cNvSpPr>
+            <p:nvPr/>
+          </p:nvSpPr>
+          <p:spPr bwMode="auto">
+            <a:xfrm>
+              <a:off x="277647" y="1751515"/>
+              <a:ext cx="700253" cy="251299"/>
+            </a:xfrm>
+            <a:prstGeom prst="roundRect">
+              <a:avLst>
+                <a:gd name="adj" fmla="val 16667"/>
+              </a:avLst>
+            </a:prstGeom>
+            <a:noFill/>
+            <a:ln w="6350" cmpd="sng">
+              <a:solidFill>
+                <a:schemeClr val="tx1"/>
+              </a:solidFill>
+              <a:round/>
+              <a:headEnd/>
+              <a:tailEnd/>
+            </a:ln>
+            <a:extLst>
+              <a:ext uri="{909E8E84-426E-40dd-AFC4-6F175D3DCCD1}">
+                <a14:hiddenFill xmlns:a14="http://schemas.microsoft.com/office/drawing/2010/main">
+                  <a:solidFill>
+                    <a:srgbClr val="FFFFFF"/>
+                  </a:solidFill>
+                </a14:hiddenFill>
+              </a:ext>
+            </a:extLst>
+          </p:spPr>
+          <p:txBody>
+            <a:bodyPr wrap="none" anchor="ctr"/>
+            <a:lstStyle/>
+            <a:p>
+              <a:endParaRPr lang="en-US">
+                <a:latin typeface="Calibri" charset="0"/>
+              </a:endParaRPr>
+            </a:p>
+          </p:txBody>
+        </p:sp>
+        <p:sp>
+          <p:nvSpPr>
+            <p:cNvPr id="14" name="Line 151"/>
+            <p:cNvSpPr>
+              <a:spLocks noChangeShapeType="1"/>
+            </p:cNvSpPr>
+            <p:nvPr/>
+          </p:nvSpPr>
+          <p:spPr bwMode="auto">
+            <a:xfrm>
+              <a:off x="379946" y="1819139"/>
+              <a:ext cx="536262" cy="0"/>
+            </a:xfrm>
+            <a:prstGeom prst="line">
+              <a:avLst/>
+            </a:prstGeom>
+            <a:noFill/>
+            <a:ln w="6350" cmpd="sng">
+              <a:solidFill>
+                <a:schemeClr val="tx1"/>
+              </a:solidFill>
+              <a:round/>
+              <a:headEnd/>
+              <a:tailEnd/>
+            </a:ln>
+            <a:extLst>
+              <a:ext uri="{909E8E84-426E-40dd-AFC4-6F175D3DCCD1}">
+                <a14:hiddenFill xmlns:a14="http://schemas.microsoft.com/office/drawing/2010/main">
+                  <a:noFill/>
+                </a14:hiddenFill>
+              </a:ext>
+            </a:extLst>
+          </p:spPr>
+          <p:txBody>
+            <a:bodyPr/>
+            <a:lstStyle/>
+            <a:p>
+              <a:endParaRPr lang="en-US"/>
+            </a:p>
+          </p:txBody>
+        </p:sp>
+        <p:sp>
+          <p:nvSpPr>
+            <p:cNvPr id="15" name="Oval 152"/>
+            <p:cNvSpPr>
+              <a:spLocks noChangeArrowheads="1"/>
+            </p:cNvSpPr>
+            <p:nvPr/>
+          </p:nvSpPr>
+          <p:spPr bwMode="auto">
+            <a:xfrm>
+              <a:off x="343462" y="1800310"/>
+              <a:ext cx="36889" cy="36837"/>
+            </a:xfrm>
+            <a:prstGeom prst="ellipse">
+              <a:avLst/>
+            </a:prstGeom>
+            <a:solidFill>
+              <a:schemeClr val="bg2"/>
+            </a:solidFill>
+            <a:ln w="6350" cmpd="sng">
+              <a:solidFill>
+                <a:schemeClr val="tx1"/>
+              </a:solidFill>
+              <a:round/>
+              <a:headEnd/>
+              <a:tailEnd/>
+            </a:ln>
+          </p:spPr>
+          <p:txBody>
+            <a:bodyPr wrap="none" anchor="ctr"/>
+            <a:lstStyle/>
+            <a:p>
+              <a:endParaRPr lang="en-US">
+                <a:latin typeface="Calibri" charset="0"/>
+              </a:endParaRPr>
+            </a:p>
+          </p:txBody>
+        </p:sp>
+        <p:sp>
+          <p:nvSpPr>
+            <p:cNvPr id="16" name="Line 154"/>
+            <p:cNvSpPr>
+              <a:spLocks noChangeShapeType="1"/>
+            </p:cNvSpPr>
+            <p:nvPr/>
+          </p:nvSpPr>
+          <p:spPr bwMode="auto">
+            <a:xfrm>
+              <a:off x="380299" y="1930996"/>
+              <a:ext cx="535909" cy="0"/>
+            </a:xfrm>
+            <a:prstGeom prst="line">
+              <a:avLst/>
+            </a:prstGeom>
+            <a:noFill/>
+            <a:ln w="6350" cmpd="sng">
+              <a:solidFill>
+                <a:srgbClr val="000000"/>
+              </a:solidFill>
+              <a:round/>
+              <a:headEnd/>
+              <a:tailEnd/>
+            </a:ln>
+            <a:extLst>
+              <a:ext uri="{909E8E84-426E-40dd-AFC4-6F175D3DCCD1}">
+                <a14:hiddenFill xmlns:a14="http://schemas.microsoft.com/office/drawing/2010/main">
+                  <a:noFill/>
+                </a14:hiddenFill>
+              </a:ext>
+            </a:extLst>
+          </p:spPr>
+          <p:txBody>
+            <a:bodyPr/>
+            <a:lstStyle/>
+            <a:p>
+              <a:endParaRPr lang="en-US"/>
+            </a:p>
+          </p:txBody>
+        </p:sp>
+        <p:sp>
+          <p:nvSpPr>
+            <p:cNvPr id="17" name="Oval 158"/>
+            <p:cNvSpPr>
+              <a:spLocks noChangeArrowheads="1"/>
+            </p:cNvSpPr>
+            <p:nvPr/>
+          </p:nvSpPr>
+          <p:spPr bwMode="auto">
+            <a:xfrm>
+              <a:off x="341498" y="1913314"/>
+              <a:ext cx="36837" cy="36837"/>
+            </a:xfrm>
+            <a:prstGeom prst="ellipse">
+              <a:avLst/>
+            </a:prstGeom>
+            <a:solidFill>
+              <a:schemeClr val="bg2"/>
+            </a:solidFill>
+            <a:ln w="6350" cmpd="sng">
+              <a:solidFill>
+                <a:schemeClr val="tx1"/>
+              </a:solidFill>
+              <a:round/>
+              <a:headEnd/>
+              <a:tailEnd/>
+            </a:ln>
+          </p:spPr>
+          <p:txBody>
+            <a:bodyPr wrap="none" anchor="ctr"/>
+            <a:lstStyle/>
+            <a:p>
+              <a:endParaRPr lang="en-US">
+                <a:latin typeface="Calibri" charset="0"/>
+              </a:endParaRPr>
+            </a:p>
+          </p:txBody>
+        </p:sp>
+        <p:sp>
+          <p:nvSpPr>
+            <p:cNvPr id="18" name="Rectangle 167"/>
+            <p:cNvSpPr>
+              <a:spLocks noChangeArrowheads="1"/>
+            </p:cNvSpPr>
+            <p:nvPr/>
+          </p:nvSpPr>
+          <p:spPr bwMode="auto">
+            <a:xfrm>
+              <a:off x="761725" y="1783791"/>
+              <a:ext cx="25213" cy="70694"/>
+            </a:xfrm>
+            <a:prstGeom prst="rect">
+              <a:avLst/>
+            </a:prstGeom>
+            <a:solidFill>
+              <a:srgbClr val="FFFF00"/>
+            </a:solidFill>
+            <a:ln w="6350" cmpd="sng">
+              <a:solidFill>
+                <a:srgbClr val="000000"/>
+              </a:solidFill>
+              <a:miter lim="800000"/>
+              <a:headEnd/>
+              <a:tailEnd/>
+            </a:ln>
+          </p:spPr>
+          <p:txBody>
+            <a:bodyPr wrap="none" lIns="91429" tIns="45715" rIns="91429" bIns="45715" anchor="ctr"/>
+            <a:lstStyle/>
+            <a:p>
+              <a:pPr algn="ctr"/>
+              <a:endParaRPr lang="en-US" altLang="zh-CN" sz="1600" i="1">
+                <a:solidFill>
+                  <a:srgbClr val="F5F5F5"/>
+                </a:solidFill>
+                <a:latin typeface="Calibri" charset="0"/>
+                <a:ea typeface="SimSun" charset="0"/>
+                <a:cs typeface="SimSun" charset="0"/>
+              </a:endParaRPr>
+            </a:p>
+          </p:txBody>
+        </p:sp>
+        <p:sp>
+          <p:nvSpPr>
+            <p:cNvPr id="19" name="Rectangle 167"/>
+            <p:cNvSpPr>
+              <a:spLocks noChangeArrowheads="1"/>
+            </p:cNvSpPr>
+            <p:nvPr/>
+          </p:nvSpPr>
+          <p:spPr bwMode="auto">
+            <a:xfrm>
+              <a:off x="761725" y="1895649"/>
+              <a:ext cx="25213" cy="70694"/>
+            </a:xfrm>
+            <a:prstGeom prst="rect">
+              <a:avLst/>
+            </a:prstGeom>
+            <a:solidFill>
+              <a:srgbClr val="FFFF00"/>
+            </a:solidFill>
+            <a:ln w="6350" cmpd="sng">
+              <a:solidFill>
+                <a:srgbClr val="000000"/>
+              </a:solidFill>
+              <a:miter lim="800000"/>
+              <a:headEnd/>
+              <a:tailEnd/>
+            </a:ln>
+          </p:spPr>
+          <p:txBody>
+            <a:bodyPr wrap="none" lIns="91429" tIns="45715" rIns="91429" bIns="45715" anchor="ctr"/>
+            <a:lstStyle/>
+            <a:p>
+              <a:pPr algn="ctr"/>
+              <a:endParaRPr lang="en-US" altLang="zh-CN" sz="1600" i="1">
+                <a:solidFill>
+                  <a:srgbClr val="F5F5F5"/>
+                </a:solidFill>
+                <a:latin typeface="Calibri" charset="0"/>
+                <a:ea typeface="SimSun" charset="0"/>
+                <a:cs typeface="SimSun" charset="0"/>
+              </a:endParaRPr>
+            </a:p>
+          </p:txBody>
+        </p:sp>
+      </p:grpSp>
+      <p:grpSp>
+        <p:nvGrpSpPr>
+          <p:cNvPr id="28" name="Group 27"/>
+          <p:cNvGrpSpPr/>
+          <p:nvPr/>
+        </p:nvGrpSpPr>
+        <p:grpSpPr>
+          <a:xfrm>
+            <a:off x="2918523" y="1540309"/>
+            <a:ext cx="700253" cy="302929"/>
+            <a:chOff x="281157" y="2859547"/>
+            <a:chExt cx="700253" cy="302929"/>
+          </a:xfrm>
+        </p:grpSpPr>
+        <p:sp>
+          <p:nvSpPr>
+            <p:cNvPr id="29" name="AutoShape 148"/>
+            <p:cNvSpPr>
+              <a:spLocks noChangeArrowheads="1"/>
+            </p:cNvSpPr>
+            <p:nvPr/>
+          </p:nvSpPr>
+          <p:spPr bwMode="auto">
+            <a:xfrm>
+              <a:off x="281157" y="2911177"/>
+              <a:ext cx="700253" cy="251299"/>
+            </a:xfrm>
+            <a:prstGeom prst="roundRect">
+              <a:avLst>
+                <a:gd name="adj" fmla="val 16667"/>
+              </a:avLst>
+            </a:prstGeom>
+            <a:noFill/>
+            <a:ln w="6350" cmpd="sng">
+              <a:solidFill>
+                <a:schemeClr val="tx1"/>
+              </a:solidFill>
+              <a:round/>
+              <a:headEnd/>
+              <a:tailEnd/>
+            </a:ln>
+            <a:extLst>
+              <a:ext uri="{909E8E84-426E-40dd-AFC4-6F175D3DCCD1}">
+                <a14:hiddenFill xmlns:a14="http://schemas.microsoft.com/office/drawing/2010/main">
+                  <a:solidFill>
+                    <a:srgbClr val="FFFFFF"/>
+                  </a:solidFill>
+                </a14:hiddenFill>
+              </a:ext>
+            </a:extLst>
+          </p:spPr>
+          <p:txBody>
+            <a:bodyPr wrap="none" anchor="ctr"/>
+            <a:lstStyle/>
+            <a:p>
+              <a:endParaRPr lang="en-US">
+                <a:latin typeface="Calibri" charset="0"/>
+              </a:endParaRPr>
+            </a:p>
+          </p:txBody>
+        </p:sp>
+        <p:sp>
+          <p:nvSpPr>
+            <p:cNvPr id="30" name="Line 154"/>
+            <p:cNvSpPr>
+              <a:spLocks noChangeShapeType="1"/>
+            </p:cNvSpPr>
+            <p:nvPr/>
+          </p:nvSpPr>
+          <p:spPr bwMode="auto">
+            <a:xfrm>
+              <a:off x="383809" y="3090658"/>
+              <a:ext cx="535909" cy="0"/>
+            </a:xfrm>
+            <a:prstGeom prst="line">
+              <a:avLst/>
+            </a:prstGeom>
+            <a:noFill/>
+            <a:ln w="6350" cmpd="sng">
+              <a:solidFill>
+                <a:srgbClr val="000000"/>
+              </a:solidFill>
+              <a:round/>
+              <a:headEnd/>
+              <a:tailEnd/>
+            </a:ln>
+            <a:extLst>
+              <a:ext uri="{909E8E84-426E-40dd-AFC4-6F175D3DCCD1}">
+                <a14:hiddenFill xmlns:a14="http://schemas.microsoft.com/office/drawing/2010/main">
+                  <a:noFill/>
+                </a14:hiddenFill>
+              </a:ext>
+            </a:extLst>
+          </p:spPr>
+          <p:txBody>
+            <a:bodyPr/>
+            <a:lstStyle/>
+            <a:p>
+              <a:endParaRPr lang="en-US"/>
+            </a:p>
+          </p:txBody>
+        </p:sp>
+        <p:sp>
+          <p:nvSpPr>
+            <p:cNvPr id="31" name="Oval 158"/>
+            <p:cNvSpPr>
+              <a:spLocks noChangeArrowheads="1"/>
+            </p:cNvSpPr>
+            <p:nvPr/>
+          </p:nvSpPr>
+          <p:spPr bwMode="auto">
+            <a:xfrm>
+              <a:off x="345008" y="3072976"/>
+              <a:ext cx="36837" cy="36837"/>
+            </a:xfrm>
+            <a:prstGeom prst="ellipse">
+              <a:avLst/>
+            </a:prstGeom>
+            <a:solidFill>
+              <a:schemeClr val="bg2"/>
+            </a:solidFill>
+            <a:ln w="6350" cmpd="sng">
+              <a:solidFill>
+                <a:schemeClr val="tx1"/>
+              </a:solidFill>
+              <a:round/>
+              <a:headEnd/>
+              <a:tailEnd/>
+            </a:ln>
+          </p:spPr>
+          <p:txBody>
+            <a:bodyPr wrap="none" anchor="ctr"/>
+            <a:lstStyle/>
+            <a:p>
+              <a:endParaRPr lang="en-US">
+                <a:latin typeface="Calibri" charset="0"/>
+              </a:endParaRPr>
+            </a:p>
+          </p:txBody>
+        </p:sp>
+        <p:sp>
+          <p:nvSpPr>
+            <p:cNvPr id="32" name="Rectangle 167"/>
+            <p:cNvSpPr>
+              <a:spLocks noChangeArrowheads="1"/>
+            </p:cNvSpPr>
+            <p:nvPr/>
+          </p:nvSpPr>
+          <p:spPr bwMode="auto">
+            <a:xfrm>
+              <a:off x="765235" y="3055311"/>
+              <a:ext cx="25213" cy="70694"/>
+            </a:xfrm>
+            <a:prstGeom prst="rect">
+              <a:avLst/>
+            </a:prstGeom>
+            <a:solidFill>
+              <a:srgbClr val="FFFF00"/>
+            </a:solidFill>
+            <a:ln w="6350" cmpd="sng">
+              <a:solidFill>
+                <a:srgbClr val="000000"/>
+              </a:solidFill>
+              <a:miter lim="800000"/>
+              <a:headEnd/>
+              <a:tailEnd/>
+            </a:ln>
+          </p:spPr>
+          <p:txBody>
+            <a:bodyPr wrap="none" lIns="91429" tIns="45715" rIns="91429" bIns="45715" anchor="ctr"/>
+            <a:lstStyle/>
+            <a:p>
+              <a:pPr algn="ctr"/>
+              <a:endParaRPr lang="en-US" altLang="zh-CN" sz="1600" i="1">
+                <a:solidFill>
+                  <a:srgbClr val="F5F5F5"/>
+                </a:solidFill>
+                <a:latin typeface="Calibri" charset="0"/>
+                <a:ea typeface="SimSun" charset="0"/>
+                <a:cs typeface="SimSun" charset="0"/>
+              </a:endParaRPr>
+            </a:p>
+          </p:txBody>
+        </p:sp>
+        <p:grpSp>
+          <p:nvGrpSpPr>
+            <p:cNvPr id="33" name="Group 32"/>
+            <p:cNvGrpSpPr/>
+            <p:nvPr/>
+          </p:nvGrpSpPr>
+          <p:grpSpPr>
+            <a:xfrm>
+              <a:off x="342498" y="2859547"/>
+              <a:ext cx="574710" cy="215444"/>
+              <a:chOff x="7982722" y="1069224"/>
+              <a:chExt cx="574710" cy="215444"/>
+            </a:xfrm>
+          </p:grpSpPr>
+          <p:sp>
+            <p:nvSpPr>
+              <p:cNvPr id="34" name="Line 154"/>
+              <p:cNvSpPr>
+                <a:spLocks noChangeShapeType="1"/>
+              </p:cNvSpPr>
+              <p:nvPr/>
+            </p:nvSpPr>
+            <p:spPr bwMode="auto">
+              <a:xfrm>
+                <a:off x="8021523" y="1188872"/>
+                <a:ext cx="535909" cy="0"/>
+              </a:xfrm>
+              <a:prstGeom prst="line">
+                <a:avLst/>
+              </a:prstGeom>
+              <a:noFill/>
+              <a:ln w="6350" cmpd="sng">
+                <a:solidFill>
+                  <a:srgbClr val="000000"/>
+                </a:solidFill>
+                <a:round/>
+                <a:headEnd/>
+                <a:tailEnd/>
+              </a:ln>
+              <a:extLst>
+                <a:ext uri="{909E8E84-426E-40dd-AFC4-6F175D3DCCD1}">
+                  <a14:hiddenFill xmlns:a14="http://schemas.microsoft.com/office/drawing/2010/main">
+                    <a:noFill/>
+                  </a14:hiddenFill>
+                </a:ext>
+              </a:extLst>
+            </p:spPr>
+            <p:txBody>
+              <a:bodyPr/>
+              <a:lstStyle/>
+              <a:p>
+                <a:endParaRPr lang="en-US"/>
+              </a:p>
+            </p:txBody>
+          </p:sp>
+          <p:sp>
+            <p:nvSpPr>
+              <p:cNvPr id="35" name="Oval 158"/>
+              <p:cNvSpPr>
+                <a:spLocks noChangeArrowheads="1"/>
+              </p:cNvSpPr>
+              <p:nvPr/>
+            </p:nvSpPr>
+            <p:spPr bwMode="auto">
+              <a:xfrm>
+                <a:off x="7982722" y="1170454"/>
+                <a:ext cx="36837" cy="36837"/>
+              </a:xfrm>
+              <a:prstGeom prst="ellipse">
+                <a:avLst/>
+              </a:prstGeom>
+              <a:solidFill>
+                <a:schemeClr val="bg2"/>
+              </a:solidFill>
+              <a:ln w="6350" cmpd="sng">
+                <a:solidFill>
+                  <a:schemeClr val="tx1"/>
+                </a:solidFill>
+                <a:round/>
+                <a:headEnd/>
+                <a:tailEnd/>
+              </a:ln>
+            </p:spPr>
+            <p:txBody>
+              <a:bodyPr wrap="none" anchor="ctr"/>
+              <a:lstStyle/>
+              <a:p>
+                <a:endParaRPr lang="en-US">
+                  <a:latin typeface="Calibri" charset="0"/>
+                </a:endParaRPr>
+              </a:p>
+            </p:txBody>
+          </p:sp>
+          <p:sp>
+            <p:nvSpPr>
+              <p:cNvPr id="36" name="Rectangle 167"/>
+              <p:cNvSpPr>
+                <a:spLocks noChangeArrowheads="1"/>
+              </p:cNvSpPr>
+              <p:nvPr/>
+            </p:nvSpPr>
+            <p:spPr bwMode="auto">
+              <a:xfrm>
+                <a:off x="8402949" y="1153525"/>
+                <a:ext cx="25213" cy="70694"/>
+              </a:xfrm>
+              <a:prstGeom prst="rect">
+                <a:avLst/>
+              </a:prstGeom>
+              <a:solidFill>
+                <a:srgbClr val="FFFF00"/>
+              </a:solidFill>
+              <a:ln w="6350" cmpd="sng">
+                <a:solidFill>
+                  <a:srgbClr val="000000"/>
+                </a:solidFill>
+                <a:miter lim="800000"/>
+                <a:headEnd/>
+                <a:tailEnd/>
+              </a:ln>
+            </p:spPr>
+            <p:txBody>
+              <a:bodyPr wrap="none" lIns="91429" tIns="45715" rIns="91429" bIns="45715" anchor="ctr"/>
+              <a:lstStyle/>
+              <a:p>
+                <a:pPr algn="ctr"/>
+                <a:endParaRPr lang="en-US" altLang="zh-CN" sz="1600" i="1">
+                  <a:solidFill>
+                    <a:srgbClr val="F5F5F5"/>
+                  </a:solidFill>
+                  <a:latin typeface="Calibri" charset="0"/>
+                  <a:ea typeface="SimSun" charset="0"/>
+                  <a:cs typeface="SimSun" charset="0"/>
+                </a:endParaRPr>
+              </a:p>
+            </p:txBody>
+          </p:sp>
+          <p:sp>
+            <p:nvSpPr>
+              <p:cNvPr id="37" name="AutoShape 165"/>
+              <p:cNvSpPr>
+                <a:spLocks noChangeArrowheads="1"/>
+              </p:cNvSpPr>
+              <p:nvPr/>
+            </p:nvSpPr>
+            <p:spPr bwMode="auto">
+              <a:xfrm rot="5400000">
+                <a:off x="8412853" y="1166013"/>
+                <a:ext cx="109209" cy="45719"/>
+              </a:xfrm>
+              <a:prstGeom prst="triangle">
+                <a:avLst>
+                  <a:gd name="adj" fmla="val 50000"/>
+                </a:avLst>
+              </a:prstGeom>
+              <a:solidFill>
+                <a:srgbClr val="FF0000"/>
+              </a:solidFill>
+              <a:ln w="6350" cmpd="sng">
+                <a:solidFill>
+                  <a:srgbClr val="000000"/>
+                </a:solidFill>
+                <a:miter lim="800000"/>
+                <a:headEnd/>
+                <a:tailEnd/>
+              </a:ln>
+            </p:spPr>
+            <p:txBody>
+              <a:bodyPr wrap="none" anchor="ctr"/>
+              <a:lstStyle/>
+              <a:p>
+                <a:endParaRPr lang="en-US">
+                  <a:latin typeface="Calibri" charset="0"/>
+                </a:endParaRPr>
+              </a:p>
+            </p:txBody>
+          </p:sp>
+          <p:sp>
+            <p:nvSpPr>
+              <p:cNvPr id="38" name="AutoShape 165"/>
+              <p:cNvSpPr>
+                <a:spLocks noChangeArrowheads="1"/>
+              </p:cNvSpPr>
+              <p:nvPr/>
+            </p:nvSpPr>
+            <p:spPr bwMode="auto">
+              <a:xfrm rot="5400000">
+                <a:off x="8316944" y="1166013"/>
+                <a:ext cx="109209" cy="45719"/>
+              </a:xfrm>
+              <a:prstGeom prst="triangle">
+                <a:avLst>
+                  <a:gd name="adj" fmla="val 50000"/>
+                </a:avLst>
+              </a:prstGeom>
+              <a:solidFill>
+                <a:srgbClr val="FF0000"/>
+              </a:solidFill>
+              <a:ln w="6350" cmpd="sng">
+                <a:solidFill>
+                  <a:srgbClr val="000000"/>
+                </a:solidFill>
+                <a:miter lim="800000"/>
+                <a:headEnd/>
+                <a:tailEnd/>
+              </a:ln>
+            </p:spPr>
+            <p:txBody>
+              <a:bodyPr wrap="none" anchor="ctr"/>
+              <a:lstStyle/>
+              <a:p>
+                <a:endParaRPr lang="en-US">
+                  <a:latin typeface="Calibri" charset="0"/>
+                </a:endParaRPr>
+              </a:p>
+            </p:txBody>
+          </p:sp>
+          <p:sp>
+            <p:nvSpPr>
+              <p:cNvPr id="39" name="Oval 38"/>
+              <p:cNvSpPr/>
+              <p:nvPr/>
+            </p:nvSpPr>
+            <p:spPr bwMode="auto">
+              <a:xfrm>
+                <a:off x="8290270" y="1144254"/>
+                <a:ext cx="45719" cy="89237"/>
+              </a:xfrm>
+              <a:prstGeom prst="ellipse">
+                <a:avLst/>
+              </a:prstGeom>
+              <a:solidFill>
+                <a:srgbClr val="2EC728"/>
+              </a:solidFill>
+            </p:spPr>
+            <p:style>
+              <a:lnRef idx="1">
+                <a:schemeClr val="accent1"/>
+              </a:lnRef>
+              <a:fillRef idx="3">
+                <a:schemeClr val="accent1"/>
+              </a:fillRef>
+              <a:effectRef idx="2">
+                <a:schemeClr val="accent1"/>
+              </a:effectRef>
+              <a:fontRef idx="minor">
+                <a:schemeClr val="lt1"/>
+              </a:fontRef>
+            </p:style>
+            <p:txBody>
+              <a:bodyPr anchor="ctr"/>
+              <a:lstStyle/>
+              <a:p>
+                <a:pPr algn="ctr">
+                  <a:defRPr/>
+                </a:pPr>
+                <a:endParaRPr lang="en-US"/>
+              </a:p>
+            </p:txBody>
+          </p:sp>
+          <p:sp>
+            <p:nvSpPr>
+              <p:cNvPr id="40" name="Oval 39"/>
+              <p:cNvSpPr/>
+              <p:nvPr/>
+            </p:nvSpPr>
+            <p:spPr bwMode="auto">
+              <a:xfrm>
+                <a:off x="8028897" y="1144254"/>
+                <a:ext cx="45719" cy="89237"/>
+              </a:xfrm>
+              <a:prstGeom prst="ellipse">
+                <a:avLst/>
+              </a:prstGeom>
+              <a:solidFill>
+                <a:srgbClr val="2EC728"/>
+              </a:solidFill>
+            </p:spPr>
+            <p:style>
+              <a:lnRef idx="1">
+                <a:schemeClr val="accent1"/>
+              </a:lnRef>
+              <a:fillRef idx="3">
+                <a:schemeClr val="accent1"/>
+              </a:fillRef>
+              <a:effectRef idx="2">
+                <a:schemeClr val="accent1"/>
+              </a:effectRef>
+              <a:fontRef idx="minor">
+                <a:schemeClr val="lt1"/>
+              </a:fontRef>
+            </p:style>
+            <p:txBody>
+              <a:bodyPr anchor="ctr"/>
+              <a:lstStyle/>
+              <a:p>
+                <a:pPr algn="ctr">
+                  <a:defRPr/>
+                </a:pPr>
+                <a:endParaRPr lang="en-US"/>
+              </a:p>
+            </p:txBody>
+          </p:sp>
+          <p:grpSp>
+            <p:nvGrpSpPr>
+              <p:cNvPr id="41" name="Group 40"/>
+              <p:cNvGrpSpPr/>
+              <p:nvPr/>
+            </p:nvGrpSpPr>
+            <p:grpSpPr>
+              <a:xfrm>
+                <a:off x="8007513" y="1069224"/>
+                <a:ext cx="366027" cy="215444"/>
+                <a:chOff x="9162148" y="850214"/>
+                <a:chExt cx="366027" cy="215444"/>
+              </a:xfrm>
+            </p:grpSpPr>
+            <p:sp>
+              <p:nvSpPr>
+                <p:cNvPr id="42" name="Rectangle 41"/>
+                <p:cNvSpPr/>
+                <p:nvPr/>
+              </p:nvSpPr>
+              <p:spPr bwMode="auto">
+                <a:xfrm>
+                  <a:off x="9239244" y="922068"/>
+                  <a:ext cx="198900" cy="93410"/>
+                </a:xfrm>
+                <a:prstGeom prst="rect">
+                  <a:avLst/>
+                </a:prstGeom>
+                <a:solidFill>
+                  <a:srgbClr val="FFFFFF"/>
+                </a:solidFill>
+              </p:spPr>
+              <p:style>
+                <a:lnRef idx="1">
+                  <a:schemeClr val="accent1"/>
+                </a:lnRef>
+                <a:fillRef idx="3">
+                  <a:schemeClr val="accent1"/>
+                </a:fillRef>
+                <a:effectRef idx="2">
+                  <a:schemeClr val="accent1"/>
+                </a:effectRef>
+                <a:fontRef idx="minor">
+                  <a:schemeClr val="lt1"/>
+                </a:fontRef>
+              </p:style>
+              <p:txBody>
+                <a:bodyPr anchor="ctr"/>
+                <a:lstStyle/>
+                <a:p>
+                  <a:pPr algn="ctr">
+                    <a:defRPr/>
+                  </a:pPr>
+                  <a:endParaRPr lang="en-US" sz="800" dirty="0"/>
+                </a:p>
+              </p:txBody>
+            </p:sp>
+            <p:sp>
+              <p:nvSpPr>
+                <p:cNvPr id="43" name="TextBox 42"/>
+                <p:cNvSpPr txBox="1"/>
+                <p:nvPr/>
+              </p:nvSpPr>
+              <p:spPr>
+                <a:xfrm>
+                  <a:off x="9162148" y="850214"/>
+                  <a:ext cx="366027" cy="215444"/>
+                </a:xfrm>
+                <a:prstGeom prst="rect">
+                  <a:avLst/>
+                </a:prstGeom>
+                <a:noFill/>
+              </p:spPr>
+              <p:txBody>
+                <a:bodyPr wrap="square" rtlCol="0">
+                  <a:spAutoFit/>
+                </a:bodyPr>
+                <a:lstStyle/>
+                <a:p>
+                  <a:r>
+                    <a:rPr lang="en-US" sz="800" dirty="0" smtClean="0"/>
+                    <a:t>Neo</a:t>
+                  </a:r>
+                  <a:endParaRPr lang="en-US" sz="800" dirty="0"/>
+                </a:p>
+              </p:txBody>
+            </p:sp>
+          </p:grpSp>
+        </p:grpSp>
+      </p:grpSp>
+      <p:grpSp>
+        <p:nvGrpSpPr>
+          <p:cNvPr id="185" name="Group 184"/>
+          <p:cNvGrpSpPr/>
+          <p:nvPr/>
+        </p:nvGrpSpPr>
+        <p:grpSpPr>
+          <a:xfrm>
+            <a:off x="3709028" y="1542047"/>
+            <a:ext cx="700253" cy="303571"/>
+            <a:chOff x="374294" y="4895050"/>
+            <a:chExt cx="700253" cy="303571"/>
+          </a:xfrm>
+        </p:grpSpPr>
+        <p:sp>
+          <p:nvSpPr>
+            <p:cNvPr id="186" name="AutoShape 148"/>
+            <p:cNvSpPr>
+              <a:spLocks noChangeArrowheads="1"/>
+            </p:cNvSpPr>
+            <p:nvPr/>
+          </p:nvSpPr>
+          <p:spPr bwMode="auto">
+            <a:xfrm>
+              <a:off x="374294" y="4947322"/>
+              <a:ext cx="700253" cy="251299"/>
+            </a:xfrm>
+            <a:prstGeom prst="roundRect">
+              <a:avLst>
+                <a:gd name="adj" fmla="val 16667"/>
+              </a:avLst>
+            </a:prstGeom>
+            <a:noFill/>
+            <a:ln w="6350" cmpd="sng">
+              <a:solidFill>
+                <a:schemeClr val="tx1"/>
+              </a:solidFill>
+              <a:round/>
+              <a:headEnd/>
+              <a:tailEnd/>
+            </a:ln>
+            <a:extLst>
+              <a:ext uri="{909E8E84-426E-40dd-AFC4-6F175D3DCCD1}">
+                <a14:hiddenFill xmlns:a14="http://schemas.microsoft.com/office/drawing/2010/main">
+                  <a:solidFill>
+                    <a:srgbClr val="FFFFFF"/>
+                  </a:solidFill>
+                </a14:hiddenFill>
+              </a:ext>
+            </a:extLst>
+          </p:spPr>
+          <p:txBody>
+            <a:bodyPr wrap="none" anchor="ctr"/>
+            <a:lstStyle/>
+            <a:p>
+              <a:endParaRPr lang="en-US">
+                <a:latin typeface="Calibri" charset="0"/>
+              </a:endParaRPr>
+            </a:p>
+          </p:txBody>
+        </p:sp>
+        <p:grpSp>
+          <p:nvGrpSpPr>
+            <p:cNvPr id="187" name="Group 186"/>
+            <p:cNvGrpSpPr/>
+            <p:nvPr/>
+          </p:nvGrpSpPr>
+          <p:grpSpPr>
+            <a:xfrm>
+              <a:off x="427169" y="4895050"/>
+              <a:ext cx="574710" cy="215444"/>
+              <a:chOff x="7952527" y="1957989"/>
+              <a:chExt cx="574710" cy="215444"/>
+            </a:xfrm>
+          </p:grpSpPr>
+          <p:sp>
+            <p:nvSpPr>
+              <p:cNvPr id="192" name="Line 154"/>
+              <p:cNvSpPr>
+                <a:spLocks noChangeShapeType="1"/>
+              </p:cNvSpPr>
+              <p:nvPr/>
+            </p:nvSpPr>
+            <p:spPr bwMode="auto">
+              <a:xfrm>
+                <a:off x="7991328" y="2077637"/>
+                <a:ext cx="535909" cy="0"/>
+              </a:xfrm>
+              <a:prstGeom prst="line">
+                <a:avLst/>
+              </a:prstGeom>
+              <a:noFill/>
+              <a:ln w="6350" cmpd="sng">
+                <a:solidFill>
+                  <a:srgbClr val="000000"/>
+                </a:solidFill>
+                <a:round/>
+                <a:headEnd/>
+                <a:tailEnd/>
+              </a:ln>
+              <a:extLst>
+                <a:ext uri="{909E8E84-426E-40dd-AFC4-6F175D3DCCD1}">
+                  <a14:hiddenFill xmlns:a14="http://schemas.microsoft.com/office/drawing/2010/main">
+                    <a:noFill/>
+                  </a14:hiddenFill>
+                </a:ext>
+              </a:extLst>
+            </p:spPr>
+            <p:txBody>
+              <a:bodyPr/>
+              <a:lstStyle/>
+              <a:p>
+                <a:endParaRPr lang="en-US"/>
+              </a:p>
+            </p:txBody>
+          </p:sp>
+          <p:sp>
+            <p:nvSpPr>
+              <p:cNvPr id="193" name="Oval 158"/>
+              <p:cNvSpPr>
+                <a:spLocks noChangeArrowheads="1"/>
+              </p:cNvSpPr>
+              <p:nvPr/>
+            </p:nvSpPr>
+            <p:spPr bwMode="auto">
+              <a:xfrm>
+                <a:off x="7952527" y="2059219"/>
+                <a:ext cx="36837" cy="36837"/>
+              </a:xfrm>
+              <a:prstGeom prst="ellipse">
+                <a:avLst/>
+              </a:prstGeom>
+              <a:solidFill>
+                <a:schemeClr val="bg2"/>
+              </a:solidFill>
+              <a:ln w="6350" cmpd="sng">
+                <a:solidFill>
+                  <a:schemeClr val="tx1"/>
+                </a:solidFill>
+                <a:round/>
+                <a:headEnd/>
+                <a:tailEnd/>
+              </a:ln>
+            </p:spPr>
+            <p:txBody>
+              <a:bodyPr wrap="none" anchor="ctr"/>
+              <a:lstStyle/>
+              <a:p>
+                <a:endParaRPr lang="en-US">
+                  <a:latin typeface="Calibri" charset="0"/>
+                </a:endParaRPr>
+              </a:p>
+            </p:txBody>
+          </p:sp>
+          <p:sp>
+            <p:nvSpPr>
+              <p:cNvPr id="194" name="Rectangle 167"/>
+              <p:cNvSpPr>
+                <a:spLocks noChangeArrowheads="1"/>
+              </p:cNvSpPr>
+              <p:nvPr/>
+            </p:nvSpPr>
+            <p:spPr bwMode="auto">
+              <a:xfrm>
+                <a:off x="8372754" y="2042290"/>
+                <a:ext cx="25213" cy="70694"/>
+              </a:xfrm>
+              <a:prstGeom prst="rect">
+                <a:avLst/>
+              </a:prstGeom>
+              <a:solidFill>
+                <a:srgbClr val="FFFF00"/>
+              </a:solidFill>
+              <a:ln w="6350" cmpd="sng">
+                <a:solidFill>
+                  <a:srgbClr val="000000"/>
+                </a:solidFill>
+                <a:miter lim="800000"/>
+                <a:headEnd/>
+                <a:tailEnd/>
+              </a:ln>
+            </p:spPr>
+            <p:txBody>
+              <a:bodyPr wrap="none" lIns="91429" tIns="45715" rIns="91429" bIns="45715" anchor="ctr"/>
+              <a:lstStyle/>
+              <a:p>
+                <a:pPr algn="ctr"/>
+                <a:endParaRPr lang="en-US" altLang="zh-CN" sz="1600" i="1">
+                  <a:solidFill>
+                    <a:srgbClr val="F5F5F5"/>
+                  </a:solidFill>
+                  <a:latin typeface="Calibri" charset="0"/>
+                  <a:ea typeface="SimSun" charset="0"/>
+                  <a:cs typeface="SimSun" charset="0"/>
+                </a:endParaRPr>
+              </a:p>
+            </p:txBody>
+          </p:sp>
+          <p:sp>
+            <p:nvSpPr>
+              <p:cNvPr id="195" name="AutoShape 165"/>
+              <p:cNvSpPr>
+                <a:spLocks noChangeArrowheads="1"/>
+              </p:cNvSpPr>
+              <p:nvPr/>
+            </p:nvSpPr>
+            <p:spPr bwMode="auto">
+              <a:xfrm rot="5400000">
+                <a:off x="8286749" y="2054778"/>
+                <a:ext cx="109209" cy="45719"/>
+              </a:xfrm>
+              <a:prstGeom prst="triangle">
+                <a:avLst>
+                  <a:gd name="adj" fmla="val 50000"/>
+                </a:avLst>
+              </a:prstGeom>
+              <a:solidFill>
+                <a:srgbClr val="FF0000"/>
+              </a:solidFill>
+              <a:ln w="6350" cmpd="sng">
+                <a:solidFill>
+                  <a:srgbClr val="000000"/>
+                </a:solidFill>
+                <a:miter lim="800000"/>
+                <a:headEnd/>
+                <a:tailEnd/>
+              </a:ln>
+            </p:spPr>
+            <p:txBody>
+              <a:bodyPr wrap="none" anchor="ctr"/>
+              <a:lstStyle/>
+              <a:p>
+                <a:endParaRPr lang="en-US">
+                  <a:latin typeface="Calibri" charset="0"/>
+                </a:endParaRPr>
+              </a:p>
+            </p:txBody>
+          </p:sp>
+          <p:sp>
+            <p:nvSpPr>
+              <p:cNvPr id="196" name="Oval 195"/>
+              <p:cNvSpPr/>
+              <p:nvPr/>
+            </p:nvSpPr>
+            <p:spPr bwMode="auto">
+              <a:xfrm>
+                <a:off x="8260075" y="2033019"/>
+                <a:ext cx="45719" cy="89237"/>
+              </a:xfrm>
+              <a:prstGeom prst="ellipse">
+                <a:avLst/>
+              </a:prstGeom>
+              <a:solidFill>
+                <a:srgbClr val="2EC728"/>
+              </a:solidFill>
+            </p:spPr>
+            <p:style>
+              <a:lnRef idx="1">
+                <a:schemeClr val="accent1"/>
+              </a:lnRef>
+              <a:fillRef idx="3">
+                <a:schemeClr val="accent1"/>
+              </a:fillRef>
+              <a:effectRef idx="2">
+                <a:schemeClr val="accent1"/>
+              </a:effectRef>
+              <a:fontRef idx="minor">
+                <a:schemeClr val="lt1"/>
+              </a:fontRef>
+            </p:style>
+            <p:txBody>
+              <a:bodyPr anchor="ctr"/>
+              <a:lstStyle/>
+              <a:p>
+                <a:pPr algn="ctr">
+                  <a:defRPr/>
+                </a:pPr>
+                <a:endParaRPr lang="en-US"/>
+              </a:p>
+            </p:txBody>
+          </p:sp>
+          <p:sp>
+            <p:nvSpPr>
+              <p:cNvPr id="197" name="Oval 196"/>
+              <p:cNvSpPr/>
+              <p:nvPr/>
+            </p:nvSpPr>
+            <p:spPr bwMode="auto">
+              <a:xfrm>
+                <a:off x="7998702" y="2033019"/>
+                <a:ext cx="45719" cy="89237"/>
+              </a:xfrm>
+              <a:prstGeom prst="ellipse">
+                <a:avLst/>
+              </a:prstGeom>
+              <a:solidFill>
+                <a:srgbClr val="2EC728"/>
+              </a:solidFill>
+            </p:spPr>
+            <p:style>
+              <a:lnRef idx="1">
+                <a:schemeClr val="accent1"/>
+              </a:lnRef>
+              <a:fillRef idx="3">
+                <a:schemeClr val="accent1"/>
+              </a:fillRef>
+              <a:effectRef idx="2">
+                <a:schemeClr val="accent1"/>
+              </a:effectRef>
+              <a:fontRef idx="minor">
+                <a:schemeClr val="lt1"/>
+              </a:fontRef>
+            </p:style>
+            <p:txBody>
+              <a:bodyPr anchor="ctr"/>
+              <a:lstStyle/>
+              <a:p>
+                <a:pPr algn="ctr">
+                  <a:defRPr/>
+                </a:pPr>
+                <a:endParaRPr lang="en-US"/>
+              </a:p>
+            </p:txBody>
+          </p:sp>
+          <p:grpSp>
+            <p:nvGrpSpPr>
+              <p:cNvPr id="198" name="Group 197"/>
+              <p:cNvGrpSpPr/>
+              <p:nvPr/>
+            </p:nvGrpSpPr>
+            <p:grpSpPr>
+              <a:xfrm>
+                <a:off x="7977318" y="1957989"/>
+                <a:ext cx="366027" cy="215444"/>
+                <a:chOff x="9162148" y="850214"/>
+                <a:chExt cx="366027" cy="215444"/>
+              </a:xfrm>
+            </p:grpSpPr>
+            <p:sp>
+              <p:nvSpPr>
+                <p:cNvPr id="199" name="Rectangle 198"/>
+                <p:cNvSpPr/>
+                <p:nvPr/>
+              </p:nvSpPr>
+              <p:spPr bwMode="auto">
+                <a:xfrm>
+                  <a:off x="9239244" y="922068"/>
+                  <a:ext cx="198900" cy="93410"/>
+                </a:xfrm>
+                <a:prstGeom prst="rect">
+                  <a:avLst/>
+                </a:prstGeom>
+                <a:solidFill>
+                  <a:srgbClr val="FFFFFF"/>
+                </a:solidFill>
+              </p:spPr>
+              <p:style>
+                <a:lnRef idx="1">
+                  <a:schemeClr val="accent1"/>
+                </a:lnRef>
+                <a:fillRef idx="3">
+                  <a:schemeClr val="accent1"/>
+                </a:fillRef>
+                <a:effectRef idx="2">
+                  <a:schemeClr val="accent1"/>
+                </a:effectRef>
+                <a:fontRef idx="minor">
+                  <a:schemeClr val="lt1"/>
+                </a:fontRef>
+              </p:style>
+              <p:txBody>
+                <a:bodyPr anchor="ctr"/>
+                <a:lstStyle/>
+                <a:p>
+                  <a:pPr algn="ctr">
+                    <a:defRPr/>
+                  </a:pPr>
+                  <a:endParaRPr lang="en-US" sz="800" dirty="0"/>
+                </a:p>
+              </p:txBody>
+            </p:sp>
+            <p:sp>
+              <p:nvSpPr>
+                <p:cNvPr id="200" name="TextBox 199"/>
+                <p:cNvSpPr txBox="1"/>
+                <p:nvPr/>
+              </p:nvSpPr>
+              <p:spPr>
+                <a:xfrm>
+                  <a:off x="9162148" y="850214"/>
+                  <a:ext cx="366027" cy="215444"/>
+                </a:xfrm>
+                <a:prstGeom prst="rect">
+                  <a:avLst/>
+                </a:prstGeom>
+                <a:noFill/>
+              </p:spPr>
+              <p:txBody>
+                <a:bodyPr wrap="square" rtlCol="0">
+                  <a:spAutoFit/>
+                </a:bodyPr>
+                <a:lstStyle/>
+                <a:p>
+                  <a:r>
+                    <a:rPr lang="en-US" sz="800" dirty="0" smtClean="0"/>
+                    <a:t>Neo</a:t>
+                  </a:r>
+                  <a:endParaRPr lang="en-US" sz="800" dirty="0"/>
+                </a:p>
+              </p:txBody>
+            </p:sp>
+          </p:grpSp>
+        </p:grpSp>
+        <p:grpSp>
+          <p:nvGrpSpPr>
+            <p:cNvPr id="188" name="Group 187"/>
+            <p:cNvGrpSpPr/>
+            <p:nvPr/>
+          </p:nvGrpSpPr>
+          <p:grpSpPr>
+            <a:xfrm>
+              <a:off x="425203" y="5102028"/>
+              <a:ext cx="574710" cy="70694"/>
+              <a:chOff x="7972098" y="2383847"/>
+              <a:chExt cx="574710" cy="70694"/>
+            </a:xfrm>
+          </p:grpSpPr>
+          <p:sp>
+            <p:nvSpPr>
+              <p:cNvPr id="189" name="Line 154"/>
+              <p:cNvSpPr>
+                <a:spLocks noChangeShapeType="1"/>
+              </p:cNvSpPr>
+              <p:nvPr/>
+            </p:nvSpPr>
+            <p:spPr bwMode="auto">
+              <a:xfrm>
+                <a:off x="8010899" y="2419194"/>
+                <a:ext cx="535909" cy="0"/>
+              </a:xfrm>
+              <a:prstGeom prst="line">
+                <a:avLst/>
+              </a:prstGeom>
+              <a:noFill/>
+              <a:ln w="6350" cmpd="sng">
+                <a:solidFill>
+                  <a:srgbClr val="000000"/>
+                </a:solidFill>
+                <a:round/>
+                <a:headEnd/>
+                <a:tailEnd/>
+              </a:ln>
+              <a:extLst>
+                <a:ext uri="{909E8E84-426E-40dd-AFC4-6F175D3DCCD1}">
+                  <a14:hiddenFill xmlns:a14="http://schemas.microsoft.com/office/drawing/2010/main">
+                    <a:noFill/>
+                  </a14:hiddenFill>
+                </a:ext>
+              </a:extLst>
+            </p:spPr>
+            <p:txBody>
+              <a:bodyPr/>
+              <a:lstStyle/>
+              <a:p>
+                <a:endParaRPr lang="en-US"/>
+              </a:p>
+            </p:txBody>
+          </p:sp>
+          <p:sp>
+            <p:nvSpPr>
+              <p:cNvPr id="190" name="Oval 158"/>
+              <p:cNvSpPr>
+                <a:spLocks noChangeArrowheads="1"/>
+              </p:cNvSpPr>
+              <p:nvPr/>
+            </p:nvSpPr>
+            <p:spPr bwMode="auto">
+              <a:xfrm>
+                <a:off x="7972098" y="2400776"/>
+                <a:ext cx="36837" cy="36837"/>
+              </a:xfrm>
+              <a:prstGeom prst="ellipse">
+                <a:avLst/>
+              </a:prstGeom>
+              <a:solidFill>
+                <a:schemeClr val="bg2"/>
+              </a:solidFill>
+              <a:ln w="6350" cmpd="sng">
+                <a:solidFill>
+                  <a:schemeClr val="tx1"/>
+                </a:solidFill>
+                <a:round/>
+                <a:headEnd/>
+                <a:tailEnd/>
+              </a:ln>
+            </p:spPr>
+            <p:txBody>
+              <a:bodyPr wrap="none" anchor="ctr"/>
+              <a:lstStyle/>
+              <a:p>
+                <a:endParaRPr lang="en-US">
+                  <a:latin typeface="Calibri" charset="0"/>
+                </a:endParaRPr>
+              </a:p>
+            </p:txBody>
+          </p:sp>
+          <p:sp>
+            <p:nvSpPr>
+              <p:cNvPr id="191" name="Rectangle 167"/>
+              <p:cNvSpPr>
+                <a:spLocks noChangeArrowheads="1"/>
+              </p:cNvSpPr>
+              <p:nvPr/>
+            </p:nvSpPr>
+            <p:spPr bwMode="auto">
+              <a:xfrm>
+                <a:off x="8392325" y="2383847"/>
+                <a:ext cx="25213" cy="70694"/>
+              </a:xfrm>
+              <a:prstGeom prst="rect">
+                <a:avLst/>
+              </a:prstGeom>
+              <a:solidFill>
+                <a:srgbClr val="FFFF00"/>
+              </a:solidFill>
+              <a:ln w="6350" cmpd="sng">
+                <a:solidFill>
+                  <a:srgbClr val="000000"/>
+                </a:solidFill>
+                <a:miter lim="800000"/>
+                <a:headEnd/>
+                <a:tailEnd/>
+              </a:ln>
+            </p:spPr>
+            <p:txBody>
+              <a:bodyPr wrap="none" lIns="91429" tIns="45715" rIns="91429" bIns="45715" anchor="ctr"/>
+              <a:lstStyle/>
+              <a:p>
+                <a:pPr algn="ctr"/>
+                <a:endParaRPr lang="en-US" altLang="zh-CN" sz="1600" i="1">
+                  <a:solidFill>
+                    <a:srgbClr val="F5F5F5"/>
+                  </a:solidFill>
+                  <a:latin typeface="Calibri" charset="0"/>
+                  <a:ea typeface="SimSun" charset="0"/>
+                  <a:cs typeface="SimSun" charset="0"/>
+                </a:endParaRPr>
+              </a:p>
+            </p:txBody>
+          </p:sp>
+        </p:grpSp>
+      </p:grpSp>
+      <p:sp>
+        <p:nvSpPr>
+          <p:cNvPr id="145" name="TextBox 144"/>
+          <p:cNvSpPr txBox="1"/>
+          <p:nvPr/>
+        </p:nvSpPr>
+        <p:spPr>
+          <a:xfrm>
+            <a:off x="7759700" y="83220"/>
+            <a:ext cx="2146300" cy="307777"/>
+          </a:xfrm>
+          <a:prstGeom prst="rect">
+            <a:avLst/>
+          </a:prstGeom>
+          <a:noFill/>
+        </p:spPr>
+        <p:txBody>
+          <a:bodyPr wrap="square" rtlCol="0">
+            <a:spAutoFit/>
+          </a:bodyPr>
+          <a:lstStyle/>
+          <a:p>
+            <a:r>
+              <a:rPr lang="en-US" sz="1400" dirty="0" smtClean="0">
+                <a:solidFill>
+                  <a:schemeClr val="bg1">
+                    <a:lumMod val="75000"/>
+                  </a:schemeClr>
+                </a:solidFill>
+              </a:rPr>
+              <a:t>version </a:t>
+            </a:r>
+            <a:r>
+              <a:rPr lang="en-US" sz="1400" dirty="0" smtClean="0">
+                <a:solidFill>
+                  <a:schemeClr val="bg1">
+                    <a:lumMod val="75000"/>
+                  </a:schemeClr>
+                </a:solidFill>
+              </a:rPr>
+              <a:t>1.1 Sept 5th 2013</a:t>
+            </a:r>
+            <a:endParaRPr lang="en-US" sz="1400" dirty="0">
+              <a:solidFill>
+                <a:schemeClr val="bg1">
+                  <a:lumMod val="75000"/>
+                </a:schemeClr>
+              </a:solidFill>
+            </a:endParaRPr>
+          </a:p>
+        </p:txBody>
+      </p:sp>
+    </p:spTree>
+    <p:extLst>
+      <p:ext uri="{BB962C8B-B14F-4D97-AF65-F5344CB8AC3E}">
+        <p14:creationId xmlns:p14="http://schemas.microsoft.com/office/powerpoint/2010/main" val="483138993"/>
+      </p:ext>
+    </p:extLst>
+  </p:cSld>
+  <p:clrMapOvr>
+    <a:masterClrMapping/>
+  </p:clrMapOvr>
+</p:sld>
+</file>
+
+<file path=ppt/slides/slide5.xml><?xml version="1.0" encoding="utf-8"?>
+<p:sld xmlns:a="http://schemas.openxmlformats.org/drawingml/2006/main" xmlns:r="http://schemas.openxmlformats.org/officeDocument/2006/relationships" xmlns:p="http://schemas.openxmlformats.org/presentationml/2006/main">
+  <p:cSld>
+    <p:spTree>
+      <p:nvGrpSpPr>
+        <p:cNvPr id="1" name=""/>
+        <p:cNvGrpSpPr/>
+        <p:nvPr/>
+      </p:nvGrpSpPr>
+      <p:grpSpPr>
+        <a:xfrm>
+          <a:off x="0" y="0"/>
+          <a:ext cx="0" cy="0"/>
+          <a:chOff x="0" y="0"/>
+          <a:chExt cx="0" cy="0"/>
+        </a:xfrm>
+      </p:grpSpPr>
       <p:sp>
         <p:nvSpPr>
           <p:cNvPr id="6" name="TextBox 5"/>
@@ -32222,14 +35307,14 @@
           <p:nvPr>
             <p:extLst>
               <p:ext uri="{D42A27DB-BD31-4B8C-83A1-F6EECF244321}">
-                <p14:modId xmlns:p14="http://schemas.microsoft.com/office/powerpoint/2010/main" val="1202622061"/>
+                <p14:modId xmlns:p14="http://schemas.microsoft.com/office/powerpoint/2010/main" val="3235103674"/>
               </p:ext>
             </p:extLst>
           </p:nvPr>
         </p:nvGraphicFramePr>
         <p:xfrm>
-          <a:off x="615041" y="4238101"/>
-          <a:ext cx="5895826" cy="2165584"/>
+          <a:off x="615041" y="1585852"/>
+          <a:ext cx="6082092" cy="2449062"/>
         </p:xfrm>
         <a:graphic>
           <a:graphicData uri="http://schemas.openxmlformats.org/drawingml/2006/table">
@@ -32238,14 +35323,14 @@
                 <a:tableStyleId>{D7AC3CCA-C797-4891-BE02-D94E43425B78}</a:tableStyleId>
               </a:tblPr>
               <a:tblGrid>
-                <a:gridCol w="710592"/>
-                <a:gridCol w="553967"/>
-                <a:gridCol w="770467"/>
-                <a:gridCol w="774700"/>
-                <a:gridCol w="774700"/>
-                <a:gridCol w="774700"/>
-                <a:gridCol w="778933"/>
-                <a:gridCol w="757767"/>
+                <a:gridCol w="798956"/>
+                <a:gridCol w="543297"/>
+                <a:gridCol w="791882"/>
+                <a:gridCol w="769471"/>
+                <a:gridCol w="794062"/>
+                <a:gridCol w="799175"/>
+                <a:gridCol w="803542"/>
+                <a:gridCol w="781707"/>
               </a:tblGrid>
               <a:tr h="349866">
                 <a:tc>
@@ -32648,7 +35733,11 @@
                     <a:bodyPr/>
                     <a:lstStyle/>
                     <a:p>
-                      <a:endParaRPr lang="en-US" sz="1000"/>
+                      <a:r>
+                        <a:rPr lang="en-US" sz="1000" b="1" dirty="0" smtClean="0"/>
+                        <a:t>LOA TAM</a:t>
+                      </a:r>
+                      <a:endParaRPr lang="en-US" sz="1000" b="1" dirty="0"/>
                     </a:p>
                   </a:txBody>
                   <a:tcPr marL="111453" marR="111453" marT="55727" marB="55727">
@@ -32904,6 +35993,22 @@
                     <a:bodyPr/>
                     <a:lstStyle/>
                     <a:p>
+                      <a:r>
+                        <a:rPr lang="en-US" sz="1000" b="1" dirty="0" smtClean="0"/>
+                        <a:t>NEO</a:t>
+                      </a:r>
+                      <a:endParaRPr lang="en-US" sz="1000" b="1" dirty="0"/>
+                    </a:p>
+                  </a:txBody>
+                  <a:tcPr marL="111453" marR="111453" marT="55727" marB="55727">
+                    <a:noFill/>
+                  </a:tcPr>
+                </a:tc>
+                <a:tc>
+                  <a:txBody>
+                    <a:bodyPr/>
+                    <a:lstStyle/>
+                    <a:p>
                       <a:endParaRPr lang="en-US" sz="1000" dirty="0"/>
                     </a:p>
                   </a:txBody>
@@ -32918,7 +36023,7 @@
                     <a:p>
                       <a:r>
                         <a:rPr lang="en-US" sz="1000" dirty="0" smtClean="0"/>
-                        <a:t>+ OHT</a:t>
+                        <a:t>0</a:t>
                       </a:r>
                       <a:endParaRPr lang="en-US" sz="1000" dirty="0"/>
                     </a:p>
@@ -32934,7 +36039,23 @@
                     <a:p>
                       <a:r>
                         <a:rPr lang="en-US" sz="1000" dirty="0" smtClean="0"/>
-                        <a:t>2</a:t>
+                        <a:t>1</a:t>
+                      </a:r>
+                      <a:endParaRPr lang="en-US" sz="1000" dirty="0"/>
+                    </a:p>
+                  </a:txBody>
+                  <a:tcPr marL="111453" marR="111453" marT="55727" marB="55727">
+                    <a:noFill/>
+                  </a:tcPr>
+                </a:tc>
+                <a:tc>
+                  <a:txBody>
+                    <a:bodyPr/>
+                    <a:lstStyle/>
+                    <a:p>
+                      <a:r>
+                        <a:rPr lang="en-US" sz="1000" dirty="0" smtClean="0"/>
+                        <a:t>1</a:t>
                       </a:r>
                       <a:endParaRPr lang="en-US" sz="1000" dirty="0"/>
                     </a:p>
@@ -32991,6 +36112,68 @@
                     <a:noFill/>
                   </a:tcPr>
                 </a:tc>
+              </a:tr>
+              <a:tr h="349866">
+                <a:tc>
+                  <a:txBody>
+                    <a:bodyPr/>
+                    <a:lstStyle/>
+                    <a:p>
+                      <a:r>
+                        <a:rPr lang="en-US" sz="1000" b="1" dirty="0" smtClean="0"/>
+                        <a:t>BSD</a:t>
+                      </a:r>
+                      <a:endParaRPr lang="en-US" sz="1000" b="1" dirty="0"/>
+                    </a:p>
+                  </a:txBody>
+                  <a:tcPr marL="111453" marR="111453" marT="55727" marB="55727">
+                    <a:noFill/>
+                  </a:tcPr>
+                </a:tc>
+                <a:tc>
+                  <a:txBody>
+                    <a:bodyPr/>
+                    <a:lstStyle/>
+                    <a:p>
+                      <a:endParaRPr lang="en-US" sz="1000" dirty="0"/>
+                    </a:p>
+                  </a:txBody>
+                  <a:tcPr marL="111453" marR="111453" marT="55727" marB="55727">
+                    <a:noFill/>
+                  </a:tcPr>
+                </a:tc>
+                <a:tc>
+                  <a:txBody>
+                    <a:bodyPr/>
+                    <a:lstStyle/>
+                    <a:p>
+                      <a:r>
+                        <a:rPr lang="en-US" sz="1000" dirty="0" smtClean="0"/>
+                        <a:t>0</a:t>
+                      </a:r>
+                      <a:endParaRPr lang="en-US" sz="1000" dirty="0"/>
+                    </a:p>
+                  </a:txBody>
+                  <a:tcPr marL="111453" marR="111453" marT="55727" marB="55727">
+                    <a:noFill/>
+                  </a:tcPr>
+                </a:tc>
+                <a:tc>
+                  <a:txBody>
+                    <a:bodyPr/>
+                    <a:lstStyle/>
+                    <a:p>
+                      <a:r>
+                        <a:rPr lang="en-US" sz="1000" dirty="0" smtClean="0"/>
+                        <a:t>0</a:t>
+                      </a:r>
+                      <a:endParaRPr lang="en-US" sz="1000" dirty="0"/>
+                    </a:p>
+                  </a:txBody>
+                  <a:tcPr marL="111453" marR="111453" marT="55727" marB="55727">
+                    <a:noFill/>
+                  </a:tcPr>
+                </a:tc>
                 <a:tc>
                   <a:txBody>
                     <a:bodyPr/>
@@ -33023,40 +36206,43 @@
                     <a:noFill/>
                   </a:tcPr>
                 </a:tc>
+                <a:tc>
+                  <a:txBody>
+                    <a:bodyPr/>
+                    <a:lstStyle/>
+                    <a:p>
+                      <a:r>
+                        <a:rPr lang="en-US" sz="1000" dirty="0" smtClean="0"/>
+                        <a:t>1</a:t>
+                      </a:r>
+                      <a:endParaRPr lang="en-US" sz="1000" dirty="0"/>
+                    </a:p>
+                  </a:txBody>
+                  <a:tcPr marL="111453" marR="111453" marT="55727" marB="55727">
+                    <a:noFill/>
+                  </a:tcPr>
+                </a:tc>
+                <a:tc>
+                  <a:txBody>
+                    <a:bodyPr/>
+                    <a:lstStyle/>
+                    <a:p>
+                      <a:r>
+                        <a:rPr lang="en-US" sz="1000" dirty="0" smtClean="0"/>
+                        <a:t>1</a:t>
+                      </a:r>
+                      <a:endParaRPr lang="en-US" sz="1000" dirty="0"/>
+                    </a:p>
+                  </a:txBody>
+                  <a:tcPr marL="111453" marR="111453" marT="55727" marB="55727">
+                    <a:noFill/>
+                  </a:tcPr>
+                </a:tc>
               </a:tr>
             </a:tbl>
           </a:graphicData>
         </a:graphic>
       </p:graphicFrame>
-      <p:sp>
-        <p:nvSpPr>
-          <p:cNvPr id="8" name="Rectangle 7"/>
-          <p:cNvSpPr/>
-          <p:nvPr/>
-        </p:nvSpPr>
-        <p:spPr>
-          <a:xfrm>
-            <a:off x="651914" y="1179734"/>
-            <a:ext cx="2207956" cy="369332"/>
-          </a:xfrm>
-          <a:prstGeom prst="rect">
-            <a:avLst/>
-          </a:prstGeom>
-        </p:spPr>
-        <p:txBody>
-          <a:bodyPr wrap="none">
-            <a:spAutoFit/>
-          </a:bodyPr>
-          <a:lstStyle/>
-          <a:p>
-            <a:r>
-              <a:rPr lang="en-US" i="1" dirty="0" smtClean="0"/>
-              <a:t>First Electroporation:</a:t>
-            </a:r>
-            <a:endParaRPr lang="en-US" i="1" dirty="0"/>
-          </a:p>
-        </p:txBody>
-      </p:sp>
       <p:sp>
         <p:nvSpPr>
           <p:cNvPr id="9" name="Rectangle 8"/>
@@ -33065,7 +36251,7 @@
         </p:nvSpPr>
         <p:spPr>
           <a:xfrm>
-            <a:off x="651914" y="3858167"/>
+            <a:off x="651914" y="1192489"/>
             <a:ext cx="2469108" cy="369332"/>
           </a:xfrm>
           <a:prstGeom prst="rect">
@@ -33088,107 +36274,14 @@
       </p:sp>
       <p:sp>
         <p:nvSpPr>
-          <p:cNvPr id="11" name="TextBox 10"/>
-          <p:cNvSpPr txBox="1"/>
-          <p:nvPr/>
-        </p:nvSpPr>
-        <p:spPr>
-          <a:xfrm>
-            <a:off x="4743736" y="1549066"/>
-            <a:ext cx="3005668" cy="1200329"/>
-          </a:xfrm>
-          <a:prstGeom prst="rect">
-            <a:avLst/>
-          </a:prstGeom>
-          <a:noFill/>
-        </p:spPr>
-        <p:txBody>
-          <a:bodyPr wrap="square" rtlCol="0">
-            <a:spAutoFit/>
-          </a:bodyPr>
-          <a:lstStyle/>
-          <a:p>
-            <a:r>
-              <a:rPr lang="en-US" sz="1200" dirty="0" smtClean="0"/>
-              <a:t>tm1a/</a:t>
-            </a:r>
-            <a:r>
-              <a:rPr lang="en-US" sz="1200" dirty="0" err="1" smtClean="0"/>
-              <a:t>wt</a:t>
-            </a:r>
-            <a:r>
-              <a:rPr lang="en-US" sz="1200" dirty="0" smtClean="0"/>
-              <a:t> is what you want</a:t>
-            </a:r>
-          </a:p>
-          <a:p>
-            <a:endParaRPr lang="en-US" sz="1200" dirty="0"/>
-          </a:p>
-          <a:p>
-            <a:r>
-              <a:rPr lang="en-US" sz="1200" dirty="0" smtClean="0"/>
-              <a:t>tm1e/</a:t>
-            </a:r>
-            <a:r>
-              <a:rPr lang="en-US" sz="1200" dirty="0" err="1" smtClean="0"/>
-              <a:t>wt</a:t>
-            </a:r>
-            <a:r>
-              <a:rPr lang="en-US" sz="1200" dirty="0" smtClean="0"/>
-              <a:t> is where </a:t>
-            </a:r>
-            <a:r>
-              <a:rPr lang="en-US" sz="1200" dirty="0" smtClean="0"/>
-              <a:t>most of the cassette goes in but the final </a:t>
-            </a:r>
-            <a:r>
-              <a:rPr lang="en-US" sz="1200" dirty="0" err="1" smtClean="0"/>
-              <a:t>loxp</a:t>
-            </a:r>
-            <a:r>
-              <a:rPr lang="en-US" sz="1200" dirty="0" smtClean="0"/>
-              <a:t> </a:t>
-            </a:r>
-            <a:r>
-              <a:rPr lang="en-US" sz="1200" dirty="0" smtClean="0"/>
-              <a:t>does not</a:t>
-            </a:r>
-            <a:endParaRPr lang="en-US" sz="1200" dirty="0" smtClean="0"/>
-          </a:p>
-          <a:p>
-            <a:endParaRPr lang="en-US" sz="1200" dirty="0"/>
-          </a:p>
-          <a:p>
-            <a:r>
-              <a:rPr lang="en-US" sz="1200" dirty="0" err="1" smtClean="0"/>
-              <a:t>wt</a:t>
-            </a:r>
-            <a:r>
-              <a:rPr lang="en-US" sz="1200" dirty="0" smtClean="0"/>
-              <a:t>/</a:t>
-            </a:r>
-            <a:r>
-              <a:rPr lang="en-US" sz="1200" dirty="0" err="1" smtClean="0"/>
-              <a:t>wt</a:t>
-            </a:r>
-            <a:r>
-              <a:rPr lang="en-US" sz="1200" dirty="0" smtClean="0"/>
-              <a:t> is total failure of electroporation</a:t>
-            </a:r>
-            <a:endParaRPr lang="en-US" sz="1200" dirty="0"/>
-          </a:p>
-        </p:txBody>
-      </p:sp>
-      <p:sp>
-        <p:nvSpPr>
           <p:cNvPr id="13" name="TextBox 12"/>
           <p:cNvSpPr txBox="1"/>
           <p:nvPr/>
         </p:nvSpPr>
         <p:spPr>
           <a:xfrm>
-            <a:off x="6697133" y="4227499"/>
-            <a:ext cx="3073400" cy="2123658"/>
+            <a:off x="6697133" y="1575250"/>
+            <a:ext cx="3073400" cy="1569660"/>
           </a:xfrm>
           <a:prstGeom prst="rect">
             <a:avLst/>
@@ -33262,328 +36355,16 @@
             </a:r>
             <a:r>
               <a:rPr lang="en-US" sz="1200" dirty="0" smtClean="0"/>
-              <a:t> but still a useful control</a:t>
+              <a:t> but still a useful </a:t>
             </a:r>
-          </a:p>
-          <a:p>
-            <a:endParaRPr lang="en-US" sz="1200" dirty="0"/>
-          </a:p>
-          <a:p>
             <a:r>
               <a:rPr lang="en-US" sz="1200" dirty="0" smtClean="0"/>
-              <a:t>N.B. the pattern of results here is identical to that for NE1</a:t>
+              <a:t>control</a:t>
             </a:r>
+            <a:endParaRPr lang="en-US" sz="1200" dirty="0" smtClean="0"/>
           </a:p>
         </p:txBody>
       </p:sp>
-      <p:grpSp>
-        <p:nvGrpSpPr>
-          <p:cNvPr id="10" name="Group 9"/>
-          <p:cNvGrpSpPr/>
-          <p:nvPr/>
-        </p:nvGrpSpPr>
-        <p:grpSpPr>
-          <a:xfrm>
-            <a:off x="2134161" y="1591939"/>
-            <a:ext cx="700253" cy="251299"/>
-            <a:chOff x="277647" y="1751515"/>
-            <a:chExt cx="700253" cy="251299"/>
-          </a:xfrm>
-        </p:grpSpPr>
-        <p:sp>
-          <p:nvSpPr>
-            <p:cNvPr id="12" name="AutoShape 148"/>
-            <p:cNvSpPr>
-              <a:spLocks noChangeArrowheads="1"/>
-            </p:cNvSpPr>
-            <p:nvPr/>
-          </p:nvSpPr>
-          <p:spPr bwMode="auto">
-            <a:xfrm>
-              <a:off x="277647" y="1751515"/>
-              <a:ext cx="700253" cy="251299"/>
-            </a:xfrm>
-            <a:prstGeom prst="roundRect">
-              <a:avLst>
-                <a:gd name="adj" fmla="val 16667"/>
-              </a:avLst>
-            </a:prstGeom>
-            <a:noFill/>
-            <a:ln w="6350" cmpd="sng">
-              <a:solidFill>
-                <a:schemeClr val="tx1"/>
-              </a:solidFill>
-              <a:round/>
-              <a:headEnd/>
-              <a:tailEnd/>
-            </a:ln>
-            <a:extLst>
-              <a:ext uri="{909E8E84-426E-40dd-AFC4-6F175D3DCCD1}">
-                <a14:hiddenFill xmlns:a14="http://schemas.microsoft.com/office/drawing/2010/main">
-                  <a:solidFill>
-                    <a:srgbClr val="FFFFFF"/>
-                  </a:solidFill>
-                </a14:hiddenFill>
-              </a:ext>
-            </a:extLst>
-          </p:spPr>
-          <p:txBody>
-            <a:bodyPr wrap="none" anchor="ctr"/>
-            <a:lstStyle/>
-            <a:p>
-              <a:endParaRPr lang="en-US">
-                <a:latin typeface="Calibri" charset="0"/>
-              </a:endParaRPr>
-            </a:p>
-          </p:txBody>
-        </p:sp>
-        <p:sp>
-          <p:nvSpPr>
-            <p:cNvPr id="14" name="Line 151"/>
-            <p:cNvSpPr>
-              <a:spLocks noChangeShapeType="1"/>
-            </p:cNvSpPr>
-            <p:nvPr/>
-          </p:nvSpPr>
-          <p:spPr bwMode="auto">
-            <a:xfrm>
-              <a:off x="379946" y="1819139"/>
-              <a:ext cx="536262" cy="0"/>
-            </a:xfrm>
-            <a:prstGeom prst="line">
-              <a:avLst/>
-            </a:prstGeom>
-            <a:noFill/>
-            <a:ln w="6350" cmpd="sng">
-              <a:solidFill>
-                <a:schemeClr val="tx1"/>
-              </a:solidFill>
-              <a:round/>
-              <a:headEnd/>
-              <a:tailEnd/>
-            </a:ln>
-            <a:extLst>
-              <a:ext uri="{909E8E84-426E-40dd-AFC4-6F175D3DCCD1}">
-                <a14:hiddenFill xmlns:a14="http://schemas.microsoft.com/office/drawing/2010/main">
-                  <a:noFill/>
-                </a14:hiddenFill>
-              </a:ext>
-            </a:extLst>
-          </p:spPr>
-          <p:txBody>
-            <a:bodyPr/>
-            <a:lstStyle/>
-            <a:p>
-              <a:endParaRPr lang="en-US"/>
-            </a:p>
-          </p:txBody>
-        </p:sp>
-        <p:sp>
-          <p:nvSpPr>
-            <p:cNvPr id="15" name="Oval 152"/>
-            <p:cNvSpPr>
-              <a:spLocks noChangeArrowheads="1"/>
-            </p:cNvSpPr>
-            <p:nvPr/>
-          </p:nvSpPr>
-          <p:spPr bwMode="auto">
-            <a:xfrm>
-              <a:off x="343462" y="1800310"/>
-              <a:ext cx="36889" cy="36837"/>
-            </a:xfrm>
-            <a:prstGeom prst="ellipse">
-              <a:avLst/>
-            </a:prstGeom>
-            <a:solidFill>
-              <a:schemeClr val="bg2"/>
-            </a:solidFill>
-            <a:ln w="6350" cmpd="sng">
-              <a:solidFill>
-                <a:schemeClr val="tx1"/>
-              </a:solidFill>
-              <a:round/>
-              <a:headEnd/>
-              <a:tailEnd/>
-            </a:ln>
-          </p:spPr>
-          <p:txBody>
-            <a:bodyPr wrap="none" anchor="ctr"/>
-            <a:lstStyle/>
-            <a:p>
-              <a:endParaRPr lang="en-US">
-                <a:latin typeface="Calibri" charset="0"/>
-              </a:endParaRPr>
-            </a:p>
-          </p:txBody>
-        </p:sp>
-        <p:sp>
-          <p:nvSpPr>
-            <p:cNvPr id="16" name="Line 154"/>
-            <p:cNvSpPr>
-              <a:spLocks noChangeShapeType="1"/>
-            </p:cNvSpPr>
-            <p:nvPr/>
-          </p:nvSpPr>
-          <p:spPr bwMode="auto">
-            <a:xfrm>
-              <a:off x="380299" y="1930996"/>
-              <a:ext cx="535909" cy="0"/>
-            </a:xfrm>
-            <a:prstGeom prst="line">
-              <a:avLst/>
-            </a:prstGeom>
-            <a:noFill/>
-            <a:ln w="6350" cmpd="sng">
-              <a:solidFill>
-                <a:srgbClr val="000000"/>
-              </a:solidFill>
-              <a:round/>
-              <a:headEnd/>
-              <a:tailEnd/>
-            </a:ln>
-            <a:extLst>
-              <a:ext uri="{909E8E84-426E-40dd-AFC4-6F175D3DCCD1}">
-                <a14:hiddenFill xmlns:a14="http://schemas.microsoft.com/office/drawing/2010/main">
-                  <a:noFill/>
-                </a14:hiddenFill>
-              </a:ext>
-            </a:extLst>
-          </p:spPr>
-          <p:txBody>
-            <a:bodyPr/>
-            <a:lstStyle/>
-            <a:p>
-              <a:endParaRPr lang="en-US"/>
-            </a:p>
-          </p:txBody>
-        </p:sp>
-        <p:sp>
-          <p:nvSpPr>
-            <p:cNvPr id="17" name="Oval 158"/>
-            <p:cNvSpPr>
-              <a:spLocks noChangeArrowheads="1"/>
-            </p:cNvSpPr>
-            <p:nvPr/>
-          </p:nvSpPr>
-          <p:spPr bwMode="auto">
-            <a:xfrm>
-              <a:off x="341498" y="1913314"/>
-              <a:ext cx="36837" cy="36837"/>
-            </a:xfrm>
-            <a:prstGeom prst="ellipse">
-              <a:avLst/>
-            </a:prstGeom>
-            <a:solidFill>
-              <a:schemeClr val="bg2"/>
-            </a:solidFill>
-            <a:ln w="6350" cmpd="sng">
-              <a:solidFill>
-                <a:schemeClr val="tx1"/>
-              </a:solidFill>
-              <a:round/>
-              <a:headEnd/>
-              <a:tailEnd/>
-            </a:ln>
-          </p:spPr>
-          <p:txBody>
-            <a:bodyPr wrap="none" anchor="ctr"/>
-            <a:lstStyle/>
-            <a:p>
-              <a:endParaRPr lang="en-US">
-                <a:latin typeface="Calibri" charset="0"/>
-              </a:endParaRPr>
-            </a:p>
-          </p:txBody>
-        </p:sp>
-        <p:sp>
-          <p:nvSpPr>
-            <p:cNvPr id="18" name="Rectangle 167"/>
-            <p:cNvSpPr>
-              <a:spLocks noChangeArrowheads="1"/>
-            </p:cNvSpPr>
-            <p:nvPr/>
-          </p:nvSpPr>
-          <p:spPr bwMode="auto">
-            <a:xfrm>
-              <a:off x="761725" y="1783791"/>
-              <a:ext cx="25213" cy="70694"/>
-            </a:xfrm>
-            <a:prstGeom prst="rect">
-              <a:avLst/>
-            </a:prstGeom>
-            <a:solidFill>
-              <a:srgbClr val="FFFF00"/>
-            </a:solidFill>
-            <a:ln w="6350" cmpd="sng">
-              <a:solidFill>
-                <a:srgbClr val="000000"/>
-              </a:solidFill>
-              <a:miter lim="800000"/>
-              <a:headEnd/>
-              <a:tailEnd/>
-            </a:ln>
-          </p:spPr>
-          <p:txBody>
-            <a:bodyPr wrap="none" lIns="91429" tIns="45715" rIns="91429" bIns="45715" anchor="ctr"/>
-            <a:lstStyle/>
-            <a:p>
-              <a:pPr algn="ctr"/>
-              <a:endParaRPr lang="en-US" altLang="zh-CN" sz="1600" i="1">
-                <a:solidFill>
-                  <a:srgbClr val="F5F5F5"/>
-                </a:solidFill>
-                <a:latin typeface="Calibri" charset="0"/>
-                <a:ea typeface="SimSun" charset="0"/>
-                <a:cs typeface="SimSun" charset="0"/>
-              </a:endParaRPr>
-            </a:p>
-          </p:txBody>
-        </p:sp>
-        <p:sp>
-          <p:nvSpPr>
-            <p:cNvPr id="19" name="Rectangle 167"/>
-            <p:cNvSpPr>
-              <a:spLocks noChangeArrowheads="1"/>
-            </p:cNvSpPr>
-            <p:nvPr/>
-          </p:nvSpPr>
-          <p:spPr bwMode="auto">
-            <a:xfrm>
-              <a:off x="761725" y="1895649"/>
-              <a:ext cx="25213" cy="70694"/>
-            </a:xfrm>
-            <a:prstGeom prst="rect">
-              <a:avLst/>
-            </a:prstGeom>
-            <a:solidFill>
-              <a:srgbClr val="FFFF00"/>
-            </a:solidFill>
-            <a:ln w="6350" cmpd="sng">
-              <a:solidFill>
-                <a:srgbClr val="000000"/>
-              </a:solidFill>
-              <a:miter lim="800000"/>
-              <a:headEnd/>
-              <a:tailEnd/>
-            </a:ln>
-          </p:spPr>
-          <p:txBody>
-            <a:bodyPr wrap="none" lIns="91429" tIns="45715" rIns="91429" bIns="45715" anchor="ctr"/>
-            <a:lstStyle/>
-            <a:p>
-              <a:pPr algn="ctr"/>
-              <a:endParaRPr lang="en-US" altLang="zh-CN" sz="1600" i="1">
-                <a:solidFill>
-                  <a:srgbClr val="F5F5F5"/>
-                </a:solidFill>
-                <a:latin typeface="Calibri" charset="0"/>
-                <a:ea typeface="SimSun" charset="0"/>
-                <a:cs typeface="SimSun" charset="0"/>
-              </a:endParaRPr>
-            </a:p>
-          </p:txBody>
-        </p:sp>
-      </p:grpSp>
       <p:grpSp>
         <p:nvGrpSpPr>
           <p:cNvPr id="20" name="Group 19"/>
@@ -33592,7 +36373,7 @@
         </p:nvGrpSpPr>
         <p:grpSpPr>
           <a:xfrm>
-            <a:off x="1914193" y="4280107"/>
+            <a:off x="2003845" y="1627858"/>
             <a:ext cx="700253" cy="251299"/>
             <a:chOff x="277647" y="1751515"/>
             <a:chExt cx="700253" cy="251299"/>
@@ -33894,590 +36675,13 @@
       </p:grpSp>
       <p:grpSp>
         <p:nvGrpSpPr>
-          <p:cNvPr id="28" name="Group 27"/>
-          <p:cNvGrpSpPr/>
-          <p:nvPr/>
-        </p:nvGrpSpPr>
-        <p:grpSpPr>
-          <a:xfrm>
-            <a:off x="2918523" y="1540309"/>
-            <a:ext cx="700253" cy="302929"/>
-            <a:chOff x="281157" y="2859547"/>
-            <a:chExt cx="700253" cy="302929"/>
-          </a:xfrm>
-        </p:grpSpPr>
-        <p:sp>
-          <p:nvSpPr>
-            <p:cNvPr id="29" name="AutoShape 148"/>
-            <p:cNvSpPr>
-              <a:spLocks noChangeArrowheads="1"/>
-            </p:cNvSpPr>
-            <p:nvPr/>
-          </p:nvSpPr>
-          <p:spPr bwMode="auto">
-            <a:xfrm>
-              <a:off x="281157" y="2911177"/>
-              <a:ext cx="700253" cy="251299"/>
-            </a:xfrm>
-            <a:prstGeom prst="roundRect">
-              <a:avLst>
-                <a:gd name="adj" fmla="val 16667"/>
-              </a:avLst>
-            </a:prstGeom>
-            <a:noFill/>
-            <a:ln w="6350" cmpd="sng">
-              <a:solidFill>
-                <a:schemeClr val="tx1"/>
-              </a:solidFill>
-              <a:round/>
-              <a:headEnd/>
-              <a:tailEnd/>
-            </a:ln>
-            <a:extLst>
-              <a:ext uri="{909E8E84-426E-40dd-AFC4-6F175D3DCCD1}">
-                <a14:hiddenFill xmlns:a14="http://schemas.microsoft.com/office/drawing/2010/main">
-                  <a:solidFill>
-                    <a:srgbClr val="FFFFFF"/>
-                  </a:solidFill>
-                </a14:hiddenFill>
-              </a:ext>
-            </a:extLst>
-          </p:spPr>
-          <p:txBody>
-            <a:bodyPr wrap="none" anchor="ctr"/>
-            <a:lstStyle/>
-            <a:p>
-              <a:endParaRPr lang="en-US">
-                <a:latin typeface="Calibri" charset="0"/>
-              </a:endParaRPr>
-            </a:p>
-          </p:txBody>
-        </p:sp>
-        <p:sp>
-          <p:nvSpPr>
-            <p:cNvPr id="30" name="Line 154"/>
-            <p:cNvSpPr>
-              <a:spLocks noChangeShapeType="1"/>
-            </p:cNvSpPr>
-            <p:nvPr/>
-          </p:nvSpPr>
-          <p:spPr bwMode="auto">
-            <a:xfrm>
-              <a:off x="383809" y="3090658"/>
-              <a:ext cx="535909" cy="0"/>
-            </a:xfrm>
-            <a:prstGeom prst="line">
-              <a:avLst/>
-            </a:prstGeom>
-            <a:noFill/>
-            <a:ln w="6350" cmpd="sng">
-              <a:solidFill>
-                <a:srgbClr val="000000"/>
-              </a:solidFill>
-              <a:round/>
-              <a:headEnd/>
-              <a:tailEnd/>
-            </a:ln>
-            <a:extLst>
-              <a:ext uri="{909E8E84-426E-40dd-AFC4-6F175D3DCCD1}">
-                <a14:hiddenFill xmlns:a14="http://schemas.microsoft.com/office/drawing/2010/main">
-                  <a:noFill/>
-                </a14:hiddenFill>
-              </a:ext>
-            </a:extLst>
-          </p:spPr>
-          <p:txBody>
-            <a:bodyPr/>
-            <a:lstStyle/>
-            <a:p>
-              <a:endParaRPr lang="en-US"/>
-            </a:p>
-          </p:txBody>
-        </p:sp>
-        <p:sp>
-          <p:nvSpPr>
-            <p:cNvPr id="31" name="Oval 158"/>
-            <p:cNvSpPr>
-              <a:spLocks noChangeArrowheads="1"/>
-            </p:cNvSpPr>
-            <p:nvPr/>
-          </p:nvSpPr>
-          <p:spPr bwMode="auto">
-            <a:xfrm>
-              <a:off x="345008" y="3072976"/>
-              <a:ext cx="36837" cy="36837"/>
-            </a:xfrm>
-            <a:prstGeom prst="ellipse">
-              <a:avLst/>
-            </a:prstGeom>
-            <a:solidFill>
-              <a:schemeClr val="bg2"/>
-            </a:solidFill>
-            <a:ln w="6350" cmpd="sng">
-              <a:solidFill>
-                <a:schemeClr val="tx1"/>
-              </a:solidFill>
-              <a:round/>
-              <a:headEnd/>
-              <a:tailEnd/>
-            </a:ln>
-          </p:spPr>
-          <p:txBody>
-            <a:bodyPr wrap="none" anchor="ctr"/>
-            <a:lstStyle/>
-            <a:p>
-              <a:endParaRPr lang="en-US">
-                <a:latin typeface="Calibri" charset="0"/>
-              </a:endParaRPr>
-            </a:p>
-          </p:txBody>
-        </p:sp>
-        <p:sp>
-          <p:nvSpPr>
-            <p:cNvPr id="32" name="Rectangle 167"/>
-            <p:cNvSpPr>
-              <a:spLocks noChangeArrowheads="1"/>
-            </p:cNvSpPr>
-            <p:nvPr/>
-          </p:nvSpPr>
-          <p:spPr bwMode="auto">
-            <a:xfrm>
-              <a:off x="765235" y="3055311"/>
-              <a:ext cx="25213" cy="70694"/>
-            </a:xfrm>
-            <a:prstGeom prst="rect">
-              <a:avLst/>
-            </a:prstGeom>
-            <a:solidFill>
-              <a:srgbClr val="FFFF00"/>
-            </a:solidFill>
-            <a:ln w="6350" cmpd="sng">
-              <a:solidFill>
-                <a:srgbClr val="000000"/>
-              </a:solidFill>
-              <a:miter lim="800000"/>
-              <a:headEnd/>
-              <a:tailEnd/>
-            </a:ln>
-          </p:spPr>
-          <p:txBody>
-            <a:bodyPr wrap="none" lIns="91429" tIns="45715" rIns="91429" bIns="45715" anchor="ctr"/>
-            <a:lstStyle/>
-            <a:p>
-              <a:pPr algn="ctr"/>
-              <a:endParaRPr lang="en-US" altLang="zh-CN" sz="1600" i="1">
-                <a:solidFill>
-                  <a:srgbClr val="F5F5F5"/>
-                </a:solidFill>
-                <a:latin typeface="Calibri" charset="0"/>
-                <a:ea typeface="SimSun" charset="0"/>
-                <a:cs typeface="SimSun" charset="0"/>
-              </a:endParaRPr>
-            </a:p>
-          </p:txBody>
-        </p:sp>
-        <p:grpSp>
-          <p:nvGrpSpPr>
-            <p:cNvPr id="33" name="Group 32"/>
-            <p:cNvGrpSpPr/>
-            <p:nvPr/>
-          </p:nvGrpSpPr>
-          <p:grpSpPr>
-            <a:xfrm>
-              <a:off x="342498" y="2859547"/>
-              <a:ext cx="574710" cy="215444"/>
-              <a:chOff x="7982722" y="1069224"/>
-              <a:chExt cx="574710" cy="215444"/>
-            </a:xfrm>
-          </p:grpSpPr>
-          <p:sp>
-            <p:nvSpPr>
-              <p:cNvPr id="34" name="Line 154"/>
-              <p:cNvSpPr>
-                <a:spLocks noChangeShapeType="1"/>
-              </p:cNvSpPr>
-              <p:nvPr/>
-            </p:nvSpPr>
-            <p:spPr bwMode="auto">
-              <a:xfrm>
-                <a:off x="8021523" y="1188872"/>
-                <a:ext cx="535909" cy="0"/>
-              </a:xfrm>
-              <a:prstGeom prst="line">
-                <a:avLst/>
-              </a:prstGeom>
-              <a:noFill/>
-              <a:ln w="6350" cmpd="sng">
-                <a:solidFill>
-                  <a:srgbClr val="000000"/>
-                </a:solidFill>
-                <a:round/>
-                <a:headEnd/>
-                <a:tailEnd/>
-              </a:ln>
-              <a:extLst>
-                <a:ext uri="{909E8E84-426E-40dd-AFC4-6F175D3DCCD1}">
-                  <a14:hiddenFill xmlns:a14="http://schemas.microsoft.com/office/drawing/2010/main">
-                    <a:noFill/>
-                  </a14:hiddenFill>
-                </a:ext>
-              </a:extLst>
-            </p:spPr>
-            <p:txBody>
-              <a:bodyPr/>
-              <a:lstStyle/>
-              <a:p>
-                <a:endParaRPr lang="en-US"/>
-              </a:p>
-            </p:txBody>
-          </p:sp>
-          <p:sp>
-            <p:nvSpPr>
-              <p:cNvPr id="35" name="Oval 158"/>
-              <p:cNvSpPr>
-                <a:spLocks noChangeArrowheads="1"/>
-              </p:cNvSpPr>
-              <p:nvPr/>
-            </p:nvSpPr>
-            <p:spPr bwMode="auto">
-              <a:xfrm>
-                <a:off x="7982722" y="1170454"/>
-                <a:ext cx="36837" cy="36837"/>
-              </a:xfrm>
-              <a:prstGeom prst="ellipse">
-                <a:avLst/>
-              </a:prstGeom>
-              <a:solidFill>
-                <a:schemeClr val="bg2"/>
-              </a:solidFill>
-              <a:ln w="6350" cmpd="sng">
-                <a:solidFill>
-                  <a:schemeClr val="tx1"/>
-                </a:solidFill>
-                <a:round/>
-                <a:headEnd/>
-                <a:tailEnd/>
-              </a:ln>
-            </p:spPr>
-            <p:txBody>
-              <a:bodyPr wrap="none" anchor="ctr"/>
-              <a:lstStyle/>
-              <a:p>
-                <a:endParaRPr lang="en-US">
-                  <a:latin typeface="Calibri" charset="0"/>
-                </a:endParaRPr>
-              </a:p>
-            </p:txBody>
-          </p:sp>
-          <p:sp>
-            <p:nvSpPr>
-              <p:cNvPr id="36" name="Rectangle 167"/>
-              <p:cNvSpPr>
-                <a:spLocks noChangeArrowheads="1"/>
-              </p:cNvSpPr>
-              <p:nvPr/>
-            </p:nvSpPr>
-            <p:spPr bwMode="auto">
-              <a:xfrm>
-                <a:off x="8402949" y="1153525"/>
-                <a:ext cx="25213" cy="70694"/>
-              </a:xfrm>
-              <a:prstGeom prst="rect">
-                <a:avLst/>
-              </a:prstGeom>
-              <a:solidFill>
-                <a:srgbClr val="FFFF00"/>
-              </a:solidFill>
-              <a:ln w="6350" cmpd="sng">
-                <a:solidFill>
-                  <a:srgbClr val="000000"/>
-                </a:solidFill>
-                <a:miter lim="800000"/>
-                <a:headEnd/>
-                <a:tailEnd/>
-              </a:ln>
-            </p:spPr>
-            <p:txBody>
-              <a:bodyPr wrap="none" lIns="91429" tIns="45715" rIns="91429" bIns="45715" anchor="ctr"/>
-              <a:lstStyle/>
-              <a:p>
-                <a:pPr algn="ctr"/>
-                <a:endParaRPr lang="en-US" altLang="zh-CN" sz="1600" i="1">
-                  <a:solidFill>
-                    <a:srgbClr val="F5F5F5"/>
-                  </a:solidFill>
-                  <a:latin typeface="Calibri" charset="0"/>
-                  <a:ea typeface="SimSun" charset="0"/>
-                  <a:cs typeface="SimSun" charset="0"/>
-                </a:endParaRPr>
-              </a:p>
-            </p:txBody>
-          </p:sp>
-          <p:sp>
-            <p:nvSpPr>
-              <p:cNvPr id="37" name="AutoShape 165"/>
-              <p:cNvSpPr>
-                <a:spLocks noChangeArrowheads="1"/>
-              </p:cNvSpPr>
-              <p:nvPr/>
-            </p:nvSpPr>
-            <p:spPr bwMode="auto">
-              <a:xfrm rot="5400000">
-                <a:off x="8412853" y="1166013"/>
-                <a:ext cx="109209" cy="45719"/>
-              </a:xfrm>
-              <a:prstGeom prst="triangle">
-                <a:avLst>
-                  <a:gd name="adj" fmla="val 50000"/>
-                </a:avLst>
-              </a:prstGeom>
-              <a:solidFill>
-                <a:srgbClr val="FF0000"/>
-              </a:solidFill>
-              <a:ln w="6350" cmpd="sng">
-                <a:solidFill>
-                  <a:srgbClr val="000000"/>
-                </a:solidFill>
-                <a:miter lim="800000"/>
-                <a:headEnd/>
-                <a:tailEnd/>
-              </a:ln>
-            </p:spPr>
-            <p:txBody>
-              <a:bodyPr wrap="none" anchor="ctr"/>
-              <a:lstStyle/>
-              <a:p>
-                <a:endParaRPr lang="en-US">
-                  <a:latin typeface="Calibri" charset="0"/>
-                </a:endParaRPr>
-              </a:p>
-            </p:txBody>
-          </p:sp>
-          <p:sp>
-            <p:nvSpPr>
-              <p:cNvPr id="38" name="AutoShape 165"/>
-              <p:cNvSpPr>
-                <a:spLocks noChangeArrowheads="1"/>
-              </p:cNvSpPr>
-              <p:nvPr/>
-            </p:nvSpPr>
-            <p:spPr bwMode="auto">
-              <a:xfrm rot="5400000">
-                <a:off x="8316944" y="1166013"/>
-                <a:ext cx="109209" cy="45719"/>
-              </a:xfrm>
-              <a:prstGeom prst="triangle">
-                <a:avLst>
-                  <a:gd name="adj" fmla="val 50000"/>
-                </a:avLst>
-              </a:prstGeom>
-              <a:solidFill>
-                <a:srgbClr val="FF0000"/>
-              </a:solidFill>
-              <a:ln w="6350" cmpd="sng">
-                <a:solidFill>
-                  <a:srgbClr val="000000"/>
-                </a:solidFill>
-                <a:miter lim="800000"/>
-                <a:headEnd/>
-                <a:tailEnd/>
-              </a:ln>
-            </p:spPr>
-            <p:txBody>
-              <a:bodyPr wrap="none" anchor="ctr"/>
-              <a:lstStyle/>
-              <a:p>
-                <a:endParaRPr lang="en-US">
-                  <a:latin typeface="Calibri" charset="0"/>
-                </a:endParaRPr>
-              </a:p>
-            </p:txBody>
-          </p:sp>
-          <p:sp>
-            <p:nvSpPr>
-              <p:cNvPr id="39" name="Oval 38"/>
-              <p:cNvSpPr/>
-              <p:nvPr/>
-            </p:nvSpPr>
-            <p:spPr bwMode="auto">
-              <a:xfrm>
-                <a:off x="8290270" y="1144254"/>
-                <a:ext cx="45719" cy="89237"/>
-              </a:xfrm>
-              <a:prstGeom prst="ellipse">
-                <a:avLst/>
-              </a:prstGeom>
-              <a:solidFill>
-                <a:srgbClr val="2EC728"/>
-              </a:solidFill>
-            </p:spPr>
-            <p:style>
-              <a:lnRef idx="1">
-                <a:schemeClr val="accent1"/>
-              </a:lnRef>
-              <a:fillRef idx="3">
-                <a:schemeClr val="accent1"/>
-              </a:fillRef>
-              <a:effectRef idx="2">
-                <a:schemeClr val="accent1"/>
-              </a:effectRef>
-              <a:fontRef idx="minor">
-                <a:schemeClr val="lt1"/>
-              </a:fontRef>
-            </p:style>
-            <p:txBody>
-              <a:bodyPr anchor="ctr"/>
-              <a:lstStyle/>
-              <a:p>
-                <a:pPr algn="ctr">
-                  <a:defRPr/>
-                </a:pPr>
-                <a:endParaRPr lang="en-US"/>
-              </a:p>
-            </p:txBody>
-          </p:sp>
-          <p:sp>
-            <p:nvSpPr>
-              <p:cNvPr id="40" name="Oval 39"/>
-              <p:cNvSpPr/>
-              <p:nvPr/>
-            </p:nvSpPr>
-            <p:spPr bwMode="auto">
-              <a:xfrm>
-                <a:off x="8028897" y="1144254"/>
-                <a:ext cx="45719" cy="89237"/>
-              </a:xfrm>
-              <a:prstGeom prst="ellipse">
-                <a:avLst/>
-              </a:prstGeom>
-              <a:solidFill>
-                <a:srgbClr val="2EC728"/>
-              </a:solidFill>
-            </p:spPr>
-            <p:style>
-              <a:lnRef idx="1">
-                <a:schemeClr val="accent1"/>
-              </a:lnRef>
-              <a:fillRef idx="3">
-                <a:schemeClr val="accent1"/>
-              </a:fillRef>
-              <a:effectRef idx="2">
-                <a:schemeClr val="accent1"/>
-              </a:effectRef>
-              <a:fontRef idx="minor">
-                <a:schemeClr val="lt1"/>
-              </a:fontRef>
-            </p:style>
-            <p:txBody>
-              <a:bodyPr anchor="ctr"/>
-              <a:lstStyle/>
-              <a:p>
-                <a:pPr algn="ctr">
-                  <a:defRPr/>
-                </a:pPr>
-                <a:endParaRPr lang="en-US"/>
-              </a:p>
-            </p:txBody>
-          </p:sp>
-          <p:grpSp>
-            <p:nvGrpSpPr>
-              <p:cNvPr id="41" name="Group 40"/>
-              <p:cNvGrpSpPr/>
-              <p:nvPr/>
-            </p:nvGrpSpPr>
-            <p:grpSpPr>
-              <a:xfrm>
-                <a:off x="8007513" y="1069224"/>
-                <a:ext cx="366027" cy="215444"/>
-                <a:chOff x="9162148" y="850214"/>
-                <a:chExt cx="366027" cy="215444"/>
-              </a:xfrm>
-            </p:grpSpPr>
-            <p:sp>
-              <p:nvSpPr>
-                <p:cNvPr id="42" name="Rectangle 41"/>
-                <p:cNvSpPr/>
-                <p:nvPr/>
-              </p:nvSpPr>
-              <p:spPr bwMode="auto">
-                <a:xfrm>
-                  <a:off x="9239244" y="922068"/>
-                  <a:ext cx="198900" cy="93410"/>
-                </a:xfrm>
-                <a:prstGeom prst="rect">
-                  <a:avLst/>
-                </a:prstGeom>
-                <a:solidFill>
-                  <a:srgbClr val="FFFFFF"/>
-                </a:solidFill>
-              </p:spPr>
-              <p:style>
-                <a:lnRef idx="1">
-                  <a:schemeClr val="accent1"/>
-                </a:lnRef>
-                <a:fillRef idx="3">
-                  <a:schemeClr val="accent1"/>
-                </a:fillRef>
-                <a:effectRef idx="2">
-                  <a:schemeClr val="accent1"/>
-                </a:effectRef>
-                <a:fontRef idx="minor">
-                  <a:schemeClr val="lt1"/>
-                </a:fontRef>
-              </p:style>
-              <p:txBody>
-                <a:bodyPr anchor="ctr"/>
-                <a:lstStyle/>
-                <a:p>
-                  <a:pPr algn="ctr">
-                    <a:defRPr/>
-                  </a:pPr>
-                  <a:endParaRPr lang="en-US" sz="800" dirty="0"/>
-                </a:p>
-              </p:txBody>
-            </p:sp>
-            <p:sp>
-              <p:nvSpPr>
-                <p:cNvPr id="43" name="TextBox 42"/>
-                <p:cNvSpPr txBox="1"/>
-                <p:nvPr/>
-              </p:nvSpPr>
-              <p:spPr>
-                <a:xfrm>
-                  <a:off x="9162148" y="850214"/>
-                  <a:ext cx="366027" cy="215444"/>
-                </a:xfrm>
-                <a:prstGeom prst="rect">
-                  <a:avLst/>
-                </a:prstGeom>
-                <a:noFill/>
-              </p:spPr>
-              <p:txBody>
-                <a:bodyPr wrap="square" rtlCol="0">
-                  <a:spAutoFit/>
-                </a:bodyPr>
-                <a:lstStyle/>
-                <a:p>
-                  <a:r>
-                    <a:rPr lang="en-US" sz="800" dirty="0" smtClean="0"/>
-                    <a:t>Neo</a:t>
-                  </a:r>
-                  <a:endParaRPr lang="en-US" sz="800" dirty="0"/>
-                </a:p>
-              </p:txBody>
-            </p:sp>
-          </p:grpSp>
-        </p:grpSp>
-      </p:grpSp>
-      <p:grpSp>
-        <p:nvGrpSpPr>
           <p:cNvPr id="44" name="Group 43"/>
           <p:cNvGrpSpPr/>
           <p:nvPr/>
         </p:nvGrpSpPr>
         <p:grpSpPr>
           <a:xfrm>
-            <a:off x="2685073" y="4226505"/>
+            <a:off x="2782196" y="1574256"/>
             <a:ext cx="700253" cy="302929"/>
             <a:chOff x="281157" y="2859547"/>
             <a:chExt cx="700253" cy="302929"/>
@@ -35054,7 +37258,7 @@
         </p:nvGrpSpPr>
         <p:grpSpPr>
           <a:xfrm>
-            <a:off x="4237569" y="4226505"/>
+            <a:off x="4364576" y="1574256"/>
             <a:ext cx="700253" cy="338189"/>
             <a:chOff x="291198" y="3913272"/>
             <a:chExt cx="700253" cy="338189"/>
@@ -35776,7 +37980,7 @@
         </p:nvGrpSpPr>
         <p:grpSpPr>
           <a:xfrm>
-            <a:off x="5780998" y="4279317"/>
+            <a:off x="5952831" y="1627068"/>
             <a:ext cx="700253" cy="278188"/>
             <a:chOff x="4052022" y="4474365"/>
             <a:chExt cx="700253" cy="278188"/>
@@ -36244,7 +38448,7 @@
         </p:nvGrpSpPr>
         <p:grpSpPr>
           <a:xfrm>
-            <a:off x="5007461" y="4229724"/>
+            <a:off x="5164352" y="1577475"/>
             <a:ext cx="700253" cy="336905"/>
             <a:chOff x="291198" y="2428589"/>
             <a:chExt cx="700253" cy="336905"/>
@@ -36920,565 +39124,13 @@
       </p:grpSp>
       <p:grpSp>
         <p:nvGrpSpPr>
-          <p:cNvPr id="185" name="Group 184"/>
-          <p:cNvGrpSpPr/>
-          <p:nvPr/>
-        </p:nvGrpSpPr>
-        <p:grpSpPr>
-          <a:xfrm>
-            <a:off x="3709028" y="1542047"/>
-            <a:ext cx="700253" cy="303571"/>
-            <a:chOff x="374294" y="4895050"/>
-            <a:chExt cx="700253" cy="303571"/>
-          </a:xfrm>
-        </p:grpSpPr>
-        <p:sp>
-          <p:nvSpPr>
-            <p:cNvPr id="186" name="AutoShape 148"/>
-            <p:cNvSpPr>
-              <a:spLocks noChangeArrowheads="1"/>
-            </p:cNvSpPr>
-            <p:nvPr/>
-          </p:nvSpPr>
-          <p:spPr bwMode="auto">
-            <a:xfrm>
-              <a:off x="374294" y="4947322"/>
-              <a:ext cx="700253" cy="251299"/>
-            </a:xfrm>
-            <a:prstGeom prst="roundRect">
-              <a:avLst>
-                <a:gd name="adj" fmla="val 16667"/>
-              </a:avLst>
-            </a:prstGeom>
-            <a:noFill/>
-            <a:ln w="6350" cmpd="sng">
-              <a:solidFill>
-                <a:schemeClr val="tx1"/>
-              </a:solidFill>
-              <a:round/>
-              <a:headEnd/>
-              <a:tailEnd/>
-            </a:ln>
-            <a:extLst>
-              <a:ext uri="{909E8E84-426E-40dd-AFC4-6F175D3DCCD1}">
-                <a14:hiddenFill xmlns:a14="http://schemas.microsoft.com/office/drawing/2010/main">
-                  <a:solidFill>
-                    <a:srgbClr val="FFFFFF"/>
-                  </a:solidFill>
-                </a14:hiddenFill>
-              </a:ext>
-            </a:extLst>
-          </p:spPr>
-          <p:txBody>
-            <a:bodyPr wrap="none" anchor="ctr"/>
-            <a:lstStyle/>
-            <a:p>
-              <a:endParaRPr lang="en-US">
-                <a:latin typeface="Calibri" charset="0"/>
-              </a:endParaRPr>
-            </a:p>
-          </p:txBody>
-        </p:sp>
-        <p:grpSp>
-          <p:nvGrpSpPr>
-            <p:cNvPr id="187" name="Group 186"/>
-            <p:cNvGrpSpPr/>
-            <p:nvPr/>
-          </p:nvGrpSpPr>
-          <p:grpSpPr>
-            <a:xfrm>
-              <a:off x="427169" y="4895050"/>
-              <a:ext cx="574710" cy="215444"/>
-              <a:chOff x="7952527" y="1957989"/>
-              <a:chExt cx="574710" cy="215444"/>
-            </a:xfrm>
-          </p:grpSpPr>
-          <p:sp>
-            <p:nvSpPr>
-              <p:cNvPr id="192" name="Line 154"/>
-              <p:cNvSpPr>
-                <a:spLocks noChangeShapeType="1"/>
-              </p:cNvSpPr>
-              <p:nvPr/>
-            </p:nvSpPr>
-            <p:spPr bwMode="auto">
-              <a:xfrm>
-                <a:off x="7991328" y="2077637"/>
-                <a:ext cx="535909" cy="0"/>
-              </a:xfrm>
-              <a:prstGeom prst="line">
-                <a:avLst/>
-              </a:prstGeom>
-              <a:noFill/>
-              <a:ln w="6350" cmpd="sng">
-                <a:solidFill>
-                  <a:srgbClr val="000000"/>
-                </a:solidFill>
-                <a:round/>
-                <a:headEnd/>
-                <a:tailEnd/>
-              </a:ln>
-              <a:extLst>
-                <a:ext uri="{909E8E84-426E-40dd-AFC4-6F175D3DCCD1}">
-                  <a14:hiddenFill xmlns:a14="http://schemas.microsoft.com/office/drawing/2010/main">
-                    <a:noFill/>
-                  </a14:hiddenFill>
-                </a:ext>
-              </a:extLst>
-            </p:spPr>
-            <p:txBody>
-              <a:bodyPr/>
-              <a:lstStyle/>
-              <a:p>
-                <a:endParaRPr lang="en-US"/>
-              </a:p>
-            </p:txBody>
-          </p:sp>
-          <p:sp>
-            <p:nvSpPr>
-              <p:cNvPr id="193" name="Oval 158"/>
-              <p:cNvSpPr>
-                <a:spLocks noChangeArrowheads="1"/>
-              </p:cNvSpPr>
-              <p:nvPr/>
-            </p:nvSpPr>
-            <p:spPr bwMode="auto">
-              <a:xfrm>
-                <a:off x="7952527" y="2059219"/>
-                <a:ext cx="36837" cy="36837"/>
-              </a:xfrm>
-              <a:prstGeom prst="ellipse">
-                <a:avLst/>
-              </a:prstGeom>
-              <a:solidFill>
-                <a:schemeClr val="bg2"/>
-              </a:solidFill>
-              <a:ln w="6350" cmpd="sng">
-                <a:solidFill>
-                  <a:schemeClr val="tx1"/>
-                </a:solidFill>
-                <a:round/>
-                <a:headEnd/>
-                <a:tailEnd/>
-              </a:ln>
-            </p:spPr>
-            <p:txBody>
-              <a:bodyPr wrap="none" anchor="ctr"/>
-              <a:lstStyle/>
-              <a:p>
-                <a:endParaRPr lang="en-US">
-                  <a:latin typeface="Calibri" charset="0"/>
-                </a:endParaRPr>
-              </a:p>
-            </p:txBody>
-          </p:sp>
-          <p:sp>
-            <p:nvSpPr>
-              <p:cNvPr id="194" name="Rectangle 167"/>
-              <p:cNvSpPr>
-                <a:spLocks noChangeArrowheads="1"/>
-              </p:cNvSpPr>
-              <p:nvPr/>
-            </p:nvSpPr>
-            <p:spPr bwMode="auto">
-              <a:xfrm>
-                <a:off x="8372754" y="2042290"/>
-                <a:ext cx="25213" cy="70694"/>
-              </a:xfrm>
-              <a:prstGeom prst="rect">
-                <a:avLst/>
-              </a:prstGeom>
-              <a:solidFill>
-                <a:srgbClr val="FFFF00"/>
-              </a:solidFill>
-              <a:ln w="6350" cmpd="sng">
-                <a:solidFill>
-                  <a:srgbClr val="000000"/>
-                </a:solidFill>
-                <a:miter lim="800000"/>
-                <a:headEnd/>
-                <a:tailEnd/>
-              </a:ln>
-            </p:spPr>
-            <p:txBody>
-              <a:bodyPr wrap="none" lIns="91429" tIns="45715" rIns="91429" bIns="45715" anchor="ctr"/>
-              <a:lstStyle/>
-              <a:p>
-                <a:pPr algn="ctr"/>
-                <a:endParaRPr lang="en-US" altLang="zh-CN" sz="1600" i="1">
-                  <a:solidFill>
-                    <a:srgbClr val="F5F5F5"/>
-                  </a:solidFill>
-                  <a:latin typeface="Calibri" charset="0"/>
-                  <a:ea typeface="SimSun" charset="0"/>
-                  <a:cs typeface="SimSun" charset="0"/>
-                </a:endParaRPr>
-              </a:p>
-            </p:txBody>
-          </p:sp>
-          <p:sp>
-            <p:nvSpPr>
-              <p:cNvPr id="195" name="AutoShape 165"/>
-              <p:cNvSpPr>
-                <a:spLocks noChangeArrowheads="1"/>
-              </p:cNvSpPr>
-              <p:nvPr/>
-            </p:nvSpPr>
-            <p:spPr bwMode="auto">
-              <a:xfrm rot="5400000">
-                <a:off x="8286749" y="2054778"/>
-                <a:ext cx="109209" cy="45719"/>
-              </a:xfrm>
-              <a:prstGeom prst="triangle">
-                <a:avLst>
-                  <a:gd name="adj" fmla="val 50000"/>
-                </a:avLst>
-              </a:prstGeom>
-              <a:solidFill>
-                <a:srgbClr val="FF0000"/>
-              </a:solidFill>
-              <a:ln w="6350" cmpd="sng">
-                <a:solidFill>
-                  <a:srgbClr val="000000"/>
-                </a:solidFill>
-                <a:miter lim="800000"/>
-                <a:headEnd/>
-                <a:tailEnd/>
-              </a:ln>
-            </p:spPr>
-            <p:txBody>
-              <a:bodyPr wrap="none" anchor="ctr"/>
-              <a:lstStyle/>
-              <a:p>
-                <a:endParaRPr lang="en-US">
-                  <a:latin typeface="Calibri" charset="0"/>
-                </a:endParaRPr>
-              </a:p>
-            </p:txBody>
-          </p:sp>
-          <p:sp>
-            <p:nvSpPr>
-              <p:cNvPr id="196" name="Oval 195"/>
-              <p:cNvSpPr/>
-              <p:nvPr/>
-            </p:nvSpPr>
-            <p:spPr bwMode="auto">
-              <a:xfrm>
-                <a:off x="8260075" y="2033019"/>
-                <a:ext cx="45719" cy="89237"/>
-              </a:xfrm>
-              <a:prstGeom prst="ellipse">
-                <a:avLst/>
-              </a:prstGeom>
-              <a:solidFill>
-                <a:srgbClr val="2EC728"/>
-              </a:solidFill>
-            </p:spPr>
-            <p:style>
-              <a:lnRef idx="1">
-                <a:schemeClr val="accent1"/>
-              </a:lnRef>
-              <a:fillRef idx="3">
-                <a:schemeClr val="accent1"/>
-              </a:fillRef>
-              <a:effectRef idx="2">
-                <a:schemeClr val="accent1"/>
-              </a:effectRef>
-              <a:fontRef idx="minor">
-                <a:schemeClr val="lt1"/>
-              </a:fontRef>
-            </p:style>
-            <p:txBody>
-              <a:bodyPr anchor="ctr"/>
-              <a:lstStyle/>
-              <a:p>
-                <a:pPr algn="ctr">
-                  <a:defRPr/>
-                </a:pPr>
-                <a:endParaRPr lang="en-US"/>
-              </a:p>
-            </p:txBody>
-          </p:sp>
-          <p:sp>
-            <p:nvSpPr>
-              <p:cNvPr id="197" name="Oval 196"/>
-              <p:cNvSpPr/>
-              <p:nvPr/>
-            </p:nvSpPr>
-            <p:spPr bwMode="auto">
-              <a:xfrm>
-                <a:off x="7998702" y="2033019"/>
-                <a:ext cx="45719" cy="89237"/>
-              </a:xfrm>
-              <a:prstGeom prst="ellipse">
-                <a:avLst/>
-              </a:prstGeom>
-              <a:solidFill>
-                <a:srgbClr val="2EC728"/>
-              </a:solidFill>
-            </p:spPr>
-            <p:style>
-              <a:lnRef idx="1">
-                <a:schemeClr val="accent1"/>
-              </a:lnRef>
-              <a:fillRef idx="3">
-                <a:schemeClr val="accent1"/>
-              </a:fillRef>
-              <a:effectRef idx="2">
-                <a:schemeClr val="accent1"/>
-              </a:effectRef>
-              <a:fontRef idx="minor">
-                <a:schemeClr val="lt1"/>
-              </a:fontRef>
-            </p:style>
-            <p:txBody>
-              <a:bodyPr anchor="ctr"/>
-              <a:lstStyle/>
-              <a:p>
-                <a:pPr algn="ctr">
-                  <a:defRPr/>
-                </a:pPr>
-                <a:endParaRPr lang="en-US"/>
-              </a:p>
-            </p:txBody>
-          </p:sp>
-          <p:grpSp>
-            <p:nvGrpSpPr>
-              <p:cNvPr id="198" name="Group 197"/>
-              <p:cNvGrpSpPr/>
-              <p:nvPr/>
-            </p:nvGrpSpPr>
-            <p:grpSpPr>
-              <a:xfrm>
-                <a:off x="7977318" y="1957989"/>
-                <a:ext cx="366027" cy="215444"/>
-                <a:chOff x="9162148" y="850214"/>
-                <a:chExt cx="366027" cy="215444"/>
-              </a:xfrm>
-            </p:grpSpPr>
-            <p:sp>
-              <p:nvSpPr>
-                <p:cNvPr id="199" name="Rectangle 198"/>
-                <p:cNvSpPr/>
-                <p:nvPr/>
-              </p:nvSpPr>
-              <p:spPr bwMode="auto">
-                <a:xfrm>
-                  <a:off x="9239244" y="922068"/>
-                  <a:ext cx="198900" cy="93410"/>
-                </a:xfrm>
-                <a:prstGeom prst="rect">
-                  <a:avLst/>
-                </a:prstGeom>
-                <a:solidFill>
-                  <a:srgbClr val="FFFFFF"/>
-                </a:solidFill>
-              </p:spPr>
-              <p:style>
-                <a:lnRef idx="1">
-                  <a:schemeClr val="accent1"/>
-                </a:lnRef>
-                <a:fillRef idx="3">
-                  <a:schemeClr val="accent1"/>
-                </a:fillRef>
-                <a:effectRef idx="2">
-                  <a:schemeClr val="accent1"/>
-                </a:effectRef>
-                <a:fontRef idx="minor">
-                  <a:schemeClr val="lt1"/>
-                </a:fontRef>
-              </p:style>
-              <p:txBody>
-                <a:bodyPr anchor="ctr"/>
-                <a:lstStyle/>
-                <a:p>
-                  <a:pPr algn="ctr">
-                    <a:defRPr/>
-                  </a:pPr>
-                  <a:endParaRPr lang="en-US" sz="800" dirty="0"/>
-                </a:p>
-              </p:txBody>
-            </p:sp>
-            <p:sp>
-              <p:nvSpPr>
-                <p:cNvPr id="200" name="TextBox 199"/>
-                <p:cNvSpPr txBox="1"/>
-                <p:nvPr/>
-              </p:nvSpPr>
-              <p:spPr>
-                <a:xfrm>
-                  <a:off x="9162148" y="850214"/>
-                  <a:ext cx="366027" cy="215444"/>
-                </a:xfrm>
-                <a:prstGeom prst="rect">
-                  <a:avLst/>
-                </a:prstGeom>
-                <a:noFill/>
-              </p:spPr>
-              <p:txBody>
-                <a:bodyPr wrap="square" rtlCol="0">
-                  <a:spAutoFit/>
-                </a:bodyPr>
-                <a:lstStyle/>
-                <a:p>
-                  <a:r>
-                    <a:rPr lang="en-US" sz="800" dirty="0" smtClean="0"/>
-                    <a:t>Neo</a:t>
-                  </a:r>
-                  <a:endParaRPr lang="en-US" sz="800" dirty="0"/>
-                </a:p>
-              </p:txBody>
-            </p:sp>
-          </p:grpSp>
-        </p:grpSp>
-        <p:grpSp>
-          <p:nvGrpSpPr>
-            <p:cNvPr id="188" name="Group 187"/>
-            <p:cNvGrpSpPr/>
-            <p:nvPr/>
-          </p:nvGrpSpPr>
-          <p:grpSpPr>
-            <a:xfrm>
-              <a:off x="425203" y="5102028"/>
-              <a:ext cx="574710" cy="70694"/>
-              <a:chOff x="7972098" y="2383847"/>
-              <a:chExt cx="574710" cy="70694"/>
-            </a:xfrm>
-          </p:grpSpPr>
-          <p:sp>
-            <p:nvSpPr>
-              <p:cNvPr id="189" name="Line 154"/>
-              <p:cNvSpPr>
-                <a:spLocks noChangeShapeType="1"/>
-              </p:cNvSpPr>
-              <p:nvPr/>
-            </p:nvSpPr>
-            <p:spPr bwMode="auto">
-              <a:xfrm>
-                <a:off x="8010899" y="2419194"/>
-                <a:ext cx="535909" cy="0"/>
-              </a:xfrm>
-              <a:prstGeom prst="line">
-                <a:avLst/>
-              </a:prstGeom>
-              <a:noFill/>
-              <a:ln w="6350" cmpd="sng">
-                <a:solidFill>
-                  <a:srgbClr val="000000"/>
-                </a:solidFill>
-                <a:round/>
-                <a:headEnd/>
-                <a:tailEnd/>
-              </a:ln>
-              <a:extLst>
-                <a:ext uri="{909E8E84-426E-40dd-AFC4-6F175D3DCCD1}">
-                  <a14:hiddenFill xmlns:a14="http://schemas.microsoft.com/office/drawing/2010/main">
-                    <a:noFill/>
-                  </a14:hiddenFill>
-                </a:ext>
-              </a:extLst>
-            </p:spPr>
-            <p:txBody>
-              <a:bodyPr/>
-              <a:lstStyle/>
-              <a:p>
-                <a:endParaRPr lang="en-US"/>
-              </a:p>
-            </p:txBody>
-          </p:sp>
-          <p:sp>
-            <p:nvSpPr>
-              <p:cNvPr id="190" name="Oval 158"/>
-              <p:cNvSpPr>
-                <a:spLocks noChangeArrowheads="1"/>
-              </p:cNvSpPr>
-              <p:nvPr/>
-            </p:nvSpPr>
-            <p:spPr bwMode="auto">
-              <a:xfrm>
-                <a:off x="7972098" y="2400776"/>
-                <a:ext cx="36837" cy="36837"/>
-              </a:xfrm>
-              <a:prstGeom prst="ellipse">
-                <a:avLst/>
-              </a:prstGeom>
-              <a:solidFill>
-                <a:schemeClr val="bg2"/>
-              </a:solidFill>
-              <a:ln w="6350" cmpd="sng">
-                <a:solidFill>
-                  <a:schemeClr val="tx1"/>
-                </a:solidFill>
-                <a:round/>
-                <a:headEnd/>
-                <a:tailEnd/>
-              </a:ln>
-            </p:spPr>
-            <p:txBody>
-              <a:bodyPr wrap="none" anchor="ctr"/>
-              <a:lstStyle/>
-              <a:p>
-                <a:endParaRPr lang="en-US">
-                  <a:latin typeface="Calibri" charset="0"/>
-                </a:endParaRPr>
-              </a:p>
-            </p:txBody>
-          </p:sp>
-          <p:sp>
-            <p:nvSpPr>
-              <p:cNvPr id="191" name="Rectangle 167"/>
-              <p:cNvSpPr>
-                <a:spLocks noChangeArrowheads="1"/>
-              </p:cNvSpPr>
-              <p:nvPr/>
-            </p:nvSpPr>
-            <p:spPr bwMode="auto">
-              <a:xfrm>
-                <a:off x="8392325" y="2383847"/>
-                <a:ext cx="25213" cy="70694"/>
-              </a:xfrm>
-              <a:prstGeom prst="rect">
-                <a:avLst/>
-              </a:prstGeom>
-              <a:solidFill>
-                <a:srgbClr val="FFFF00"/>
-              </a:solidFill>
-              <a:ln w="6350" cmpd="sng">
-                <a:solidFill>
-                  <a:srgbClr val="000000"/>
-                </a:solidFill>
-                <a:miter lim="800000"/>
-                <a:headEnd/>
-                <a:tailEnd/>
-              </a:ln>
-            </p:spPr>
-            <p:txBody>
-              <a:bodyPr wrap="none" lIns="91429" tIns="45715" rIns="91429" bIns="45715" anchor="ctr"/>
-              <a:lstStyle/>
-              <a:p>
-                <a:pPr algn="ctr"/>
-                <a:endParaRPr lang="en-US" altLang="zh-CN" sz="1600" i="1">
-                  <a:solidFill>
-                    <a:srgbClr val="F5F5F5"/>
-                  </a:solidFill>
-                  <a:latin typeface="Calibri" charset="0"/>
-                  <a:ea typeface="SimSun" charset="0"/>
-                  <a:cs typeface="SimSun" charset="0"/>
-                </a:endParaRPr>
-              </a:p>
-            </p:txBody>
-          </p:sp>
-        </p:grpSp>
-      </p:grpSp>
-      <p:grpSp>
-        <p:nvGrpSpPr>
           <p:cNvPr id="201" name="Group 200"/>
           <p:cNvGrpSpPr/>
           <p:nvPr/>
         </p:nvGrpSpPr>
         <p:grpSpPr>
           <a:xfrm>
-            <a:off x="3462184" y="4225863"/>
+            <a:off x="3566778" y="1573614"/>
             <a:ext cx="700253" cy="303571"/>
             <a:chOff x="374294" y="4895050"/>
             <a:chExt cx="700253" cy="303571"/>
@@ -38024,7 +39676,7 @@
       </p:grpSp>
       <p:sp>
         <p:nvSpPr>
-          <p:cNvPr id="218" name="TextBox 217"/>
+          <p:cNvPr id="145" name="TextBox 144"/>
           <p:cNvSpPr txBox="1"/>
           <p:nvPr/>
         </p:nvSpPr>
@@ -38052,17 +39704,7 @@
                   </a:schemeClr>
                 </a:solidFill>
               </a:rPr>
-              <a:t>version 1.0 Aug 16</a:t>
-            </a:r>
-            <a:r>
-              <a:rPr lang="en-US" sz="1400" baseline="30000" dirty="0" smtClean="0">
-                <a:solidFill>
-                  <a:schemeClr val="bg1">
-                    <a:lumMod val="75000"/>
-                  </a:schemeClr>
-                </a:solidFill>
-              </a:rPr>
-              <a:t>th</a:t>
+              <a:t>version </a:t>
             </a:r>
             <a:r>
               <a:rPr lang="en-US" sz="1400" dirty="0" smtClean="0">
@@ -38072,7 +39714,7 @@
                   </a:schemeClr>
                 </a:solidFill>
               </a:rPr>
-              <a:t> 2013</a:t>
+              <a:t>1.1 Sept 5th 2013</a:t>
             </a:r>
             <a:endParaRPr lang="en-US" sz="1400" dirty="0">
               <a:solidFill>
@@ -38087,7 +39729,7 @@
     </p:spTree>
     <p:extLst>
       <p:ext uri="{BB962C8B-B14F-4D97-AF65-F5344CB8AC3E}">
-        <p14:creationId xmlns:p14="http://schemas.microsoft.com/office/powerpoint/2010/main" val="483138993"/>
+        <p14:creationId xmlns:p14="http://schemas.microsoft.com/office/powerpoint/2010/main" val="2891799662"/>
       </p:ext>
     </p:extLst>
   </p:cSld>
@@ -38097,7 +39739,7 @@
 </p:sld>
 </file>
 
-<file path=ppt/slides/slide4.xml><?xml version="1.0" encoding="utf-8"?>
+<file path=ppt/slides/slide6.xml><?xml version="1.0" encoding="utf-8"?>
 <p:sld xmlns:a="http://schemas.openxmlformats.org/drawingml/2006/main" xmlns:r="http://schemas.openxmlformats.org/officeDocument/2006/relationships" xmlns:p="http://schemas.openxmlformats.org/presentationml/2006/main">
   <p:cSld>
     <p:spTree>
@@ -38123,7 +39765,7 @@
           <p:nvPr>
             <p:extLst>
               <p:ext uri="{D42A27DB-BD31-4B8C-83A1-F6EECF244321}">
-                <p14:modId xmlns:p14="http://schemas.microsoft.com/office/powerpoint/2010/main" val="933844490"/>
+                <p14:modId xmlns:p14="http://schemas.microsoft.com/office/powerpoint/2010/main" val="329761152"/>
               </p:ext>
             </p:extLst>
           </p:nvPr>
@@ -38508,7 +40150,11 @@
                     <a:bodyPr/>
                     <a:lstStyle/>
                     <a:p>
-                      <a:endParaRPr lang="en-US" sz="1000" dirty="0"/>
+                      <a:r>
+                        <a:rPr lang="en-US" sz="1000" b="1" dirty="0" smtClean="0"/>
+                        <a:t>LOA TAM</a:t>
+                      </a:r>
+                      <a:endParaRPr lang="en-US" sz="1000" b="1" dirty="0"/>
                     </a:p>
                   </a:txBody>
                   <a:tcPr marL="111453" marR="111453" marT="55727" marB="55727">
@@ -38732,116 +40378,6 @@
                     <a:bodyPr/>
                     <a:lstStyle/>
                     <a:p>
-                      <a:endParaRPr lang="en-US" sz="1000" dirty="0"/>
-                    </a:p>
-                  </a:txBody>
-                  <a:tcPr marL="111453" marR="111453" marT="55727" marB="55727">
-                    <a:noFill/>
-                  </a:tcPr>
-                </a:tc>
-                <a:tc>
-                  <a:txBody>
-                    <a:bodyPr/>
-                    <a:lstStyle/>
-                    <a:p>
-                      <a:r>
-                        <a:rPr lang="en-US" sz="1000" dirty="0" smtClean="0"/>
-                        <a:t>+ OHT</a:t>
-                      </a:r>
-                      <a:endParaRPr lang="en-US" sz="1000" dirty="0"/>
-                    </a:p>
-                  </a:txBody>
-                  <a:tcPr marL="111453" marR="111453" marT="55727" marB="55727">
-                    <a:noFill/>
-                  </a:tcPr>
-                </a:tc>
-                <a:tc>
-                  <a:txBody>
-                    <a:bodyPr/>
-                    <a:lstStyle/>
-                    <a:p>
-                      <a:r>
-                        <a:rPr lang="en-US" sz="1000" dirty="0" smtClean="0"/>
-                        <a:t>2</a:t>
-                      </a:r>
-                      <a:endParaRPr lang="en-US" sz="1000" dirty="0"/>
-                    </a:p>
-                  </a:txBody>
-                  <a:tcPr marL="111453" marR="111453" marT="55727" marB="55727">
-                    <a:noFill/>
-                  </a:tcPr>
-                </a:tc>
-                <a:tc>
-                  <a:txBody>
-                    <a:bodyPr/>
-                    <a:lstStyle/>
-                    <a:p>
-                      <a:r>
-                        <a:rPr lang="en-US" sz="1000" dirty="0" smtClean="0"/>
-                        <a:t>1</a:t>
-                      </a:r>
-                      <a:endParaRPr lang="en-US" sz="1000" dirty="0"/>
-                    </a:p>
-                  </a:txBody>
-                  <a:tcPr marL="111453" marR="111453" marT="55727" marB="55727">
-                    <a:noFill/>
-                  </a:tcPr>
-                </a:tc>
-                <a:tc>
-                  <a:txBody>
-                    <a:bodyPr/>
-                    <a:lstStyle/>
-                    <a:p>
-                      <a:r>
-                        <a:rPr lang="en-US" sz="1000" dirty="0" smtClean="0"/>
-                        <a:t>1</a:t>
-                      </a:r>
-                      <a:endParaRPr lang="en-US" sz="1000" dirty="0"/>
-                    </a:p>
-                  </a:txBody>
-                  <a:tcPr marL="111453" marR="111453" marT="55727" marB="55727">
-                    <a:noFill/>
-                  </a:tcPr>
-                </a:tc>
-                <a:tc>
-                  <a:txBody>
-                    <a:bodyPr/>
-                    <a:lstStyle/>
-                    <a:p>
-                      <a:r>
-                        <a:rPr lang="en-US" sz="1000" dirty="0" smtClean="0"/>
-                        <a:t>1</a:t>
-                      </a:r>
-                      <a:endParaRPr lang="en-US" sz="1000" dirty="0"/>
-                    </a:p>
-                  </a:txBody>
-                  <a:tcPr marL="111453" marR="111453" marT="55727" marB="55727">
-                    <a:noFill/>
-                  </a:tcPr>
-                </a:tc>
-                <a:tc>
-                  <a:txBody>
-                    <a:bodyPr/>
-                    <a:lstStyle/>
-                    <a:p>
-                      <a:r>
-                        <a:rPr lang="en-US" sz="1000" dirty="0" smtClean="0"/>
-                        <a:t>1</a:t>
-                      </a:r>
-                      <a:endParaRPr lang="en-US" sz="1000" dirty="0"/>
-                    </a:p>
-                  </a:txBody>
-                  <a:tcPr marL="111453" marR="111453" marT="55727" marB="55727">
-                    <a:noFill/>
-                  </a:tcPr>
-                </a:tc>
-              </a:tr>
-              <a:tr h="349866">
-                <a:tc>
-                  <a:txBody>
-                    <a:bodyPr/>
-                    <a:lstStyle/>
-                    <a:p>
                       <a:r>
                         <a:rPr lang="en-US" sz="1000" b="1" dirty="0" smtClean="0"/>
                         <a:t>NEO</a:t>
@@ -38946,6 +40482,116 @@
                   </a:tcPr>
                 </a:tc>
               </a:tr>
+              <a:tr h="349866">
+                <a:tc>
+                  <a:txBody>
+                    <a:bodyPr/>
+                    <a:lstStyle/>
+                    <a:p>
+                      <a:r>
+                        <a:rPr lang="en-US" sz="1000" b="1" dirty="0" smtClean="0"/>
+                        <a:t>BSD **</a:t>
+                      </a:r>
+                      <a:endParaRPr lang="en-US" sz="1000" b="1" dirty="0"/>
+                    </a:p>
+                  </a:txBody>
+                  <a:tcPr marL="111453" marR="111453" marT="55727" marB="55727">
+                    <a:noFill/>
+                  </a:tcPr>
+                </a:tc>
+                <a:tc>
+                  <a:txBody>
+                    <a:bodyPr/>
+                    <a:lstStyle/>
+                    <a:p>
+                      <a:endParaRPr lang="en-US" sz="1000" dirty="0"/>
+                    </a:p>
+                  </a:txBody>
+                  <a:tcPr marL="111453" marR="111453" marT="55727" marB="55727">
+                    <a:noFill/>
+                  </a:tcPr>
+                </a:tc>
+                <a:tc>
+                  <a:txBody>
+                    <a:bodyPr/>
+                    <a:lstStyle/>
+                    <a:p>
+                      <a:r>
+                        <a:rPr lang="en-US" sz="1000" dirty="0" smtClean="0"/>
+                        <a:t>0</a:t>
+                      </a:r>
+                      <a:endParaRPr lang="en-US" sz="1000" dirty="0"/>
+                    </a:p>
+                  </a:txBody>
+                  <a:tcPr marL="111453" marR="111453" marT="55727" marB="55727">
+                    <a:noFill/>
+                  </a:tcPr>
+                </a:tc>
+                <a:tc>
+                  <a:txBody>
+                    <a:bodyPr/>
+                    <a:lstStyle/>
+                    <a:p>
+                      <a:r>
+                        <a:rPr lang="en-US" sz="1000" dirty="0" smtClean="0"/>
+                        <a:t>0</a:t>
+                      </a:r>
+                      <a:endParaRPr lang="en-US" sz="1000" dirty="0"/>
+                    </a:p>
+                  </a:txBody>
+                  <a:tcPr marL="111453" marR="111453" marT="55727" marB="55727">
+                    <a:noFill/>
+                  </a:tcPr>
+                </a:tc>
+                <a:tc>
+                  <a:txBody>
+                    <a:bodyPr/>
+                    <a:lstStyle/>
+                    <a:p>
+                      <a:r>
+                        <a:rPr lang="en-US" sz="1000" dirty="0" smtClean="0"/>
+                        <a:t>0</a:t>
+                      </a:r>
+                      <a:endParaRPr lang="en-US" sz="1000" dirty="0"/>
+                    </a:p>
+                  </a:txBody>
+                  <a:tcPr marL="111453" marR="111453" marT="55727" marB="55727">
+                    <a:noFill/>
+                  </a:tcPr>
+                </a:tc>
+                <a:tc>
+                  <a:txBody>
+                    <a:bodyPr/>
+                    <a:lstStyle/>
+                    <a:p>
+                      <a:r>
+                        <a:rPr lang="en-US" sz="1000" dirty="0" smtClean="0"/>
+                        <a:t>0</a:t>
+                      </a:r>
+                      <a:endParaRPr lang="en-US" sz="1000" dirty="0"/>
+                    </a:p>
+                  </a:txBody>
+                  <a:tcPr marL="111453" marR="111453" marT="55727" marB="55727">
+                    <a:noFill/>
+                  </a:tcPr>
+                </a:tc>
+                <a:tc>
+                  <a:txBody>
+                    <a:bodyPr/>
+                    <a:lstStyle/>
+                    <a:p>
+                      <a:r>
+                        <a:rPr lang="en-US" sz="1000" dirty="0" smtClean="0"/>
+                        <a:t>0</a:t>
+                      </a:r>
+                      <a:endParaRPr lang="en-US" sz="1000" dirty="0"/>
+                    </a:p>
+                  </a:txBody>
+                  <a:tcPr marL="111453" marR="111453" marT="55727" marB="55727">
+                    <a:noFill/>
+                  </a:tcPr>
+                </a:tc>
+              </a:tr>
             </a:tbl>
           </a:graphicData>
         </a:graphic>
@@ -38992,11 +40638,7 @@
             </a:r>
             <a:r>
               <a:rPr lang="en-US" sz="1600" dirty="0" smtClean="0"/>
-              <a:t> first		    tm1a -</a:t>
-            </a:r>
-            <a:r>
-              <a:rPr lang="en-US" sz="1600" dirty="0" smtClean="0"/>
-              <a:t>&gt; (</a:t>
+              <a:t> first		    tm1a -&gt; (</a:t>
             </a:r>
             <a:r>
               <a:rPr lang="en-US" sz="1600" dirty="0" err="1" smtClean="0"/>
@@ -39004,19 +40646,7 @@
             </a:r>
             <a:r>
               <a:rPr lang="en-US" sz="1600" dirty="0" smtClean="0"/>
-              <a:t>) -&gt; </a:t>
-            </a:r>
-            <a:r>
-              <a:rPr lang="en-US" sz="1600" dirty="0" smtClean="0"/>
-              <a:t>tm1 -&gt; </a:t>
-            </a:r>
-            <a:r>
-              <a:rPr lang="en-US" sz="1600" dirty="0" smtClean="0"/>
-              <a:t>tm1c/</a:t>
-            </a:r>
-            <a:r>
-              <a:rPr lang="en-US" sz="1600" dirty="0" smtClean="0"/>
-              <a:t>tm1</a:t>
+              <a:t>) -&gt; tm1 -&gt; tm1c/tm1</a:t>
             </a:r>
           </a:p>
         </p:txBody>
@@ -39059,7 +40689,7 @@
         <p:spPr>
           <a:xfrm>
             <a:off x="6481233" y="1541472"/>
-            <a:ext cx="3005668" cy="2677656"/>
+            <a:ext cx="3005668" cy="3231653"/>
           </a:xfrm>
           <a:prstGeom prst="rect">
             <a:avLst/>
@@ -39132,11 +40762,7 @@
             </a:r>
             <a:r>
               <a:rPr lang="en-US" sz="1200" dirty="0" smtClean="0"/>
-              <a:t> is where </a:t>
-            </a:r>
-            <a:r>
-              <a:rPr lang="en-US" sz="1200" dirty="0" smtClean="0"/>
-              <a:t>the </a:t>
+              <a:t> is where the </a:t>
             </a:r>
             <a:r>
               <a:rPr lang="en-US" sz="1200" dirty="0" err="1" smtClean="0"/>
@@ -39201,11 +40827,7 @@
             </a:r>
             <a:r>
               <a:rPr lang="en-US" sz="1200" dirty="0" smtClean="0"/>
-              <a:t> the </a:t>
-            </a:r>
-            <a:r>
-              <a:rPr lang="en-US" sz="1200" dirty="0" smtClean="0"/>
-              <a:t>final </a:t>
+              <a:t> the final </a:t>
             </a:r>
             <a:r>
               <a:rPr lang="en-US" sz="1200" dirty="0" err="1" smtClean="0"/>
@@ -39234,9 +40856,37 @@
             </a:r>
             <a:r>
               <a:rPr lang="en-US" sz="1200" dirty="0" smtClean="0"/>
-              <a:t> is total failure of electroporation</a:t>
+              <a:t> is total failure of </a:t>
             </a:r>
+            <a:r>
+              <a:rPr lang="en-US" sz="1200" dirty="0" smtClean="0"/>
+              <a:t>electroporation</a:t>
+            </a:r>
+          </a:p>
+          <a:p>
             <a:endParaRPr lang="en-US" sz="1200" dirty="0"/>
+          </a:p>
+          <a:p>
+            <a:r>
+              <a:rPr lang="en-US" sz="1200" dirty="0" smtClean="0"/>
+              <a:t>** No </a:t>
+            </a:r>
+            <a:r>
+              <a:rPr lang="en-US" sz="1200" dirty="0" err="1" smtClean="0"/>
+              <a:t>Bsd</a:t>
+            </a:r>
+            <a:r>
+              <a:rPr lang="en-US" sz="1200" dirty="0" smtClean="0"/>
+              <a:t> resistance in cassette so no benefit to doing </a:t>
+            </a:r>
+            <a:r>
+              <a:rPr lang="en-US" sz="1200" dirty="0" err="1" smtClean="0"/>
+              <a:t>Bsd</a:t>
+            </a:r>
+            <a:r>
+              <a:rPr lang="en-US" sz="1200" dirty="0" smtClean="0"/>
+              <a:t> assay</a:t>
+            </a:r>
           </a:p>
         </p:txBody>
       </p:sp>
@@ -41516,7 +43166,7 @@
       </p:grpSp>
       <p:sp>
         <p:nvSpPr>
-          <p:cNvPr id="101" name="TextBox 100"/>
+          <p:cNvPr id="74" name="TextBox 73"/>
           <p:cNvSpPr txBox="1"/>
           <p:nvPr/>
         </p:nvSpPr>
@@ -41544,17 +43194,7 @@
                   </a:schemeClr>
                 </a:solidFill>
               </a:rPr>
-              <a:t>version 1.0 Aug 16</a:t>
-            </a:r>
-            <a:r>
-              <a:rPr lang="en-US" sz="1400" baseline="30000" dirty="0" smtClean="0">
-                <a:solidFill>
-                  <a:schemeClr val="bg1">
-                    <a:lumMod val="75000"/>
-                  </a:schemeClr>
-                </a:solidFill>
-              </a:rPr>
-              <a:t>th</a:t>
+              <a:t>version </a:t>
             </a:r>
             <a:r>
               <a:rPr lang="en-US" sz="1400" dirty="0" smtClean="0">
@@ -41564,7 +43204,7 @@
                   </a:schemeClr>
                 </a:solidFill>
               </a:rPr>
-              <a:t> 2013</a:t>
+              <a:t>1.1 Sept 5th 2013</a:t>
             </a:r>
             <a:endParaRPr lang="en-US" sz="1400" dirty="0">
               <a:solidFill>
@@ -41589,7 +43229,7 @@
 </p:sld>
 </file>
 
-<file path=ppt/slides/slide5.xml><?xml version="1.0" encoding="utf-8"?>
+<file path=ppt/slides/slide7.xml><?xml version="1.0" encoding="utf-8"?>
 <p:sld xmlns:a="http://schemas.openxmlformats.org/drawingml/2006/main" xmlns:r="http://schemas.openxmlformats.org/officeDocument/2006/relationships" xmlns:p="http://schemas.openxmlformats.org/presentationml/2006/main">
   <p:cSld>
     <p:spTree>
@@ -41675,7 +43315,7 @@
           <p:nvPr>
             <p:extLst>
               <p:ext uri="{D42A27DB-BD31-4B8C-83A1-F6EECF244321}">
-                <p14:modId xmlns:p14="http://schemas.microsoft.com/office/powerpoint/2010/main" val="4024997925"/>
+                <p14:modId xmlns:p14="http://schemas.microsoft.com/office/powerpoint/2010/main" val="2331871840"/>
               </p:ext>
             </p:extLst>
           </p:nvPr>
@@ -42335,7 +43975,11 @@
                     <a:bodyPr/>
                     <a:lstStyle/>
                     <a:p>
-                      <a:endParaRPr lang="en-US" sz="1000"/>
+                      <a:r>
+                        <a:rPr lang="en-US" sz="1000" b="1" dirty="0" smtClean="0"/>
+                        <a:t>LOA TAM</a:t>
+                      </a:r>
+                      <a:endParaRPr lang="en-US" sz="1000" b="1" dirty="0"/>
                     </a:p>
                   </a:txBody>
                   <a:tcPr marL="111453" marR="111453" marT="55727" marB="55727">
@@ -42755,214 +44399,6 @@
                     <a:bodyPr/>
                     <a:lstStyle/>
                     <a:p>
-                      <a:endParaRPr lang="en-US" sz="1000" dirty="0"/>
-                    </a:p>
-                  </a:txBody>
-                  <a:tcPr marL="111453" marR="111453" marT="55727" marB="55727">
-                    <a:noFill/>
-                  </a:tcPr>
-                </a:tc>
-                <a:tc>
-                  <a:txBody>
-                    <a:bodyPr/>
-                    <a:lstStyle/>
-                    <a:p>
-                      <a:r>
-                        <a:rPr lang="en-US" sz="1000" dirty="0" smtClean="0"/>
-                        <a:t>+ OHT</a:t>
-                      </a:r>
-                      <a:endParaRPr lang="en-US" sz="1000" dirty="0"/>
-                    </a:p>
-                  </a:txBody>
-                  <a:tcPr marL="111453" marR="111453" marT="55727" marB="55727">
-                    <a:noFill/>
-                  </a:tcPr>
-                </a:tc>
-                <a:tc>
-                  <a:txBody>
-                    <a:bodyPr/>
-                    <a:lstStyle/>
-                    <a:p>
-                      <a:r>
-                        <a:rPr lang="en-US" sz="1000" smtClean="0"/>
-                        <a:t>2</a:t>
-                      </a:r>
-                      <a:endParaRPr lang="en-US" sz="1000" dirty="0"/>
-                    </a:p>
-                  </a:txBody>
-                  <a:tcPr marL="111453" marR="111453" marT="55727" marB="55727">
-                    <a:noFill/>
-                  </a:tcPr>
-                </a:tc>
-                <a:tc>
-                  <a:txBody>
-                    <a:bodyPr/>
-                    <a:lstStyle/>
-                    <a:p>
-                      <a:r>
-                        <a:rPr lang="en-US" sz="1000" dirty="0" smtClean="0"/>
-                        <a:t>1</a:t>
-                      </a:r>
-                      <a:endParaRPr lang="en-US" sz="1000" dirty="0"/>
-                    </a:p>
-                  </a:txBody>
-                  <a:tcPr marL="111453" marR="111453" marT="55727" marB="55727">
-                    <a:noFill/>
-                  </a:tcPr>
-                </a:tc>
-                <a:tc>
-                  <a:txBody>
-                    <a:bodyPr/>
-                    <a:lstStyle/>
-                    <a:p>
-                      <a:r>
-                        <a:rPr lang="en-US" sz="1000" dirty="0" smtClean="0"/>
-                        <a:t>1</a:t>
-                      </a:r>
-                      <a:endParaRPr lang="en-US" sz="1000" dirty="0"/>
-                    </a:p>
-                  </a:txBody>
-                  <a:tcPr marL="111453" marR="111453" marT="55727" marB="55727">
-                    <a:noFill/>
-                  </a:tcPr>
-                </a:tc>
-                <a:tc>
-                  <a:txBody>
-                    <a:bodyPr/>
-                    <a:lstStyle/>
-                    <a:p>
-                      <a:r>
-                        <a:rPr lang="en-US" sz="1000" dirty="0" smtClean="0"/>
-                        <a:t>1</a:t>
-                      </a:r>
-                      <a:endParaRPr lang="en-US" sz="1000" dirty="0"/>
-                    </a:p>
-                  </a:txBody>
-                  <a:tcPr marL="111453" marR="111453" marT="55727" marB="55727">
-                    <a:noFill/>
-                  </a:tcPr>
-                </a:tc>
-                <a:tc>
-                  <a:txBody>
-                    <a:bodyPr/>
-                    <a:lstStyle/>
-                    <a:p>
-                      <a:r>
-                        <a:rPr lang="en-US" sz="1000" dirty="0" smtClean="0"/>
-                        <a:t>1</a:t>
-                      </a:r>
-                      <a:endParaRPr lang="en-US" sz="1000" dirty="0"/>
-                    </a:p>
-                  </a:txBody>
-                  <a:tcPr marL="111453" marR="111453" marT="55727" marB="55727">
-                    <a:lnR w="28575" cap="flat" cmpd="sng" algn="ctr">
-                      <a:solidFill>
-                        <a:scrgbClr r="0" g="0" b="0"/>
-                      </a:solidFill>
-                      <a:prstDash val="solid"/>
-                      <a:round/>
-                      <a:headEnd type="none" w="med" len="med"/>
-                      <a:tailEnd type="none" w="med" len="med"/>
-                    </a:lnR>
-                    <a:noFill/>
-                  </a:tcPr>
-                </a:tc>
-                <a:tc>
-                  <a:txBody>
-                    <a:bodyPr/>
-                    <a:lstStyle/>
-                    <a:p>
-                      <a:r>
-                        <a:rPr lang="en-US" sz="1000" dirty="0" smtClean="0"/>
-                        <a:t>1</a:t>
-                      </a:r>
-                      <a:endParaRPr lang="en-US" sz="1000" dirty="0"/>
-                    </a:p>
-                  </a:txBody>
-                  <a:tcPr marL="111453" marR="111453" marT="55727" marB="55727">
-                    <a:lnL w="28575" cap="flat" cmpd="sng" algn="ctr">
-                      <a:solidFill>
-                        <a:scrgbClr r="0" g="0" b="0"/>
-                      </a:solidFill>
-                      <a:prstDash val="solid"/>
-                      <a:round/>
-                      <a:headEnd type="none" w="med" len="med"/>
-                      <a:tailEnd type="none" w="med" len="med"/>
-                    </a:lnL>
-                    <a:noFill/>
-                  </a:tcPr>
-                </a:tc>
-                <a:tc>
-                  <a:txBody>
-                    <a:bodyPr/>
-                    <a:lstStyle/>
-                    <a:p>
-                      <a:r>
-                        <a:rPr lang="en-US" sz="1000" dirty="0" smtClean="0"/>
-                        <a:t>0</a:t>
-                      </a:r>
-                      <a:endParaRPr lang="en-US" sz="1000" dirty="0"/>
-                    </a:p>
-                  </a:txBody>
-                  <a:tcPr marL="111453" marR="111453" marT="55727" marB="55727">
-                    <a:noFill/>
-                  </a:tcPr>
-                </a:tc>
-                <a:tc>
-                  <a:txBody>
-                    <a:bodyPr/>
-                    <a:lstStyle/>
-                    <a:p>
-                      <a:r>
-                        <a:rPr lang="en-US" sz="1000" dirty="0" smtClean="0"/>
-                        <a:t>0</a:t>
-                      </a:r>
-                      <a:endParaRPr lang="en-US" sz="1000" dirty="0"/>
-                    </a:p>
-                  </a:txBody>
-                  <a:tcPr marL="111453" marR="111453" marT="55727" marB="55727">
-                    <a:noFill/>
-                  </a:tcPr>
-                </a:tc>
-                <a:tc>
-                  <a:txBody>
-                    <a:bodyPr/>
-                    <a:lstStyle/>
-                    <a:p>
-                      <a:r>
-                        <a:rPr lang="en-US" sz="1000" dirty="0" smtClean="0"/>
-                        <a:t>0</a:t>
-                      </a:r>
-                      <a:endParaRPr lang="en-US" sz="1000" dirty="0"/>
-                    </a:p>
-                  </a:txBody>
-                  <a:tcPr marL="111453" marR="111453" marT="55727" marB="55727">
-                    <a:noFill/>
-                  </a:tcPr>
-                </a:tc>
-                <a:tc>
-                  <a:txBody>
-                    <a:bodyPr/>
-                    <a:lstStyle/>
-                    <a:p>
-                      <a:r>
-                        <a:rPr lang="en-US" sz="1000" dirty="0" smtClean="0"/>
-                        <a:t>0</a:t>
-                      </a:r>
-                      <a:endParaRPr lang="en-US" sz="1000" dirty="0"/>
-                    </a:p>
-                  </a:txBody>
-                  <a:tcPr marL="111453" marR="111453" marT="55727" marB="55727">
-                    <a:noFill/>
-                  </a:tcPr>
-                </a:tc>
-              </a:tr>
-              <a:tr h="349866">
-                <a:tc>
-                  <a:txBody>
-                    <a:bodyPr/>
-                    <a:lstStyle/>
-                    <a:p>
                       <a:r>
                         <a:rPr lang="en-US" sz="1000" b="1" dirty="0" smtClean="0"/>
                         <a:t>NEO</a:t>
@@ -43165,6 +44601,214 @@
                   </a:tcPr>
                 </a:tc>
               </a:tr>
+              <a:tr h="349866">
+                <a:tc>
+                  <a:txBody>
+                    <a:bodyPr/>
+                    <a:lstStyle/>
+                    <a:p>
+                      <a:r>
+                        <a:rPr lang="en-US" sz="1000" b="1" dirty="0" smtClean="0"/>
+                        <a:t>BSD</a:t>
+                      </a:r>
+                      <a:endParaRPr lang="en-US" sz="1000" b="1" dirty="0"/>
+                    </a:p>
+                  </a:txBody>
+                  <a:tcPr marL="111453" marR="111453" marT="55727" marB="55727">
+                    <a:noFill/>
+                  </a:tcPr>
+                </a:tc>
+                <a:tc>
+                  <a:txBody>
+                    <a:bodyPr/>
+                    <a:lstStyle/>
+                    <a:p>
+                      <a:endParaRPr lang="en-US" sz="1000" dirty="0"/>
+                    </a:p>
+                  </a:txBody>
+                  <a:tcPr marL="111453" marR="111453" marT="55727" marB="55727">
+                    <a:noFill/>
+                  </a:tcPr>
+                </a:tc>
+                <a:tc>
+                  <a:txBody>
+                    <a:bodyPr/>
+                    <a:lstStyle/>
+                    <a:p>
+                      <a:r>
+                        <a:rPr lang="en-US" sz="1000" dirty="0" smtClean="0"/>
+                        <a:t>0</a:t>
+                      </a:r>
+                      <a:endParaRPr lang="en-US" sz="1000" dirty="0"/>
+                    </a:p>
+                  </a:txBody>
+                  <a:tcPr marL="111453" marR="111453" marT="55727" marB="55727">
+                    <a:noFill/>
+                  </a:tcPr>
+                </a:tc>
+                <a:tc>
+                  <a:txBody>
+                    <a:bodyPr/>
+                    <a:lstStyle/>
+                    <a:p>
+                      <a:r>
+                        <a:rPr lang="en-US" sz="1000" dirty="0" smtClean="0"/>
+                        <a:t>0</a:t>
+                      </a:r>
+                      <a:endParaRPr lang="en-US" sz="1000" dirty="0"/>
+                    </a:p>
+                  </a:txBody>
+                  <a:tcPr marL="111453" marR="111453" marT="55727" marB="55727">
+                    <a:noFill/>
+                  </a:tcPr>
+                </a:tc>
+                <a:tc>
+                  <a:txBody>
+                    <a:bodyPr/>
+                    <a:lstStyle/>
+                    <a:p>
+                      <a:r>
+                        <a:rPr lang="en-US" sz="1000" dirty="0" smtClean="0"/>
+                        <a:t>0</a:t>
+                      </a:r>
+                      <a:endParaRPr lang="en-US" sz="1000" dirty="0"/>
+                    </a:p>
+                  </a:txBody>
+                  <a:tcPr marL="111453" marR="111453" marT="55727" marB="55727">
+                    <a:noFill/>
+                  </a:tcPr>
+                </a:tc>
+                <a:tc>
+                  <a:txBody>
+                    <a:bodyPr/>
+                    <a:lstStyle/>
+                    <a:p>
+                      <a:r>
+                        <a:rPr lang="en-US" sz="1000" dirty="0" smtClean="0"/>
+                        <a:t>0</a:t>
+                      </a:r>
+                      <a:endParaRPr lang="en-US" sz="1000" dirty="0"/>
+                    </a:p>
+                  </a:txBody>
+                  <a:tcPr marL="111453" marR="111453" marT="55727" marB="55727">
+                    <a:noFill/>
+                  </a:tcPr>
+                </a:tc>
+                <a:tc>
+                  <a:txBody>
+                    <a:bodyPr/>
+                    <a:lstStyle/>
+                    <a:p>
+                      <a:r>
+                        <a:rPr lang="en-US" sz="1000" dirty="0" smtClean="0"/>
+                        <a:t>0</a:t>
+                      </a:r>
+                      <a:endParaRPr lang="en-US" sz="1000" dirty="0"/>
+                    </a:p>
+                  </a:txBody>
+                  <a:tcPr marL="111453" marR="111453" marT="55727" marB="55727">
+                    <a:lnR w="28575" cap="flat" cmpd="sng" algn="ctr">
+                      <a:solidFill>
+                        <a:scrgbClr r="0" g="0" b="0"/>
+                      </a:solidFill>
+                      <a:prstDash val="solid"/>
+                      <a:round/>
+                      <a:headEnd type="none" w="med" len="med"/>
+                      <a:tailEnd type="none" w="med" len="med"/>
+                    </a:lnR>
+                    <a:noFill/>
+                  </a:tcPr>
+                </a:tc>
+                <a:tc>
+                  <a:txBody>
+                    <a:bodyPr/>
+                    <a:lstStyle/>
+                    <a:p>
+                      <a:r>
+                        <a:rPr lang="en-US" sz="1000" dirty="0" smtClean="0"/>
+                        <a:t>1</a:t>
+                      </a:r>
+                      <a:endParaRPr lang="en-US" sz="1000" dirty="0"/>
+                    </a:p>
+                  </a:txBody>
+                  <a:tcPr marL="111453" marR="111453" marT="55727" marB="55727">
+                    <a:lnL w="28575" cap="flat" cmpd="sng" algn="ctr">
+                      <a:solidFill>
+                        <a:scrgbClr r="0" g="0" b="0"/>
+                      </a:solidFill>
+                      <a:prstDash val="solid"/>
+                      <a:round/>
+                      <a:headEnd type="none" w="med" len="med"/>
+                      <a:tailEnd type="none" w="med" len="med"/>
+                    </a:lnL>
+                    <a:noFill/>
+                  </a:tcPr>
+                </a:tc>
+                <a:tc>
+                  <a:txBody>
+                    <a:bodyPr/>
+                    <a:lstStyle/>
+                    <a:p>
+                      <a:r>
+                        <a:rPr lang="en-US" sz="1000" dirty="0" smtClean="0"/>
+                        <a:t>1</a:t>
+                      </a:r>
+                      <a:endParaRPr lang="en-US" sz="1000" dirty="0"/>
+                    </a:p>
+                  </a:txBody>
+                  <a:tcPr marL="111453" marR="111453" marT="55727" marB="55727">
+                    <a:noFill/>
+                  </a:tcPr>
+                </a:tc>
+                <a:tc>
+                  <a:txBody>
+                    <a:bodyPr/>
+                    <a:lstStyle/>
+                    <a:p>
+                      <a:r>
+                        <a:rPr lang="en-US" sz="1000" dirty="0" smtClean="0"/>
+                        <a:t>1</a:t>
+                      </a:r>
+                      <a:endParaRPr lang="en-US" sz="1000" dirty="0"/>
+                    </a:p>
+                  </a:txBody>
+                  <a:tcPr marL="111453" marR="111453" marT="55727" marB="55727">
+                    <a:noFill/>
+                  </a:tcPr>
+                </a:tc>
+                <a:tc>
+                  <a:txBody>
+                    <a:bodyPr/>
+                    <a:lstStyle/>
+                    <a:p>
+                      <a:r>
+                        <a:rPr lang="en-US" sz="1000" dirty="0" smtClean="0"/>
+                        <a:t>1</a:t>
+                      </a:r>
+                      <a:endParaRPr lang="en-US" sz="1000" dirty="0"/>
+                    </a:p>
+                  </a:txBody>
+                  <a:tcPr marL="111453" marR="111453" marT="55727" marB="55727">
+                    <a:noFill/>
+                  </a:tcPr>
+                </a:tc>
+                <a:tc>
+                  <a:txBody>
+                    <a:bodyPr/>
+                    <a:lstStyle/>
+                    <a:p>
+                      <a:r>
+                        <a:rPr lang="en-US" sz="1000" dirty="0" smtClean="0"/>
+                        <a:t>1</a:t>
+                      </a:r>
+                      <a:endParaRPr lang="en-US" sz="1000" dirty="0"/>
+                    </a:p>
+                  </a:txBody>
+                  <a:tcPr marL="111453" marR="111453" marT="55727" marB="55727">
+                    <a:noFill/>
+                  </a:tcPr>
+                </a:tc>
+              </a:tr>
             </a:tbl>
           </a:graphicData>
         </a:graphic>
@@ -43239,19 +44883,7 @@
             </a:r>
             <a:r>
               <a:rPr lang="en-US" sz="1200" dirty="0" smtClean="0"/>
-              <a:t> </a:t>
-            </a:r>
-            <a:r>
-              <a:rPr lang="en-US" sz="1200" dirty="0" smtClean="0"/>
-              <a:t>shows the SEP failed and is </a:t>
-            </a:r>
-            <a:r>
-              <a:rPr lang="en-US" sz="1200" dirty="0" smtClean="0"/>
-              <a:t>a good </a:t>
-            </a:r>
-            <a:r>
-              <a:rPr lang="en-US" sz="1200" dirty="0" smtClean="0"/>
-              <a:t>control</a:t>
+              <a:t> shows the SEP failed and is a good control</a:t>
             </a:r>
           </a:p>
           <a:p>
@@ -43266,7 +44898,6 @@
               <a:rPr lang="en-US" sz="1200" dirty="0" smtClean="0"/>
               <a:t>/tm1 is also a good control</a:t>
             </a:r>
-            <a:endParaRPr lang="en-US" sz="1200" dirty="0" smtClean="0"/>
           </a:p>
           <a:p>
             <a:endParaRPr lang="en-US" sz="1200" dirty="0"/>
@@ -48593,7 +50224,7 @@
       </p:grpSp>
       <p:sp>
         <p:nvSpPr>
-          <p:cNvPr id="317" name="TextBox 316"/>
+          <p:cNvPr id="185" name="TextBox 184"/>
           <p:cNvSpPr txBox="1"/>
           <p:nvPr/>
         </p:nvSpPr>
@@ -48621,17 +50252,7 @@
                   </a:schemeClr>
                 </a:solidFill>
               </a:rPr>
-              <a:t>version 1.0 Aug 16</a:t>
-            </a:r>
-            <a:r>
-              <a:rPr lang="en-US" sz="1400" baseline="30000" dirty="0" smtClean="0">
-                <a:solidFill>
-                  <a:schemeClr val="bg1">
-                    <a:lumMod val="75000"/>
-                  </a:schemeClr>
-                </a:solidFill>
-              </a:rPr>
-              <a:t>th</a:t>
+              <a:t>version </a:t>
             </a:r>
             <a:r>
               <a:rPr lang="en-US" sz="1400" dirty="0" smtClean="0">
@@ -48641,7 +50262,7 @@
                   </a:schemeClr>
                 </a:solidFill>
               </a:rPr>
-              <a:t> 2013</a:t>
+              <a:t>1.1 Sept 5th 2013</a:t>
             </a:r>
             <a:endParaRPr lang="en-US" sz="1400" dirty="0">
               <a:solidFill>

--- a/lab_worklflows/workflow_genotyping.pptx
+++ b/lab_worklflows/workflow_genotyping.pptx
@@ -294,7 +294,7 @@
           <a:p>
             <a:fld id="{8D9818B1-73A9-614D-9720-773711B0B15A}" type="datetimeFigureOut">
               <a:rPr lang="en-US" smtClean="0"/>
-              <a:t>07/11/2013</a:t>
+              <a:t>19/12/2013</a:t>
             </a:fld>
             <a:endParaRPr lang="en-US"/>
           </a:p>
@@ -464,7 +464,7 @@
           <a:p>
             <a:fld id="{8D9818B1-73A9-614D-9720-773711B0B15A}" type="datetimeFigureOut">
               <a:rPr lang="en-US" smtClean="0"/>
-              <a:t>07/11/2013</a:t>
+              <a:t>19/12/2013</a:t>
             </a:fld>
             <a:endParaRPr lang="en-US"/>
           </a:p>
@@ -644,7 +644,7 @@
           <a:p>
             <a:fld id="{8D9818B1-73A9-614D-9720-773711B0B15A}" type="datetimeFigureOut">
               <a:rPr lang="en-US" smtClean="0"/>
-              <a:t>07/11/2013</a:t>
+              <a:t>19/12/2013</a:t>
             </a:fld>
             <a:endParaRPr lang="en-US"/>
           </a:p>
@@ -814,7 +814,7 @@
           <a:p>
             <a:fld id="{8D9818B1-73A9-614D-9720-773711B0B15A}" type="datetimeFigureOut">
               <a:rPr lang="en-US" smtClean="0"/>
-              <a:t>07/11/2013</a:t>
+              <a:t>19/12/2013</a:t>
             </a:fld>
             <a:endParaRPr lang="en-US"/>
           </a:p>
@@ -1060,7 +1060,7 @@
           <a:p>
             <a:fld id="{8D9818B1-73A9-614D-9720-773711B0B15A}" type="datetimeFigureOut">
               <a:rPr lang="en-US" smtClean="0"/>
-              <a:t>07/11/2013</a:t>
+              <a:t>19/12/2013</a:t>
             </a:fld>
             <a:endParaRPr lang="en-US"/>
           </a:p>
@@ -1348,7 +1348,7 @@
           <a:p>
             <a:fld id="{8D9818B1-73A9-614D-9720-773711B0B15A}" type="datetimeFigureOut">
               <a:rPr lang="en-US" smtClean="0"/>
-              <a:t>07/11/2013</a:t>
+              <a:t>19/12/2013</a:t>
             </a:fld>
             <a:endParaRPr lang="en-US"/>
           </a:p>
@@ -1775,7 +1775,7 @@
           <a:p>
             <a:fld id="{8D9818B1-73A9-614D-9720-773711B0B15A}" type="datetimeFigureOut">
               <a:rPr lang="en-US" smtClean="0"/>
-              <a:t>07/11/2013</a:t>
+              <a:t>19/12/2013</a:t>
             </a:fld>
             <a:endParaRPr lang="en-US"/>
           </a:p>
@@ -1893,7 +1893,7 @@
           <a:p>
             <a:fld id="{8D9818B1-73A9-614D-9720-773711B0B15A}" type="datetimeFigureOut">
               <a:rPr lang="en-US" smtClean="0"/>
-              <a:t>07/11/2013</a:t>
+              <a:t>19/12/2013</a:t>
             </a:fld>
             <a:endParaRPr lang="en-US"/>
           </a:p>
@@ -1988,7 +1988,7 @@
           <a:p>
             <a:fld id="{8D9818B1-73A9-614D-9720-773711B0B15A}" type="datetimeFigureOut">
               <a:rPr lang="en-US" smtClean="0"/>
-              <a:t>07/11/2013</a:t>
+              <a:t>19/12/2013</a:t>
             </a:fld>
             <a:endParaRPr lang="en-US"/>
           </a:p>
@@ -2265,7 +2265,7 @@
           <a:p>
             <a:fld id="{8D9818B1-73A9-614D-9720-773711B0B15A}" type="datetimeFigureOut">
               <a:rPr lang="en-US" smtClean="0"/>
-              <a:t>07/11/2013</a:t>
+              <a:t>19/12/2013</a:t>
             </a:fld>
             <a:endParaRPr lang="en-US"/>
           </a:p>
@@ -2518,7 +2518,7 @@
           <a:p>
             <a:fld id="{8D9818B1-73A9-614D-9720-773711B0B15A}" type="datetimeFigureOut">
               <a:rPr lang="en-US" smtClean="0"/>
-              <a:t>07/11/2013</a:t>
+              <a:t>19/12/2013</a:t>
             </a:fld>
             <a:endParaRPr lang="en-US"/>
           </a:p>
@@ -2731,7 +2731,7 @@
           <a:p>
             <a:fld id="{8D9818B1-73A9-614D-9720-773711B0B15A}" type="datetimeFigureOut">
               <a:rPr lang="en-US" smtClean="0"/>
-              <a:t>07/11/2013</a:t>
+              <a:t>19/12/2013</a:t>
             </a:fld>
             <a:endParaRPr lang="en-US"/>
           </a:p>
@@ -25936,7 +25936,27 @@
                   </a:schemeClr>
                 </a:solidFill>
               </a:rPr>
-              <a:t>version 1.2 Nov 7th 2013</a:t>
+              <a:t>version </a:t>
+            </a:r>
+            <a:r>
+              <a:rPr lang="en-US" sz="1400" dirty="0" smtClean="0">
+                <a:solidFill>
+                  <a:schemeClr val="bg1">
+                    <a:lumMod val="75000"/>
+                  </a:schemeClr>
+                </a:solidFill>
+              </a:rPr>
+              <a:t>1.3 Dec 19th </a:t>
+            </a:r>
+            <a:r>
+              <a:rPr lang="en-US" sz="1400" dirty="0" smtClean="0">
+                <a:solidFill>
+                  <a:schemeClr val="bg1">
+                    <a:lumMod val="75000"/>
+                  </a:schemeClr>
+                </a:solidFill>
+              </a:rPr>
+              <a:t>2013</a:t>
             </a:r>
             <a:endParaRPr lang="en-US" sz="1400" dirty="0">
               <a:solidFill>
@@ -26324,7 +26344,6 @@
               <a:rPr lang="en-US" sz="1400" dirty="0" smtClean="0"/>
               <a:t>/tm1.1</a:t>
             </a:r>
-            <a:endParaRPr lang="en-US" sz="1400" dirty="0" smtClean="0"/>
           </a:p>
         </p:txBody>
       </p:sp>
@@ -28442,11 +28461,7 @@
             </a:r>
             <a:r>
               <a:rPr lang="en-US" sz="1600" dirty="0" smtClean="0"/>
-              <a:t> -&gt; tm1 </a:t>
-            </a:r>
-            <a:r>
-              <a:rPr lang="en-US" sz="1600" dirty="0" smtClean="0"/>
-              <a:t>-&gt; tm1a -&gt; tm1/tm1a</a:t>
+              <a:t> -&gt; tm1 -&gt; tm1a -&gt; tm1/tm1a</a:t>
             </a:r>
           </a:p>
         </p:txBody>
@@ -28460,14 +28475,14 @@
           <p:nvPr>
             <p:extLst>
               <p:ext uri="{D42A27DB-BD31-4B8C-83A1-F6EECF244321}">
-                <p14:modId xmlns:p14="http://schemas.microsoft.com/office/powerpoint/2010/main" val="3585289506"/>
+                <p14:modId xmlns:p14="http://schemas.microsoft.com/office/powerpoint/2010/main" val="1479078206"/>
               </p:ext>
             </p:extLst>
           </p:nvPr>
         </p:nvGraphicFramePr>
         <p:xfrm>
           <a:off x="615043" y="1497772"/>
-          <a:ext cx="5912757" cy="2449062"/>
+          <a:ext cx="5912757" cy="2099196"/>
         </p:xfrm>
         <a:graphic>
           <a:graphicData uri="http://schemas.openxmlformats.org/drawingml/2006/table">
@@ -29238,150 +29253,6 @@
                     <a:p>
                       <a:r>
                         <a:rPr lang="en-US" sz="1000" b="1" dirty="0" smtClean="0"/>
-                        <a:t>NEO</a:t>
-                      </a:r>
-                      <a:endParaRPr lang="en-US" sz="1000" b="1" dirty="0"/>
-                    </a:p>
-                  </a:txBody>
-                  <a:tcPr marL="111453" marR="111453" marT="55727" marB="55727">
-                    <a:noFill/>
-                  </a:tcPr>
-                </a:tc>
-                <a:tc>
-                  <a:txBody>
-                    <a:bodyPr/>
-                    <a:lstStyle/>
-                    <a:p>
-                      <a:endParaRPr lang="en-US" sz="1000" dirty="0"/>
-                    </a:p>
-                  </a:txBody>
-                  <a:tcPr marL="111453" marR="111453" marT="55727" marB="55727">
-                    <a:noFill/>
-                  </a:tcPr>
-                </a:tc>
-                <a:tc>
-                  <a:txBody>
-                    <a:bodyPr/>
-                    <a:lstStyle/>
-                    <a:p>
-                      <a:r>
-                        <a:rPr lang="en-US" sz="1000" dirty="0" smtClean="0"/>
-                        <a:t>0</a:t>
-                      </a:r>
-                      <a:endParaRPr lang="en-US" sz="1000" dirty="0"/>
-                    </a:p>
-                  </a:txBody>
-                  <a:tcPr marL="111453" marR="111453" marT="55727" marB="55727">
-                    <a:noFill/>
-                  </a:tcPr>
-                </a:tc>
-                <a:tc>
-                  <a:txBody>
-                    <a:bodyPr/>
-                    <a:lstStyle/>
-                    <a:p>
-                      <a:r>
-                        <a:rPr lang="en-US" sz="1000" dirty="0" smtClean="0"/>
-                        <a:t>0</a:t>
-                      </a:r>
-                      <a:endParaRPr lang="en-US" sz="1000" dirty="0"/>
-                    </a:p>
-                  </a:txBody>
-                  <a:tcPr marL="111453" marR="111453" marT="55727" marB="55727">
-                    <a:lnR w="28575" cap="flat" cmpd="sng" algn="ctr">
-                      <a:solidFill>
-                        <a:scrgbClr r="0" g="0" b="0"/>
-                      </a:solidFill>
-                      <a:prstDash val="solid"/>
-                      <a:round/>
-                      <a:headEnd type="none" w="med" len="med"/>
-                      <a:tailEnd type="none" w="med" len="med"/>
-                    </a:lnR>
-                    <a:noFill/>
-                  </a:tcPr>
-                </a:tc>
-                <a:tc>
-                  <a:txBody>
-                    <a:bodyPr/>
-                    <a:lstStyle/>
-                    <a:p>
-                      <a:r>
-                        <a:rPr lang="en-US" sz="1000" dirty="0" smtClean="0"/>
-                        <a:t>1</a:t>
-                      </a:r>
-                      <a:endParaRPr lang="en-US" sz="1000" dirty="0"/>
-                    </a:p>
-                  </a:txBody>
-                  <a:tcPr marL="111453" marR="111453" marT="55727" marB="55727">
-                    <a:lnL w="28575" cap="flat" cmpd="sng" algn="ctr">
-                      <a:solidFill>
-                        <a:scrgbClr r="0" g="0" b="0"/>
-                      </a:solidFill>
-                      <a:prstDash val="solid"/>
-                      <a:round/>
-                      <a:headEnd type="none" w="med" len="med"/>
-                      <a:tailEnd type="none" w="med" len="med"/>
-                    </a:lnL>
-                    <a:noFill/>
-                  </a:tcPr>
-                </a:tc>
-                <a:tc>
-                  <a:txBody>
-                    <a:bodyPr/>
-                    <a:lstStyle/>
-                    <a:p>
-                      <a:r>
-                        <a:rPr lang="en-US" sz="1000" dirty="0" smtClean="0"/>
-                        <a:t>1</a:t>
-                      </a:r>
-                      <a:endParaRPr lang="en-US" sz="1000" dirty="0"/>
-                    </a:p>
-                  </a:txBody>
-                  <a:tcPr marL="111453" marR="111453" marT="55727" marB="55727">
-                    <a:noFill/>
-                  </a:tcPr>
-                </a:tc>
-                <a:tc>
-                  <a:txBody>
-                    <a:bodyPr/>
-                    <a:lstStyle/>
-                    <a:p>
-                      <a:r>
-                        <a:rPr lang="en-US" sz="1000" dirty="0" smtClean="0"/>
-                        <a:t>1</a:t>
-                      </a:r>
-                      <a:endParaRPr lang="en-US" sz="1000" dirty="0"/>
-                    </a:p>
-                  </a:txBody>
-                  <a:tcPr marL="111453" marR="111453" marT="55727" marB="55727">
-                    <a:noFill/>
-                  </a:tcPr>
-                </a:tc>
-                <a:tc>
-                  <a:txBody>
-                    <a:bodyPr/>
-                    <a:lstStyle/>
-                    <a:p>
-                      <a:r>
-                        <a:rPr lang="en-US" sz="1000" dirty="0" smtClean="0"/>
-                        <a:t>1</a:t>
-                      </a:r>
-                      <a:endParaRPr lang="en-US" sz="1000" dirty="0"/>
-                    </a:p>
-                  </a:txBody>
-                  <a:tcPr marL="111453" marR="111453" marT="55727" marB="55727">
-                    <a:noFill/>
-                  </a:tcPr>
-                </a:tc>
-              </a:tr>
-              <a:tr h="349866">
-                <a:tc>
-                  <a:txBody>
-                    <a:bodyPr/>
-                    <a:lstStyle/>
-                    <a:p>
-                      <a:r>
-                        <a:rPr lang="en-US" sz="1000" b="1" dirty="0" smtClean="0"/>
                         <a:t>BSD</a:t>
                       </a:r>
                       <a:endParaRPr lang="en-US" sz="1000" b="1" dirty="0"/>
@@ -32873,7 +32744,7 @@
         <p:spPr>
           <a:xfrm>
             <a:off x="3398865" y="1140251"/>
-            <a:ext cx="639243" cy="369332"/>
+            <a:ext cx="1059430" cy="369332"/>
           </a:xfrm>
           <a:prstGeom prst="rect">
             <a:avLst/>
@@ -32887,7 +32758,7 @@
           <a:p>
             <a:r>
               <a:rPr lang="en-US" i="1" dirty="0" smtClean="0"/>
-              <a:t>SEP:</a:t>
+              <a:t>SEP/PIQ:</a:t>
             </a:r>
             <a:endParaRPr lang="en-US" i="1" dirty="0"/>
           </a:p>
@@ -32902,7 +32773,7 @@
         <p:spPr>
           <a:xfrm>
             <a:off x="601788" y="4134520"/>
-            <a:ext cx="3005668" cy="1938992"/>
+            <a:ext cx="3005668" cy="1384995"/>
           </a:xfrm>
           <a:prstGeom prst="rect">
             <a:avLst/>
@@ -32977,24 +32848,19 @@
             </a:r>
             <a:r>
               <a:rPr lang="en-US" sz="1200" dirty="0" smtClean="0"/>
-              <a:t> vector so no benefit in doing + OHT assay</a:t>
+              <a:t> vector so no benefit in doing + OHT </a:t>
             </a:r>
-          </a:p>
-          <a:p>
-            <a:endParaRPr lang="en-US" sz="1200" dirty="0" smtClean="0"/>
-          </a:p>
-          <a:p>
             <a:r>
               <a:rPr lang="en-US" sz="1200" dirty="0" smtClean="0"/>
-              <a:t>** No Neo resistance in cassette so no benefit in doing Neo assay</a:t>
+              <a:t>assay?</a:t>
             </a:r>
-            <a:endParaRPr lang="en-US" sz="1200" dirty="0"/>
+            <a:endParaRPr lang="en-US" sz="1200" dirty="0" smtClean="0"/>
           </a:p>
         </p:txBody>
       </p:sp>
       <p:sp>
         <p:nvSpPr>
-          <p:cNvPr id="104" name="TextBox 103"/>
+          <p:cNvPr id="99" name="TextBox 98"/>
           <p:cNvSpPr txBox="1"/>
           <p:nvPr/>
         </p:nvSpPr>
@@ -33022,7 +32888,27 @@
                   </a:schemeClr>
                 </a:solidFill>
               </a:rPr>
-              <a:t>version 1.2 Nov 7th 2013</a:t>
+              <a:t>version </a:t>
+            </a:r>
+            <a:r>
+              <a:rPr lang="en-US" sz="1400" dirty="0" smtClean="0">
+                <a:solidFill>
+                  <a:schemeClr val="bg1">
+                    <a:lumMod val="75000"/>
+                  </a:schemeClr>
+                </a:solidFill>
+              </a:rPr>
+              <a:t>1.3 Dec 19th </a:t>
+            </a:r>
+            <a:r>
+              <a:rPr lang="en-US" sz="1400" dirty="0" smtClean="0">
+                <a:solidFill>
+                  <a:schemeClr val="bg1">
+                    <a:lumMod val="75000"/>
+                  </a:schemeClr>
+                </a:solidFill>
+              </a:rPr>
+              <a:t>2013</a:t>
             </a:r>
             <a:endParaRPr lang="en-US" sz="1400" dirty="0">
               <a:solidFill>
@@ -33122,11 +33008,7 @@
             </a:r>
             <a:r>
               <a:rPr lang="en-US" sz="1600" dirty="0" smtClean="0"/>
-              <a:t> -&gt; tm1a </a:t>
-            </a:r>
-            <a:r>
-              <a:rPr lang="en-US" sz="1600" dirty="0" smtClean="0"/>
-              <a:t>-&gt; tm1 -&gt; tm1a/tm1</a:t>
+              <a:t> -&gt; tm1a -&gt; tm1 -&gt; tm1a/tm1</a:t>
             </a:r>
           </a:p>
         </p:txBody>
@@ -33900,11 +33782,7 @@
                     <a:p>
                       <a:r>
                         <a:rPr lang="en-US" sz="1000" b="1" dirty="0" smtClean="0"/>
-                        <a:t>LOA </a:t>
-                      </a:r>
-                      <a:r>
-                        <a:rPr lang="en-US" sz="1000" b="1" dirty="0" smtClean="0"/>
-                        <a:t>DEL *</a:t>
+                        <a:t>LOA DEL *</a:t>
                       </a:r>
                       <a:endParaRPr lang="en-US" sz="1000" b="1" dirty="0"/>
                     </a:p>
@@ -34521,11 +34399,7 @@
             </a:r>
             <a:r>
               <a:rPr lang="en-US" sz="1200" dirty="0" smtClean="0"/>
-              <a:t> but still a useful </a:t>
-            </a:r>
-            <a:r>
-              <a:rPr lang="en-US" sz="1200" dirty="0" smtClean="0"/>
-              <a:t>control</a:t>
+              <a:t> but still a useful control</a:t>
             </a:r>
           </a:p>
           <a:p>
@@ -37816,7 +37690,7 @@
         <p:spPr>
           <a:xfrm>
             <a:off x="4323677" y="1140251"/>
-            <a:ext cx="639243" cy="369332"/>
+            <a:ext cx="1059430" cy="369332"/>
           </a:xfrm>
           <a:prstGeom prst="rect">
             <a:avLst/>
@@ -37830,7 +37704,7 @@
           <a:p>
             <a:r>
               <a:rPr lang="en-US" i="1" dirty="0" smtClean="0"/>
-              <a:t>SEP:</a:t>
+              <a:t>SEP/PIQ:</a:t>
             </a:r>
             <a:endParaRPr lang="en-US" i="1" dirty="0"/>
           </a:p>
@@ -37929,7 +37803,19 @@
           <a:p>
             <a:r>
               <a:rPr lang="en-US" sz="1200" dirty="0" smtClean="0"/>
-              <a:t>* LOA DEL assay not always done at FEP</a:t>
+              <a:t>* LOA DEL assay </a:t>
+            </a:r>
+            <a:r>
+              <a:rPr lang="en-US" sz="1200" dirty="0" smtClean="0"/>
+              <a:t>optional </a:t>
+            </a:r>
+            <a:r>
+              <a:rPr lang="en-US" sz="1200" dirty="0" smtClean="0"/>
+              <a:t>at </a:t>
+            </a:r>
+            <a:r>
+              <a:rPr lang="en-US" sz="1200" dirty="0" smtClean="0"/>
+              <a:t>FEP stage</a:t>
             </a:r>
             <a:endParaRPr lang="en-US" sz="1200" dirty="0"/>
           </a:p>
@@ -37955,11 +37841,7 @@
             </a:r>
             <a:r>
               <a:rPr lang="en-US" sz="1200" dirty="0" smtClean="0"/>
-              <a:t> </a:t>
-            </a:r>
-            <a:r>
-              <a:rPr lang="en-US" sz="1200" dirty="0" smtClean="0"/>
-              <a:t>assay at FEP stage</a:t>
+              <a:t> assay at FEP stage</a:t>
             </a:r>
             <a:endParaRPr lang="en-US" sz="1200" dirty="0"/>
           </a:p>
@@ -37967,7 +37849,7 @@
       </p:sp>
       <p:sp>
         <p:nvSpPr>
-          <p:cNvPr id="106" name="TextBox 105"/>
+          <p:cNvPr id="108" name="TextBox 107"/>
           <p:cNvSpPr txBox="1"/>
           <p:nvPr/>
         </p:nvSpPr>
@@ -37995,7 +37877,27 @@
                   </a:schemeClr>
                 </a:solidFill>
               </a:rPr>
-              <a:t>version 1.2 Nov 7th 2013</a:t>
+              <a:t>version </a:t>
+            </a:r>
+            <a:r>
+              <a:rPr lang="en-US" sz="1400" dirty="0" smtClean="0">
+                <a:solidFill>
+                  <a:schemeClr val="bg1">
+                    <a:lumMod val="75000"/>
+                  </a:schemeClr>
+                </a:solidFill>
+              </a:rPr>
+              <a:t>1.3 Dec 19th </a:t>
+            </a:r>
+            <a:r>
+              <a:rPr lang="en-US" sz="1400" dirty="0" smtClean="0">
+                <a:solidFill>
+                  <a:schemeClr val="bg1">
+                    <a:lumMod val="75000"/>
+                  </a:schemeClr>
+                </a:solidFill>
+              </a:rPr>
+              <a:t>2013</a:t>
             </a:r>
             <a:endParaRPr lang="en-US" sz="1400" dirty="0">
               <a:solidFill>
@@ -38069,13 +37971,8 @@
             </a:r>
             <a:r>
               <a:rPr lang="en-US" u="sng" dirty="0" smtClean="0"/>
-              <a:t> </a:t>
+              <a:t> ]</a:t>
             </a:r>
-            <a:r>
-              <a:rPr lang="en-US" u="sng" dirty="0" smtClean="0"/>
-              <a:t>]</a:t>
-            </a:r>
-            <a:endParaRPr lang="en-US" u="sng" dirty="0" smtClean="0"/>
           </a:p>
           <a:p>
             <a:r>
@@ -38127,14 +38024,14 @@
           <p:nvPr>
             <p:extLst>
               <p:ext uri="{D42A27DB-BD31-4B8C-83A1-F6EECF244321}">
-                <p14:modId xmlns:p14="http://schemas.microsoft.com/office/powerpoint/2010/main" val="794905577"/>
+                <p14:modId xmlns:p14="http://schemas.microsoft.com/office/powerpoint/2010/main" val="1358994485"/>
               </p:ext>
             </p:extLst>
           </p:nvPr>
         </p:nvGraphicFramePr>
         <p:xfrm>
           <a:off x="619025" y="1504113"/>
-          <a:ext cx="5091491" cy="2449062"/>
+          <a:ext cx="5091491" cy="2099196"/>
         </p:xfrm>
         <a:graphic>
           <a:graphicData uri="http://schemas.openxmlformats.org/drawingml/2006/table">
@@ -38741,7 +38638,7 @@
                       </a:r>
                       <a:r>
                         <a:rPr lang="en-US" sz="1000" b="1" dirty="0" smtClean="0"/>
-                        <a:t>DEL *</a:t>
+                        <a:t>DEL</a:t>
                       </a:r>
                       <a:endParaRPr lang="en-US" sz="1000" b="1" dirty="0"/>
                     </a:p>
@@ -39011,159 +38908,234 @@
                   </a:tcPr>
                 </a:tc>
               </a:tr>
-              <a:tr h="349866">
-                <a:tc>
-                  <a:txBody>
-                    <a:bodyPr/>
-                    <a:lstStyle/>
-                    <a:p>
-                      <a:r>
-                        <a:rPr lang="en-US" sz="1000" b="1" dirty="0" smtClean="0"/>
-                        <a:t>BSD **</a:t>
-                      </a:r>
-                      <a:endParaRPr lang="en-US" sz="1000" b="1" dirty="0"/>
-                    </a:p>
-                  </a:txBody>
-                  <a:tcPr marL="111453" marR="111453" marT="55727" marB="55727">
-                    <a:noFill/>
-                  </a:tcPr>
-                </a:tc>
-                <a:tc>
-                  <a:txBody>
-                    <a:bodyPr/>
-                    <a:lstStyle/>
-                    <a:p>
-                      <a:endParaRPr lang="en-US" sz="1000" dirty="0"/>
-                    </a:p>
-                  </a:txBody>
-                  <a:tcPr marL="111453" marR="111453" marT="55727" marB="55727">
-                    <a:noFill/>
-                  </a:tcPr>
-                </a:tc>
-                <a:tc>
-                  <a:txBody>
-                    <a:bodyPr/>
-                    <a:lstStyle/>
-                    <a:p>
-                      <a:r>
-                        <a:rPr lang="en-US" sz="1000" dirty="0" smtClean="0"/>
-                        <a:t>0</a:t>
-                      </a:r>
-                      <a:endParaRPr lang="en-US" sz="1000" dirty="0"/>
-                    </a:p>
-                  </a:txBody>
-                  <a:tcPr marL="111453" marR="111453" marT="55727" marB="55727">
-                    <a:noFill/>
-                  </a:tcPr>
-                </a:tc>
-                <a:tc>
-                  <a:txBody>
-                    <a:bodyPr/>
-                    <a:lstStyle/>
-                    <a:p>
-                      <a:r>
-                        <a:rPr lang="en-US" sz="1000" dirty="0" smtClean="0"/>
-                        <a:t>0</a:t>
-                      </a:r>
-                      <a:endParaRPr lang="en-US" sz="1000" dirty="0"/>
-                    </a:p>
-                  </a:txBody>
-                  <a:tcPr marL="111453" marR="111453" marT="55727" marB="55727">
-                    <a:noFill/>
-                  </a:tcPr>
-                </a:tc>
-                <a:tc>
-                  <a:txBody>
-                    <a:bodyPr/>
-                    <a:lstStyle/>
-                    <a:p>
-                      <a:r>
-                        <a:rPr lang="en-US" sz="1000" dirty="0" smtClean="0"/>
-                        <a:t>0</a:t>
-                      </a:r>
-                      <a:endParaRPr lang="en-US" sz="1000" dirty="0"/>
-                    </a:p>
-                  </a:txBody>
-                  <a:tcPr marL="111453" marR="111453" marT="55727" marB="55727">
-                    <a:noFill/>
-                  </a:tcPr>
-                </a:tc>
-                <a:tc>
-                  <a:txBody>
-                    <a:bodyPr/>
-                    <a:lstStyle/>
-                    <a:p>
-                      <a:r>
-                        <a:rPr lang="en-US" sz="1000" dirty="0" smtClean="0"/>
-                        <a:t>0</a:t>
-                      </a:r>
-                      <a:endParaRPr lang="en-US" sz="1000" dirty="0"/>
-                    </a:p>
-                  </a:txBody>
-                  <a:tcPr marL="111453" marR="111453" marT="55727" marB="55727">
-                    <a:lnR w="12700" cap="flat" cmpd="sng" algn="ctr">
-                      <a:solidFill>
-                        <a:scrgbClr r="0" g="0" b="0"/>
-                      </a:solidFill>
-                      <a:prstDash val="solid"/>
-                      <a:round/>
-                      <a:headEnd type="none" w="med" len="med"/>
-                      <a:tailEnd type="none" w="med" len="med"/>
-                    </a:lnR>
-                    <a:noFill/>
-                  </a:tcPr>
-                </a:tc>
-                <a:tc>
-                  <a:txBody>
-                    <a:bodyPr/>
-                    <a:lstStyle/>
-                    <a:p>
-                      <a:r>
-                        <a:rPr lang="en-US" sz="1000" dirty="0" smtClean="0"/>
-                        <a:t>0</a:t>
-                      </a:r>
-                      <a:endParaRPr lang="en-US" sz="1000" dirty="0"/>
-                    </a:p>
-                  </a:txBody>
-                  <a:tcPr marL="111453" marR="111453" marT="55727" marB="55727">
-                    <a:lnL w="12700" cap="flat" cmpd="sng" algn="ctr">
-                      <a:solidFill>
-                        <a:scrgbClr r="0" g="0" b="0"/>
-                      </a:solidFill>
-                      <a:prstDash val="solid"/>
-                      <a:round/>
-                      <a:headEnd type="none" w="med" len="med"/>
-                      <a:tailEnd type="none" w="med" len="med"/>
-                    </a:lnL>
-                    <a:lnR w="12700" cap="flat" cmpd="sng" algn="ctr">
-                      <a:solidFill>
-                        <a:scrgbClr r="0" g="0" b="0"/>
-                      </a:solidFill>
-                      <a:prstDash val="solid"/>
-                      <a:round/>
-                      <a:headEnd type="none" w="med" len="med"/>
-                      <a:tailEnd type="none" w="med" len="med"/>
-                    </a:lnR>
-                    <a:lnB w="12700" cap="flat" cmpd="sng" algn="ctr">
-                      <a:solidFill>
-                        <a:scrgbClr r="0" g="0" b="0"/>
-                      </a:solidFill>
-                      <a:prstDash val="solid"/>
-                      <a:round/>
-                      <a:headEnd type="none" w="med" len="med"/>
-                      <a:tailEnd type="none" w="med" len="med"/>
-                    </a:lnB>
-                    <a:noFill/>
-                  </a:tcPr>
-                </a:tc>
-              </a:tr>
             </a:tbl>
           </a:graphicData>
         </a:graphic>
       </p:graphicFrame>
+      <p:sp>
+        <p:nvSpPr>
+          <p:cNvPr id="187" name="Rectangle 186"/>
+          <p:cNvSpPr/>
+          <p:nvPr/>
+        </p:nvSpPr>
+        <p:spPr>
+          <a:xfrm>
+            <a:off x="1870554" y="1140251"/>
+            <a:ext cx="640933" cy="369332"/>
+          </a:xfrm>
+          <a:prstGeom prst="rect">
+            <a:avLst/>
+          </a:prstGeom>
+        </p:spPr>
+        <p:txBody>
+          <a:bodyPr wrap="none">
+            <a:spAutoFit/>
+          </a:bodyPr>
+          <a:lstStyle/>
+          <a:p>
+            <a:r>
+              <a:rPr lang="en-US" i="1" dirty="0" smtClean="0"/>
+              <a:t>FEP:</a:t>
+            </a:r>
+            <a:endParaRPr lang="en-US" i="1" dirty="0"/>
+          </a:p>
+        </p:txBody>
+      </p:sp>
+      <p:sp>
+        <p:nvSpPr>
+          <p:cNvPr id="189" name="TextBox 188"/>
+          <p:cNvSpPr txBox="1"/>
+          <p:nvPr/>
+        </p:nvSpPr>
+        <p:spPr>
+          <a:xfrm>
+            <a:off x="618277" y="3719882"/>
+            <a:ext cx="7780655" cy="1938992"/>
+          </a:xfrm>
+          <a:prstGeom prst="rect">
+            <a:avLst/>
+          </a:prstGeom>
+          <a:noFill/>
+        </p:spPr>
+        <p:txBody>
+          <a:bodyPr wrap="square" rtlCol="0">
+            <a:spAutoFit/>
+          </a:bodyPr>
+          <a:lstStyle/>
+          <a:p>
+            <a:r>
+              <a:rPr lang="en-US" sz="1200" b="1" u="sng" dirty="0" smtClean="0"/>
+              <a:t>FEP:</a:t>
+            </a:r>
+          </a:p>
+          <a:p>
+            <a:r>
+              <a:rPr lang="en-US" sz="1200" dirty="0" smtClean="0"/>
+              <a:t>tm1c/</a:t>
+            </a:r>
+            <a:r>
+              <a:rPr lang="en-US" sz="1200" dirty="0" err="1" smtClean="0"/>
+              <a:t>wt</a:t>
+            </a:r>
+            <a:r>
+              <a:rPr lang="en-US" sz="1200" dirty="0" smtClean="0"/>
+              <a:t> is what you want.</a:t>
+            </a:r>
+          </a:p>
+          <a:p>
+            <a:endParaRPr lang="en-US" sz="1200" dirty="0"/>
+          </a:p>
+          <a:p>
+            <a:r>
+              <a:rPr lang="en-US" sz="1200" dirty="0" smtClean="0"/>
+              <a:t>tm1a/</a:t>
+            </a:r>
+            <a:r>
+              <a:rPr lang="en-US" sz="1200" dirty="0" err="1" smtClean="0"/>
+              <a:t>wt</a:t>
+            </a:r>
+            <a:r>
+              <a:rPr lang="en-US" sz="1200" dirty="0" smtClean="0"/>
+              <a:t> is where the </a:t>
+            </a:r>
+            <a:r>
+              <a:rPr lang="en-US" sz="1200" dirty="0" err="1" smtClean="0"/>
+              <a:t>Dox</a:t>
+            </a:r>
+            <a:r>
+              <a:rPr lang="en-US" sz="1200" dirty="0" smtClean="0"/>
+              <a:t> does </a:t>
+            </a:r>
+            <a:r>
+              <a:rPr lang="en-US" sz="1200" i="1" dirty="0" smtClean="0"/>
+              <a:t>not</a:t>
+            </a:r>
+            <a:r>
+              <a:rPr lang="en-US" sz="1200" dirty="0" smtClean="0"/>
+              <a:t> excise the Neo resistance.</a:t>
+            </a:r>
+          </a:p>
+          <a:p>
+            <a:endParaRPr lang="en-US" sz="1200" dirty="0"/>
+          </a:p>
+          <a:p>
+            <a:r>
+              <a:rPr lang="en-US" sz="1200" dirty="0" smtClean="0"/>
+              <a:t>tm1f/</a:t>
+            </a:r>
+            <a:r>
+              <a:rPr lang="en-US" sz="1200" dirty="0" err="1" smtClean="0"/>
+              <a:t>wt</a:t>
+            </a:r>
+            <a:r>
+              <a:rPr lang="en-US" sz="1200" dirty="0" smtClean="0"/>
+              <a:t> is where the </a:t>
+            </a:r>
+            <a:r>
+              <a:rPr lang="en-US" sz="1200" dirty="0" err="1" smtClean="0"/>
+              <a:t>Dox</a:t>
+            </a:r>
+            <a:r>
+              <a:rPr lang="en-US" sz="1200" dirty="0" smtClean="0"/>
+              <a:t> does excise the Neo resistance but the final </a:t>
+            </a:r>
+            <a:r>
+              <a:rPr lang="en-US" sz="1200" dirty="0" err="1" smtClean="0"/>
+              <a:t>loxp</a:t>
+            </a:r>
+            <a:r>
+              <a:rPr lang="en-US" sz="1200" dirty="0" smtClean="0"/>
+              <a:t> site was </a:t>
+            </a:r>
+            <a:r>
+              <a:rPr lang="en-US" sz="1200" i="1" dirty="0" smtClean="0"/>
+              <a:t>not</a:t>
+            </a:r>
+            <a:r>
+              <a:rPr lang="en-US" sz="1200" dirty="0" smtClean="0"/>
+              <a:t> inserted.</a:t>
+            </a:r>
+          </a:p>
+          <a:p>
+            <a:endParaRPr lang="en-US" sz="1200" dirty="0"/>
+          </a:p>
+          <a:p>
+            <a:r>
+              <a:rPr lang="en-US" sz="1200" dirty="0" smtClean="0"/>
+              <a:t>tm1e/</a:t>
+            </a:r>
+            <a:r>
+              <a:rPr lang="en-US" sz="1200" dirty="0" err="1" smtClean="0"/>
+              <a:t>wt</a:t>
+            </a:r>
+            <a:r>
+              <a:rPr lang="en-US" sz="1200" dirty="0" smtClean="0"/>
+              <a:t> is where the </a:t>
+            </a:r>
+            <a:r>
+              <a:rPr lang="en-US" sz="1200" dirty="0" err="1" smtClean="0"/>
+              <a:t>Dox</a:t>
+            </a:r>
+            <a:r>
+              <a:rPr lang="en-US" sz="1200" dirty="0" smtClean="0"/>
+              <a:t> does </a:t>
+            </a:r>
+            <a:r>
+              <a:rPr lang="en-US" sz="1200" i="1" dirty="0" smtClean="0"/>
+              <a:t>not</a:t>
+            </a:r>
+            <a:r>
+              <a:rPr lang="en-US" sz="1200" dirty="0" smtClean="0"/>
+              <a:t> excise the Neo resistance </a:t>
+            </a:r>
+            <a:r>
+              <a:rPr lang="en-US" sz="1200" i="1" dirty="0" smtClean="0"/>
+              <a:t>and</a:t>
+            </a:r>
+            <a:r>
+              <a:rPr lang="en-US" sz="1200" dirty="0" smtClean="0"/>
+              <a:t> the final </a:t>
+            </a:r>
+            <a:r>
+              <a:rPr lang="en-US" sz="1200" dirty="0" err="1" smtClean="0"/>
+              <a:t>loxp</a:t>
+            </a:r>
+            <a:r>
+              <a:rPr lang="en-US" sz="1200" dirty="0" smtClean="0"/>
+              <a:t> was not inserted.</a:t>
+            </a:r>
+          </a:p>
+          <a:p>
+            <a:endParaRPr lang="en-US" sz="1200" dirty="0" smtClean="0"/>
+          </a:p>
+          <a:p>
+            <a:r>
+              <a:rPr lang="en-US" sz="1200" dirty="0" err="1" smtClean="0"/>
+              <a:t>wt</a:t>
+            </a:r>
+            <a:r>
+              <a:rPr lang="en-US" sz="1200" dirty="0" smtClean="0"/>
+              <a:t>/</a:t>
+            </a:r>
+            <a:r>
+              <a:rPr lang="en-US" sz="1200" dirty="0" err="1" smtClean="0"/>
+              <a:t>wt</a:t>
+            </a:r>
+            <a:r>
+              <a:rPr lang="en-US" sz="1200" dirty="0" smtClean="0"/>
+              <a:t> is total failure of electroporation</a:t>
+            </a:r>
+            <a:r>
+              <a:rPr lang="en-US" sz="1200" dirty="0" smtClean="0"/>
+              <a:t>.</a:t>
+            </a:r>
+            <a:endParaRPr lang="en-US" sz="1200" dirty="0" smtClean="0"/>
+          </a:p>
+        </p:txBody>
+      </p:sp>
       <p:grpSp>
         <p:nvGrpSpPr>
-          <p:cNvPr id="3" name="Group 2"/>
+          <p:cNvPr id="2" name="Group 1"/>
           <p:cNvGrpSpPr/>
           <p:nvPr/>
         </p:nvGrpSpPr>
@@ -41060,85 +41032,6 @@
             </a:p>
           </p:txBody>
         </p:sp>
-        <p:sp>
-          <p:nvSpPr>
-            <p:cNvPr id="219" name="Line 154"/>
-            <p:cNvSpPr>
-              <a:spLocks noChangeShapeType="1"/>
-            </p:cNvSpPr>
-            <p:nvPr/>
-          </p:nvSpPr>
-          <p:spPr bwMode="auto">
-            <a:xfrm>
-              <a:off x="5069863" y="1733006"/>
-              <a:ext cx="535909" cy="0"/>
-            </a:xfrm>
-            <a:prstGeom prst="line">
-              <a:avLst/>
-            </a:prstGeom>
-            <a:noFill/>
-            <a:ln w="6350" cmpd="sng">
-              <a:solidFill>
-                <a:srgbClr val="000000"/>
-              </a:solidFill>
-              <a:round/>
-              <a:headEnd/>
-              <a:tailEnd/>
-            </a:ln>
-            <a:extLst>
-              <a:ext uri="{909E8E84-426E-40dd-AFC4-6F175D3DCCD1}">
-                <a14:hiddenFill xmlns:a14="http://schemas.microsoft.com/office/drawing/2010/main">
-                  <a:noFill/>
-                </a14:hiddenFill>
-              </a:ext>
-            </a:extLst>
-          </p:spPr>
-          <p:txBody>
-            <a:bodyPr/>
-            <a:lstStyle/>
-            <a:p>
-              <a:endParaRPr lang="en-US"/>
-            </a:p>
-          </p:txBody>
-        </p:sp>
-        <p:sp>
-          <p:nvSpPr>
-            <p:cNvPr id="220" name="Oval 158"/>
-            <p:cNvSpPr>
-              <a:spLocks noChangeArrowheads="1"/>
-            </p:cNvSpPr>
-            <p:nvPr/>
-          </p:nvSpPr>
-          <p:spPr bwMode="auto">
-            <a:xfrm>
-              <a:off x="5031062" y="1715324"/>
-              <a:ext cx="36837" cy="36837"/>
-            </a:xfrm>
-            <a:prstGeom prst="ellipse">
-              <a:avLst/>
-            </a:prstGeom>
-            <a:solidFill>
-              <a:schemeClr val="bg2"/>
-            </a:solidFill>
-            <a:ln w="6350" cmpd="sng">
-              <a:solidFill>
-                <a:schemeClr val="tx1"/>
-              </a:solidFill>
-              <a:round/>
-              <a:headEnd/>
-              <a:tailEnd/>
-            </a:ln>
-          </p:spPr>
-          <p:txBody>
-            <a:bodyPr wrap="none" anchor="ctr"/>
-            <a:lstStyle/>
-            <a:p>
-              <a:endParaRPr lang="en-US">
-                <a:latin typeface="Calibri" charset="0"/>
-              </a:endParaRPr>
-            </a:p>
-          </p:txBody>
-        </p:sp>
         <p:grpSp>
           <p:nvGrpSpPr>
             <p:cNvPr id="222" name="Group 221"/>
@@ -41360,10 +41253,148 @@
             </p:txBody>
           </p:sp>
         </p:grpSp>
+        <p:grpSp>
+          <p:nvGrpSpPr>
+            <p:cNvPr id="66" name="Group 65"/>
+            <p:cNvGrpSpPr/>
+            <p:nvPr/>
+          </p:nvGrpSpPr>
+          <p:grpSpPr>
+            <a:xfrm>
+              <a:off x="5039310" y="1707183"/>
+              <a:ext cx="574710" cy="70694"/>
+              <a:chOff x="7972098" y="2383847"/>
+              <a:chExt cx="574710" cy="70694"/>
+            </a:xfrm>
+          </p:grpSpPr>
+          <p:sp>
+            <p:nvSpPr>
+              <p:cNvPr id="67" name="Line 154"/>
+              <p:cNvSpPr>
+                <a:spLocks noChangeShapeType="1"/>
+              </p:cNvSpPr>
+              <p:nvPr/>
+            </p:nvSpPr>
+            <p:spPr bwMode="auto">
+              <a:xfrm>
+                <a:off x="8010899" y="2419194"/>
+                <a:ext cx="535909" cy="0"/>
+              </a:xfrm>
+              <a:prstGeom prst="line">
+                <a:avLst/>
+              </a:prstGeom>
+              <a:noFill/>
+              <a:ln w="6350" cmpd="sng">
+                <a:solidFill>
+                  <a:srgbClr val="000000"/>
+                </a:solidFill>
+                <a:round/>
+                <a:headEnd/>
+                <a:tailEnd/>
+              </a:ln>
+              <a:extLst>
+                <a:ext uri="{909E8E84-426E-40dd-AFC4-6F175D3DCCD1}">
+                  <a14:hiddenFill xmlns:a14="http://schemas.microsoft.com/office/drawing/2010/main">
+                    <a:noFill/>
+                  </a14:hiddenFill>
+                </a:ext>
+              </a:extLst>
+            </p:spPr>
+            <p:txBody>
+              <a:bodyPr/>
+              <a:lstStyle/>
+              <a:p>
+                <a:endParaRPr lang="en-US"/>
+              </a:p>
+            </p:txBody>
+          </p:sp>
+          <p:sp>
+            <p:nvSpPr>
+              <p:cNvPr id="68" name="Oval 158"/>
+              <p:cNvSpPr>
+                <a:spLocks noChangeArrowheads="1"/>
+              </p:cNvSpPr>
+              <p:nvPr/>
+            </p:nvSpPr>
+            <p:spPr bwMode="auto">
+              <a:xfrm>
+                <a:off x="7972098" y="2400776"/>
+                <a:ext cx="36837" cy="36837"/>
+              </a:xfrm>
+              <a:prstGeom prst="ellipse">
+                <a:avLst/>
+              </a:prstGeom>
+              <a:solidFill>
+                <a:schemeClr val="bg2"/>
+              </a:solidFill>
+              <a:ln w="6350" cmpd="sng">
+                <a:solidFill>
+                  <a:schemeClr val="tx1"/>
+                </a:solidFill>
+                <a:round/>
+                <a:headEnd/>
+                <a:tailEnd/>
+              </a:ln>
+            </p:spPr>
+            <p:txBody>
+              <a:bodyPr wrap="none" anchor="ctr"/>
+              <a:lstStyle/>
+              <a:p>
+                <a:endParaRPr lang="en-US">
+                  <a:latin typeface="Calibri" charset="0"/>
+                </a:endParaRPr>
+              </a:p>
+            </p:txBody>
+          </p:sp>
+          <p:sp>
+            <p:nvSpPr>
+              <p:cNvPr id="69" name="Rectangle 167"/>
+              <p:cNvSpPr>
+                <a:spLocks noChangeArrowheads="1"/>
+              </p:cNvSpPr>
+              <p:nvPr/>
+            </p:nvSpPr>
+            <p:spPr bwMode="auto">
+              <a:xfrm>
+                <a:off x="8392325" y="2383847"/>
+                <a:ext cx="25213" cy="70694"/>
+              </a:xfrm>
+              <a:prstGeom prst="rect">
+                <a:avLst/>
+              </a:prstGeom>
+              <a:solidFill>
+                <a:srgbClr val="FFFF00"/>
+              </a:solidFill>
+              <a:ln w="6350" cmpd="sng">
+                <a:solidFill>
+                  <a:srgbClr val="000000"/>
+                </a:solidFill>
+                <a:miter lim="800000"/>
+                <a:headEnd/>
+                <a:tailEnd/>
+              </a:ln>
+            </p:spPr>
+            <p:txBody>
+              <a:bodyPr wrap="none" lIns="91429" tIns="45715" rIns="91429" bIns="45715" anchor="ctr"/>
+              <a:lstStyle/>
+              <a:p>
+                <a:pPr algn="ctr"/>
+                <a:endParaRPr lang="en-US" altLang="zh-CN" sz="1600" i="1">
+                  <a:solidFill>
+                    <a:srgbClr val="F5F5F5"/>
+                  </a:solidFill>
+                  <a:latin typeface="Calibri" charset="0"/>
+                  <a:ea typeface="SimSun" charset="0"/>
+                  <a:cs typeface="SimSun" charset="0"/>
+                </a:endParaRPr>
+              </a:p>
+            </p:txBody>
+          </p:sp>
+        </p:grpSp>
       </p:grpSp>
       <p:sp>
         <p:nvSpPr>
-          <p:cNvPr id="186" name="TextBox 185"/>
+          <p:cNvPr id="71" name="TextBox 70"/>
           <p:cNvSpPr txBox="1"/>
           <p:nvPr/>
         </p:nvSpPr>
@@ -41391,7 +41422,27 @@
                   </a:schemeClr>
                 </a:solidFill>
               </a:rPr>
-              <a:t>version 1.2 Nov 7th 2013</a:t>
+              <a:t>version </a:t>
+            </a:r>
+            <a:r>
+              <a:rPr lang="en-US" sz="1400" dirty="0" smtClean="0">
+                <a:solidFill>
+                  <a:schemeClr val="bg1">
+                    <a:lumMod val="75000"/>
+                  </a:schemeClr>
+                </a:solidFill>
+              </a:rPr>
+              <a:t>1.3 Dec 19th </a:t>
+            </a:r>
+            <a:r>
+              <a:rPr lang="en-US" sz="1400" dirty="0" smtClean="0">
+                <a:solidFill>
+                  <a:schemeClr val="bg1">
+                    <a:lumMod val="75000"/>
+                  </a:schemeClr>
+                </a:solidFill>
+              </a:rPr>
+              <a:t>2013</a:t>
             </a:r>
             <a:endParaRPr lang="en-US" sz="1400" dirty="0">
               <a:solidFill>
@@ -41400,286 +41451,6 @@
                 </a:schemeClr>
               </a:solidFill>
             </a:endParaRPr>
-          </a:p>
-        </p:txBody>
-      </p:sp>
-      <p:sp>
-        <p:nvSpPr>
-          <p:cNvPr id="187" name="Rectangle 186"/>
-          <p:cNvSpPr/>
-          <p:nvPr/>
-        </p:nvSpPr>
-        <p:spPr>
-          <a:xfrm>
-            <a:off x="1870554" y="1140251"/>
-            <a:ext cx="640933" cy="369332"/>
-          </a:xfrm>
-          <a:prstGeom prst="rect">
-            <a:avLst/>
-          </a:prstGeom>
-        </p:spPr>
-        <p:txBody>
-          <a:bodyPr wrap="none">
-            <a:spAutoFit/>
-          </a:bodyPr>
-          <a:lstStyle/>
-          <a:p>
-            <a:r>
-              <a:rPr lang="en-US" i="1" dirty="0" smtClean="0"/>
-              <a:t>FEP:</a:t>
-            </a:r>
-            <a:endParaRPr lang="en-US" i="1" dirty="0"/>
-          </a:p>
-        </p:txBody>
-      </p:sp>
-      <p:sp>
-        <p:nvSpPr>
-          <p:cNvPr id="189" name="TextBox 188"/>
-          <p:cNvSpPr txBox="1"/>
-          <p:nvPr/>
-        </p:nvSpPr>
-        <p:spPr>
-          <a:xfrm>
-            <a:off x="618277" y="3999293"/>
-            <a:ext cx="7780655" cy="2492990"/>
-          </a:xfrm>
-          <a:prstGeom prst="rect">
-            <a:avLst/>
-          </a:prstGeom>
-          <a:noFill/>
-        </p:spPr>
-        <p:txBody>
-          <a:bodyPr wrap="square" rtlCol="0">
-            <a:spAutoFit/>
-          </a:bodyPr>
-          <a:lstStyle/>
-          <a:p>
-            <a:r>
-              <a:rPr lang="en-US" sz="1200" b="1" u="sng" dirty="0" smtClean="0"/>
-              <a:t>FEP:</a:t>
-            </a:r>
-          </a:p>
-          <a:p>
-            <a:r>
-              <a:rPr lang="en-US" sz="1200" dirty="0" smtClean="0"/>
-              <a:t>tm1c/</a:t>
-            </a:r>
-            <a:r>
-              <a:rPr lang="en-US" sz="1200" dirty="0" err="1" smtClean="0"/>
-              <a:t>wt</a:t>
-            </a:r>
-            <a:r>
-              <a:rPr lang="en-US" sz="1200" dirty="0" smtClean="0"/>
-              <a:t> is what you </a:t>
-            </a:r>
-            <a:r>
-              <a:rPr lang="en-US" sz="1200" dirty="0" smtClean="0"/>
-              <a:t>want.</a:t>
-            </a:r>
-          </a:p>
-          <a:p>
-            <a:endParaRPr lang="en-US" sz="1200" dirty="0"/>
-          </a:p>
-          <a:p>
-            <a:r>
-              <a:rPr lang="en-US" sz="1200" dirty="0" smtClean="0"/>
-              <a:t>tm1a/</a:t>
-            </a:r>
-            <a:r>
-              <a:rPr lang="en-US" sz="1200" dirty="0" err="1" smtClean="0"/>
-              <a:t>wt</a:t>
-            </a:r>
-            <a:r>
-              <a:rPr lang="en-US" sz="1200" dirty="0" smtClean="0"/>
-              <a:t> is where the </a:t>
-            </a:r>
-            <a:r>
-              <a:rPr lang="en-US" sz="1200" dirty="0" err="1" smtClean="0"/>
-              <a:t>Dox</a:t>
-            </a:r>
-            <a:r>
-              <a:rPr lang="en-US" sz="1200" dirty="0" smtClean="0"/>
-              <a:t> does </a:t>
-            </a:r>
-            <a:r>
-              <a:rPr lang="en-US" sz="1200" i="1" dirty="0" smtClean="0"/>
-              <a:t>not</a:t>
-            </a:r>
-            <a:r>
-              <a:rPr lang="en-US" sz="1200" dirty="0" smtClean="0"/>
-              <a:t> excise the Neo </a:t>
-            </a:r>
-            <a:r>
-              <a:rPr lang="en-US" sz="1200" dirty="0" smtClean="0"/>
-              <a:t>resistance.</a:t>
-            </a:r>
-          </a:p>
-          <a:p>
-            <a:endParaRPr lang="en-US" sz="1200" dirty="0"/>
-          </a:p>
-          <a:p>
-            <a:r>
-              <a:rPr lang="en-US" sz="1200" dirty="0" smtClean="0"/>
-              <a:t>tm1f</a:t>
-            </a:r>
-            <a:r>
-              <a:rPr lang="en-US" sz="1200" dirty="0" smtClean="0"/>
-              <a:t>/</a:t>
-            </a:r>
-            <a:r>
-              <a:rPr lang="en-US" sz="1200" dirty="0" err="1" smtClean="0"/>
-              <a:t>wt</a:t>
-            </a:r>
-            <a:r>
-              <a:rPr lang="en-US" sz="1200" dirty="0" smtClean="0"/>
-              <a:t> is where the </a:t>
-            </a:r>
-            <a:r>
-              <a:rPr lang="en-US" sz="1200" dirty="0" err="1" smtClean="0"/>
-              <a:t>Dox</a:t>
-            </a:r>
-            <a:r>
-              <a:rPr lang="en-US" sz="1200" dirty="0" smtClean="0"/>
-              <a:t> does excise the Neo resistance but the final </a:t>
-            </a:r>
-            <a:r>
-              <a:rPr lang="en-US" sz="1200" dirty="0" err="1" smtClean="0"/>
-              <a:t>loxp</a:t>
-            </a:r>
-            <a:r>
-              <a:rPr lang="en-US" sz="1200" dirty="0" smtClean="0"/>
-              <a:t> site was </a:t>
-            </a:r>
-            <a:r>
-              <a:rPr lang="en-US" sz="1200" i="1" dirty="0" smtClean="0"/>
-              <a:t>not</a:t>
-            </a:r>
-            <a:r>
-              <a:rPr lang="en-US" sz="1200" dirty="0" smtClean="0"/>
-              <a:t> </a:t>
-            </a:r>
-            <a:r>
-              <a:rPr lang="en-US" sz="1200" dirty="0" smtClean="0"/>
-              <a:t>inserted.</a:t>
-            </a:r>
-          </a:p>
-          <a:p>
-            <a:endParaRPr lang="en-US" sz="1200" dirty="0"/>
-          </a:p>
-          <a:p>
-            <a:r>
-              <a:rPr lang="en-US" sz="1200" dirty="0" smtClean="0"/>
-              <a:t>tm1e</a:t>
-            </a:r>
-            <a:r>
-              <a:rPr lang="en-US" sz="1200" dirty="0" smtClean="0"/>
-              <a:t>/</a:t>
-            </a:r>
-            <a:r>
-              <a:rPr lang="en-US" sz="1200" dirty="0" err="1" smtClean="0"/>
-              <a:t>wt</a:t>
-            </a:r>
-            <a:r>
-              <a:rPr lang="en-US" sz="1200" dirty="0" smtClean="0"/>
-              <a:t> is where the </a:t>
-            </a:r>
-            <a:r>
-              <a:rPr lang="en-US" sz="1200" dirty="0" err="1" smtClean="0"/>
-              <a:t>Dox</a:t>
-            </a:r>
-            <a:r>
-              <a:rPr lang="en-US" sz="1200" dirty="0" smtClean="0"/>
-              <a:t> does </a:t>
-            </a:r>
-            <a:r>
-              <a:rPr lang="en-US" sz="1200" i="1" dirty="0" smtClean="0"/>
-              <a:t>not</a:t>
-            </a:r>
-            <a:r>
-              <a:rPr lang="en-US" sz="1200" dirty="0" smtClean="0"/>
-              <a:t> excise the Neo resistance </a:t>
-            </a:r>
-            <a:r>
-              <a:rPr lang="en-US" sz="1200" i="1" dirty="0" smtClean="0"/>
-              <a:t>and</a:t>
-            </a:r>
-            <a:r>
-              <a:rPr lang="en-US" sz="1200" dirty="0" smtClean="0"/>
-              <a:t> the final </a:t>
-            </a:r>
-            <a:r>
-              <a:rPr lang="en-US" sz="1200" dirty="0" err="1" smtClean="0"/>
-              <a:t>loxp</a:t>
-            </a:r>
-            <a:r>
-              <a:rPr lang="en-US" sz="1200" dirty="0" smtClean="0"/>
-              <a:t> was not </a:t>
-            </a:r>
-            <a:r>
-              <a:rPr lang="en-US" sz="1200" dirty="0" smtClean="0"/>
-              <a:t>inserted.</a:t>
-            </a:r>
-          </a:p>
-          <a:p>
-            <a:endParaRPr lang="en-US" sz="1200" dirty="0" smtClean="0"/>
-          </a:p>
-          <a:p>
-            <a:r>
-              <a:rPr lang="en-US" sz="1200" dirty="0" err="1" smtClean="0"/>
-              <a:t>wt</a:t>
-            </a:r>
-            <a:r>
-              <a:rPr lang="en-US" sz="1200" dirty="0" smtClean="0"/>
-              <a:t>/</a:t>
-            </a:r>
-            <a:r>
-              <a:rPr lang="en-US" sz="1200" dirty="0" err="1" smtClean="0"/>
-              <a:t>wt</a:t>
-            </a:r>
-            <a:r>
-              <a:rPr lang="en-US" sz="1200" dirty="0" smtClean="0"/>
-              <a:t> is total failure of </a:t>
-            </a:r>
-            <a:r>
-              <a:rPr lang="en-US" sz="1200" dirty="0" smtClean="0"/>
-              <a:t>electroporation.</a:t>
-            </a:r>
-          </a:p>
-          <a:p>
-            <a:endParaRPr lang="en-US" sz="1200" dirty="0"/>
-          </a:p>
-          <a:p>
-            <a:r>
-              <a:rPr lang="en-US" sz="1200" dirty="0" smtClean="0"/>
-              <a:t>* LOA DEL assay not always done.</a:t>
-            </a:r>
-            <a:endParaRPr lang="en-US" sz="1200" dirty="0" smtClean="0"/>
-          </a:p>
-          <a:p>
-            <a:r>
-              <a:rPr lang="en-US" sz="1200" dirty="0" smtClean="0"/>
-              <a:t>*</a:t>
-            </a:r>
-            <a:r>
-              <a:rPr lang="en-US" sz="1200" dirty="0" smtClean="0"/>
-              <a:t>* No </a:t>
-            </a:r>
-            <a:r>
-              <a:rPr lang="en-US" sz="1200" dirty="0" err="1" smtClean="0"/>
-              <a:t>Bsd</a:t>
-            </a:r>
-            <a:r>
-              <a:rPr lang="en-US" sz="1200" dirty="0" smtClean="0"/>
-              <a:t> resistance in cassette so no benefit to doing </a:t>
-            </a:r>
-            <a:r>
-              <a:rPr lang="en-US" sz="1200" dirty="0" err="1" smtClean="0"/>
-              <a:t>Bsd</a:t>
-            </a:r>
-            <a:r>
-              <a:rPr lang="en-US" sz="1200" dirty="0" smtClean="0"/>
-              <a:t> assay</a:t>
-            </a:r>
           </a:p>
         </p:txBody>
       </p:sp>
@@ -42827,7 +42598,7 @@
         <p:spPr>
           <a:xfrm>
             <a:off x="619025" y="4033161"/>
-            <a:ext cx="3073400" cy="1938992"/>
+            <a:ext cx="3073400" cy="1384995"/>
           </a:xfrm>
           <a:prstGeom prst="rect">
             <a:avLst/>
@@ -42878,18 +42649,13 @@
             </a:r>
             <a:r>
               <a:rPr lang="en-US" sz="1200" dirty="0" smtClean="0"/>
-              <a:t>/tm1 is also a good control</a:t>
+              <a:t>/tm1 is also a good </a:t>
             </a:r>
-          </a:p>
-          <a:p>
-            <a:endParaRPr lang="en-US" sz="1200" dirty="0" smtClean="0"/>
-          </a:p>
-          <a:p>
             <a:r>
               <a:rPr lang="en-US" sz="1200" dirty="0" smtClean="0"/>
-              <a:t>off target affects suggested by data, may not be real</a:t>
+              <a:t>control</a:t>
             </a:r>
-            <a:endParaRPr lang="en-US" sz="1200" dirty="0"/>
+            <a:endParaRPr lang="en-US" sz="1200" dirty="0" smtClean="0"/>
           </a:p>
         </p:txBody>
       </p:sp>
@@ -45849,7 +45615,36 @@
       </p:grpSp>
       <p:sp>
         <p:nvSpPr>
-          <p:cNvPr id="186" name="TextBox 185"/>
+          <p:cNvPr id="188" name="Rectangle 187"/>
+          <p:cNvSpPr/>
+          <p:nvPr/>
+        </p:nvSpPr>
+        <p:spPr>
+          <a:xfrm>
+            <a:off x="1873449" y="1140251"/>
+            <a:ext cx="1059430" cy="369332"/>
+          </a:xfrm>
+          <a:prstGeom prst="rect">
+            <a:avLst/>
+          </a:prstGeom>
+        </p:spPr>
+        <p:txBody>
+          <a:bodyPr wrap="none">
+            <a:spAutoFit/>
+          </a:bodyPr>
+          <a:lstStyle/>
+          <a:p>
+            <a:r>
+              <a:rPr lang="en-US" i="1" dirty="0" smtClean="0"/>
+              <a:t>SEP/PIQ:</a:t>
+            </a:r>
+            <a:endParaRPr lang="en-US" i="1" dirty="0"/>
+          </a:p>
+        </p:txBody>
+      </p:sp>
+      <p:sp>
+        <p:nvSpPr>
+          <p:cNvPr id="92" name="TextBox 91"/>
           <p:cNvSpPr txBox="1"/>
           <p:nvPr/>
         </p:nvSpPr>
@@ -45877,7 +45672,27 @@
                   </a:schemeClr>
                 </a:solidFill>
               </a:rPr>
-              <a:t>version 1.2 Nov 7th 2013</a:t>
+              <a:t>version </a:t>
+            </a:r>
+            <a:r>
+              <a:rPr lang="en-US" sz="1400" dirty="0" smtClean="0">
+                <a:solidFill>
+                  <a:schemeClr val="bg1">
+                    <a:lumMod val="75000"/>
+                  </a:schemeClr>
+                </a:solidFill>
+              </a:rPr>
+              <a:t>1.3 Dec 19th </a:t>
+            </a:r>
+            <a:r>
+              <a:rPr lang="en-US" sz="1400" dirty="0" smtClean="0">
+                <a:solidFill>
+                  <a:schemeClr val="bg1">
+                    <a:lumMod val="75000"/>
+                  </a:schemeClr>
+                </a:solidFill>
+              </a:rPr>
+              <a:t>2013</a:t>
             </a:r>
             <a:endParaRPr lang="en-US" sz="1400" dirty="0">
               <a:solidFill>
@@ -45886,35 +45701,6 @@
                 </a:schemeClr>
               </a:solidFill>
             </a:endParaRPr>
-          </a:p>
-        </p:txBody>
-      </p:sp>
-      <p:sp>
-        <p:nvSpPr>
-          <p:cNvPr id="188" name="Rectangle 187"/>
-          <p:cNvSpPr/>
-          <p:nvPr/>
-        </p:nvSpPr>
-        <p:spPr>
-          <a:xfrm>
-            <a:off x="1873449" y="1140251"/>
-            <a:ext cx="639243" cy="369332"/>
-          </a:xfrm>
-          <a:prstGeom prst="rect">
-            <a:avLst/>
-          </a:prstGeom>
-        </p:spPr>
-        <p:txBody>
-          <a:bodyPr wrap="none">
-            <a:spAutoFit/>
-          </a:bodyPr>
-          <a:lstStyle/>
-          <a:p>
-            <a:r>
-              <a:rPr lang="en-US" i="1" dirty="0" smtClean="0"/>
-              <a:t>SEP:</a:t>
-            </a:r>
-            <a:endParaRPr lang="en-US" i="1" dirty="0"/>
           </a:p>
         </p:txBody>
       </p:sp>
@@ -45988,15 +45774,7 @@
             </a:r>
             <a:r>
               <a:rPr lang="en-US" u="sng" dirty="0" smtClean="0"/>
-              <a:t> Standard </a:t>
-            </a:r>
-            <a:r>
-              <a:rPr lang="en-US" u="sng" dirty="0" smtClean="0"/>
-              <a:t>Workflow </a:t>
-            </a:r>
-            <a:r>
-              <a:rPr lang="en-US" u="sng" dirty="0" smtClean="0"/>
-              <a:t>– No </a:t>
+              <a:t> Standard Workflow – No </a:t>
             </a:r>
             <a:r>
               <a:rPr lang="en-US" u="sng" dirty="0" err="1" smtClean="0"/>
@@ -46012,11 +45790,7 @@
             </a:r>
             <a:r>
               <a:rPr lang="en-US" u="sng" dirty="0" smtClean="0"/>
-              <a:t> </a:t>
-            </a:r>
-            <a:r>
-              <a:rPr lang="en-US" u="sng" dirty="0" smtClean="0"/>
-              <a:t>]</a:t>
+              <a:t> ]</a:t>
             </a:r>
           </a:p>
           <a:p>
@@ -46052,8 +45826,8 @@
         </p:nvSpPr>
         <p:spPr>
           <a:xfrm>
-            <a:off x="601788" y="3331710"/>
-            <a:ext cx="3005668" cy="1754327"/>
+            <a:off x="615043" y="4423910"/>
+            <a:ext cx="6061479" cy="1384995"/>
           </a:xfrm>
           <a:prstGeom prst="rect">
             <a:avLst/>
@@ -46068,7 +45842,7 @@
           <a:p>
             <a:r>
               <a:rPr lang="en-US" sz="1200" b="1" u="sng" dirty="0" smtClean="0"/>
-              <a:t>FEP:</a:t>
+              <a:t>EP:</a:t>
             </a:r>
           </a:p>
           <a:p>
@@ -46103,11 +45877,7 @@
             </a:r>
             <a:r>
               <a:rPr lang="en-US" sz="1200" dirty="0" smtClean="0"/>
-              <a:t> is total failure of </a:t>
-            </a:r>
-            <a:r>
-              <a:rPr lang="en-US" sz="1200" dirty="0" smtClean="0"/>
-              <a:t>electroporation</a:t>
+              <a:t> is total failure of electroporation</a:t>
             </a:r>
           </a:p>
           <a:p>
@@ -46126,49 +45896,6 @@
               <a:rPr lang="en-US" sz="1200" dirty="0" smtClean="0"/>
               <a:t> and Chr8, and if the LOA DEL test fails then LRPCR primer bands can be checked</a:t>
             </a:r>
-            <a:endParaRPr lang="en-US" sz="1200" dirty="0" smtClean="0"/>
-          </a:p>
-        </p:txBody>
-      </p:sp>
-      <p:sp>
-        <p:nvSpPr>
-          <p:cNvPr id="139" name="TextBox 138"/>
-          <p:cNvSpPr txBox="1"/>
-          <p:nvPr/>
-        </p:nvSpPr>
-        <p:spPr>
-          <a:xfrm>
-            <a:off x="7759700" y="83220"/>
-            <a:ext cx="2146300" cy="307777"/>
-          </a:xfrm>
-          <a:prstGeom prst="rect">
-            <a:avLst/>
-          </a:prstGeom>
-          <a:noFill/>
-        </p:spPr>
-        <p:txBody>
-          <a:bodyPr wrap="square" rtlCol="0">
-            <a:spAutoFit/>
-          </a:bodyPr>
-          <a:lstStyle/>
-          <a:p>
-            <a:r>
-              <a:rPr lang="en-US" sz="1400" dirty="0" smtClean="0">
-                <a:solidFill>
-                  <a:schemeClr val="bg1">
-                    <a:lumMod val="75000"/>
-                  </a:schemeClr>
-                </a:solidFill>
-              </a:rPr>
-              <a:t>version 1.2 Nov 7th 2013</a:t>
-            </a:r>
-            <a:endParaRPr lang="en-US" sz="1400" dirty="0">
-              <a:solidFill>
-                <a:schemeClr val="bg1">
-                  <a:lumMod val="75000"/>
-                </a:schemeClr>
-              </a:solidFill>
-            </a:endParaRPr>
           </a:p>
         </p:txBody>
       </p:sp>
@@ -46510,559 +46237,6 @@
           </p:sp>
         </p:grpSp>
       </p:grpSp>
-      <p:grpSp>
-        <p:nvGrpSpPr>
-          <p:cNvPr id="150" name="Group 149"/>
-          <p:cNvGrpSpPr/>
-          <p:nvPr/>
-        </p:nvGrpSpPr>
-        <p:grpSpPr>
-          <a:xfrm>
-            <a:off x="2566104" y="1543066"/>
-            <a:ext cx="812653" cy="255811"/>
-            <a:chOff x="6612383" y="1153548"/>
-            <a:chExt cx="812653" cy="255811"/>
-          </a:xfrm>
-        </p:grpSpPr>
-        <p:sp>
-          <p:nvSpPr>
-            <p:cNvPr id="151" name="AutoShape 148"/>
-            <p:cNvSpPr>
-              <a:spLocks noChangeArrowheads="1"/>
-            </p:cNvSpPr>
-            <p:nvPr/>
-          </p:nvSpPr>
-          <p:spPr bwMode="auto">
-            <a:xfrm>
-              <a:off x="6612383" y="1153548"/>
-              <a:ext cx="812653" cy="251299"/>
-            </a:xfrm>
-            <a:prstGeom prst="roundRect">
-              <a:avLst>
-                <a:gd name="adj" fmla="val 16667"/>
-              </a:avLst>
-            </a:prstGeom>
-            <a:noFill/>
-            <a:ln w="6350" cmpd="sng">
-              <a:solidFill>
-                <a:schemeClr val="tx1"/>
-              </a:solidFill>
-              <a:round/>
-              <a:headEnd/>
-              <a:tailEnd/>
-            </a:ln>
-            <a:extLst>
-              <a:ext uri="{909E8E84-426E-40dd-AFC4-6F175D3DCCD1}">
-                <a14:hiddenFill xmlns:a14="http://schemas.microsoft.com/office/drawing/2010/main">
-                  <a:solidFill>
-                    <a:srgbClr val="FFFFFF"/>
-                  </a:solidFill>
-                </a14:hiddenFill>
-              </a:ext>
-            </a:extLst>
-          </p:spPr>
-          <p:txBody>
-            <a:bodyPr wrap="none" anchor="ctr"/>
-            <a:lstStyle/>
-            <a:p>
-              <a:endParaRPr lang="en-US">
-                <a:latin typeface="Calibri" charset="0"/>
-              </a:endParaRPr>
-            </a:p>
-          </p:txBody>
-        </p:sp>
-        <p:grpSp>
-          <p:nvGrpSpPr>
-            <p:cNvPr id="152" name="Group 151"/>
-            <p:cNvGrpSpPr/>
-            <p:nvPr/>
-          </p:nvGrpSpPr>
-          <p:grpSpPr>
-            <a:xfrm>
-              <a:off x="6650614" y="1187430"/>
-              <a:ext cx="724196" cy="70694"/>
-              <a:chOff x="5888186" y="2418891"/>
-              <a:chExt cx="724196" cy="70694"/>
-            </a:xfrm>
-          </p:grpSpPr>
-          <p:sp>
-            <p:nvSpPr>
-              <p:cNvPr id="164" name="Line 154"/>
-              <p:cNvSpPr>
-                <a:spLocks noChangeShapeType="1"/>
-              </p:cNvSpPr>
-              <p:nvPr/>
-            </p:nvSpPr>
-            <p:spPr bwMode="auto">
-              <a:xfrm>
-                <a:off x="5926987" y="2454238"/>
-                <a:ext cx="685395" cy="0"/>
-              </a:xfrm>
-              <a:prstGeom prst="line">
-                <a:avLst/>
-              </a:prstGeom>
-              <a:noFill/>
-              <a:ln w="6350" cmpd="sng">
-                <a:solidFill>
-                  <a:srgbClr val="000000"/>
-                </a:solidFill>
-                <a:round/>
-                <a:headEnd/>
-                <a:tailEnd/>
-              </a:ln>
-              <a:extLst>
-                <a:ext uri="{909E8E84-426E-40dd-AFC4-6F175D3DCCD1}">
-                  <a14:hiddenFill xmlns:a14="http://schemas.microsoft.com/office/drawing/2010/main">
-                    <a:noFill/>
-                  </a14:hiddenFill>
-                </a:ext>
-              </a:extLst>
-            </p:spPr>
-            <p:txBody>
-              <a:bodyPr/>
-              <a:lstStyle/>
-              <a:p>
-                <a:endParaRPr lang="en-US"/>
-              </a:p>
-            </p:txBody>
-          </p:sp>
-          <p:sp>
-            <p:nvSpPr>
-              <p:cNvPr id="165" name="Oval 158"/>
-              <p:cNvSpPr>
-                <a:spLocks noChangeArrowheads="1"/>
-              </p:cNvSpPr>
-              <p:nvPr/>
-            </p:nvSpPr>
-            <p:spPr bwMode="auto">
-              <a:xfrm>
-                <a:off x="5888186" y="2435820"/>
-                <a:ext cx="36837" cy="36837"/>
-              </a:xfrm>
-              <a:prstGeom prst="ellipse">
-                <a:avLst/>
-              </a:prstGeom>
-              <a:solidFill>
-                <a:schemeClr val="bg2"/>
-              </a:solidFill>
-              <a:ln w="6350" cmpd="sng">
-                <a:solidFill>
-                  <a:schemeClr val="tx1"/>
-                </a:solidFill>
-                <a:round/>
-                <a:headEnd/>
-                <a:tailEnd/>
-              </a:ln>
-            </p:spPr>
-            <p:txBody>
-              <a:bodyPr wrap="none" anchor="ctr"/>
-              <a:lstStyle/>
-              <a:p>
-                <a:endParaRPr lang="en-US">
-                  <a:latin typeface="Calibri" charset="0"/>
-                </a:endParaRPr>
-              </a:p>
-            </p:txBody>
-          </p:sp>
-          <p:sp>
-            <p:nvSpPr>
-              <p:cNvPr id="166" name="Rectangle 167"/>
-              <p:cNvSpPr>
-                <a:spLocks noChangeArrowheads="1"/>
-              </p:cNvSpPr>
-              <p:nvPr/>
-            </p:nvSpPr>
-            <p:spPr bwMode="auto">
-              <a:xfrm>
-                <a:off x="6308413" y="2418891"/>
-                <a:ext cx="25213" cy="70694"/>
-              </a:xfrm>
-              <a:prstGeom prst="rect">
-                <a:avLst/>
-              </a:prstGeom>
-              <a:solidFill>
-                <a:srgbClr val="FFFF00"/>
-              </a:solidFill>
-              <a:ln w="6350" cmpd="sng">
-                <a:solidFill>
-                  <a:srgbClr val="000000"/>
-                </a:solidFill>
-                <a:miter lim="800000"/>
-                <a:headEnd/>
-                <a:tailEnd/>
-              </a:ln>
-            </p:spPr>
-            <p:txBody>
-              <a:bodyPr wrap="none" lIns="91429" tIns="45715" rIns="91429" bIns="45715" anchor="ctr"/>
-              <a:lstStyle/>
-              <a:p>
-                <a:pPr algn="ctr"/>
-                <a:endParaRPr lang="en-US" altLang="zh-CN" sz="1600" i="1">
-                  <a:solidFill>
-                    <a:srgbClr val="F5F5F5"/>
-                  </a:solidFill>
-                  <a:latin typeface="Calibri" charset="0"/>
-                  <a:ea typeface="SimSun" charset="0"/>
-                  <a:cs typeface="SimSun" charset="0"/>
-                </a:endParaRPr>
-              </a:p>
-            </p:txBody>
-          </p:sp>
-        </p:grpSp>
-        <p:grpSp>
-          <p:nvGrpSpPr>
-            <p:cNvPr id="153" name="Group 152"/>
-            <p:cNvGrpSpPr/>
-            <p:nvPr/>
-          </p:nvGrpSpPr>
-          <p:grpSpPr>
-            <a:xfrm>
-              <a:off x="6650480" y="1193685"/>
-              <a:ext cx="771542" cy="215674"/>
-              <a:chOff x="5885246" y="2611650"/>
-              <a:chExt cx="771542" cy="215674"/>
-            </a:xfrm>
-          </p:grpSpPr>
-          <p:sp>
-            <p:nvSpPr>
-              <p:cNvPr id="154" name="Line 154"/>
-              <p:cNvSpPr>
-                <a:spLocks noChangeShapeType="1"/>
-              </p:cNvSpPr>
-              <p:nvPr/>
-            </p:nvSpPr>
-            <p:spPr bwMode="auto">
-              <a:xfrm>
-                <a:off x="5924047" y="2733650"/>
-                <a:ext cx="688336" cy="0"/>
-              </a:xfrm>
-              <a:prstGeom prst="line">
-                <a:avLst/>
-              </a:prstGeom>
-              <a:noFill/>
-              <a:ln w="6350" cmpd="sng">
-                <a:solidFill>
-                  <a:srgbClr val="000000"/>
-                </a:solidFill>
-                <a:round/>
-                <a:headEnd/>
-                <a:tailEnd/>
-              </a:ln>
-              <a:extLst>
-                <a:ext uri="{909E8E84-426E-40dd-AFC4-6F175D3DCCD1}">
-                  <a14:hiddenFill xmlns:a14="http://schemas.microsoft.com/office/drawing/2010/main">
-                    <a:noFill/>
-                  </a14:hiddenFill>
-                </a:ext>
-              </a:extLst>
-            </p:spPr>
-            <p:txBody>
-              <a:bodyPr/>
-              <a:lstStyle/>
-              <a:p>
-                <a:endParaRPr lang="en-US"/>
-              </a:p>
-            </p:txBody>
-          </p:sp>
-          <p:sp>
-            <p:nvSpPr>
-              <p:cNvPr id="155" name="Oval 158"/>
-              <p:cNvSpPr>
-                <a:spLocks noChangeArrowheads="1"/>
-              </p:cNvSpPr>
-              <p:nvPr/>
-            </p:nvSpPr>
-            <p:spPr bwMode="auto">
-              <a:xfrm>
-                <a:off x="5885246" y="2715232"/>
-                <a:ext cx="36837" cy="36837"/>
-              </a:xfrm>
-              <a:prstGeom prst="ellipse">
-                <a:avLst/>
-              </a:prstGeom>
-              <a:solidFill>
-                <a:schemeClr val="bg2"/>
-              </a:solidFill>
-              <a:ln w="6350" cmpd="sng">
-                <a:solidFill>
-                  <a:schemeClr val="tx1"/>
-                </a:solidFill>
-                <a:round/>
-                <a:headEnd/>
-                <a:tailEnd/>
-              </a:ln>
-            </p:spPr>
-            <p:txBody>
-              <a:bodyPr wrap="none" anchor="ctr"/>
-              <a:lstStyle/>
-              <a:p>
-                <a:endParaRPr lang="en-US">
-                  <a:latin typeface="Calibri" charset="0"/>
-                </a:endParaRPr>
-              </a:p>
-            </p:txBody>
-          </p:sp>
-          <p:sp>
-            <p:nvSpPr>
-              <p:cNvPr id="156" name="AutoShape 165"/>
-              <p:cNvSpPr>
-                <a:spLocks noChangeArrowheads="1"/>
-              </p:cNvSpPr>
-              <p:nvPr/>
-            </p:nvSpPr>
-            <p:spPr bwMode="auto">
-              <a:xfrm rot="16200000" flipH="1">
-                <a:off x="6151740" y="2710791"/>
-                <a:ext cx="109209" cy="45719"/>
-              </a:xfrm>
-              <a:prstGeom prst="triangle">
-                <a:avLst>
-                  <a:gd name="adj" fmla="val 50000"/>
-                </a:avLst>
-              </a:prstGeom>
-              <a:solidFill>
-                <a:srgbClr val="D99694"/>
-              </a:solidFill>
-              <a:ln w="6350" cmpd="sng">
-                <a:solidFill>
-                  <a:srgbClr val="000000"/>
-                </a:solidFill>
-                <a:miter lim="800000"/>
-                <a:headEnd/>
-                <a:tailEnd/>
-              </a:ln>
-            </p:spPr>
-            <p:txBody>
-              <a:bodyPr wrap="none" anchor="ctr"/>
-              <a:lstStyle/>
-              <a:p>
-                <a:endParaRPr lang="en-US">
-                  <a:latin typeface="Calibri" charset="0"/>
-                </a:endParaRPr>
-              </a:p>
-            </p:txBody>
-          </p:sp>
-          <p:grpSp>
-            <p:nvGrpSpPr>
-              <p:cNvPr id="157" name="Group 156"/>
-              <p:cNvGrpSpPr/>
-              <p:nvPr/>
-            </p:nvGrpSpPr>
-            <p:grpSpPr>
-              <a:xfrm>
-                <a:off x="5897338" y="2611880"/>
-                <a:ext cx="366027" cy="215444"/>
-                <a:chOff x="5970455" y="2478173"/>
-                <a:chExt cx="366027" cy="215444"/>
-              </a:xfrm>
-            </p:grpSpPr>
-            <p:sp>
-              <p:nvSpPr>
-                <p:cNvPr id="162" name="Rectangle 161"/>
-                <p:cNvSpPr/>
-                <p:nvPr/>
-              </p:nvSpPr>
-              <p:spPr bwMode="auto">
-                <a:xfrm>
-                  <a:off x="6034852" y="2550027"/>
-                  <a:ext cx="198900" cy="93410"/>
-                </a:xfrm>
-                <a:prstGeom prst="rect">
-                  <a:avLst/>
-                </a:prstGeom>
-                <a:solidFill>
-                  <a:srgbClr val="FFFFFF"/>
-                </a:solidFill>
-              </p:spPr>
-              <p:style>
-                <a:lnRef idx="1">
-                  <a:schemeClr val="accent1"/>
-                </a:lnRef>
-                <a:fillRef idx="3">
-                  <a:schemeClr val="accent1"/>
-                </a:fillRef>
-                <a:effectRef idx="2">
-                  <a:schemeClr val="accent1"/>
-                </a:effectRef>
-                <a:fontRef idx="minor">
-                  <a:schemeClr val="lt1"/>
-                </a:fontRef>
-              </p:style>
-              <p:txBody>
-                <a:bodyPr anchor="ctr"/>
-                <a:lstStyle/>
-                <a:p>
-                  <a:pPr algn="ctr">
-                    <a:defRPr/>
-                  </a:pPr>
-                  <a:endParaRPr lang="en-US" sz="800" dirty="0"/>
-                </a:p>
-              </p:txBody>
-            </p:sp>
-            <p:sp>
-              <p:nvSpPr>
-                <p:cNvPr id="163" name="TextBox 162"/>
-                <p:cNvSpPr txBox="1"/>
-                <p:nvPr/>
-              </p:nvSpPr>
-              <p:spPr>
-                <a:xfrm>
-                  <a:off x="5970455" y="2478173"/>
-                  <a:ext cx="366027" cy="215444"/>
-                </a:xfrm>
-                <a:prstGeom prst="rect">
-                  <a:avLst/>
-                </a:prstGeom>
-                <a:noFill/>
-              </p:spPr>
-              <p:txBody>
-                <a:bodyPr wrap="square" rtlCol="0">
-                  <a:spAutoFit/>
-                </a:bodyPr>
-                <a:lstStyle/>
-                <a:p>
-                  <a:r>
-                    <a:rPr lang="en-US" sz="800" dirty="0" err="1" smtClean="0"/>
-                    <a:t>Cre</a:t>
-                  </a:r>
-                  <a:endParaRPr lang="en-US" sz="800" dirty="0"/>
-                </a:p>
-              </p:txBody>
-            </p:sp>
-          </p:grpSp>
-          <p:grpSp>
-            <p:nvGrpSpPr>
-              <p:cNvPr id="158" name="Group 157"/>
-              <p:cNvGrpSpPr/>
-              <p:nvPr/>
-            </p:nvGrpSpPr>
-            <p:grpSpPr>
-              <a:xfrm>
-                <a:off x="6181509" y="2611650"/>
-                <a:ext cx="475279" cy="215444"/>
-                <a:chOff x="6165185" y="2630573"/>
-                <a:chExt cx="475279" cy="215444"/>
-              </a:xfrm>
-            </p:grpSpPr>
-            <p:sp>
-              <p:nvSpPr>
-                <p:cNvPr id="160" name="Rectangle 159"/>
-                <p:cNvSpPr/>
-                <p:nvPr/>
-              </p:nvSpPr>
-              <p:spPr bwMode="auto">
-                <a:xfrm>
-                  <a:off x="6234068" y="2702427"/>
-                  <a:ext cx="252852" cy="93410"/>
-                </a:xfrm>
-                <a:prstGeom prst="rect">
-                  <a:avLst/>
-                </a:prstGeom>
-                <a:solidFill>
-                  <a:srgbClr val="FFFFFF"/>
-                </a:solidFill>
-              </p:spPr>
-              <p:style>
-                <a:lnRef idx="1">
-                  <a:schemeClr val="accent1"/>
-                </a:lnRef>
-                <a:fillRef idx="3">
-                  <a:schemeClr val="accent1"/>
-                </a:fillRef>
-                <a:effectRef idx="2">
-                  <a:schemeClr val="accent1"/>
-                </a:effectRef>
-                <a:fontRef idx="minor">
-                  <a:schemeClr val="lt1"/>
-                </a:fontRef>
-              </p:style>
-              <p:txBody>
-                <a:bodyPr anchor="ctr"/>
-                <a:lstStyle/>
-                <a:p>
-                  <a:pPr algn="ctr">
-                    <a:defRPr/>
-                  </a:pPr>
-                  <a:endParaRPr lang="en-US" sz="800" dirty="0"/>
-                </a:p>
-              </p:txBody>
-            </p:sp>
-            <p:sp>
-              <p:nvSpPr>
-                <p:cNvPr id="161" name="TextBox 160"/>
-                <p:cNvSpPr txBox="1"/>
-                <p:nvPr/>
-              </p:nvSpPr>
-              <p:spPr>
-                <a:xfrm>
-                  <a:off x="6165185" y="2630573"/>
-                  <a:ext cx="475279" cy="215444"/>
-                </a:xfrm>
-                <a:prstGeom prst="rect">
-                  <a:avLst/>
-                </a:prstGeom>
-                <a:noFill/>
-              </p:spPr>
-              <p:txBody>
-                <a:bodyPr wrap="square" rtlCol="0">
-                  <a:spAutoFit/>
-                </a:bodyPr>
-                <a:lstStyle/>
-                <a:p>
-                  <a:r>
-                    <a:rPr lang="en-US" sz="800" dirty="0" err="1" smtClean="0"/>
-                    <a:t>Puro</a:t>
-                  </a:r>
-                  <a:endParaRPr lang="en-US" sz="800" dirty="0"/>
-                </a:p>
-              </p:txBody>
-            </p:sp>
-          </p:grpSp>
-          <p:sp>
-            <p:nvSpPr>
-              <p:cNvPr id="159" name="AutoShape 165"/>
-              <p:cNvSpPr>
-                <a:spLocks noChangeArrowheads="1"/>
-              </p:cNvSpPr>
-              <p:nvPr/>
-            </p:nvSpPr>
-            <p:spPr bwMode="auto">
-              <a:xfrm rot="16200000" flipH="1">
-                <a:off x="6490392" y="2710791"/>
-                <a:ext cx="109209" cy="45719"/>
-              </a:xfrm>
-              <a:prstGeom prst="triangle">
-                <a:avLst>
-                  <a:gd name="adj" fmla="val 50000"/>
-                </a:avLst>
-              </a:prstGeom>
-              <a:solidFill>
-                <a:schemeClr val="accent2">
-                  <a:lumMod val="60000"/>
-                  <a:lumOff val="40000"/>
-                </a:schemeClr>
-              </a:solidFill>
-              <a:ln w="6350" cmpd="sng">
-                <a:solidFill>
-                  <a:srgbClr val="000000"/>
-                </a:solidFill>
-                <a:miter lim="800000"/>
-                <a:headEnd/>
-                <a:tailEnd/>
-              </a:ln>
-            </p:spPr>
-            <p:txBody>
-              <a:bodyPr wrap="none" anchor="ctr"/>
-              <a:lstStyle/>
-              <a:p>
-                <a:endParaRPr lang="en-US">
-                  <a:latin typeface="Calibri" charset="0"/>
-                </a:endParaRPr>
-              </a:p>
-            </p:txBody>
-          </p:sp>
-        </p:grpSp>
-      </p:grpSp>
       <p:graphicFrame>
         <p:nvGraphicFramePr>
           <p:cNvPr id="180" name="Table 179"/>
@@ -47072,14 +46246,14 @@
           <p:nvPr>
             <p:extLst>
               <p:ext uri="{D42A27DB-BD31-4B8C-83A1-F6EECF244321}">
-                <p14:modId xmlns:p14="http://schemas.microsoft.com/office/powerpoint/2010/main" val="2578039891"/>
+                <p14:modId xmlns:p14="http://schemas.microsoft.com/office/powerpoint/2010/main" val="1665395775"/>
               </p:ext>
             </p:extLst>
           </p:nvPr>
         </p:nvGraphicFramePr>
         <p:xfrm>
-          <a:off x="615042" y="1497772"/>
-          <a:ext cx="2822176" cy="1749330"/>
+          <a:off x="615043" y="1499829"/>
+          <a:ext cx="4692354" cy="2515450"/>
         </p:xfrm>
         <a:graphic>
           <a:graphicData uri="http://schemas.openxmlformats.org/drawingml/2006/table">
@@ -47088,9 +46262,11 @@
                 <a:tableStyleId>{D7AC3CCA-C797-4891-BE02-D94E43425B78}</a:tableStyleId>
               </a:tblPr>
               <a:tblGrid>
-                <a:gridCol w="955781"/>
-                <a:gridCol w="936870"/>
-                <a:gridCol w="929525"/>
+                <a:gridCol w="958053"/>
+                <a:gridCol w="939096"/>
+                <a:gridCol w="931735"/>
+                <a:gridCol w="931735"/>
+                <a:gridCol w="931735"/>
               </a:tblGrid>
               <a:tr h="349866">
                 <a:tc>
@@ -47130,7 +46306,31 @@
                     </a:p>
                   </a:txBody>
                   <a:tcPr marL="111453" marR="111453" marT="55727" marB="55727">
-                    <a:lnR w="12700" cap="flat" cmpd="sng" algn="ctr">
+                    <a:noFill/>
+                  </a:tcPr>
+                </a:tc>
+                <a:tc>
+                  <a:txBody>
+                    <a:bodyPr/>
+                    <a:lstStyle/>
+                    <a:p>
+                      <a:endParaRPr lang="en-US" sz="1000" dirty="0"/>
+                    </a:p>
+                  </a:txBody>
+                  <a:tcPr marL="111453" marR="111453" marT="55727" marB="55727">
+                    <a:noFill/>
+                  </a:tcPr>
+                </a:tc>
+                <a:tc>
+                  <a:txBody>
+                    <a:bodyPr/>
+                    <a:lstStyle/>
+                    <a:p>
+                      <a:endParaRPr lang="en-US" sz="1000" dirty="0"/>
+                    </a:p>
+                  </a:txBody>
+                  <a:tcPr marL="111453" marR="111453" marT="55727" marB="55727">
+                    <a:lnR w="28575" cap="flat" cmpd="sng" algn="ctr">
                       <a:solidFill>
                         <a:scrgbClr r="0" g="0" b="0"/>
                       </a:solidFill>
@@ -47218,7 +46418,67 @@
                     </a:p>
                   </a:txBody>
                   <a:tcPr marL="111453" marR="111453" marT="55727" marB="55727">
-                    <a:lnR w="12700" cap="flat" cmpd="sng" algn="ctr">
+                    <a:noFill/>
+                  </a:tcPr>
+                </a:tc>
+                <a:tc>
+                  <a:txBody>
+                    <a:bodyPr/>
+                    <a:lstStyle/>
+                    <a:p>
+                      <a:r>
+                        <a:rPr lang="en-US" sz="1000" b="1" dirty="0" smtClean="0"/>
+                        <a:t>tm1 </a:t>
+                      </a:r>
+                      <a:r>
+                        <a:rPr lang="en-US" sz="1000" b="1" dirty="0" err="1" smtClean="0"/>
+                        <a:t>lrpcr</a:t>
+                      </a:r>
+                      <a:r>
+                        <a:rPr lang="en-US" sz="1000" b="1" dirty="0" smtClean="0"/>
+                        <a:t>/</a:t>
+                      </a:r>
+                      <a:r>
+                        <a:rPr lang="en-US" sz="1000" b="1" dirty="0" err="1" smtClean="0"/>
+                        <a:t>wt</a:t>
+                      </a:r>
+                      <a:endParaRPr lang="en-US" sz="1000" b="1" dirty="0"/>
+                    </a:p>
+                  </a:txBody>
+                  <a:tcPr marL="111453" marR="111453" marT="55727" marB="55727">
+                    <a:noFill/>
+                  </a:tcPr>
+                </a:tc>
+                <a:tc>
+                  <a:txBody>
+                    <a:bodyPr/>
+                    <a:lstStyle/>
+                    <a:p>
+                      <a:r>
+                        <a:rPr lang="en-US" sz="1000" b="1" dirty="0" err="1" smtClean="0"/>
+                        <a:t>wt</a:t>
+                      </a:r>
+                      <a:r>
+                        <a:rPr lang="en-US" sz="1000" b="1" dirty="0" smtClean="0"/>
+                        <a:t>/</a:t>
+                      </a:r>
+                      <a:r>
+                        <a:rPr lang="en-US" sz="1000" b="1" dirty="0" err="1" smtClean="0"/>
+                        <a:t>crepuro</a:t>
+                      </a:r>
+                      <a:r>
+                        <a:rPr lang="en-US" sz="1000" b="1" dirty="0" smtClean="0"/>
+                        <a:t> off target </a:t>
+                      </a:r>
+                      <a:r>
+                        <a:rPr lang="en-US" sz="1000" b="1" dirty="0" err="1" smtClean="0"/>
+                        <a:t>wt</a:t>
+                      </a:r>
+                      <a:endParaRPr lang="en-US" sz="1000" b="1" dirty="0"/>
+                    </a:p>
+                  </a:txBody>
+                  <a:tcPr marL="111453" marR="111453" marT="55727" marB="55727">
+                    <a:lnR w="28575" cap="flat" cmpd="sng" algn="ctr">
                       <a:solidFill>
                         <a:scrgbClr r="0" g="0" b="0"/>
                       </a:solidFill>
@@ -47277,7 +46537,39 @@
                     </a:p>
                   </a:txBody>
                   <a:tcPr marL="111453" marR="111453" marT="55727" marB="55727">
-                    <a:lnR w="12700" cap="flat" cmpd="sng" algn="ctr">
+                    <a:noFill/>
+                  </a:tcPr>
+                </a:tc>
+                <a:tc>
+                  <a:txBody>
+                    <a:bodyPr/>
+                    <a:lstStyle/>
+                    <a:p>
+                      <a:r>
+                        <a:rPr lang="en-US" sz="1000" dirty="0" smtClean="0"/>
+                        <a:t>1</a:t>
+                      </a:r>
+                      <a:endParaRPr lang="en-US" sz="1000" dirty="0"/>
+                    </a:p>
+                  </a:txBody>
+                  <a:tcPr marL="111453" marR="111453" marT="55727" marB="55727">
+                    <a:noFill/>
+                  </a:tcPr>
+                </a:tc>
+                <a:tc>
+                  <a:txBody>
+                    <a:bodyPr/>
+                    <a:lstStyle/>
+                    <a:p>
+                      <a:r>
+                        <a:rPr lang="en-US" sz="1000" dirty="0" smtClean="0"/>
+                        <a:t>1</a:t>
+                      </a:r>
+                      <a:endParaRPr lang="en-US" sz="1000" dirty="0"/>
+                    </a:p>
+                  </a:txBody>
+                  <a:tcPr marL="111453" marR="111453" marT="55727" marB="55727">
+                    <a:lnR w="28575" cap="flat" cmpd="sng" algn="ctr">
                       <a:solidFill>
                         <a:scrgbClr r="0" g="0" b="0"/>
                       </a:solidFill>
@@ -47336,7 +46628,39 @@
                     </a:p>
                   </a:txBody>
                   <a:tcPr marL="111453" marR="111453" marT="55727" marB="55727">
-                    <a:lnR w="12700" cap="flat" cmpd="sng" algn="ctr">
+                    <a:noFill/>
+                  </a:tcPr>
+                </a:tc>
+                <a:tc>
+                  <a:txBody>
+                    <a:bodyPr/>
+                    <a:lstStyle/>
+                    <a:p>
+                      <a:r>
+                        <a:rPr lang="en-US" sz="1000" dirty="0" smtClean="0"/>
+                        <a:t>X</a:t>
+                      </a:r>
+                      <a:endParaRPr lang="en-US" sz="1000" dirty="0"/>
+                    </a:p>
+                  </a:txBody>
+                  <a:tcPr marL="111453" marR="111453" marT="55727" marB="55727">
+                    <a:noFill/>
+                  </a:tcPr>
+                </a:tc>
+                <a:tc>
+                  <a:txBody>
+                    <a:bodyPr/>
+                    <a:lstStyle/>
+                    <a:p>
+                      <a:r>
+                        <a:rPr lang="en-US" sz="1000" dirty="0" smtClean="0"/>
+                        <a:t>2</a:t>
+                      </a:r>
+                      <a:endParaRPr lang="en-US" sz="1000" dirty="0"/>
+                    </a:p>
+                  </a:txBody>
+                  <a:tcPr marL="111453" marR="111453" marT="55727" marB="55727">
+                    <a:lnR w="28575" cap="flat" cmpd="sng" algn="ctr">
                       <a:solidFill>
                         <a:scrgbClr r="0" g="0" b="0"/>
                       </a:solidFill>
@@ -47395,7 +46719,221 @@
                     </a:p>
                   </a:txBody>
                   <a:tcPr marL="111453" marR="111453" marT="55727" marB="55727">
-                    <a:lnR w="12700" cap="flat" cmpd="sng" algn="ctr">
+                    <a:noFill/>
+                  </a:tcPr>
+                </a:tc>
+                <a:tc>
+                  <a:txBody>
+                    <a:bodyPr/>
+                    <a:lstStyle/>
+                    <a:p>
+                      <a:r>
+                        <a:rPr lang="en-US" sz="1000" dirty="0" smtClean="0"/>
+                        <a:t>1</a:t>
+                      </a:r>
+                      <a:endParaRPr lang="en-US" sz="1000" dirty="0"/>
+                    </a:p>
+                  </a:txBody>
+                  <a:tcPr marL="111453" marR="111453" marT="55727" marB="55727">
+                    <a:noFill/>
+                  </a:tcPr>
+                </a:tc>
+                <a:tc>
+                  <a:txBody>
+                    <a:bodyPr/>
+                    <a:lstStyle/>
+                    <a:p>
+                      <a:r>
+                        <a:rPr lang="en-US" sz="1000" dirty="0" smtClean="0"/>
+                        <a:t>1</a:t>
+                      </a:r>
+                      <a:endParaRPr lang="en-US" sz="1000" dirty="0"/>
+                    </a:p>
+                  </a:txBody>
+                  <a:tcPr marL="111453" marR="111453" marT="55727" marB="55727">
+                    <a:lnR w="28575" cap="flat" cmpd="sng" algn="ctr">
+                      <a:solidFill>
+                        <a:scrgbClr r="0" g="0" b="0"/>
+                      </a:solidFill>
+                      <a:prstDash val="solid"/>
+                      <a:round/>
+                      <a:headEnd type="none" w="med" len="med"/>
+                      <a:tailEnd type="none" w="med" len="med"/>
+                    </a:lnR>
+                    <a:noFill/>
+                  </a:tcPr>
+                </a:tc>
+              </a:tr>
+              <a:tr h="349866">
+                <a:tc>
+                  <a:txBody>
+                    <a:bodyPr/>
+                    <a:lstStyle/>
+                    <a:p>
+                      <a:r>
+                        <a:rPr lang="en-US" sz="1000" b="1" dirty="0" smtClean="0"/>
+                        <a:t>LOA CRIT</a:t>
+                      </a:r>
+                      <a:endParaRPr lang="en-US" sz="1000" b="1" dirty="0"/>
+                    </a:p>
+                  </a:txBody>
+                  <a:tcPr marL="111453" marR="111453" marT="55727" marB="55727">
+                    <a:noFill/>
+                  </a:tcPr>
+                </a:tc>
+                <a:tc>
+                  <a:txBody>
+                    <a:bodyPr/>
+                    <a:lstStyle/>
+                    <a:p>
+                      <a:r>
+                        <a:rPr lang="en-US" sz="1000" dirty="0" smtClean="0"/>
+                        <a:t>2</a:t>
+                      </a:r>
+                      <a:endParaRPr lang="en-US" sz="1000" dirty="0"/>
+                    </a:p>
+                  </a:txBody>
+                  <a:tcPr marL="111453" marR="111453" marT="55727" marB="55727">
+                    <a:noFill/>
+                  </a:tcPr>
+                </a:tc>
+                <a:tc>
+                  <a:txBody>
+                    <a:bodyPr/>
+                    <a:lstStyle/>
+                    <a:p>
+                      <a:r>
+                        <a:rPr lang="en-US" sz="1000" dirty="0" smtClean="0"/>
+                        <a:t>1</a:t>
+                      </a:r>
+                      <a:endParaRPr lang="en-US" sz="1000" dirty="0"/>
+                    </a:p>
+                  </a:txBody>
+                  <a:tcPr marL="111453" marR="111453" marT="55727" marB="55727">
+                    <a:noFill/>
+                  </a:tcPr>
+                </a:tc>
+                <a:tc>
+                  <a:txBody>
+                    <a:bodyPr/>
+                    <a:lstStyle/>
+                    <a:p>
+                      <a:r>
+                        <a:rPr lang="en-US" sz="1000" dirty="0" smtClean="0"/>
+                        <a:t>1</a:t>
+                      </a:r>
+                      <a:endParaRPr lang="en-US" sz="1000" dirty="0"/>
+                    </a:p>
+                  </a:txBody>
+                  <a:tcPr marL="111453" marR="111453" marT="55727" marB="55727">
+                    <a:noFill/>
+                  </a:tcPr>
+                </a:tc>
+                <a:tc>
+                  <a:txBody>
+                    <a:bodyPr/>
+                    <a:lstStyle/>
+                    <a:p>
+                      <a:r>
+                        <a:rPr lang="en-US" sz="1000" dirty="0" smtClean="0"/>
+                        <a:t>2</a:t>
+                      </a:r>
+                      <a:endParaRPr lang="en-US" sz="1000" dirty="0"/>
+                    </a:p>
+                  </a:txBody>
+                  <a:tcPr marL="111453" marR="111453" marT="55727" marB="55727">
+                    <a:lnR w="28575" cap="flat" cmpd="sng" algn="ctr">
+                      <a:solidFill>
+                        <a:scrgbClr r="0" g="0" b="0"/>
+                      </a:solidFill>
+                      <a:prstDash val="solid"/>
+                      <a:round/>
+                      <a:headEnd type="none" w="med" len="med"/>
+                      <a:tailEnd type="none" w="med" len="med"/>
+                    </a:lnR>
+                    <a:noFill/>
+                  </a:tcPr>
+                </a:tc>
+              </a:tr>
+              <a:tr h="349866">
+                <a:tc>
+                  <a:txBody>
+                    <a:bodyPr/>
+                    <a:lstStyle/>
+                    <a:p>
+                      <a:r>
+                        <a:rPr lang="en-US" sz="1000" b="1" dirty="0" smtClean="0"/>
+                        <a:t>LRPCR</a:t>
+                      </a:r>
+                      <a:endParaRPr lang="en-US" sz="1000" b="1" dirty="0"/>
+                    </a:p>
+                  </a:txBody>
+                  <a:tcPr marL="111453" marR="111453" marT="55727" marB="55727">
+                    <a:noFill/>
+                  </a:tcPr>
+                </a:tc>
+                <a:tc>
+                  <a:txBody>
+                    <a:bodyPr/>
+                    <a:lstStyle/>
+                    <a:p>
+                      <a:r>
+                        <a:rPr lang="en-US" sz="1000" dirty="0" smtClean="0"/>
+                        <a:t>X</a:t>
+                      </a:r>
+                      <a:endParaRPr lang="en-US" sz="1000" dirty="0"/>
+                    </a:p>
+                  </a:txBody>
+                  <a:tcPr marL="111453" marR="111453" marT="55727" marB="55727">
+                    <a:noFill/>
+                  </a:tcPr>
+                </a:tc>
+                <a:tc>
+                  <a:txBody>
+                    <a:bodyPr/>
+                    <a:lstStyle/>
+                    <a:p>
+                      <a:r>
+                        <a:rPr lang="en-US" sz="1000" dirty="0" smtClean="0"/>
+                        <a:t>X</a:t>
+                      </a:r>
+                      <a:endParaRPr lang="en-US" sz="1000" dirty="0"/>
+                    </a:p>
+                  </a:txBody>
+                  <a:tcPr marL="111453" marR="111453" marT="55727" marB="55727">
+                    <a:noFill/>
+                  </a:tcPr>
+                </a:tc>
+                <a:tc>
+                  <a:txBody>
+                    <a:bodyPr/>
+                    <a:lstStyle/>
+                    <a:p>
+                      <a:r>
+                        <a:rPr lang="en-US" sz="1000" dirty="0" smtClean="0"/>
+                        <a:t>Pass</a:t>
+                      </a:r>
+                      <a:endParaRPr lang="en-US" sz="1000" dirty="0"/>
+                    </a:p>
+                  </a:txBody>
+                  <a:tcPr marL="111453" marR="111453" marT="55727" marB="55727">
+                    <a:noFill/>
+                  </a:tcPr>
+                </a:tc>
+                <a:tc>
+                  <a:txBody>
+                    <a:bodyPr/>
+                    <a:lstStyle/>
+                    <a:p>
+                      <a:r>
+                        <a:rPr lang="en-US" sz="1000" dirty="0" smtClean="0"/>
+                        <a:t>X</a:t>
+                      </a:r>
+                      <a:endParaRPr lang="en-US" sz="1000" dirty="0"/>
+                    </a:p>
+                  </a:txBody>
+                  <a:tcPr marL="111453" marR="111453" marT="55727" marB="55727">
+                    <a:lnR w="28575" cap="flat" cmpd="sng" algn="ctr">
                       <a:solidFill>
                         <a:scrgbClr r="0" g="0" b="0"/>
                       </a:solidFill>
@@ -47421,7 +46959,7 @@
         <p:spPr>
           <a:xfrm>
             <a:off x="1557543" y="1140251"/>
-            <a:ext cx="534872" cy="369332"/>
+            <a:ext cx="955059" cy="369332"/>
           </a:xfrm>
           <a:prstGeom prst="rect">
             <a:avLst/>
@@ -47435,13 +46973,1147 @@
           <a:p>
             <a:r>
               <a:rPr lang="en-US" i="1" dirty="0" smtClean="0"/>
-              <a:t>EP</a:t>
+              <a:t>EP/PIQ:</a:t>
+            </a:r>
+            <a:endParaRPr lang="en-US" i="1" dirty="0"/>
+          </a:p>
+        </p:txBody>
+      </p:sp>
+      <p:grpSp>
+        <p:nvGrpSpPr>
+          <p:cNvPr id="4" name="Group 3"/>
+          <p:cNvGrpSpPr/>
+          <p:nvPr/>
+        </p:nvGrpSpPr>
+        <p:grpSpPr>
+          <a:xfrm>
+            <a:off x="2566104" y="1496776"/>
+            <a:ext cx="812653" cy="297589"/>
+            <a:chOff x="2566104" y="1496776"/>
+            <a:chExt cx="812653" cy="297589"/>
+          </a:xfrm>
+        </p:grpSpPr>
+        <p:sp>
+          <p:nvSpPr>
+            <p:cNvPr id="151" name="AutoShape 148"/>
+            <p:cNvSpPr>
+              <a:spLocks noChangeArrowheads="1"/>
+            </p:cNvSpPr>
+            <p:nvPr/>
+          </p:nvSpPr>
+          <p:spPr bwMode="auto">
+            <a:xfrm>
+              <a:off x="2566104" y="1543066"/>
+              <a:ext cx="812653" cy="251299"/>
+            </a:xfrm>
+            <a:prstGeom prst="roundRect">
+              <a:avLst>
+                <a:gd name="adj" fmla="val 16667"/>
+              </a:avLst>
+            </a:prstGeom>
+            <a:noFill/>
+            <a:ln w="6350" cmpd="sng">
+              <a:solidFill>
+                <a:schemeClr val="tx1"/>
+              </a:solidFill>
+              <a:round/>
+              <a:headEnd/>
+              <a:tailEnd/>
+            </a:ln>
+            <a:extLst>
+              <a:ext uri="{909E8E84-426E-40dd-AFC4-6F175D3DCCD1}">
+                <a14:hiddenFill xmlns:a14="http://schemas.microsoft.com/office/drawing/2010/main">
+                  <a:solidFill>
+                    <a:srgbClr val="FFFFFF"/>
+                  </a:solidFill>
+                </a14:hiddenFill>
+              </a:ext>
+            </a:extLst>
+          </p:spPr>
+          <p:txBody>
+            <a:bodyPr wrap="none" anchor="ctr"/>
+            <a:lstStyle/>
+            <a:p>
+              <a:endParaRPr lang="en-US">
+                <a:latin typeface="Calibri" charset="0"/>
+              </a:endParaRPr>
+            </a:p>
+          </p:txBody>
+        </p:sp>
+        <p:grpSp>
+          <p:nvGrpSpPr>
+            <p:cNvPr id="152" name="Group 151"/>
+            <p:cNvGrpSpPr/>
+            <p:nvPr/>
+          </p:nvGrpSpPr>
+          <p:grpSpPr>
+            <a:xfrm>
+              <a:off x="2604335" y="1695787"/>
+              <a:ext cx="724196" cy="70694"/>
+              <a:chOff x="5888186" y="2418891"/>
+              <a:chExt cx="724196" cy="70694"/>
+            </a:xfrm>
+          </p:grpSpPr>
+          <p:sp>
+            <p:nvSpPr>
+              <p:cNvPr id="164" name="Line 154"/>
+              <p:cNvSpPr>
+                <a:spLocks noChangeShapeType="1"/>
+              </p:cNvSpPr>
+              <p:nvPr/>
+            </p:nvSpPr>
+            <p:spPr bwMode="auto">
+              <a:xfrm>
+                <a:off x="5926987" y="2454238"/>
+                <a:ext cx="685395" cy="0"/>
+              </a:xfrm>
+              <a:prstGeom prst="line">
+                <a:avLst/>
+              </a:prstGeom>
+              <a:noFill/>
+              <a:ln w="6350" cmpd="sng">
+                <a:solidFill>
+                  <a:srgbClr val="000000"/>
+                </a:solidFill>
+                <a:round/>
+                <a:headEnd/>
+                <a:tailEnd/>
+              </a:ln>
+              <a:extLst>
+                <a:ext uri="{909E8E84-426E-40dd-AFC4-6F175D3DCCD1}">
+                  <a14:hiddenFill xmlns:a14="http://schemas.microsoft.com/office/drawing/2010/main">
+                    <a:noFill/>
+                  </a14:hiddenFill>
+                </a:ext>
+              </a:extLst>
+            </p:spPr>
+            <p:txBody>
+              <a:bodyPr/>
+              <a:lstStyle/>
+              <a:p>
+                <a:endParaRPr lang="en-US"/>
+              </a:p>
+            </p:txBody>
+          </p:sp>
+          <p:sp>
+            <p:nvSpPr>
+              <p:cNvPr id="165" name="Oval 158"/>
+              <p:cNvSpPr>
+                <a:spLocks noChangeArrowheads="1"/>
+              </p:cNvSpPr>
+              <p:nvPr/>
+            </p:nvSpPr>
+            <p:spPr bwMode="auto">
+              <a:xfrm>
+                <a:off x="5888186" y="2435820"/>
+                <a:ext cx="36837" cy="36837"/>
+              </a:xfrm>
+              <a:prstGeom prst="ellipse">
+                <a:avLst/>
+              </a:prstGeom>
+              <a:solidFill>
+                <a:schemeClr val="bg2"/>
+              </a:solidFill>
+              <a:ln w="6350" cmpd="sng">
+                <a:solidFill>
+                  <a:schemeClr val="tx1"/>
+                </a:solidFill>
+                <a:round/>
+                <a:headEnd/>
+                <a:tailEnd/>
+              </a:ln>
+            </p:spPr>
+            <p:txBody>
+              <a:bodyPr wrap="none" anchor="ctr"/>
+              <a:lstStyle/>
+              <a:p>
+                <a:endParaRPr lang="en-US">
+                  <a:latin typeface="Calibri" charset="0"/>
+                </a:endParaRPr>
+              </a:p>
+            </p:txBody>
+          </p:sp>
+          <p:sp>
+            <p:nvSpPr>
+              <p:cNvPr id="166" name="Rectangle 167"/>
+              <p:cNvSpPr>
+                <a:spLocks noChangeArrowheads="1"/>
+              </p:cNvSpPr>
+              <p:nvPr/>
+            </p:nvSpPr>
+            <p:spPr bwMode="auto">
+              <a:xfrm>
+                <a:off x="6308413" y="2418891"/>
+                <a:ext cx="25213" cy="70694"/>
+              </a:xfrm>
+              <a:prstGeom prst="rect">
+                <a:avLst/>
+              </a:prstGeom>
+              <a:solidFill>
+                <a:srgbClr val="FFFF00"/>
+              </a:solidFill>
+              <a:ln w="6350" cmpd="sng">
+                <a:solidFill>
+                  <a:srgbClr val="000000"/>
+                </a:solidFill>
+                <a:miter lim="800000"/>
+                <a:headEnd/>
+                <a:tailEnd/>
+              </a:ln>
+            </p:spPr>
+            <p:txBody>
+              <a:bodyPr wrap="none" lIns="91429" tIns="45715" rIns="91429" bIns="45715" anchor="ctr"/>
+              <a:lstStyle/>
+              <a:p>
+                <a:pPr algn="ctr"/>
+                <a:endParaRPr lang="en-US" altLang="zh-CN" sz="1600" i="1">
+                  <a:solidFill>
+                    <a:srgbClr val="F5F5F5"/>
+                  </a:solidFill>
+                  <a:latin typeface="Calibri" charset="0"/>
+                  <a:ea typeface="SimSun" charset="0"/>
+                  <a:cs typeface="SimSun" charset="0"/>
+                </a:endParaRPr>
+              </a:p>
+            </p:txBody>
+          </p:sp>
+        </p:grpSp>
+        <p:grpSp>
+          <p:nvGrpSpPr>
+            <p:cNvPr id="3" name="Group 2"/>
+            <p:cNvGrpSpPr/>
+            <p:nvPr/>
+          </p:nvGrpSpPr>
+          <p:grpSpPr>
+            <a:xfrm>
+              <a:off x="2602941" y="1496776"/>
+              <a:ext cx="771542" cy="215674"/>
+              <a:chOff x="4246734" y="1862603"/>
+              <a:chExt cx="771542" cy="215674"/>
+            </a:xfrm>
+          </p:grpSpPr>
+          <p:sp>
+            <p:nvSpPr>
+              <p:cNvPr id="156" name="AutoShape 165"/>
+              <p:cNvSpPr>
+                <a:spLocks noChangeArrowheads="1"/>
+              </p:cNvSpPr>
+              <p:nvPr/>
+            </p:nvSpPr>
+            <p:spPr bwMode="auto">
+              <a:xfrm rot="16200000" flipH="1">
+                <a:off x="4513228" y="1961744"/>
+                <a:ext cx="109209" cy="45719"/>
+              </a:xfrm>
+              <a:prstGeom prst="triangle">
+                <a:avLst>
+                  <a:gd name="adj" fmla="val 50000"/>
+                </a:avLst>
+              </a:prstGeom>
+              <a:solidFill>
+                <a:srgbClr val="D99694"/>
+              </a:solidFill>
+              <a:ln w="6350" cmpd="sng">
+                <a:solidFill>
+                  <a:srgbClr val="000000"/>
+                </a:solidFill>
+                <a:miter lim="800000"/>
+                <a:headEnd/>
+                <a:tailEnd/>
+              </a:ln>
+            </p:spPr>
+            <p:txBody>
+              <a:bodyPr wrap="none" anchor="ctr"/>
+              <a:lstStyle/>
+              <a:p>
+                <a:endParaRPr lang="en-US">
+                  <a:latin typeface="Calibri" charset="0"/>
+                </a:endParaRPr>
+              </a:p>
+            </p:txBody>
+          </p:sp>
+          <p:sp>
+            <p:nvSpPr>
+              <p:cNvPr id="154" name="Line 154"/>
+              <p:cNvSpPr>
+                <a:spLocks noChangeShapeType="1"/>
+              </p:cNvSpPr>
+              <p:nvPr/>
+            </p:nvSpPr>
+            <p:spPr bwMode="auto">
+              <a:xfrm>
+                <a:off x="4285535" y="1984603"/>
+                <a:ext cx="688336" cy="0"/>
+              </a:xfrm>
+              <a:prstGeom prst="line">
+                <a:avLst/>
+              </a:prstGeom>
+              <a:noFill/>
+              <a:ln w="6350" cmpd="sng">
+                <a:solidFill>
+                  <a:srgbClr val="000000"/>
+                </a:solidFill>
+                <a:round/>
+                <a:headEnd/>
+                <a:tailEnd/>
+              </a:ln>
+              <a:extLst>
+                <a:ext uri="{909E8E84-426E-40dd-AFC4-6F175D3DCCD1}">
+                  <a14:hiddenFill xmlns:a14="http://schemas.microsoft.com/office/drawing/2010/main">
+                    <a:noFill/>
+                  </a14:hiddenFill>
+                </a:ext>
+              </a:extLst>
+            </p:spPr>
+            <p:txBody>
+              <a:bodyPr/>
+              <a:lstStyle/>
+              <a:p>
+                <a:endParaRPr lang="en-US"/>
+              </a:p>
+            </p:txBody>
+          </p:sp>
+          <p:sp>
+            <p:nvSpPr>
+              <p:cNvPr id="155" name="Oval 158"/>
+              <p:cNvSpPr>
+                <a:spLocks noChangeArrowheads="1"/>
+              </p:cNvSpPr>
+              <p:nvPr/>
+            </p:nvSpPr>
+            <p:spPr bwMode="auto">
+              <a:xfrm>
+                <a:off x="4246734" y="1966185"/>
+                <a:ext cx="36837" cy="36837"/>
+              </a:xfrm>
+              <a:prstGeom prst="ellipse">
+                <a:avLst/>
+              </a:prstGeom>
+              <a:solidFill>
+                <a:schemeClr val="bg2"/>
+              </a:solidFill>
+              <a:ln w="6350" cmpd="sng">
+                <a:solidFill>
+                  <a:schemeClr val="tx1"/>
+                </a:solidFill>
+                <a:round/>
+                <a:headEnd/>
+                <a:tailEnd/>
+              </a:ln>
+            </p:spPr>
+            <p:txBody>
+              <a:bodyPr wrap="none" anchor="ctr"/>
+              <a:lstStyle/>
+              <a:p>
+                <a:endParaRPr lang="en-US">
+                  <a:latin typeface="Calibri" charset="0"/>
+                </a:endParaRPr>
+              </a:p>
+            </p:txBody>
+          </p:sp>
+          <p:grpSp>
+            <p:nvGrpSpPr>
+              <p:cNvPr id="157" name="Group 156"/>
+              <p:cNvGrpSpPr/>
+              <p:nvPr/>
+            </p:nvGrpSpPr>
+            <p:grpSpPr>
+              <a:xfrm>
+                <a:off x="4258826" y="1862833"/>
+                <a:ext cx="366027" cy="215444"/>
+                <a:chOff x="5970455" y="2478173"/>
+                <a:chExt cx="366027" cy="215444"/>
+              </a:xfrm>
+            </p:grpSpPr>
+            <p:sp>
+              <p:nvSpPr>
+                <p:cNvPr id="162" name="Rectangle 161"/>
+                <p:cNvSpPr/>
+                <p:nvPr/>
+              </p:nvSpPr>
+              <p:spPr bwMode="auto">
+                <a:xfrm>
+                  <a:off x="6034852" y="2550027"/>
+                  <a:ext cx="198900" cy="93410"/>
+                </a:xfrm>
+                <a:prstGeom prst="rect">
+                  <a:avLst/>
+                </a:prstGeom>
+                <a:solidFill>
+                  <a:srgbClr val="FFFFFF"/>
+                </a:solidFill>
+              </p:spPr>
+              <p:style>
+                <a:lnRef idx="1">
+                  <a:schemeClr val="accent1"/>
+                </a:lnRef>
+                <a:fillRef idx="3">
+                  <a:schemeClr val="accent1"/>
+                </a:fillRef>
+                <a:effectRef idx="2">
+                  <a:schemeClr val="accent1"/>
+                </a:effectRef>
+                <a:fontRef idx="minor">
+                  <a:schemeClr val="lt1"/>
+                </a:fontRef>
+              </p:style>
+              <p:txBody>
+                <a:bodyPr anchor="ctr"/>
+                <a:lstStyle/>
+                <a:p>
+                  <a:pPr algn="ctr">
+                    <a:defRPr/>
+                  </a:pPr>
+                  <a:endParaRPr lang="en-US" sz="800" dirty="0"/>
+                </a:p>
+              </p:txBody>
+            </p:sp>
+            <p:sp>
+              <p:nvSpPr>
+                <p:cNvPr id="163" name="TextBox 162"/>
+                <p:cNvSpPr txBox="1"/>
+                <p:nvPr/>
+              </p:nvSpPr>
+              <p:spPr>
+                <a:xfrm>
+                  <a:off x="5970455" y="2478173"/>
+                  <a:ext cx="366027" cy="215444"/>
+                </a:xfrm>
+                <a:prstGeom prst="rect">
+                  <a:avLst/>
+                </a:prstGeom>
+                <a:noFill/>
+              </p:spPr>
+              <p:txBody>
+                <a:bodyPr wrap="square" rtlCol="0">
+                  <a:spAutoFit/>
+                </a:bodyPr>
+                <a:lstStyle/>
+                <a:p>
+                  <a:r>
+                    <a:rPr lang="en-US" sz="800" dirty="0" err="1" smtClean="0"/>
+                    <a:t>Cre</a:t>
+                  </a:r>
+                  <a:endParaRPr lang="en-US" sz="800" dirty="0"/>
+                </a:p>
+              </p:txBody>
+            </p:sp>
+          </p:grpSp>
+          <p:sp>
+            <p:nvSpPr>
+              <p:cNvPr id="159" name="AutoShape 165"/>
+              <p:cNvSpPr>
+                <a:spLocks noChangeArrowheads="1"/>
+              </p:cNvSpPr>
+              <p:nvPr/>
+            </p:nvSpPr>
+            <p:spPr bwMode="auto">
+              <a:xfrm rot="16200000" flipH="1">
+                <a:off x="4851880" y="1961744"/>
+                <a:ext cx="109209" cy="45719"/>
+              </a:xfrm>
+              <a:prstGeom prst="triangle">
+                <a:avLst>
+                  <a:gd name="adj" fmla="val 50000"/>
+                </a:avLst>
+              </a:prstGeom>
+              <a:solidFill>
+                <a:schemeClr val="accent2">
+                  <a:lumMod val="60000"/>
+                  <a:lumOff val="40000"/>
+                </a:schemeClr>
+              </a:solidFill>
+              <a:ln w="6350" cmpd="sng">
+                <a:solidFill>
+                  <a:srgbClr val="000000"/>
+                </a:solidFill>
+                <a:miter lim="800000"/>
+                <a:headEnd/>
+                <a:tailEnd/>
+              </a:ln>
+            </p:spPr>
+            <p:txBody>
+              <a:bodyPr wrap="none" anchor="ctr"/>
+              <a:lstStyle/>
+              <a:p>
+                <a:endParaRPr lang="en-US">
+                  <a:latin typeface="Calibri" charset="0"/>
+                </a:endParaRPr>
+              </a:p>
+            </p:txBody>
+          </p:sp>
+          <p:sp>
+            <p:nvSpPr>
+              <p:cNvPr id="160" name="Rectangle 159"/>
+              <p:cNvSpPr/>
+              <p:nvPr/>
+            </p:nvSpPr>
+            <p:spPr bwMode="auto">
+              <a:xfrm>
+                <a:off x="4611880" y="1937898"/>
+                <a:ext cx="252852" cy="93410"/>
+              </a:xfrm>
+              <a:prstGeom prst="rect">
+                <a:avLst/>
+              </a:prstGeom>
+              <a:solidFill>
+                <a:srgbClr val="FFFFFF"/>
+              </a:solidFill>
+            </p:spPr>
+            <p:style>
+              <a:lnRef idx="1">
+                <a:schemeClr val="accent1"/>
+              </a:lnRef>
+              <a:fillRef idx="3">
+                <a:schemeClr val="accent1"/>
+              </a:fillRef>
+              <a:effectRef idx="2">
+                <a:schemeClr val="accent1"/>
+              </a:effectRef>
+              <a:fontRef idx="minor">
+                <a:schemeClr val="lt1"/>
+              </a:fontRef>
+            </p:style>
+            <p:txBody>
+              <a:bodyPr anchor="ctr"/>
+              <a:lstStyle/>
+              <a:p>
+                <a:pPr algn="ctr">
+                  <a:defRPr/>
+                </a:pPr>
+                <a:endParaRPr lang="en-US" sz="800" dirty="0"/>
+              </a:p>
+            </p:txBody>
+          </p:sp>
+          <p:sp>
+            <p:nvSpPr>
+              <p:cNvPr id="161" name="TextBox 160"/>
+              <p:cNvSpPr txBox="1"/>
+              <p:nvPr/>
+            </p:nvSpPr>
+            <p:spPr>
+              <a:xfrm>
+                <a:off x="4542997" y="1862603"/>
+                <a:ext cx="475279" cy="215444"/>
+              </a:xfrm>
+              <a:prstGeom prst="rect">
+                <a:avLst/>
+              </a:prstGeom>
+              <a:noFill/>
+            </p:spPr>
+            <p:txBody>
+              <a:bodyPr wrap="square" rtlCol="0">
+                <a:spAutoFit/>
+              </a:bodyPr>
+              <a:lstStyle/>
+              <a:p>
+                <a:r>
+                  <a:rPr lang="en-US" sz="800" dirty="0" err="1" smtClean="0"/>
+                  <a:t>Puro</a:t>
+                </a:r>
+                <a:endParaRPr lang="en-US" sz="800" dirty="0"/>
+              </a:p>
+            </p:txBody>
+          </p:sp>
+        </p:grpSp>
+      </p:grpSp>
+      <p:grpSp>
+        <p:nvGrpSpPr>
+          <p:cNvPr id="38" name="Group 37"/>
+          <p:cNvGrpSpPr/>
+          <p:nvPr/>
+        </p:nvGrpSpPr>
+        <p:grpSpPr>
+          <a:xfrm>
+            <a:off x="3480931" y="1496776"/>
+            <a:ext cx="812653" cy="297589"/>
+            <a:chOff x="2566104" y="1496776"/>
+            <a:chExt cx="812653" cy="297589"/>
+          </a:xfrm>
+        </p:grpSpPr>
+        <p:sp>
+          <p:nvSpPr>
+            <p:cNvPr id="39" name="AutoShape 148"/>
+            <p:cNvSpPr>
+              <a:spLocks noChangeArrowheads="1"/>
+            </p:cNvSpPr>
+            <p:nvPr/>
+          </p:nvSpPr>
+          <p:spPr bwMode="auto">
+            <a:xfrm>
+              <a:off x="2566104" y="1543066"/>
+              <a:ext cx="812653" cy="251299"/>
+            </a:xfrm>
+            <a:prstGeom prst="roundRect">
+              <a:avLst>
+                <a:gd name="adj" fmla="val 16667"/>
+              </a:avLst>
+            </a:prstGeom>
+            <a:noFill/>
+            <a:ln w="6350" cmpd="sng">
+              <a:solidFill>
+                <a:schemeClr val="tx1"/>
+              </a:solidFill>
+              <a:round/>
+              <a:headEnd/>
+              <a:tailEnd/>
+            </a:ln>
+            <a:extLst>
+              <a:ext uri="{909E8E84-426E-40dd-AFC4-6F175D3DCCD1}">
+                <a14:hiddenFill xmlns:a14="http://schemas.microsoft.com/office/drawing/2010/main">
+                  <a:solidFill>
+                    <a:srgbClr val="FFFFFF"/>
+                  </a:solidFill>
+                </a14:hiddenFill>
+              </a:ext>
+            </a:extLst>
+          </p:spPr>
+          <p:txBody>
+            <a:bodyPr wrap="none" anchor="ctr"/>
+            <a:lstStyle/>
+            <a:p>
+              <a:endParaRPr lang="en-US">
+                <a:latin typeface="Calibri" charset="0"/>
+              </a:endParaRPr>
+            </a:p>
+          </p:txBody>
+        </p:sp>
+        <p:grpSp>
+          <p:nvGrpSpPr>
+            <p:cNvPr id="40" name="Group 39"/>
+            <p:cNvGrpSpPr/>
+            <p:nvPr/>
+          </p:nvGrpSpPr>
+          <p:grpSpPr>
+            <a:xfrm>
+              <a:off x="2604335" y="1695787"/>
+              <a:ext cx="724196" cy="70694"/>
+              <a:chOff x="5888186" y="2418891"/>
+              <a:chExt cx="724196" cy="70694"/>
+            </a:xfrm>
+          </p:grpSpPr>
+          <p:sp>
+            <p:nvSpPr>
+              <p:cNvPr id="52" name="Line 154"/>
+              <p:cNvSpPr>
+                <a:spLocks noChangeShapeType="1"/>
+              </p:cNvSpPr>
+              <p:nvPr/>
+            </p:nvSpPr>
+            <p:spPr bwMode="auto">
+              <a:xfrm>
+                <a:off x="5926987" y="2454238"/>
+                <a:ext cx="685395" cy="0"/>
+              </a:xfrm>
+              <a:prstGeom prst="line">
+                <a:avLst/>
+              </a:prstGeom>
+              <a:noFill/>
+              <a:ln w="6350" cmpd="sng">
+                <a:solidFill>
+                  <a:srgbClr val="000000"/>
+                </a:solidFill>
+                <a:round/>
+                <a:headEnd/>
+                <a:tailEnd/>
+              </a:ln>
+              <a:extLst>
+                <a:ext uri="{909E8E84-426E-40dd-AFC4-6F175D3DCCD1}">
+                  <a14:hiddenFill xmlns:a14="http://schemas.microsoft.com/office/drawing/2010/main">
+                    <a:noFill/>
+                  </a14:hiddenFill>
+                </a:ext>
+              </a:extLst>
+            </p:spPr>
+            <p:txBody>
+              <a:bodyPr/>
+              <a:lstStyle/>
+              <a:p>
+                <a:endParaRPr lang="en-US"/>
+              </a:p>
+            </p:txBody>
+          </p:sp>
+          <p:sp>
+            <p:nvSpPr>
+              <p:cNvPr id="53" name="Oval 158"/>
+              <p:cNvSpPr>
+                <a:spLocks noChangeArrowheads="1"/>
+              </p:cNvSpPr>
+              <p:nvPr/>
+            </p:nvSpPr>
+            <p:spPr bwMode="auto">
+              <a:xfrm>
+                <a:off x="5888186" y="2435820"/>
+                <a:ext cx="36837" cy="36837"/>
+              </a:xfrm>
+              <a:prstGeom prst="ellipse">
+                <a:avLst/>
+              </a:prstGeom>
+              <a:solidFill>
+                <a:schemeClr val="bg2"/>
+              </a:solidFill>
+              <a:ln w="6350" cmpd="sng">
+                <a:solidFill>
+                  <a:schemeClr val="tx1"/>
+                </a:solidFill>
+                <a:round/>
+                <a:headEnd/>
+                <a:tailEnd/>
+              </a:ln>
+            </p:spPr>
+            <p:txBody>
+              <a:bodyPr wrap="none" anchor="ctr"/>
+              <a:lstStyle/>
+              <a:p>
+                <a:endParaRPr lang="en-US">
+                  <a:latin typeface="Calibri" charset="0"/>
+                </a:endParaRPr>
+              </a:p>
+            </p:txBody>
+          </p:sp>
+          <p:sp>
+            <p:nvSpPr>
+              <p:cNvPr id="54" name="Rectangle 167"/>
+              <p:cNvSpPr>
+                <a:spLocks noChangeArrowheads="1"/>
+              </p:cNvSpPr>
+              <p:nvPr/>
+            </p:nvSpPr>
+            <p:spPr bwMode="auto">
+              <a:xfrm>
+                <a:off x="6308413" y="2418891"/>
+                <a:ext cx="25213" cy="70694"/>
+              </a:xfrm>
+              <a:prstGeom prst="rect">
+                <a:avLst/>
+              </a:prstGeom>
+              <a:solidFill>
+                <a:srgbClr val="FFFF00"/>
+              </a:solidFill>
+              <a:ln w="6350" cmpd="sng">
+                <a:solidFill>
+                  <a:srgbClr val="000000"/>
+                </a:solidFill>
+                <a:miter lim="800000"/>
+                <a:headEnd/>
+                <a:tailEnd/>
+              </a:ln>
+            </p:spPr>
+            <p:txBody>
+              <a:bodyPr wrap="none" lIns="91429" tIns="45715" rIns="91429" bIns="45715" anchor="ctr"/>
+              <a:lstStyle/>
+              <a:p>
+                <a:pPr algn="ctr"/>
+                <a:endParaRPr lang="en-US" altLang="zh-CN" sz="1600" i="1">
+                  <a:solidFill>
+                    <a:srgbClr val="F5F5F5"/>
+                  </a:solidFill>
+                  <a:latin typeface="Calibri" charset="0"/>
+                  <a:ea typeface="SimSun" charset="0"/>
+                  <a:cs typeface="SimSun" charset="0"/>
+                </a:endParaRPr>
+              </a:p>
+            </p:txBody>
+          </p:sp>
+        </p:grpSp>
+        <p:grpSp>
+          <p:nvGrpSpPr>
+            <p:cNvPr id="41" name="Group 40"/>
+            <p:cNvGrpSpPr/>
+            <p:nvPr/>
+          </p:nvGrpSpPr>
+          <p:grpSpPr>
+            <a:xfrm>
+              <a:off x="2602941" y="1496776"/>
+              <a:ext cx="771542" cy="215674"/>
+              <a:chOff x="4246734" y="1862603"/>
+              <a:chExt cx="771542" cy="215674"/>
+            </a:xfrm>
+          </p:grpSpPr>
+          <p:sp>
+            <p:nvSpPr>
+              <p:cNvPr id="42" name="AutoShape 165"/>
+              <p:cNvSpPr>
+                <a:spLocks noChangeArrowheads="1"/>
+              </p:cNvSpPr>
+              <p:nvPr/>
+            </p:nvSpPr>
+            <p:spPr bwMode="auto">
+              <a:xfrm rot="16200000" flipH="1">
+                <a:off x="4513228" y="1961744"/>
+                <a:ext cx="109209" cy="45719"/>
+              </a:xfrm>
+              <a:prstGeom prst="triangle">
+                <a:avLst>
+                  <a:gd name="adj" fmla="val 50000"/>
+                </a:avLst>
+              </a:prstGeom>
+              <a:solidFill>
+                <a:srgbClr val="D99694"/>
+              </a:solidFill>
+              <a:ln w="6350" cmpd="sng">
+                <a:solidFill>
+                  <a:srgbClr val="000000"/>
+                </a:solidFill>
+                <a:miter lim="800000"/>
+                <a:headEnd/>
+                <a:tailEnd/>
+              </a:ln>
+            </p:spPr>
+            <p:txBody>
+              <a:bodyPr wrap="none" anchor="ctr"/>
+              <a:lstStyle/>
+              <a:p>
+                <a:endParaRPr lang="en-US">
+                  <a:latin typeface="Calibri" charset="0"/>
+                </a:endParaRPr>
+              </a:p>
+            </p:txBody>
+          </p:sp>
+          <p:sp>
+            <p:nvSpPr>
+              <p:cNvPr id="43" name="Line 154"/>
+              <p:cNvSpPr>
+                <a:spLocks noChangeShapeType="1"/>
+              </p:cNvSpPr>
+              <p:nvPr/>
+            </p:nvSpPr>
+            <p:spPr bwMode="auto">
+              <a:xfrm>
+                <a:off x="4285535" y="1984603"/>
+                <a:ext cx="688336" cy="0"/>
+              </a:xfrm>
+              <a:prstGeom prst="line">
+                <a:avLst/>
+              </a:prstGeom>
+              <a:noFill/>
+              <a:ln w="6350" cmpd="sng">
+                <a:solidFill>
+                  <a:srgbClr val="000000"/>
+                </a:solidFill>
+                <a:round/>
+                <a:headEnd/>
+                <a:tailEnd/>
+              </a:ln>
+              <a:extLst>
+                <a:ext uri="{909E8E84-426E-40dd-AFC4-6F175D3DCCD1}">
+                  <a14:hiddenFill xmlns:a14="http://schemas.microsoft.com/office/drawing/2010/main">
+                    <a:noFill/>
+                  </a14:hiddenFill>
+                </a:ext>
+              </a:extLst>
+            </p:spPr>
+            <p:txBody>
+              <a:bodyPr/>
+              <a:lstStyle/>
+              <a:p>
+                <a:endParaRPr lang="en-US"/>
+              </a:p>
+            </p:txBody>
+          </p:sp>
+          <p:sp>
+            <p:nvSpPr>
+              <p:cNvPr id="45" name="Oval 158"/>
+              <p:cNvSpPr>
+                <a:spLocks noChangeArrowheads="1"/>
+              </p:cNvSpPr>
+              <p:nvPr/>
+            </p:nvSpPr>
+            <p:spPr bwMode="auto">
+              <a:xfrm>
+                <a:off x="4246734" y="1966185"/>
+                <a:ext cx="36837" cy="36837"/>
+              </a:xfrm>
+              <a:prstGeom prst="ellipse">
+                <a:avLst/>
+              </a:prstGeom>
+              <a:solidFill>
+                <a:schemeClr val="bg2"/>
+              </a:solidFill>
+              <a:ln w="6350" cmpd="sng">
+                <a:solidFill>
+                  <a:schemeClr val="tx1"/>
+                </a:solidFill>
+                <a:round/>
+                <a:headEnd/>
+                <a:tailEnd/>
+              </a:ln>
+            </p:spPr>
+            <p:txBody>
+              <a:bodyPr wrap="none" anchor="ctr"/>
+              <a:lstStyle/>
+              <a:p>
+                <a:endParaRPr lang="en-US">
+                  <a:latin typeface="Calibri" charset="0"/>
+                </a:endParaRPr>
+              </a:p>
+            </p:txBody>
+          </p:sp>
+          <p:grpSp>
+            <p:nvGrpSpPr>
+              <p:cNvPr id="46" name="Group 45"/>
+              <p:cNvGrpSpPr/>
+              <p:nvPr/>
+            </p:nvGrpSpPr>
+            <p:grpSpPr>
+              <a:xfrm>
+                <a:off x="4258826" y="1862833"/>
+                <a:ext cx="366027" cy="215444"/>
+                <a:chOff x="5970455" y="2478173"/>
+                <a:chExt cx="366027" cy="215444"/>
+              </a:xfrm>
+            </p:grpSpPr>
+            <p:sp>
+              <p:nvSpPr>
+                <p:cNvPr id="50" name="Rectangle 49"/>
+                <p:cNvSpPr/>
+                <p:nvPr/>
+              </p:nvSpPr>
+              <p:spPr bwMode="auto">
+                <a:xfrm>
+                  <a:off x="6034852" y="2550027"/>
+                  <a:ext cx="198900" cy="93410"/>
+                </a:xfrm>
+                <a:prstGeom prst="rect">
+                  <a:avLst/>
+                </a:prstGeom>
+                <a:solidFill>
+                  <a:srgbClr val="FFFFFF"/>
+                </a:solidFill>
+              </p:spPr>
+              <p:style>
+                <a:lnRef idx="1">
+                  <a:schemeClr val="accent1"/>
+                </a:lnRef>
+                <a:fillRef idx="3">
+                  <a:schemeClr val="accent1"/>
+                </a:fillRef>
+                <a:effectRef idx="2">
+                  <a:schemeClr val="accent1"/>
+                </a:effectRef>
+                <a:fontRef idx="minor">
+                  <a:schemeClr val="lt1"/>
+                </a:fontRef>
+              </p:style>
+              <p:txBody>
+                <a:bodyPr anchor="ctr"/>
+                <a:lstStyle/>
+                <a:p>
+                  <a:pPr algn="ctr">
+                    <a:defRPr/>
+                  </a:pPr>
+                  <a:endParaRPr lang="en-US" sz="800" dirty="0"/>
+                </a:p>
+              </p:txBody>
+            </p:sp>
+            <p:sp>
+              <p:nvSpPr>
+                <p:cNvPr id="51" name="TextBox 50"/>
+                <p:cNvSpPr txBox="1"/>
+                <p:nvPr/>
+              </p:nvSpPr>
+              <p:spPr>
+                <a:xfrm>
+                  <a:off x="5970455" y="2478173"/>
+                  <a:ext cx="366027" cy="215444"/>
+                </a:xfrm>
+                <a:prstGeom prst="rect">
+                  <a:avLst/>
+                </a:prstGeom>
+                <a:noFill/>
+              </p:spPr>
+              <p:txBody>
+                <a:bodyPr wrap="square" rtlCol="0">
+                  <a:spAutoFit/>
+                </a:bodyPr>
+                <a:lstStyle/>
+                <a:p>
+                  <a:r>
+                    <a:rPr lang="en-US" sz="800" dirty="0" err="1" smtClean="0"/>
+                    <a:t>Cre</a:t>
+                  </a:r>
+                  <a:endParaRPr lang="en-US" sz="800" dirty="0"/>
+                </a:p>
+              </p:txBody>
+            </p:sp>
+          </p:grpSp>
+          <p:sp>
+            <p:nvSpPr>
+              <p:cNvPr id="47" name="AutoShape 165"/>
+              <p:cNvSpPr>
+                <a:spLocks noChangeArrowheads="1"/>
+              </p:cNvSpPr>
+              <p:nvPr/>
+            </p:nvSpPr>
+            <p:spPr bwMode="auto">
+              <a:xfrm rot="16200000" flipH="1">
+                <a:off x="4851880" y="1961744"/>
+                <a:ext cx="109209" cy="45719"/>
+              </a:xfrm>
+              <a:prstGeom prst="triangle">
+                <a:avLst>
+                  <a:gd name="adj" fmla="val 50000"/>
+                </a:avLst>
+              </a:prstGeom>
+              <a:solidFill>
+                <a:schemeClr val="accent2">
+                  <a:lumMod val="60000"/>
+                  <a:lumOff val="40000"/>
+                </a:schemeClr>
+              </a:solidFill>
+              <a:ln w="6350" cmpd="sng">
+                <a:solidFill>
+                  <a:srgbClr val="000000"/>
+                </a:solidFill>
+                <a:miter lim="800000"/>
+                <a:headEnd/>
+                <a:tailEnd/>
+              </a:ln>
+            </p:spPr>
+            <p:txBody>
+              <a:bodyPr wrap="none" anchor="ctr"/>
+              <a:lstStyle/>
+              <a:p>
+                <a:endParaRPr lang="en-US">
+                  <a:latin typeface="Calibri" charset="0"/>
+                </a:endParaRPr>
+              </a:p>
+            </p:txBody>
+          </p:sp>
+          <p:sp>
+            <p:nvSpPr>
+              <p:cNvPr id="48" name="Rectangle 47"/>
+              <p:cNvSpPr/>
+              <p:nvPr/>
+            </p:nvSpPr>
+            <p:spPr bwMode="auto">
+              <a:xfrm>
+                <a:off x="4611880" y="1937898"/>
+                <a:ext cx="252852" cy="93410"/>
+              </a:xfrm>
+              <a:prstGeom prst="rect">
+                <a:avLst/>
+              </a:prstGeom>
+              <a:solidFill>
+                <a:srgbClr val="FFFFFF"/>
+              </a:solidFill>
+            </p:spPr>
+            <p:style>
+              <a:lnRef idx="1">
+                <a:schemeClr val="accent1"/>
+              </a:lnRef>
+              <a:fillRef idx="3">
+                <a:schemeClr val="accent1"/>
+              </a:fillRef>
+              <a:effectRef idx="2">
+                <a:schemeClr val="accent1"/>
+              </a:effectRef>
+              <a:fontRef idx="minor">
+                <a:schemeClr val="lt1"/>
+              </a:fontRef>
+            </p:style>
+            <p:txBody>
+              <a:bodyPr anchor="ctr"/>
+              <a:lstStyle/>
+              <a:p>
+                <a:pPr algn="ctr">
+                  <a:defRPr/>
+                </a:pPr>
+                <a:endParaRPr lang="en-US" sz="800" dirty="0"/>
+              </a:p>
+            </p:txBody>
+          </p:sp>
+          <p:sp>
+            <p:nvSpPr>
+              <p:cNvPr id="49" name="TextBox 48"/>
+              <p:cNvSpPr txBox="1"/>
+              <p:nvPr/>
+            </p:nvSpPr>
+            <p:spPr>
+              <a:xfrm>
+                <a:off x="4542997" y="1862603"/>
+                <a:ext cx="475279" cy="215444"/>
+              </a:xfrm>
+              <a:prstGeom prst="rect">
+                <a:avLst/>
+              </a:prstGeom>
+              <a:noFill/>
+            </p:spPr>
+            <p:txBody>
+              <a:bodyPr wrap="square" rtlCol="0">
+                <a:spAutoFit/>
+              </a:bodyPr>
+              <a:lstStyle/>
+              <a:p>
+                <a:r>
+                  <a:rPr lang="en-US" sz="800" dirty="0" err="1" smtClean="0"/>
+                  <a:t>Puro</a:t>
+                </a:r>
+                <a:endParaRPr lang="en-US" sz="800" dirty="0"/>
+              </a:p>
+            </p:txBody>
+          </p:sp>
+        </p:grpSp>
+      </p:grpSp>
+      <p:sp>
+        <p:nvSpPr>
+          <p:cNvPr id="55" name="TextBox 54"/>
+          <p:cNvSpPr txBox="1"/>
+          <p:nvPr/>
+        </p:nvSpPr>
+        <p:spPr>
+          <a:xfrm>
+            <a:off x="7759700" y="83220"/>
+            <a:ext cx="2146300" cy="307777"/>
+          </a:xfrm>
+          <a:prstGeom prst="rect">
+            <a:avLst/>
+          </a:prstGeom>
+          <a:noFill/>
+        </p:spPr>
+        <p:txBody>
+          <a:bodyPr wrap="square" rtlCol="0">
+            <a:spAutoFit/>
+          </a:bodyPr>
+          <a:lstStyle/>
+          <a:p>
+            <a:r>
+              <a:rPr lang="en-US" sz="1400" dirty="0" smtClean="0">
+                <a:solidFill>
+                  <a:schemeClr val="bg1">
+                    <a:lumMod val="75000"/>
+                  </a:schemeClr>
+                </a:solidFill>
+              </a:rPr>
+              <a:t>version </a:t>
             </a:r>
             <a:r>
-              <a:rPr lang="en-US" i="1" dirty="0" smtClean="0"/>
-              <a:t>:</a:t>
+              <a:rPr lang="en-US" sz="1400" dirty="0" smtClean="0">
+                <a:solidFill>
+                  <a:schemeClr val="bg1">
+                    <a:lumMod val="75000"/>
+                  </a:schemeClr>
+                </a:solidFill>
+              </a:rPr>
+              <a:t>1.3 Dec 19th </a:t>
             </a:r>
-            <a:endParaRPr lang="en-US" i="1" dirty="0"/>
+            <a:r>
+              <a:rPr lang="en-US" sz="1400" dirty="0" smtClean="0">
+                <a:solidFill>
+                  <a:schemeClr val="bg1">
+                    <a:lumMod val="75000"/>
+                  </a:schemeClr>
+                </a:solidFill>
+              </a:rPr>
+              <a:t>2013</a:t>
+            </a:r>
+            <a:endParaRPr lang="en-US" sz="1400" dirty="0">
+              <a:solidFill>
+                <a:schemeClr val="bg1">
+                  <a:lumMod val="75000"/>
+                </a:schemeClr>
+              </a:solidFill>
+            </a:endParaRPr>
           </a:p>
         </p:txBody>
       </p:sp>
@@ -47483,7 +48155,7 @@
         </p:nvGrpSpPr>
         <p:grpSpPr>
           <a:xfrm>
-            <a:off x="1633957" y="1547578"/>
+            <a:off x="1650891" y="1547578"/>
             <a:ext cx="812653" cy="251299"/>
             <a:chOff x="6612383" y="751548"/>
             <a:chExt cx="812653" cy="251299"/>
@@ -47821,7 +48493,7 @@
         </p:nvGrpSpPr>
         <p:grpSpPr>
           <a:xfrm>
-            <a:off x="2566104" y="1543066"/>
+            <a:off x="2583038" y="1543066"/>
             <a:ext cx="812653" cy="255811"/>
             <a:chOff x="6612383" y="1153548"/>
             <a:chExt cx="812653" cy="255811"/>
@@ -48374,7 +49046,7 @@
         </p:nvGrpSpPr>
         <p:grpSpPr>
           <a:xfrm>
-            <a:off x="3488158" y="1539852"/>
+            <a:off x="3505092" y="1539852"/>
             <a:ext cx="812653" cy="263656"/>
             <a:chOff x="6612383" y="1590032"/>
             <a:chExt cx="812653" cy="263656"/>
@@ -48828,15 +49500,7 @@
             </a:r>
             <a:r>
               <a:rPr lang="en-US" u="sng" dirty="0" smtClean="0"/>
-              <a:t> Standard </a:t>
-            </a:r>
-            <a:r>
-              <a:rPr lang="en-US" u="sng" dirty="0" smtClean="0"/>
-              <a:t>Workflow </a:t>
-            </a:r>
-            <a:r>
-              <a:rPr lang="en-US" u="sng" dirty="0" smtClean="0"/>
-              <a:t>– </a:t>
+              <a:t> Standard Workflow – </a:t>
             </a:r>
             <a:r>
               <a:rPr lang="en-US" u="sng" dirty="0" err="1" smtClean="0"/>
@@ -48852,11 +49516,7 @@
             </a:r>
             <a:r>
               <a:rPr lang="en-US" u="sng" dirty="0" smtClean="0"/>
-              <a:t> </a:t>
-            </a:r>
-            <a:r>
-              <a:rPr lang="en-US" u="sng" dirty="0" smtClean="0"/>
-              <a:t>]</a:t>
+              <a:t> ]</a:t>
             </a:r>
           </a:p>
           <a:p>
@@ -48901,14 +49561,14 @@
           <p:nvPr>
             <p:extLst>
               <p:ext uri="{D42A27DB-BD31-4B8C-83A1-F6EECF244321}">
-                <p14:modId xmlns:p14="http://schemas.microsoft.com/office/powerpoint/2010/main" val="2803866129"/>
+                <p14:modId xmlns:p14="http://schemas.microsoft.com/office/powerpoint/2010/main" val="2938653561"/>
               </p:ext>
             </p:extLst>
           </p:nvPr>
         </p:nvGraphicFramePr>
         <p:xfrm>
-          <a:off x="615042" y="1497772"/>
-          <a:ext cx="3753955" cy="1749330"/>
+          <a:off x="615041" y="1497772"/>
+          <a:ext cx="7529891" cy="2667850"/>
         </p:xfrm>
         <a:graphic>
           <a:graphicData uri="http://schemas.openxmlformats.org/drawingml/2006/table">
@@ -48917,10 +49577,14 @@
                 <a:tableStyleId>{D7AC3CCA-C797-4891-BE02-D94E43425B78}</a:tableStyleId>
               </a:tblPr>
               <a:tblGrid>
-                <a:gridCol w="955781"/>
-                <a:gridCol w="936870"/>
-                <a:gridCol w="929525"/>
-                <a:gridCol w="931779"/>
+                <a:gridCol w="962020"/>
+                <a:gridCol w="942985"/>
+                <a:gridCol w="935591"/>
+                <a:gridCol w="937859"/>
+                <a:gridCol w="937859"/>
+                <a:gridCol w="937859"/>
+                <a:gridCol w="937859"/>
+                <a:gridCol w="937859"/>
               </a:tblGrid>
               <a:tr h="349866">
                 <a:tc>
@@ -48969,6 +49633,162 @@
                       <a:headEnd type="none" w="med" len="med"/>
                       <a:tailEnd type="none" w="med" len="med"/>
                     </a:lnR>
+                    <a:noFill/>
+                  </a:tcPr>
+                </a:tc>
+                <a:tc>
+                  <a:txBody>
+                    <a:bodyPr/>
+                    <a:lstStyle/>
+                    <a:p>
+                      <a:endParaRPr lang="en-US" sz="1000" dirty="0"/>
+                    </a:p>
+                  </a:txBody>
+                  <a:tcPr marL="111453" marR="111453" marT="55727" marB="55727">
+                    <a:lnL w="12700" cap="flat" cmpd="sng" algn="ctr">
+                      <a:solidFill>
+                        <a:scrgbClr r="0" g="0" b="0"/>
+                      </a:solidFill>
+                      <a:prstDash val="solid"/>
+                      <a:round/>
+                      <a:headEnd type="none" w="med" len="med"/>
+                      <a:tailEnd type="none" w="med" len="med"/>
+                    </a:lnL>
+                    <a:lnR w="12700" cap="flat" cmpd="sng" algn="ctr">
+                      <a:solidFill>
+                        <a:scrgbClr r="0" g="0" b="0"/>
+                      </a:solidFill>
+                      <a:prstDash val="solid"/>
+                      <a:round/>
+                      <a:headEnd type="none" w="med" len="med"/>
+                      <a:tailEnd type="none" w="med" len="med"/>
+                    </a:lnR>
+                    <a:lnT w="12700" cap="flat" cmpd="sng" algn="ctr">
+                      <a:solidFill>
+                        <a:scrgbClr r="0" g="0" b="0"/>
+                      </a:solidFill>
+                      <a:prstDash val="solid"/>
+                      <a:round/>
+                      <a:headEnd type="none" w="med" len="med"/>
+                      <a:tailEnd type="none" w="med" len="med"/>
+                    </a:lnT>
+                    <a:noFill/>
+                  </a:tcPr>
+                </a:tc>
+                <a:tc>
+                  <a:txBody>
+                    <a:bodyPr/>
+                    <a:lstStyle/>
+                    <a:p>
+                      <a:endParaRPr lang="en-US" sz="1000" dirty="0"/>
+                    </a:p>
+                  </a:txBody>
+                  <a:tcPr marL="111453" marR="111453" marT="55727" marB="55727">
+                    <a:lnL w="12700" cap="flat" cmpd="sng" algn="ctr">
+                      <a:solidFill>
+                        <a:scrgbClr r="0" g="0" b="0"/>
+                      </a:solidFill>
+                      <a:prstDash val="solid"/>
+                      <a:round/>
+                      <a:headEnd type="none" w="med" len="med"/>
+                      <a:tailEnd type="none" w="med" len="med"/>
+                    </a:lnL>
+                    <a:lnR w="12700" cap="flat" cmpd="sng" algn="ctr">
+                      <a:solidFill>
+                        <a:scrgbClr r="0" g="0" b="0"/>
+                      </a:solidFill>
+                      <a:prstDash val="solid"/>
+                      <a:round/>
+                      <a:headEnd type="none" w="med" len="med"/>
+                      <a:tailEnd type="none" w="med" len="med"/>
+                    </a:lnR>
+                    <a:lnT w="12700" cap="flat" cmpd="sng" algn="ctr">
+                      <a:solidFill>
+                        <a:scrgbClr r="0" g="0" b="0"/>
+                      </a:solidFill>
+                      <a:prstDash val="solid"/>
+                      <a:round/>
+                      <a:headEnd type="none" w="med" len="med"/>
+                      <a:tailEnd type="none" w="med" len="med"/>
+                    </a:lnT>
+                    <a:noFill/>
+                  </a:tcPr>
+                </a:tc>
+                <a:tc>
+                  <a:txBody>
+                    <a:bodyPr/>
+                    <a:lstStyle/>
+                    <a:p>
+                      <a:endParaRPr lang="en-US" sz="1000" dirty="0"/>
+                    </a:p>
+                  </a:txBody>
+                  <a:tcPr marL="111453" marR="111453" marT="55727" marB="55727">
+                    <a:lnL w="12700" cap="flat" cmpd="sng" algn="ctr">
+                      <a:solidFill>
+                        <a:scrgbClr r="0" g="0" b="0"/>
+                      </a:solidFill>
+                      <a:prstDash val="solid"/>
+                      <a:round/>
+                      <a:headEnd type="none" w="med" len="med"/>
+                      <a:tailEnd type="none" w="med" len="med"/>
+                    </a:lnL>
+                    <a:lnR w="12700" cap="flat" cmpd="sng" algn="ctr">
+                      <a:solidFill>
+                        <a:scrgbClr r="0" g="0" b="0"/>
+                      </a:solidFill>
+                      <a:prstDash val="solid"/>
+                      <a:round/>
+                      <a:headEnd type="none" w="med" len="med"/>
+                      <a:tailEnd type="none" w="med" len="med"/>
+                    </a:lnR>
+                    <a:lnT w="12700" cap="flat" cmpd="sng" algn="ctr">
+                      <a:solidFill>
+                        <a:scrgbClr r="0" g="0" b="0"/>
+                      </a:solidFill>
+                      <a:prstDash val="solid"/>
+                      <a:round/>
+                      <a:headEnd type="none" w="med" len="med"/>
+                      <a:tailEnd type="none" w="med" len="med"/>
+                    </a:lnT>
+                    <a:noFill/>
+                  </a:tcPr>
+                </a:tc>
+                <a:tc>
+                  <a:txBody>
+                    <a:bodyPr/>
+                    <a:lstStyle/>
+                    <a:p>
+                      <a:endParaRPr lang="en-US" sz="1000" dirty="0"/>
+                    </a:p>
+                  </a:txBody>
+                  <a:tcPr marL="111453" marR="111453" marT="55727" marB="55727">
+                    <a:lnL w="12700" cap="flat" cmpd="sng" algn="ctr">
+                      <a:solidFill>
+                        <a:scrgbClr r="0" g="0" b="0"/>
+                      </a:solidFill>
+                      <a:prstDash val="solid"/>
+                      <a:round/>
+                      <a:headEnd type="none" w="med" len="med"/>
+                      <a:tailEnd type="none" w="med" len="med"/>
+                    </a:lnL>
+                    <a:lnR w="12700" cap="flat" cmpd="sng" algn="ctr">
+                      <a:solidFill>
+                        <a:scrgbClr r="0" g="0" b="0"/>
+                      </a:solidFill>
+                      <a:prstDash val="solid"/>
+                      <a:round/>
+                      <a:headEnd type="none" w="med" len="med"/>
+                      <a:tailEnd type="none" w="med" len="med"/>
+                    </a:lnR>
+                    <a:lnT w="12700" cap="flat" cmpd="sng" algn="ctr">
+                      <a:solidFill>
+                        <a:scrgbClr r="0" g="0" b="0"/>
+                      </a:solidFill>
+                      <a:prstDash val="solid"/>
+                      <a:round/>
+                      <a:headEnd type="none" w="med" len="med"/>
+                      <a:tailEnd type="none" w="med" len="med"/>
+                    </a:lnT>
                     <a:noFill/>
                   </a:tcPr>
                 </a:tc>
@@ -49116,6 +49936,202 @@
                       <a:headEnd type="none" w="med" len="med"/>
                       <a:tailEnd type="none" w="med" len="med"/>
                     </a:lnL>
+                    <a:lnR w="12700" cap="flat" cmpd="sng" algn="ctr">
+                      <a:solidFill>
+                        <a:scrgbClr r="0" g="0" b="0"/>
+                      </a:solidFill>
+                      <a:prstDash val="solid"/>
+                      <a:round/>
+                      <a:headEnd type="none" w="med" len="med"/>
+                      <a:tailEnd type="none" w="med" len="med"/>
+                    </a:lnR>
+                    <a:noFill/>
+                  </a:tcPr>
+                </a:tc>
+                <a:tc>
+                  <a:txBody>
+                    <a:bodyPr/>
+                    <a:lstStyle/>
+                    <a:p>
+                      <a:r>
+                        <a:rPr lang="en-US" sz="1000" b="1" dirty="0" smtClean="0"/>
+                        <a:t>tm1 </a:t>
+                      </a:r>
+                      <a:r>
+                        <a:rPr lang="en-US" sz="1000" b="1" dirty="0" err="1" smtClean="0"/>
+                        <a:t>lrpcr</a:t>
+                      </a:r>
+                      <a:r>
+                        <a:rPr lang="en-US" sz="1000" b="1" dirty="0" smtClean="0"/>
+                        <a:t>/</a:t>
+                      </a:r>
+                      <a:r>
+                        <a:rPr lang="en-US" sz="1000" b="1" dirty="0" err="1" smtClean="0"/>
+                        <a:t>wt</a:t>
+                      </a:r>
+                      <a:endParaRPr lang="en-US" sz="1000" b="1" dirty="0"/>
+                    </a:p>
+                  </a:txBody>
+                  <a:tcPr marL="111453" marR="111453" marT="55727" marB="55727">
+                    <a:lnL w="12700" cap="flat" cmpd="sng" algn="ctr">
+                      <a:solidFill>
+                        <a:scrgbClr r="0" g="0" b="0"/>
+                      </a:solidFill>
+                      <a:prstDash val="solid"/>
+                      <a:round/>
+                      <a:headEnd type="none" w="med" len="med"/>
+                      <a:tailEnd type="none" w="med" len="med"/>
+                    </a:lnL>
+                    <a:lnR w="12700" cap="flat" cmpd="sng" algn="ctr">
+                      <a:solidFill>
+                        <a:scrgbClr r="0" g="0" b="0"/>
+                      </a:solidFill>
+                      <a:prstDash val="solid"/>
+                      <a:round/>
+                      <a:headEnd type="none" w="med" len="med"/>
+                      <a:tailEnd type="none" w="med" len="med"/>
+                    </a:lnR>
+                    <a:noFill/>
+                  </a:tcPr>
+                </a:tc>
+                <a:tc>
+                  <a:txBody>
+                    <a:bodyPr/>
+                    <a:lstStyle/>
+                    <a:p>
+                      <a:r>
+                        <a:rPr lang="en-US" sz="1000" b="1" dirty="0" smtClean="0"/>
+                        <a:t>tm1.1 </a:t>
+                      </a:r>
+                      <a:r>
+                        <a:rPr lang="en-US" sz="1000" b="1" dirty="0" err="1" smtClean="0"/>
+                        <a:t>lrpcr</a:t>
+                      </a:r>
+                      <a:r>
+                        <a:rPr lang="en-US" sz="1000" b="1" dirty="0" smtClean="0"/>
+                        <a:t>/</a:t>
+                      </a:r>
+                      <a:r>
+                        <a:rPr lang="en-US" sz="1000" b="1" dirty="0" err="1" smtClean="0"/>
+                        <a:t>wt</a:t>
+                      </a:r>
+                      <a:endParaRPr lang="en-US" sz="1000" b="1" dirty="0"/>
+                    </a:p>
+                  </a:txBody>
+                  <a:tcPr marL="111453" marR="111453" marT="55727" marB="55727">
+                    <a:lnL w="12700" cap="flat" cmpd="sng" algn="ctr">
+                      <a:solidFill>
+                        <a:scrgbClr r="0" g="0" b="0"/>
+                      </a:solidFill>
+                      <a:prstDash val="solid"/>
+                      <a:round/>
+                      <a:headEnd type="none" w="med" len="med"/>
+                      <a:tailEnd type="none" w="med" len="med"/>
+                    </a:lnL>
+                    <a:lnR w="12700" cap="flat" cmpd="sng" algn="ctr">
+                      <a:solidFill>
+                        <a:scrgbClr r="0" g="0" b="0"/>
+                      </a:solidFill>
+                      <a:prstDash val="solid"/>
+                      <a:round/>
+                      <a:headEnd type="none" w="med" len="med"/>
+                      <a:tailEnd type="none" w="med" len="med"/>
+                    </a:lnR>
+                    <a:noFill/>
+                  </a:tcPr>
+                </a:tc>
+                <a:tc>
+                  <a:txBody>
+                    <a:bodyPr/>
+                    <a:lstStyle/>
+                    <a:p>
+                      <a:r>
+                        <a:rPr lang="en-US" sz="1000" b="1" dirty="0" err="1" smtClean="0"/>
+                        <a:t>wt</a:t>
+                      </a:r>
+                      <a:r>
+                        <a:rPr lang="en-US" sz="1000" b="1" dirty="0" smtClean="0"/>
+                        <a:t> </a:t>
+                      </a:r>
+                      <a:r>
+                        <a:rPr lang="en-US" sz="1000" b="1" dirty="0" err="1" smtClean="0"/>
+                        <a:t>crepuro</a:t>
+                      </a:r>
+                      <a:r>
+                        <a:rPr lang="en-US" sz="1000" b="1" dirty="0" smtClean="0"/>
+                        <a:t> off target/</a:t>
+                      </a:r>
+                      <a:r>
+                        <a:rPr lang="en-US" sz="1000" b="1" dirty="0" err="1" smtClean="0"/>
+                        <a:t>wt</a:t>
+                      </a:r>
+                      <a:r>
+                        <a:rPr lang="en-US" sz="1000" b="1" dirty="0" smtClean="0"/>
+                        <a:t>/</a:t>
+                      </a:r>
+                      <a:endParaRPr lang="en-US" sz="1000" b="1" dirty="0"/>
+                    </a:p>
+                  </a:txBody>
+                  <a:tcPr marL="111453" marR="111453" marT="55727" marB="55727">
+                    <a:lnL w="12700" cap="flat" cmpd="sng" algn="ctr">
+                      <a:solidFill>
+                        <a:scrgbClr r="0" g="0" b="0"/>
+                      </a:solidFill>
+                      <a:prstDash val="solid"/>
+                      <a:round/>
+                      <a:headEnd type="none" w="med" len="med"/>
+                      <a:tailEnd type="none" w="med" len="med"/>
+                    </a:lnL>
+                    <a:lnR w="12700" cap="flat" cmpd="sng" algn="ctr">
+                      <a:solidFill>
+                        <a:scrgbClr r="0" g="0" b="0"/>
+                      </a:solidFill>
+                      <a:prstDash val="solid"/>
+                      <a:round/>
+                      <a:headEnd type="none" w="med" len="med"/>
+                      <a:tailEnd type="none" w="med" len="med"/>
+                    </a:lnR>
+                    <a:noFill/>
+                  </a:tcPr>
+                </a:tc>
+                <a:tc>
+                  <a:txBody>
+                    <a:bodyPr/>
+                    <a:lstStyle/>
+                    <a:p>
+                      <a:r>
+                        <a:rPr lang="en-US" sz="1000" b="1" dirty="0" err="1" smtClean="0"/>
+                        <a:t>wt</a:t>
+                      </a:r>
+                      <a:r>
+                        <a:rPr lang="en-US" sz="1000" b="1" dirty="0" smtClean="0"/>
+                        <a:t> </a:t>
+                      </a:r>
+                      <a:r>
+                        <a:rPr lang="en-US" sz="1000" b="1" dirty="0" err="1" smtClean="0"/>
+                        <a:t>cre</a:t>
+                      </a:r>
+                      <a:r>
+                        <a:rPr lang="en-US" sz="1000" b="1" dirty="0" smtClean="0"/>
+                        <a:t> off target/</a:t>
+                      </a:r>
+                      <a:r>
+                        <a:rPr lang="en-US" sz="1000" b="1" dirty="0" err="1" smtClean="0"/>
+                        <a:t>wt</a:t>
+                      </a:r>
+                      <a:endParaRPr lang="en-US" sz="1000" b="1" dirty="0"/>
+                    </a:p>
+                  </a:txBody>
+                  <a:tcPr marL="111453" marR="111453" marT="55727" marB="55727">
+                    <a:lnL w="12700" cap="flat" cmpd="sng" algn="ctr">
+                      <a:solidFill>
+                        <a:scrgbClr r="0" g="0" b="0"/>
+                      </a:solidFill>
+                      <a:prstDash val="solid"/>
+                      <a:round/>
+                      <a:headEnd type="none" w="med" len="med"/>
+                      <a:tailEnd type="none" w="med" len="med"/>
+                    </a:lnL>
                     <a:noFill/>
                   </a:tcPr>
                 </a:tc>
@@ -49166,6 +50182,142 @@
                     </a:p>
                   </a:txBody>
                   <a:tcPr marL="111453" marR="111453" marT="55727" marB="55727">
+                    <a:lnR w="12700" cap="flat" cmpd="sng" algn="ctr">
+                      <a:solidFill>
+                        <a:scrgbClr r="0" g="0" b="0"/>
+                      </a:solidFill>
+                      <a:prstDash val="solid"/>
+                      <a:round/>
+                      <a:headEnd type="none" w="med" len="med"/>
+                      <a:tailEnd type="none" w="med" len="med"/>
+                    </a:lnR>
+                    <a:noFill/>
+                  </a:tcPr>
+                </a:tc>
+                <a:tc>
+                  <a:txBody>
+                    <a:bodyPr/>
+                    <a:lstStyle/>
+                    <a:p>
+                      <a:r>
+                        <a:rPr lang="en-US" sz="1000" dirty="0" smtClean="0"/>
+                        <a:t>1</a:t>
+                      </a:r>
+                      <a:endParaRPr lang="en-US" sz="1000" dirty="0"/>
+                    </a:p>
+                  </a:txBody>
+                  <a:tcPr marL="111453" marR="111453" marT="55727" marB="55727">
+                    <a:lnL w="12700" cap="flat" cmpd="sng" algn="ctr">
+                      <a:solidFill>
+                        <a:scrgbClr r="0" g="0" b="0"/>
+                      </a:solidFill>
+                      <a:prstDash val="solid"/>
+                      <a:round/>
+                      <a:headEnd type="none" w="med" len="med"/>
+                      <a:tailEnd type="none" w="med" len="med"/>
+                    </a:lnL>
+                    <a:lnR w="12700" cap="flat" cmpd="sng" algn="ctr">
+                      <a:solidFill>
+                        <a:scrgbClr r="0" g="0" b="0"/>
+                      </a:solidFill>
+                      <a:prstDash val="solid"/>
+                      <a:round/>
+                      <a:headEnd type="none" w="med" len="med"/>
+                      <a:tailEnd type="none" w="med" len="med"/>
+                    </a:lnR>
+                    <a:noFill/>
+                  </a:tcPr>
+                </a:tc>
+                <a:tc>
+                  <a:txBody>
+                    <a:bodyPr/>
+                    <a:lstStyle/>
+                    <a:p>
+                      <a:r>
+                        <a:rPr lang="en-US" sz="1000" dirty="0" smtClean="0"/>
+                        <a:t>1</a:t>
+                      </a:r>
+                      <a:endParaRPr lang="en-US" sz="1000" dirty="0"/>
+                    </a:p>
+                  </a:txBody>
+                  <a:tcPr marL="111453" marR="111453" marT="55727" marB="55727">
+                    <a:lnL w="12700" cap="flat" cmpd="sng" algn="ctr">
+                      <a:solidFill>
+                        <a:scrgbClr r="0" g="0" b="0"/>
+                      </a:solidFill>
+                      <a:prstDash val="solid"/>
+                      <a:round/>
+                      <a:headEnd type="none" w="med" len="med"/>
+                      <a:tailEnd type="none" w="med" len="med"/>
+                    </a:lnL>
+                    <a:lnR w="12700" cap="flat" cmpd="sng" algn="ctr">
+                      <a:solidFill>
+                        <a:scrgbClr r="0" g="0" b="0"/>
+                      </a:solidFill>
+                      <a:prstDash val="solid"/>
+                      <a:round/>
+                      <a:headEnd type="none" w="med" len="med"/>
+                      <a:tailEnd type="none" w="med" len="med"/>
+                    </a:lnR>
+                    <a:noFill/>
+                  </a:tcPr>
+                </a:tc>
+                <a:tc>
+                  <a:txBody>
+                    <a:bodyPr/>
+                    <a:lstStyle/>
+                    <a:p>
+                      <a:r>
+                        <a:rPr lang="en-US" sz="1000" dirty="0" smtClean="0"/>
+                        <a:t>1</a:t>
+                      </a:r>
+                      <a:endParaRPr lang="en-US" sz="1000" dirty="0"/>
+                    </a:p>
+                  </a:txBody>
+                  <a:tcPr marL="111453" marR="111453" marT="55727" marB="55727">
+                    <a:lnL w="12700" cap="flat" cmpd="sng" algn="ctr">
+                      <a:solidFill>
+                        <a:scrgbClr r="0" g="0" b="0"/>
+                      </a:solidFill>
+                      <a:prstDash val="solid"/>
+                      <a:round/>
+                      <a:headEnd type="none" w="med" len="med"/>
+                      <a:tailEnd type="none" w="med" len="med"/>
+                    </a:lnL>
+                    <a:lnR w="12700" cap="flat" cmpd="sng" algn="ctr">
+                      <a:solidFill>
+                        <a:scrgbClr r="0" g="0" b="0"/>
+                      </a:solidFill>
+                      <a:prstDash val="solid"/>
+                      <a:round/>
+                      <a:headEnd type="none" w="med" len="med"/>
+                      <a:tailEnd type="none" w="med" len="med"/>
+                    </a:lnR>
+                    <a:noFill/>
+                  </a:tcPr>
+                </a:tc>
+                <a:tc>
+                  <a:txBody>
+                    <a:bodyPr/>
+                    <a:lstStyle/>
+                    <a:p>
+                      <a:r>
+                        <a:rPr lang="en-US" sz="1000" dirty="0" smtClean="0"/>
+                        <a:t>1</a:t>
+                      </a:r>
+                      <a:endParaRPr lang="en-US" sz="1000" dirty="0"/>
+                    </a:p>
+                  </a:txBody>
+                  <a:tcPr marL="111453" marR="111453" marT="55727" marB="55727">
+                    <a:lnL w="12700" cap="flat" cmpd="sng" algn="ctr">
+                      <a:solidFill>
+                        <a:scrgbClr r="0" g="0" b="0"/>
+                      </a:solidFill>
+                      <a:prstDash val="solid"/>
+                      <a:round/>
+                      <a:headEnd type="none" w="med" len="med"/>
+                      <a:tailEnd type="none" w="med" len="med"/>
+                    </a:lnL>
                     <a:lnR w="12700" cap="flat" cmpd="sng" algn="ctr">
                       <a:solidFill>
                         <a:scrgbClr r="0" g="0" b="0"/>
@@ -49284,6 +50436,142 @@
                       <a:headEnd type="none" w="med" len="med"/>
                       <a:tailEnd type="none" w="med" len="med"/>
                     </a:lnL>
+                    <a:lnR w="12700" cap="flat" cmpd="sng" algn="ctr">
+                      <a:solidFill>
+                        <a:scrgbClr r="0" g="0" b="0"/>
+                      </a:solidFill>
+                      <a:prstDash val="solid"/>
+                      <a:round/>
+                      <a:headEnd type="none" w="med" len="med"/>
+                      <a:tailEnd type="none" w="med" len="med"/>
+                    </a:lnR>
+                    <a:noFill/>
+                  </a:tcPr>
+                </a:tc>
+                <a:tc>
+                  <a:txBody>
+                    <a:bodyPr/>
+                    <a:lstStyle/>
+                    <a:p>
+                      <a:r>
+                        <a:rPr lang="en-US" sz="1000" dirty="0" smtClean="0"/>
+                        <a:t>X</a:t>
+                      </a:r>
+                      <a:endParaRPr lang="en-US" sz="1000" dirty="0"/>
+                    </a:p>
+                  </a:txBody>
+                  <a:tcPr marL="111453" marR="111453" marT="55727" marB="55727">
+                    <a:lnL w="12700" cap="flat" cmpd="sng" algn="ctr">
+                      <a:solidFill>
+                        <a:scrgbClr r="0" g="0" b="0"/>
+                      </a:solidFill>
+                      <a:prstDash val="solid"/>
+                      <a:round/>
+                      <a:headEnd type="none" w="med" len="med"/>
+                      <a:tailEnd type="none" w="med" len="med"/>
+                    </a:lnL>
+                    <a:lnR w="12700" cap="flat" cmpd="sng" algn="ctr">
+                      <a:solidFill>
+                        <a:scrgbClr r="0" g="0" b="0"/>
+                      </a:solidFill>
+                      <a:prstDash val="solid"/>
+                      <a:round/>
+                      <a:headEnd type="none" w="med" len="med"/>
+                      <a:tailEnd type="none" w="med" len="med"/>
+                    </a:lnR>
+                    <a:noFill/>
+                  </a:tcPr>
+                </a:tc>
+                <a:tc>
+                  <a:txBody>
+                    <a:bodyPr/>
+                    <a:lstStyle/>
+                    <a:p>
+                      <a:r>
+                        <a:rPr lang="en-US" sz="1000" dirty="0" smtClean="0"/>
+                        <a:t>X</a:t>
+                      </a:r>
+                      <a:endParaRPr lang="en-US" sz="1000" dirty="0"/>
+                    </a:p>
+                  </a:txBody>
+                  <a:tcPr marL="111453" marR="111453" marT="55727" marB="55727">
+                    <a:lnL w="12700" cap="flat" cmpd="sng" algn="ctr">
+                      <a:solidFill>
+                        <a:scrgbClr r="0" g="0" b="0"/>
+                      </a:solidFill>
+                      <a:prstDash val="solid"/>
+                      <a:round/>
+                      <a:headEnd type="none" w="med" len="med"/>
+                      <a:tailEnd type="none" w="med" len="med"/>
+                    </a:lnL>
+                    <a:lnR w="12700" cap="flat" cmpd="sng" algn="ctr">
+                      <a:solidFill>
+                        <a:scrgbClr r="0" g="0" b="0"/>
+                      </a:solidFill>
+                      <a:prstDash val="solid"/>
+                      <a:round/>
+                      <a:headEnd type="none" w="med" len="med"/>
+                      <a:tailEnd type="none" w="med" len="med"/>
+                    </a:lnR>
+                    <a:noFill/>
+                  </a:tcPr>
+                </a:tc>
+                <a:tc>
+                  <a:txBody>
+                    <a:bodyPr/>
+                    <a:lstStyle/>
+                    <a:p>
+                      <a:r>
+                        <a:rPr lang="en-US" sz="1000" dirty="0" smtClean="0"/>
+                        <a:t>2</a:t>
+                      </a:r>
+                      <a:endParaRPr lang="en-US" sz="1000" dirty="0"/>
+                    </a:p>
+                  </a:txBody>
+                  <a:tcPr marL="111453" marR="111453" marT="55727" marB="55727">
+                    <a:lnL w="12700" cap="flat" cmpd="sng" algn="ctr">
+                      <a:solidFill>
+                        <a:scrgbClr r="0" g="0" b="0"/>
+                      </a:solidFill>
+                      <a:prstDash val="solid"/>
+                      <a:round/>
+                      <a:headEnd type="none" w="med" len="med"/>
+                      <a:tailEnd type="none" w="med" len="med"/>
+                    </a:lnL>
+                    <a:lnR w="12700" cap="flat" cmpd="sng" algn="ctr">
+                      <a:solidFill>
+                        <a:scrgbClr r="0" g="0" b="0"/>
+                      </a:solidFill>
+                      <a:prstDash val="solid"/>
+                      <a:round/>
+                      <a:headEnd type="none" w="med" len="med"/>
+                      <a:tailEnd type="none" w="med" len="med"/>
+                    </a:lnR>
+                    <a:noFill/>
+                  </a:tcPr>
+                </a:tc>
+                <a:tc>
+                  <a:txBody>
+                    <a:bodyPr/>
+                    <a:lstStyle/>
+                    <a:p>
+                      <a:r>
+                        <a:rPr lang="en-US" sz="1000" dirty="0" smtClean="0"/>
+                        <a:t>2</a:t>
+                      </a:r>
+                      <a:endParaRPr lang="en-US" sz="1000" dirty="0"/>
+                    </a:p>
+                  </a:txBody>
+                  <a:tcPr marL="111453" marR="111453" marT="55727" marB="55727">
+                    <a:lnL w="12700" cap="flat" cmpd="sng" algn="ctr">
+                      <a:solidFill>
+                        <a:scrgbClr r="0" g="0" b="0"/>
+                      </a:solidFill>
+                      <a:prstDash val="solid"/>
+                      <a:round/>
+                      <a:headEnd type="none" w="med" len="med"/>
+                      <a:tailEnd type="none" w="med" len="med"/>
+                    </a:lnL>
                     <a:noFill/>
                   </a:tcPr>
                 </a:tc>
@@ -49368,6 +50656,582 @@
                       <a:headEnd type="none" w="med" len="med"/>
                       <a:tailEnd type="none" w="med" len="med"/>
                     </a:lnL>
+                    <a:lnR w="12700" cap="flat" cmpd="sng" algn="ctr">
+                      <a:solidFill>
+                        <a:scrgbClr r="0" g="0" b="0"/>
+                      </a:solidFill>
+                      <a:prstDash val="solid"/>
+                      <a:round/>
+                      <a:headEnd type="none" w="med" len="med"/>
+                      <a:tailEnd type="none" w="med" len="med"/>
+                    </a:lnR>
+                    <a:noFill/>
+                  </a:tcPr>
+                </a:tc>
+                <a:tc>
+                  <a:txBody>
+                    <a:bodyPr/>
+                    <a:lstStyle/>
+                    <a:p>
+                      <a:r>
+                        <a:rPr lang="en-US" sz="1000" dirty="0" smtClean="0"/>
+                        <a:t>1</a:t>
+                      </a:r>
+                      <a:endParaRPr lang="en-US" sz="1000" dirty="0"/>
+                    </a:p>
+                  </a:txBody>
+                  <a:tcPr marL="111453" marR="111453" marT="55727" marB="55727">
+                    <a:lnL w="12700" cap="flat" cmpd="sng" algn="ctr">
+                      <a:solidFill>
+                        <a:scrgbClr r="0" g="0" b="0"/>
+                      </a:solidFill>
+                      <a:prstDash val="solid"/>
+                      <a:round/>
+                      <a:headEnd type="none" w="med" len="med"/>
+                      <a:tailEnd type="none" w="med" len="med"/>
+                    </a:lnL>
+                    <a:lnR w="12700" cap="flat" cmpd="sng" algn="ctr">
+                      <a:solidFill>
+                        <a:scrgbClr r="0" g="0" b="0"/>
+                      </a:solidFill>
+                      <a:prstDash val="solid"/>
+                      <a:round/>
+                      <a:headEnd type="none" w="med" len="med"/>
+                      <a:tailEnd type="none" w="med" len="med"/>
+                    </a:lnR>
+                    <a:noFill/>
+                  </a:tcPr>
+                </a:tc>
+                <a:tc>
+                  <a:txBody>
+                    <a:bodyPr/>
+                    <a:lstStyle/>
+                    <a:p>
+                      <a:r>
+                        <a:rPr lang="en-US" sz="1000" dirty="0" smtClean="0"/>
+                        <a:t>0</a:t>
+                      </a:r>
+                      <a:endParaRPr lang="en-US" sz="1000" dirty="0"/>
+                    </a:p>
+                  </a:txBody>
+                  <a:tcPr marL="111453" marR="111453" marT="55727" marB="55727">
+                    <a:lnL w="12700" cap="flat" cmpd="sng" algn="ctr">
+                      <a:solidFill>
+                        <a:scrgbClr r="0" g="0" b="0"/>
+                      </a:solidFill>
+                      <a:prstDash val="solid"/>
+                      <a:round/>
+                      <a:headEnd type="none" w="med" len="med"/>
+                      <a:tailEnd type="none" w="med" len="med"/>
+                    </a:lnL>
+                    <a:lnR w="12700" cap="flat" cmpd="sng" algn="ctr">
+                      <a:solidFill>
+                        <a:scrgbClr r="0" g="0" b="0"/>
+                      </a:solidFill>
+                      <a:prstDash val="solid"/>
+                      <a:round/>
+                      <a:headEnd type="none" w="med" len="med"/>
+                      <a:tailEnd type="none" w="med" len="med"/>
+                    </a:lnR>
+                    <a:noFill/>
+                  </a:tcPr>
+                </a:tc>
+                <a:tc>
+                  <a:txBody>
+                    <a:bodyPr/>
+                    <a:lstStyle/>
+                    <a:p>
+                      <a:r>
+                        <a:rPr lang="en-US" sz="1000" dirty="0" smtClean="0"/>
+                        <a:t>1</a:t>
+                      </a:r>
+                      <a:endParaRPr lang="en-US" sz="1000" dirty="0"/>
+                    </a:p>
+                  </a:txBody>
+                  <a:tcPr marL="111453" marR="111453" marT="55727" marB="55727">
+                    <a:lnL w="12700" cap="flat" cmpd="sng" algn="ctr">
+                      <a:solidFill>
+                        <a:scrgbClr r="0" g="0" b="0"/>
+                      </a:solidFill>
+                      <a:prstDash val="solid"/>
+                      <a:round/>
+                      <a:headEnd type="none" w="med" len="med"/>
+                      <a:tailEnd type="none" w="med" len="med"/>
+                    </a:lnL>
+                    <a:lnR w="12700" cap="flat" cmpd="sng" algn="ctr">
+                      <a:solidFill>
+                        <a:scrgbClr r="0" g="0" b="0"/>
+                      </a:solidFill>
+                      <a:prstDash val="solid"/>
+                      <a:round/>
+                      <a:headEnd type="none" w="med" len="med"/>
+                      <a:tailEnd type="none" w="med" len="med"/>
+                    </a:lnR>
+                    <a:noFill/>
+                  </a:tcPr>
+                </a:tc>
+                <a:tc>
+                  <a:txBody>
+                    <a:bodyPr/>
+                    <a:lstStyle/>
+                    <a:p>
+                      <a:r>
+                        <a:rPr lang="en-US" sz="1000" dirty="0" smtClean="0"/>
+                        <a:t>0</a:t>
+                      </a:r>
+                      <a:endParaRPr lang="en-US" sz="1000" dirty="0"/>
+                    </a:p>
+                  </a:txBody>
+                  <a:tcPr marL="111453" marR="111453" marT="55727" marB="55727">
+                    <a:lnL w="12700" cap="flat" cmpd="sng" algn="ctr">
+                      <a:solidFill>
+                        <a:scrgbClr r="0" g="0" b="0"/>
+                      </a:solidFill>
+                      <a:prstDash val="solid"/>
+                      <a:round/>
+                      <a:headEnd type="none" w="med" len="med"/>
+                      <a:tailEnd type="none" w="med" len="med"/>
+                    </a:lnL>
+                    <a:noFill/>
+                  </a:tcPr>
+                </a:tc>
+              </a:tr>
+              <a:tr h="349866">
+                <a:tc>
+                  <a:txBody>
+                    <a:bodyPr/>
+                    <a:lstStyle/>
+                    <a:p>
+                      <a:r>
+                        <a:rPr lang="en-US" sz="1000" b="1" dirty="0" smtClean="0"/>
+                        <a:t>LOA CRIT</a:t>
+                      </a:r>
+                      <a:endParaRPr lang="en-US" sz="1000" b="1" dirty="0"/>
+                    </a:p>
+                  </a:txBody>
+                  <a:tcPr marL="111453" marR="111453" marT="55727" marB="55727">
+                    <a:noFill/>
+                  </a:tcPr>
+                </a:tc>
+                <a:tc>
+                  <a:txBody>
+                    <a:bodyPr/>
+                    <a:lstStyle/>
+                    <a:p>
+                      <a:r>
+                        <a:rPr lang="en-US" sz="1000" dirty="0" smtClean="0"/>
+                        <a:t>2</a:t>
+                      </a:r>
+                      <a:endParaRPr lang="en-US" sz="1000" dirty="0"/>
+                    </a:p>
+                  </a:txBody>
+                  <a:tcPr marL="111453" marR="111453" marT="55727" marB="55727">
+                    <a:noFill/>
+                  </a:tcPr>
+                </a:tc>
+                <a:tc>
+                  <a:txBody>
+                    <a:bodyPr/>
+                    <a:lstStyle/>
+                    <a:p>
+                      <a:r>
+                        <a:rPr lang="en-US" sz="1000" dirty="0" smtClean="0"/>
+                        <a:t>1</a:t>
+                      </a:r>
+                      <a:endParaRPr lang="en-US" sz="1000" dirty="0"/>
+                    </a:p>
+                  </a:txBody>
+                  <a:tcPr marL="111453" marR="111453" marT="55727" marB="55727">
+                    <a:lnR w="12700" cap="flat" cmpd="sng" algn="ctr">
+                      <a:solidFill>
+                        <a:scrgbClr r="0" g="0" b="0"/>
+                      </a:solidFill>
+                      <a:prstDash val="solid"/>
+                      <a:round/>
+                      <a:headEnd type="none" w="med" len="med"/>
+                      <a:tailEnd type="none" w="med" len="med"/>
+                    </a:lnR>
+                    <a:noFill/>
+                  </a:tcPr>
+                </a:tc>
+                <a:tc>
+                  <a:txBody>
+                    <a:bodyPr/>
+                    <a:lstStyle/>
+                    <a:p>
+                      <a:r>
+                        <a:rPr lang="en-US" sz="1000" dirty="0" smtClean="0"/>
+                        <a:t>1</a:t>
+                      </a:r>
+                      <a:endParaRPr lang="en-US" sz="1000" dirty="0"/>
+                    </a:p>
+                  </a:txBody>
+                  <a:tcPr marL="111453" marR="111453" marT="55727" marB="55727">
+                    <a:lnL w="12700" cap="flat" cmpd="sng" algn="ctr">
+                      <a:solidFill>
+                        <a:scrgbClr r="0" g="0" b="0"/>
+                      </a:solidFill>
+                      <a:prstDash val="solid"/>
+                      <a:round/>
+                      <a:headEnd type="none" w="med" len="med"/>
+                      <a:tailEnd type="none" w="med" len="med"/>
+                    </a:lnL>
+                    <a:lnR w="12700" cap="flat" cmpd="sng" algn="ctr">
+                      <a:solidFill>
+                        <a:scrgbClr r="0" g="0" b="0"/>
+                      </a:solidFill>
+                      <a:prstDash val="solid"/>
+                      <a:round/>
+                      <a:headEnd type="none" w="med" len="med"/>
+                      <a:tailEnd type="none" w="med" len="med"/>
+                    </a:lnR>
+                    <a:noFill/>
+                  </a:tcPr>
+                </a:tc>
+                <a:tc>
+                  <a:txBody>
+                    <a:bodyPr/>
+                    <a:lstStyle/>
+                    <a:p>
+                      <a:r>
+                        <a:rPr lang="en-US" sz="1000" dirty="0" smtClean="0"/>
+                        <a:t>X</a:t>
+                      </a:r>
+                      <a:endParaRPr lang="en-US" sz="1000" dirty="0"/>
+                    </a:p>
+                  </a:txBody>
+                  <a:tcPr marL="111453" marR="111453" marT="55727" marB="55727">
+                    <a:lnL w="12700" cap="flat" cmpd="sng" algn="ctr">
+                      <a:solidFill>
+                        <a:scrgbClr r="0" g="0" b="0"/>
+                      </a:solidFill>
+                      <a:prstDash val="solid"/>
+                      <a:round/>
+                      <a:headEnd type="none" w="med" len="med"/>
+                      <a:tailEnd type="none" w="med" len="med"/>
+                    </a:lnL>
+                    <a:lnR w="12700" cap="flat" cmpd="sng" algn="ctr">
+                      <a:solidFill>
+                        <a:scrgbClr r="0" g="0" b="0"/>
+                      </a:solidFill>
+                      <a:prstDash val="solid"/>
+                      <a:round/>
+                      <a:headEnd type="none" w="med" len="med"/>
+                      <a:tailEnd type="none" w="med" len="med"/>
+                    </a:lnR>
+                    <a:noFill/>
+                  </a:tcPr>
+                </a:tc>
+                <a:tc>
+                  <a:txBody>
+                    <a:bodyPr/>
+                    <a:lstStyle/>
+                    <a:p>
+                      <a:r>
+                        <a:rPr lang="en-US" sz="1000" dirty="0" smtClean="0"/>
+                        <a:t>X</a:t>
+                      </a:r>
+                      <a:endParaRPr lang="en-US" sz="1000" dirty="0"/>
+                    </a:p>
+                  </a:txBody>
+                  <a:tcPr marL="111453" marR="111453" marT="55727" marB="55727">
+                    <a:lnL w="12700" cap="flat" cmpd="sng" algn="ctr">
+                      <a:solidFill>
+                        <a:scrgbClr r="0" g="0" b="0"/>
+                      </a:solidFill>
+                      <a:prstDash val="solid"/>
+                      <a:round/>
+                      <a:headEnd type="none" w="med" len="med"/>
+                      <a:tailEnd type="none" w="med" len="med"/>
+                    </a:lnL>
+                    <a:lnR w="12700" cap="flat" cmpd="sng" algn="ctr">
+                      <a:solidFill>
+                        <a:scrgbClr r="0" g="0" b="0"/>
+                      </a:solidFill>
+                      <a:prstDash val="solid"/>
+                      <a:round/>
+                      <a:headEnd type="none" w="med" len="med"/>
+                      <a:tailEnd type="none" w="med" len="med"/>
+                    </a:lnR>
+                    <a:noFill/>
+                  </a:tcPr>
+                </a:tc>
+                <a:tc>
+                  <a:txBody>
+                    <a:bodyPr/>
+                    <a:lstStyle/>
+                    <a:p>
+                      <a:r>
+                        <a:rPr lang="en-US" sz="1000" dirty="0" smtClean="0"/>
+                        <a:t>2</a:t>
+                      </a:r>
+                      <a:endParaRPr lang="en-US" sz="1000" dirty="0"/>
+                    </a:p>
+                  </a:txBody>
+                  <a:tcPr marL="111453" marR="111453" marT="55727" marB="55727">
+                    <a:lnL w="12700" cap="flat" cmpd="sng" algn="ctr">
+                      <a:solidFill>
+                        <a:scrgbClr r="0" g="0" b="0"/>
+                      </a:solidFill>
+                      <a:prstDash val="solid"/>
+                      <a:round/>
+                      <a:headEnd type="none" w="med" len="med"/>
+                      <a:tailEnd type="none" w="med" len="med"/>
+                    </a:lnL>
+                    <a:lnR w="12700" cap="flat" cmpd="sng" algn="ctr">
+                      <a:solidFill>
+                        <a:scrgbClr r="0" g="0" b="0"/>
+                      </a:solidFill>
+                      <a:prstDash val="solid"/>
+                      <a:round/>
+                      <a:headEnd type="none" w="med" len="med"/>
+                      <a:tailEnd type="none" w="med" len="med"/>
+                    </a:lnR>
+                    <a:noFill/>
+                  </a:tcPr>
+                </a:tc>
+                <a:tc>
+                  <a:txBody>
+                    <a:bodyPr/>
+                    <a:lstStyle/>
+                    <a:p>
+                      <a:r>
+                        <a:rPr lang="en-US" sz="1000" dirty="0" smtClean="0"/>
+                        <a:t>2</a:t>
+                      </a:r>
+                      <a:endParaRPr lang="en-US" sz="1000" dirty="0"/>
+                    </a:p>
+                  </a:txBody>
+                  <a:tcPr marL="111453" marR="111453" marT="55727" marB="55727">
+                    <a:lnL w="12700" cap="flat" cmpd="sng" algn="ctr">
+                      <a:solidFill>
+                        <a:scrgbClr r="0" g="0" b="0"/>
+                      </a:solidFill>
+                      <a:prstDash val="solid"/>
+                      <a:round/>
+                      <a:headEnd type="none" w="med" len="med"/>
+                      <a:tailEnd type="none" w="med" len="med"/>
+                    </a:lnL>
+                    <a:noFill/>
+                  </a:tcPr>
+                </a:tc>
+              </a:tr>
+              <a:tr h="349866">
+                <a:tc>
+                  <a:txBody>
+                    <a:bodyPr/>
+                    <a:lstStyle/>
+                    <a:p>
+                      <a:r>
+                        <a:rPr lang="en-US" sz="1000" b="1" dirty="0" smtClean="0"/>
+                        <a:t>LR PCR</a:t>
+                      </a:r>
+                      <a:endParaRPr lang="en-US" sz="1000" b="1" dirty="0"/>
+                    </a:p>
+                  </a:txBody>
+                  <a:tcPr marL="111453" marR="111453" marT="55727" marB="55727">
+                    <a:noFill/>
+                  </a:tcPr>
+                </a:tc>
+                <a:tc>
+                  <a:txBody>
+                    <a:bodyPr/>
+                    <a:lstStyle/>
+                    <a:p>
+                      <a:r>
+                        <a:rPr lang="en-US" sz="1000" dirty="0" smtClean="0"/>
+                        <a:t>X</a:t>
+                      </a:r>
+                      <a:endParaRPr lang="en-US" sz="1000" dirty="0"/>
+                    </a:p>
+                  </a:txBody>
+                  <a:tcPr marL="111453" marR="111453" marT="55727" marB="55727">
+                    <a:noFill/>
+                  </a:tcPr>
+                </a:tc>
+                <a:tc>
+                  <a:txBody>
+                    <a:bodyPr/>
+                    <a:lstStyle/>
+                    <a:p>
+                      <a:r>
+                        <a:rPr lang="en-US" sz="1000" dirty="0" smtClean="0"/>
+                        <a:t>X</a:t>
+                      </a:r>
+                      <a:endParaRPr lang="en-US" sz="1000" dirty="0"/>
+                    </a:p>
+                  </a:txBody>
+                  <a:tcPr marL="111453" marR="111453" marT="55727" marB="55727">
+                    <a:lnR w="12700" cap="flat" cmpd="sng" algn="ctr">
+                      <a:solidFill>
+                        <a:scrgbClr r="0" g="0" b="0"/>
+                      </a:solidFill>
+                      <a:prstDash val="solid"/>
+                      <a:round/>
+                      <a:headEnd type="none" w="med" len="med"/>
+                      <a:tailEnd type="none" w="med" len="med"/>
+                    </a:lnR>
+                    <a:noFill/>
+                  </a:tcPr>
+                </a:tc>
+                <a:tc>
+                  <a:txBody>
+                    <a:bodyPr/>
+                    <a:lstStyle/>
+                    <a:p>
+                      <a:r>
+                        <a:rPr lang="en-US" sz="1000" dirty="0" smtClean="0"/>
+                        <a:t>X</a:t>
+                      </a:r>
+                      <a:endParaRPr lang="en-US" sz="1000" dirty="0"/>
+                    </a:p>
+                  </a:txBody>
+                  <a:tcPr marL="111453" marR="111453" marT="55727" marB="55727">
+                    <a:lnL w="12700" cap="flat" cmpd="sng" algn="ctr">
+                      <a:solidFill>
+                        <a:scrgbClr r="0" g="0" b="0"/>
+                      </a:solidFill>
+                      <a:prstDash val="solid"/>
+                      <a:round/>
+                      <a:headEnd type="none" w="med" len="med"/>
+                      <a:tailEnd type="none" w="med" len="med"/>
+                    </a:lnL>
+                    <a:lnR w="12700" cap="flat" cmpd="sng" algn="ctr">
+                      <a:solidFill>
+                        <a:scrgbClr r="0" g="0" b="0"/>
+                      </a:solidFill>
+                      <a:prstDash val="solid"/>
+                      <a:round/>
+                      <a:headEnd type="none" w="med" len="med"/>
+                      <a:tailEnd type="none" w="med" len="med"/>
+                    </a:lnR>
+                    <a:noFill/>
+                  </a:tcPr>
+                </a:tc>
+                <a:tc>
+                  <a:txBody>
+                    <a:bodyPr/>
+                    <a:lstStyle/>
+                    <a:p>
+                      <a:r>
+                        <a:rPr lang="en-US" sz="1000" dirty="0" smtClean="0"/>
+                        <a:t>Pass</a:t>
+                      </a:r>
+                      <a:endParaRPr lang="en-US" sz="1000" dirty="0"/>
+                    </a:p>
+                  </a:txBody>
+                  <a:tcPr marL="111453" marR="111453" marT="55727" marB="55727">
+                    <a:lnL w="12700" cap="flat" cmpd="sng" algn="ctr">
+                      <a:solidFill>
+                        <a:scrgbClr r="0" g="0" b="0"/>
+                      </a:solidFill>
+                      <a:prstDash val="solid"/>
+                      <a:round/>
+                      <a:headEnd type="none" w="med" len="med"/>
+                      <a:tailEnd type="none" w="med" len="med"/>
+                    </a:lnL>
+                    <a:lnR w="12700" cap="flat" cmpd="sng" algn="ctr">
+                      <a:solidFill>
+                        <a:scrgbClr r="0" g="0" b="0"/>
+                      </a:solidFill>
+                      <a:prstDash val="solid"/>
+                      <a:round/>
+                      <a:headEnd type="none" w="med" len="med"/>
+                      <a:tailEnd type="none" w="med" len="med"/>
+                    </a:lnR>
+                    <a:noFill/>
+                  </a:tcPr>
+                </a:tc>
+                <a:tc>
+                  <a:txBody>
+                    <a:bodyPr/>
+                    <a:lstStyle/>
+                    <a:p>
+                      <a:r>
+                        <a:rPr lang="en-US" sz="1000" dirty="0" smtClean="0"/>
+                        <a:t>Pass</a:t>
+                      </a:r>
+                      <a:endParaRPr lang="en-US" sz="1000" dirty="0"/>
+                    </a:p>
+                  </a:txBody>
+                  <a:tcPr marL="111453" marR="111453" marT="55727" marB="55727">
+                    <a:lnL w="12700" cap="flat" cmpd="sng" algn="ctr">
+                      <a:solidFill>
+                        <a:scrgbClr r="0" g="0" b="0"/>
+                      </a:solidFill>
+                      <a:prstDash val="solid"/>
+                      <a:round/>
+                      <a:headEnd type="none" w="med" len="med"/>
+                      <a:tailEnd type="none" w="med" len="med"/>
+                    </a:lnL>
+                    <a:lnR w="12700" cap="flat" cmpd="sng" algn="ctr">
+                      <a:solidFill>
+                        <a:scrgbClr r="0" g="0" b="0"/>
+                      </a:solidFill>
+                      <a:prstDash val="solid"/>
+                      <a:round/>
+                      <a:headEnd type="none" w="med" len="med"/>
+                      <a:tailEnd type="none" w="med" len="med"/>
+                    </a:lnR>
+                    <a:noFill/>
+                  </a:tcPr>
+                </a:tc>
+                <a:tc>
+                  <a:txBody>
+                    <a:bodyPr/>
+                    <a:lstStyle/>
+                    <a:p>
+                      <a:r>
+                        <a:rPr lang="en-US" sz="1000" dirty="0" smtClean="0"/>
+                        <a:t>X</a:t>
+                      </a:r>
+                      <a:endParaRPr lang="en-US" sz="1000" dirty="0"/>
+                    </a:p>
+                  </a:txBody>
+                  <a:tcPr marL="111453" marR="111453" marT="55727" marB="55727">
+                    <a:lnL w="12700" cap="flat" cmpd="sng" algn="ctr">
+                      <a:solidFill>
+                        <a:scrgbClr r="0" g="0" b="0"/>
+                      </a:solidFill>
+                      <a:prstDash val="solid"/>
+                      <a:round/>
+                      <a:headEnd type="none" w="med" len="med"/>
+                      <a:tailEnd type="none" w="med" len="med"/>
+                    </a:lnL>
+                    <a:lnR w="12700" cap="flat" cmpd="sng" algn="ctr">
+                      <a:solidFill>
+                        <a:scrgbClr r="0" g="0" b="0"/>
+                      </a:solidFill>
+                      <a:prstDash val="solid"/>
+                      <a:round/>
+                      <a:headEnd type="none" w="med" len="med"/>
+                      <a:tailEnd type="none" w="med" len="med"/>
+                    </a:lnR>
+                    <a:noFill/>
+                  </a:tcPr>
+                </a:tc>
+                <a:tc>
+                  <a:txBody>
+                    <a:bodyPr/>
+                    <a:lstStyle/>
+                    <a:p>
+                      <a:r>
+                        <a:rPr lang="en-US" sz="1000" dirty="0" smtClean="0"/>
+                        <a:t>X</a:t>
+                      </a:r>
+                      <a:endParaRPr lang="en-US" sz="1000" dirty="0"/>
+                    </a:p>
+                  </a:txBody>
+                  <a:tcPr marL="111453" marR="111453" marT="55727" marB="55727">
+                    <a:lnL w="12700" cap="flat" cmpd="sng" algn="ctr">
+                      <a:solidFill>
+                        <a:scrgbClr r="0" g="0" b="0"/>
+                      </a:solidFill>
+                      <a:prstDash val="solid"/>
+                      <a:round/>
+                      <a:headEnd type="none" w="med" len="med"/>
+                      <a:tailEnd type="none" w="med" len="med"/>
+                    </a:lnL>
                     <a:noFill/>
                   </a:tcPr>
                 </a:tc>
@@ -49385,7 +51249,7 @@
         <p:spPr>
           <a:xfrm>
             <a:off x="1557543" y="1140251"/>
-            <a:ext cx="534872" cy="369332"/>
+            <a:ext cx="955059" cy="369332"/>
           </a:xfrm>
           <a:prstGeom prst="rect">
             <a:avLst/>
@@ -49399,11 +51263,7 @@
           <a:p>
             <a:r>
               <a:rPr lang="en-US" i="1" dirty="0" smtClean="0"/>
-              <a:t>EP</a:t>
-            </a:r>
-            <a:r>
-              <a:rPr lang="en-US" i="1" dirty="0" smtClean="0"/>
-              <a:t>:</a:t>
+              <a:t>EP/PIQ:</a:t>
             </a:r>
             <a:endParaRPr lang="en-US" i="1" dirty="0"/>
           </a:p>
@@ -49417,8 +51277,8 @@
         </p:nvSpPr>
         <p:spPr>
           <a:xfrm>
-            <a:off x="615042" y="3470506"/>
-            <a:ext cx="3538329" cy="1938992"/>
+            <a:off x="615042" y="4312997"/>
+            <a:ext cx="3538329" cy="2123658"/>
           </a:xfrm>
           <a:prstGeom prst="rect">
             <a:avLst/>
@@ -49433,11 +51293,7 @@
           <a:p>
             <a:r>
               <a:rPr lang="en-US" sz="1200" b="1" u="sng" dirty="0" smtClean="0"/>
-              <a:t>EP</a:t>
-            </a:r>
-            <a:r>
-              <a:rPr lang="en-US" sz="1200" b="1" u="sng" dirty="0" smtClean="0"/>
-              <a:t>:</a:t>
+              <a:t>EP:</a:t>
             </a:r>
           </a:p>
           <a:p>
@@ -49518,6 +51374,20 @@
           </a:p>
           <a:p>
             <a:r>
+              <a:rPr lang="en-US" sz="1200" dirty="0" err="1" smtClean="0"/>
+              <a:t>lrpcr</a:t>
+            </a:r>
+            <a:r>
+              <a:rPr lang="en-US" sz="1200" dirty="0" smtClean="0"/>
+              <a:t> check is done if LOA DEL is absent or fails</a:t>
+            </a:r>
+            <a:endParaRPr lang="en-US" sz="1200" dirty="0" smtClean="0"/>
+          </a:p>
+          <a:p>
+            <a:endParaRPr lang="en-US" sz="1200" dirty="0"/>
+          </a:p>
+          <a:p>
+            <a:r>
               <a:rPr lang="en-US" sz="1200" dirty="0"/>
               <a:t>In addition to these tests they must all pass chromosome tests </a:t>
             </a:r>
@@ -49527,11 +51397,19 @@
             </a:r>
             <a:r>
               <a:rPr lang="en-US" sz="1200" dirty="0"/>
-              <a:t> and Chr8, and if the LOA DEL test fails then LRPCR primer bands can be </a:t>
+              <a:t> and </a:t>
             </a:r>
             <a:r>
               <a:rPr lang="en-US" sz="1200" dirty="0" smtClean="0"/>
-              <a:t>checked</a:t>
+              <a:t>Chr8a (pass or </a:t>
+            </a:r>
+            <a:r>
+              <a:rPr lang="en-US" sz="1200" dirty="0" err="1" smtClean="0"/>
+              <a:t>passb</a:t>
+            </a:r>
+            <a:r>
+              <a:rPr lang="en-US" sz="1200" dirty="0" smtClean="0"/>
+              <a:t>).</a:t>
             </a:r>
             <a:endParaRPr lang="en-US" sz="1200" dirty="0" smtClean="0"/>
           </a:p>
@@ -49539,7 +51417,7 @@
       </p:sp>
       <p:sp>
         <p:nvSpPr>
-          <p:cNvPr id="139" name="TextBox 138"/>
+          <p:cNvPr id="48" name="TextBox 47"/>
           <p:cNvSpPr txBox="1"/>
           <p:nvPr/>
         </p:nvSpPr>
@@ -49567,7 +51445,27 @@
                   </a:schemeClr>
                 </a:solidFill>
               </a:rPr>
-              <a:t>version 1.2 Nov 7th 2013</a:t>
+              <a:t>version </a:t>
+            </a:r>
+            <a:r>
+              <a:rPr lang="en-US" sz="1400" dirty="0" smtClean="0">
+                <a:solidFill>
+                  <a:schemeClr val="bg1">
+                    <a:lumMod val="75000"/>
+                  </a:schemeClr>
+                </a:solidFill>
+              </a:rPr>
+              <a:t>1.3 Dec 19th </a:t>
+            </a:r>
+            <a:r>
+              <a:rPr lang="en-US" sz="1400" dirty="0" smtClean="0">
+                <a:solidFill>
+                  <a:schemeClr val="bg1">
+                    <a:lumMod val="75000"/>
+                  </a:schemeClr>
+                </a:solidFill>
+              </a:rPr>
+              <a:t>2013</a:t>
             </a:r>
             <a:endParaRPr lang="en-US" sz="1400" dirty="0">
               <a:solidFill>
